--- a/doc/GIot_Session(win7).pptx
+++ b/doc/GIot_Session(win7).pptx
@@ -5,54 +5,55 @@
     <p:sldMasterId id="2147483648" r:id="rId1"/>
   </p:sldMasterIdLst>
   <p:notesMasterIdLst>
-    <p:notesMasterId r:id="rId47"/>
+    <p:notesMasterId r:id="rId48"/>
   </p:notesMasterIdLst>
   <p:sldIdLst>
     <p:sldId id="256" r:id="rId2"/>
     <p:sldId id="257" r:id="rId3"/>
-    <p:sldId id="312" r:id="rId4"/>
-    <p:sldId id="310" r:id="rId5"/>
-    <p:sldId id="260" r:id="rId6"/>
-    <p:sldId id="315" r:id="rId7"/>
-    <p:sldId id="313" r:id="rId8"/>
-    <p:sldId id="314" r:id="rId9"/>
-    <p:sldId id="264" r:id="rId10"/>
-    <p:sldId id="308" r:id="rId11"/>
+    <p:sldId id="317" r:id="rId4"/>
+    <p:sldId id="312" r:id="rId5"/>
+    <p:sldId id="310" r:id="rId6"/>
+    <p:sldId id="260" r:id="rId7"/>
+    <p:sldId id="315" r:id="rId8"/>
+    <p:sldId id="313" r:id="rId9"/>
+    <p:sldId id="314" r:id="rId10"/>
+    <p:sldId id="264" r:id="rId11"/>
     <p:sldId id="311" r:id="rId12"/>
     <p:sldId id="309" r:id="rId13"/>
-    <p:sldId id="274" r:id="rId14"/>
-    <p:sldId id="316" r:id="rId15"/>
-    <p:sldId id="276" r:id="rId16"/>
-    <p:sldId id="277" r:id="rId17"/>
-    <p:sldId id="278" r:id="rId18"/>
-    <p:sldId id="306" r:id="rId19"/>
-    <p:sldId id="307" r:id="rId20"/>
-    <p:sldId id="279" r:id="rId21"/>
-    <p:sldId id="280" r:id="rId22"/>
-    <p:sldId id="281" r:id="rId23"/>
-    <p:sldId id="282" r:id="rId24"/>
-    <p:sldId id="283" r:id="rId25"/>
-    <p:sldId id="284" r:id="rId26"/>
-    <p:sldId id="285" r:id="rId27"/>
-    <p:sldId id="286" r:id="rId28"/>
-    <p:sldId id="287" r:id="rId29"/>
-    <p:sldId id="288" r:id="rId30"/>
-    <p:sldId id="289" r:id="rId31"/>
-    <p:sldId id="290" r:id="rId32"/>
-    <p:sldId id="291" r:id="rId33"/>
-    <p:sldId id="292" r:id="rId34"/>
-    <p:sldId id="293" r:id="rId35"/>
-    <p:sldId id="294" r:id="rId36"/>
-    <p:sldId id="295" r:id="rId37"/>
-    <p:sldId id="296" r:id="rId38"/>
-    <p:sldId id="298" r:id="rId39"/>
-    <p:sldId id="299" r:id="rId40"/>
-    <p:sldId id="300" r:id="rId41"/>
-    <p:sldId id="301" r:id="rId42"/>
-    <p:sldId id="302" r:id="rId43"/>
-    <p:sldId id="303" r:id="rId44"/>
-    <p:sldId id="304" r:id="rId45"/>
-    <p:sldId id="305" r:id="rId46"/>
+    <p:sldId id="318" r:id="rId14"/>
+    <p:sldId id="274" r:id="rId15"/>
+    <p:sldId id="316" r:id="rId16"/>
+    <p:sldId id="276" r:id="rId17"/>
+    <p:sldId id="277" r:id="rId18"/>
+    <p:sldId id="278" r:id="rId19"/>
+    <p:sldId id="306" r:id="rId20"/>
+    <p:sldId id="307" r:id="rId21"/>
+    <p:sldId id="279" r:id="rId22"/>
+    <p:sldId id="280" r:id="rId23"/>
+    <p:sldId id="281" r:id="rId24"/>
+    <p:sldId id="282" r:id="rId25"/>
+    <p:sldId id="283" r:id="rId26"/>
+    <p:sldId id="284" r:id="rId27"/>
+    <p:sldId id="285" r:id="rId28"/>
+    <p:sldId id="286" r:id="rId29"/>
+    <p:sldId id="287" r:id="rId30"/>
+    <p:sldId id="288" r:id="rId31"/>
+    <p:sldId id="289" r:id="rId32"/>
+    <p:sldId id="290" r:id="rId33"/>
+    <p:sldId id="291" r:id="rId34"/>
+    <p:sldId id="292" r:id="rId35"/>
+    <p:sldId id="293" r:id="rId36"/>
+    <p:sldId id="294" r:id="rId37"/>
+    <p:sldId id="295" r:id="rId38"/>
+    <p:sldId id="296" r:id="rId39"/>
+    <p:sldId id="298" r:id="rId40"/>
+    <p:sldId id="299" r:id="rId41"/>
+    <p:sldId id="300" r:id="rId42"/>
+    <p:sldId id="301" r:id="rId43"/>
+    <p:sldId id="302" r:id="rId44"/>
+    <p:sldId id="303" r:id="rId45"/>
+    <p:sldId id="304" r:id="rId46"/>
+    <p:sldId id="305" r:id="rId47"/>
   </p:sldIdLst>
   <p:sldSz cx="9144000" cy="6858000" type="screen4x3"/>
   <p:notesSz cx="6858000" cy="9144000"/>
@@ -356,7 +357,7 @@
   </p:defaultTextStyle>
   <p:extLst>
     <p:ext uri="{EFAFB233-063F-42B5-8137-9DF3F51BA10A}">
-      <p15:sldGuideLst xmlns="" xmlns:p15="http://schemas.microsoft.com/office/powerpoint/2012/main"/>
+      <p15:sldGuideLst xmlns:p15="http://schemas.microsoft.com/office/powerpoint/2012/main" xmlns=""/>
     </p:ext>
   </p:extLst>
 </p:presentation>
@@ -3595,7 +3596,7 @@
           </a:ln>
           <a:extLst>
             <a:ext uri="{C572A759-6A51-4108-AA02-DFA0A04FC94B}">
-              <ma14:wrappingTextBoxFlag xmlns="" xmlns:ma14="http://schemas.microsoft.com/office/mac/drawingml/2011/main" val="1"/>
+              <ma14:wrappingTextBoxFlag xmlns:ma14="http://schemas.microsoft.com/office/mac/drawingml/2011/main" xmlns="" val="1"/>
             </a:ext>
           </a:extLst>
         </p:spPr>
@@ -3639,7 +3640,7 @@
           </a:ln>
           <a:extLst>
             <a:ext uri="{C572A759-6A51-4108-AA02-DFA0A04FC94B}">
-              <ma14:wrappingTextBoxFlag xmlns="" xmlns:ma14="http://schemas.microsoft.com/office/mac/drawingml/2011/main" val="1"/>
+              <ma14:wrappingTextBoxFlag xmlns:ma14="http://schemas.microsoft.com/office/mac/drawingml/2011/main" xmlns="" val="1"/>
             </a:ext>
           </a:extLst>
         </p:spPr>
@@ -5282,7 +5283,7 @@
           </a:ln>
           <a:extLst>
             <a:ext uri="{C572A759-6A51-4108-AA02-DFA0A04FC94B}">
-              <ma14:wrappingTextBoxFlag xmlns="" xmlns:ma14="http://schemas.microsoft.com/office/mac/drawingml/2011/main" val="1"/>
+              <ma14:wrappingTextBoxFlag xmlns:ma14="http://schemas.microsoft.com/office/mac/drawingml/2011/main" xmlns="" val="1"/>
             </a:ext>
           </a:extLst>
         </p:spPr>
@@ -5326,7 +5327,7 @@
           </a:ln>
           <a:extLst>
             <a:ext uri="{C572A759-6A51-4108-AA02-DFA0A04FC94B}">
-              <ma14:wrappingTextBoxFlag xmlns="" xmlns:ma14="http://schemas.microsoft.com/office/mac/drawingml/2011/main" val="1"/>
+              <ma14:wrappingTextBoxFlag xmlns:ma14="http://schemas.microsoft.com/office/mac/drawingml/2011/main" xmlns="" val="1"/>
             </a:ext>
           </a:extLst>
         </p:spPr>
@@ -5386,7 +5387,7 @@
           </a:ln>
           <a:extLst>
             <a:ext uri="{C572A759-6A51-4108-AA02-DFA0A04FC94B}">
-              <ma14:wrappingTextBoxFlag xmlns="" xmlns:ma14="http://schemas.microsoft.com/office/mac/drawingml/2011/main" val="1"/>
+              <ma14:wrappingTextBoxFlag xmlns:ma14="http://schemas.microsoft.com/office/mac/drawingml/2011/main" xmlns="" val="1"/>
             </a:ext>
           </a:extLst>
         </p:spPr>
@@ -5425,7 +5426,7 @@
           </a:ln>
           <a:extLst>
             <a:ext uri="{C572A759-6A51-4108-AA02-DFA0A04FC94B}">
-              <ma14:wrappingTextBoxFlag xmlns="" xmlns:ma14="http://schemas.microsoft.com/office/mac/drawingml/2011/main" val="1"/>
+              <ma14:wrappingTextBoxFlag xmlns:ma14="http://schemas.microsoft.com/office/mac/drawingml/2011/main" xmlns="" val="1"/>
             </a:ext>
           </a:extLst>
         </p:spPr>
@@ -6480,7 +6481,7 @@
           </a:ln>
           <a:extLst>
             <a:ext uri="{C572A759-6A51-4108-AA02-DFA0A04FC94B}">
-              <ma14:wrappingTextBoxFlag xmlns="" xmlns:ma14="http://schemas.microsoft.com/office/mac/drawingml/2011/main" val="1"/>
+              <ma14:wrappingTextBoxFlag xmlns:ma14="http://schemas.microsoft.com/office/mac/drawingml/2011/main" xmlns="" val="1"/>
             </a:ext>
           </a:extLst>
         </p:spPr>
@@ -6540,7 +6541,7 @@
       </p:grpSpPr>
       <p:sp>
         <p:nvSpPr>
-          <p:cNvPr id="454" name="Shape 454"/>
+          <p:cNvPr id="269" name="Shape 269"/>
           <p:cNvSpPr>
             <a:spLocks noGrp="1"/>
           </p:cNvSpPr>
@@ -6550,8 +6551,8 @@
         </p:nvSpPr>
         <p:spPr>
           <a:xfrm>
-            <a:off x="569912" y="152400"/>
-            <a:ext cx="7772401" cy="899915"/>
+            <a:off x="685798" y="152400"/>
+            <a:ext cx="7772404" cy="899915"/>
           </a:xfrm>
           <a:prstGeom prst="rect">
             <a:avLst/>
@@ -6561,7 +6562,7 @@
           <a:bodyPr/>
           <a:lstStyle>
             <a:lvl1pPr algn="ctr">
-              <a:defRPr sz="4800" b="0" cap="none">
+              <a:defRPr sz="5200" b="0" cap="none">
                 <a:solidFill>
                   <a:srgbClr val="FFFFFF"/>
                 </a:solidFill>
@@ -6570,24 +6571,199 @@
           </a:lstStyle>
           <a:p>
             <a:r>
-              <a:rPr dirty="0" err="1" smtClean="0"/>
+              <a:t>MQTT是什麼？</a:t>
+            </a:r>
+          </a:p>
+        </p:txBody>
+      </p:sp>
+      <p:sp>
+        <p:nvSpPr>
+          <p:cNvPr id="270" name="Shape 270"/>
+          <p:cNvSpPr>
+            <a:spLocks noGrp="1"/>
+          </p:cNvSpPr>
+          <p:nvPr>
+            <p:ph type="body" idx="1"/>
+          </p:nvPr>
+        </p:nvSpPr>
+        <p:spPr>
+          <a:xfrm>
+            <a:off x="579780" y="1086678"/>
+            <a:ext cx="7772404" cy="2981739"/>
+          </a:xfrm>
+          <a:prstGeom prst="rect">
+            <a:avLst/>
+          </a:prstGeom>
+        </p:spPr>
+        <p:txBody>
+          <a:bodyPr>
+            <a:normAutofit/>
+          </a:bodyPr>
+          <a:lstStyle/>
+          <a:p>
+            <a:pPr algn="just" defTabSz="706097">
+              <a:lnSpc>
+                <a:spcPct val="115000"/>
+              </a:lnSpc>
+              <a:spcBef>
+                <a:spcPts val="1100"/>
+              </a:spcBef>
+              <a:defRPr b="0">
+                <a:solidFill>
+                  <a:srgbClr val="585858"/>
+                </a:solidFill>
+                <a:latin typeface="Arial"/>
+                <a:ea typeface="Arial"/>
+                <a:cs typeface="Arial"/>
+                <a:sym typeface="Arial"/>
+              </a:defRPr>
+            </a:pPr>
+            <a:r>
+              <a:rPr lang="en-US" altLang="zh-TW" dirty="0" smtClean="0"/>
+              <a:t>MQTT</a:t>
+            </a:r>
+            <a:r>
+              <a:rPr lang="zh-TW" altLang="en-US" dirty="0" smtClean="0"/>
+              <a:t>是一個 </a:t>
+            </a:r>
+            <a:r>
+              <a:rPr lang="en-US" altLang="zh-TW" dirty="0" smtClean="0"/>
+              <a:t>machine-to-machine (M2M) </a:t>
+            </a:r>
+            <a:r>
+              <a:rPr lang="zh-TW" altLang="en-US" dirty="0" smtClean="0"/>
+              <a:t>的發佈</a:t>
+            </a:r>
+            <a:r>
+              <a:rPr lang="en-US" altLang="zh-TW" dirty="0" smtClean="0"/>
+              <a:t>(Publish)/</a:t>
+            </a:r>
+            <a:r>
+              <a:rPr lang="zh-TW" altLang="en-US" dirty="0" smtClean="0"/>
               <a:t>訂閱</a:t>
             </a:r>
             <a:r>
+              <a:rPr lang="en-US" altLang="zh-TW" dirty="0" smtClean="0"/>
+              <a:t>(Subscribe)</a:t>
+            </a:r>
+            <a:r>
               <a:rPr lang="zh-TW" altLang="en-US" dirty="0" smtClean="0"/>
-              <a:t>及後台處理</a:t>
-            </a:r>
-            <a:r>
-              <a:rPr dirty="0" err="1" smtClean="0"/>
-              <a:t>流程</a:t>
-            </a:r>
-            <a:endParaRPr dirty="0"/>
+              <a:t>訊息的傳輸協定，簡單來說當發佈者將訊息送至</a:t>
+            </a:r>
+            <a:r>
+              <a:rPr lang="en-US" altLang="zh-TW" dirty="0" smtClean="0"/>
+              <a:t>Topic</a:t>
+            </a:r>
+            <a:r>
+              <a:rPr lang="zh-TW" altLang="en-US" dirty="0" smtClean="0"/>
+              <a:t>平台，而</a:t>
+            </a:r>
+            <a:r>
+              <a:rPr lang="en-US" altLang="zh-TW" dirty="0" smtClean="0"/>
+              <a:t>Topic</a:t>
+            </a:r>
+            <a:r>
+              <a:rPr lang="zh-TW" altLang="en-US" dirty="0" smtClean="0"/>
+              <a:t>會將這個訊息送到所註冊的訂閱者。</a:t>
+            </a:r>
+            <a:endParaRPr lang="en-US" altLang="zh-TW" dirty="0" smtClean="0"/>
+          </a:p>
+          <a:p>
+            <a:pPr algn="just" defTabSz="706097">
+              <a:lnSpc>
+                <a:spcPct val="115000"/>
+              </a:lnSpc>
+              <a:spcBef>
+                <a:spcPts val="1100"/>
+              </a:spcBef>
+              <a:defRPr b="0">
+                <a:solidFill>
+                  <a:srgbClr val="585858"/>
+                </a:solidFill>
+                <a:latin typeface="Arial"/>
+                <a:ea typeface="Arial"/>
+                <a:cs typeface="Arial"/>
+                <a:sym typeface="Arial"/>
+              </a:defRPr>
+            </a:pPr>
+            <a:r>
+              <a:rPr lang="en-US" altLang="zh-TW" dirty="0" smtClean="0"/>
+              <a:t>Publisher</a:t>
+            </a:r>
+            <a:r>
+              <a:rPr lang="zh-TW" altLang="en-US" dirty="0" smtClean="0"/>
+              <a:t>為訊息的來源，它會將訊息發送給</a:t>
+            </a:r>
+            <a:r>
+              <a:rPr lang="en-US" altLang="zh-TW" dirty="0" smtClean="0"/>
+              <a:t>Broker(Topic)</a:t>
+            </a:r>
+            <a:r>
+              <a:rPr lang="zh-TW" altLang="en-US" dirty="0" smtClean="0"/>
+              <a:t>，而</a:t>
+            </a:r>
+            <a:r>
+              <a:rPr lang="en-US" altLang="zh-TW" dirty="0" smtClean="0"/>
+              <a:t>Subscriber</a:t>
+            </a:r>
+            <a:r>
+              <a:rPr lang="zh-TW" altLang="en-US" dirty="0" smtClean="0"/>
+              <a:t>向</a:t>
+            </a:r>
+            <a:r>
+              <a:rPr lang="en-US" altLang="zh-TW" dirty="0" smtClean="0"/>
+              <a:t>Broker</a:t>
+            </a:r>
+            <a:r>
+              <a:rPr lang="zh-TW" altLang="en-US" dirty="0" smtClean="0"/>
+              <a:t>註冊，表示他們想要接收此</a:t>
+            </a:r>
+            <a:r>
+              <a:rPr lang="en-US" altLang="zh-TW" dirty="0" smtClean="0"/>
+              <a:t>Topic</a:t>
+            </a:r>
+            <a:r>
+              <a:rPr lang="zh-TW" altLang="en-US" dirty="0" smtClean="0"/>
+              <a:t>的訊息；因此當有某個</a:t>
+            </a:r>
+            <a:r>
+              <a:rPr lang="en-US" altLang="zh-TW" dirty="0" smtClean="0"/>
+              <a:t>Publisher</a:t>
+            </a:r>
+            <a:r>
+              <a:rPr lang="zh-TW" altLang="en-US" dirty="0" smtClean="0"/>
+              <a:t>對</a:t>
+            </a:r>
+            <a:r>
+              <a:rPr lang="en-US" altLang="zh-TW" dirty="0" smtClean="0"/>
+              <a:t>Broker</a:t>
+            </a:r>
+            <a:r>
+              <a:rPr lang="zh-TW" altLang="en-US" dirty="0" smtClean="0"/>
+              <a:t>發送訊息時，只要是有對此</a:t>
+            </a:r>
+            <a:r>
+              <a:rPr lang="en-US" altLang="zh-TW" dirty="0" smtClean="0"/>
+              <a:t>Broker</a:t>
+            </a:r>
+            <a:r>
+              <a:rPr lang="zh-TW" altLang="en-US" dirty="0" smtClean="0"/>
+              <a:t>註冊的</a:t>
+            </a:r>
+            <a:r>
+              <a:rPr lang="en-US" altLang="zh-TW" dirty="0" smtClean="0"/>
+              <a:t>Subscriber</a:t>
+            </a:r>
+            <a:r>
+              <a:rPr lang="zh-TW" altLang="en-US" dirty="0" smtClean="0"/>
+              <a:t>，都會收到此則訊息。</a:t>
+            </a:r>
           </a:p>
         </p:txBody>
       </p:sp>
       <p:pic>
         <p:nvPicPr>
-          <p:cNvPr id="455" name="螢幕快照 2016-07-14 下午12.45.50.png"/>
+          <p:cNvPr id="5" name="image8.png"/>
           <p:cNvPicPr>
             <a:picLocks noChangeAspect="1"/>
           </p:cNvPicPr>
@@ -6603,8 +6779,8 @@
         </p:blipFill>
         <p:spPr>
           <a:xfrm>
-            <a:off x="385464" y="1202334"/>
-            <a:ext cx="8141297" cy="4819847"/>
+            <a:off x="384313" y="4174435"/>
+            <a:ext cx="8428383" cy="2524539"/>
           </a:xfrm>
           <a:prstGeom prst="rect">
             <a:avLst/>
@@ -6614,6 +6790,57 @@
           </a:ln>
         </p:spPr>
       </p:pic>
+      <p:sp>
+        <p:nvSpPr>
+          <p:cNvPr id="6" name="Shape 275"/>
+          <p:cNvSpPr/>
+          <p:nvPr/>
+        </p:nvSpPr>
+        <p:spPr>
+          <a:xfrm>
+            <a:off x="527768" y="3649900"/>
+            <a:ext cx="8013411" cy="383819"/>
+          </a:xfrm>
+          <a:prstGeom prst="rect">
+            <a:avLst/>
+          </a:prstGeom>
+          <a:ln w="12700">
+            <a:miter lim="400000"/>
+          </a:ln>
+          <a:extLst>
+            <a:ext uri="{C572A759-6A51-4108-AA02-DFA0A04FC94B}">
+              <ma14:wrappingTextBoxFlag xmlns:ma14="http://schemas.microsoft.com/office/mac/drawingml/2011/main" xmlns="" val="1"/>
+            </a:ext>
+          </a:extLst>
+        </p:spPr>
+        <p:txBody>
+          <a:bodyPr lIns="45718" tIns="45718" rIns="45718" bIns="45718">
+            <a:spAutoFit/>
+          </a:bodyPr>
+          <a:lstStyle>
+            <a:lvl1pPr>
+              <a:lnSpc>
+                <a:spcPct val="115000"/>
+              </a:lnSpc>
+              <a:spcBef>
+                <a:spcPts val="1600"/>
+              </a:spcBef>
+              <a:defRPr>
+                <a:solidFill>
+                  <a:srgbClr val="585858"/>
+                </a:solidFill>
+                <a:latin typeface="Arial"/>
+                <a:ea typeface="Arial"/>
+                <a:cs typeface="Arial"/>
+                <a:sym typeface="Arial"/>
+              </a:defRPr>
+            </a:lvl1pPr>
+          </a:lstStyle>
+          <a:p>
+            <a:endParaRPr dirty="0"/>
+          </a:p>
+        </p:txBody>
+      </p:sp>
     </p:spTree>
   </p:cSld>
   <p:clrMapOvr>
@@ -6765,7 +6992,7 @@
           </a:ln>
           <a:extLst>
             <a:ext uri="{C572A759-6A51-4108-AA02-DFA0A04FC94B}">
-              <ma14:wrappingTextBoxFlag xmlns="" xmlns:ma14="http://schemas.microsoft.com/office/mac/drawingml/2011/main" val="1"/>
+              <ma14:wrappingTextBoxFlag xmlns:ma14="http://schemas.microsoft.com/office/mac/drawingml/2011/main" xmlns="" val="1"/>
             </a:ext>
           </a:extLst>
         </p:spPr>
@@ -7242,7 +7469,7 @@
           </a:ln>
           <a:extLst>
             <a:ext uri="{C572A759-6A51-4108-AA02-DFA0A04FC94B}">
-              <ma14:wrappingTextBoxFlag xmlns="" xmlns:ma14="http://schemas.microsoft.com/office/mac/drawingml/2011/main" val="1"/>
+              <ma14:wrappingTextBoxFlag xmlns:ma14="http://schemas.microsoft.com/office/mac/drawingml/2011/main" xmlns="" val="1"/>
             </a:ext>
           </a:extLst>
         </p:spPr>
@@ -7273,6 +7500,38 @@
               <a:t>安裝及應用</a:t>
             </a:r>
             <a:endParaRPr dirty="0"/>
+          </a:p>
+        </p:txBody>
+      </p:sp>
+      <p:sp>
+        <p:nvSpPr>
+          <p:cNvPr id="4" name="矩形 3"/>
+          <p:cNvSpPr/>
+          <p:nvPr/>
+        </p:nvSpPr>
+        <p:spPr>
+          <a:xfrm>
+            <a:off x="2475111" y="3244334"/>
+            <a:ext cx="4193777" cy="369332"/>
+          </a:xfrm>
+          <a:prstGeom prst="rect">
+            <a:avLst/>
+          </a:prstGeom>
+        </p:spPr>
+        <p:txBody>
+          <a:bodyPr wrap="none">
+            <a:spAutoFit/>
+          </a:bodyPr>
+          <a:lstStyle/>
+          <a:p>
+            <a:r>
+              <a:rPr lang="en-US" altLang="zh-TW" dirty="0" smtClean="0">
+                <a:sym typeface="Arial"/>
+                <a:hlinkClick r:id="rId3"/>
+              </a:rPr>
+              <a:t>https://github.com/node-red/node-red.git</a:t>
+            </a:r>
+            <a:endParaRPr lang="zh-TW" altLang="en-US" dirty="0"/>
           </a:p>
         </p:txBody>
       </p:sp>
@@ -7293,6 +7552,318 @@
 </file>
 
 <file path=ppt/slides/slide13.xml><?xml version="1.0" encoding="utf-8"?>
+<p:sld xmlns:a="http://schemas.openxmlformats.org/drawingml/2006/main" xmlns:r="http://schemas.openxmlformats.org/officeDocument/2006/relationships" xmlns:p="http://schemas.openxmlformats.org/presentationml/2006/main">
+  <p:cSld>
+    <p:spTree>
+      <p:nvGrpSpPr>
+        <p:cNvPr id="1" name=""/>
+        <p:cNvGrpSpPr/>
+        <p:nvPr/>
+      </p:nvGrpSpPr>
+      <p:grpSpPr>
+        <a:xfrm>
+          <a:off x="0" y="0"/>
+          <a:ext cx="0" cy="0"/>
+          <a:chOff x="0" y="0"/>
+          <a:chExt cx="0" cy="0"/>
+        </a:xfrm>
+      </p:grpSpPr>
+      <p:sp>
+        <p:nvSpPr>
+          <p:cNvPr id="249" name="Shape 249"/>
+          <p:cNvSpPr>
+            <a:spLocks noGrp="1"/>
+          </p:cNvSpPr>
+          <p:nvPr>
+            <p:ph type="body" idx="1"/>
+          </p:nvPr>
+        </p:nvSpPr>
+        <p:spPr>
+          <a:xfrm>
+            <a:off x="531812" y="1424433"/>
+            <a:ext cx="7772401" cy="4645920"/>
+          </a:xfrm>
+          <a:prstGeom prst="rect">
+            <a:avLst/>
+          </a:prstGeom>
+        </p:spPr>
+        <p:txBody>
+          <a:bodyPr anchor="t">
+            <a:normAutofit/>
+          </a:bodyPr>
+          <a:lstStyle/>
+          <a:p>
+            <a:pPr>
+              <a:buFont typeface="Arial" pitchFamily="34" charset="0"/>
+              <a:buChar char="•"/>
+            </a:pPr>
+            <a:r>
+              <a:rPr lang="zh-TW" altLang="en-US" b="0" dirty="0" smtClean="0"/>
+              <a:t>到</a:t>
+            </a:r>
+            <a:r>
+              <a:rPr lang="en-US" altLang="zh-TW" b="0" dirty="0" smtClean="0"/>
+              <a:t>node-red</a:t>
+            </a:r>
+            <a:r>
+              <a:rPr lang="zh-TW" altLang="en-US" b="0" dirty="0" smtClean="0"/>
+              <a:t>安裝目錄</a:t>
+            </a:r>
+            <a:r>
+              <a:rPr lang="en-US" altLang="zh-TW" b="0" dirty="0" smtClean="0"/>
+              <a:t>,</a:t>
+            </a:r>
+            <a:r>
+              <a:rPr lang="zh-TW" altLang="en-US" b="0" dirty="0" smtClean="0"/>
+              <a:t>安裝相依模組</a:t>
+            </a:r>
+            <a:r>
+              <a:rPr lang="en-US" altLang="zh-TW" b="0" dirty="0" smtClean="0"/>
+              <a:t>:</a:t>
+            </a:r>
+            <a:endParaRPr lang="en-US" altLang="zh-TW" b="0" dirty="0" smtClean="0"/>
+          </a:p>
+          <a:p>
+            <a:r>
+              <a:rPr lang="en-US" altLang="zh-TW" b="0" dirty="0" err="1" smtClean="0"/>
+              <a:t>cd</a:t>
+            </a:r>
+            <a:r>
+              <a:rPr lang="en-US" altLang="zh-TW" b="0" dirty="0" smtClean="0"/>
+              <a:t> node-red </a:t>
+            </a:r>
+            <a:endParaRPr lang="en-US" altLang="zh-TW" b="0" dirty="0" smtClean="0"/>
+          </a:p>
+          <a:p>
+            <a:r>
+              <a:rPr lang="en-US" altLang="zh-TW" b="0" dirty="0" err="1" smtClean="0"/>
+              <a:t>npm</a:t>
+            </a:r>
+            <a:r>
+              <a:rPr lang="en-US" altLang="zh-TW" b="0" dirty="0" smtClean="0"/>
+              <a:t> </a:t>
+            </a:r>
+            <a:r>
+              <a:rPr lang="en-US" altLang="zh-TW" b="0" dirty="0" smtClean="0"/>
+              <a:t>install </a:t>
+            </a:r>
+            <a:endParaRPr lang="en-US" altLang="zh-TW" b="0" dirty="0" smtClean="0"/>
+          </a:p>
+          <a:p>
+            <a:endParaRPr lang="en-US" altLang="zh-TW" b="0" dirty="0" smtClean="0"/>
+          </a:p>
+          <a:p>
+            <a:pPr>
+              <a:buFont typeface="Arial" pitchFamily="34" charset="0"/>
+              <a:buChar char="•"/>
+            </a:pPr>
+            <a:r>
+              <a:rPr lang="zh-TW" altLang="en-US" b="0" dirty="0" smtClean="0"/>
+              <a:t>您還需要安裝</a:t>
+            </a:r>
+            <a:r>
+              <a:rPr lang="en-US" altLang="zh-TW" b="0" dirty="0" smtClean="0"/>
+              <a:t>grunt-</a:t>
+            </a:r>
+            <a:r>
+              <a:rPr lang="en-US" altLang="zh-TW" b="0" dirty="0" err="1" smtClean="0"/>
+              <a:t>cli</a:t>
+            </a:r>
+            <a:r>
+              <a:rPr lang="zh-TW" altLang="en-US" b="0" dirty="0" smtClean="0"/>
+              <a:t>才能構建應用程序，然後才能使用它。 </a:t>
+            </a:r>
+            <a:endParaRPr lang="en-US" altLang="zh-TW" b="0" dirty="0" smtClean="0"/>
+          </a:p>
+          <a:p>
+            <a:r>
+              <a:rPr lang="zh-TW" altLang="en-US" b="0" i="1" dirty="0" smtClean="0"/>
+              <a:t>這</a:t>
+            </a:r>
+            <a:r>
+              <a:rPr lang="zh-TW" altLang="en-US" b="0" i="1" dirty="0" smtClean="0"/>
+              <a:t>必須</a:t>
+            </a:r>
+            <a:r>
+              <a:rPr lang="zh-TW" altLang="en-US" b="0" i="1" dirty="0" smtClean="0"/>
+              <a:t>在</a:t>
+            </a:r>
+            <a:r>
+              <a:rPr lang="en-US" altLang="zh-TW" i="1" dirty="0" smtClean="0">
+                <a:solidFill>
+                  <a:srgbClr val="FF0000"/>
+                </a:solidFill>
+              </a:rPr>
+              <a:t>global</a:t>
+            </a:r>
+            <a:r>
+              <a:rPr lang="zh-TW" altLang="en-US" b="0" i="1" dirty="0" smtClean="0"/>
+              <a:t>完成。</a:t>
+            </a:r>
+            <a:endParaRPr lang="en-US" altLang="zh-TW" b="0" i="1" dirty="0" smtClean="0"/>
+          </a:p>
+          <a:p>
+            <a:r>
+              <a:rPr lang="en-US" altLang="zh-TW" b="0" dirty="0" err="1" smtClean="0"/>
+              <a:t>npm</a:t>
+            </a:r>
+            <a:r>
+              <a:rPr lang="en-US" altLang="zh-TW" b="0" dirty="0" smtClean="0"/>
+              <a:t> </a:t>
+            </a:r>
+            <a:r>
+              <a:rPr lang="en-US" altLang="zh-TW" b="0" dirty="0" smtClean="0"/>
+              <a:t>install </a:t>
+            </a:r>
+            <a:r>
+              <a:rPr lang="en-US" altLang="zh-TW" dirty="0" smtClean="0">
+                <a:solidFill>
+                  <a:srgbClr val="FF0000"/>
+                </a:solidFill>
+              </a:rPr>
+              <a:t>-g</a:t>
+            </a:r>
+            <a:r>
+              <a:rPr lang="en-US" altLang="zh-TW" b="0" dirty="0" smtClean="0"/>
+              <a:t> grunt-</a:t>
+            </a:r>
+            <a:r>
+              <a:rPr lang="en-US" altLang="zh-TW" b="0" dirty="0" err="1" smtClean="0"/>
+              <a:t>cli</a:t>
+            </a:r>
+            <a:r>
+              <a:rPr lang="en-US" altLang="zh-TW" b="0" dirty="0" smtClean="0"/>
+              <a:t> </a:t>
+            </a:r>
+            <a:endParaRPr lang="en-US" altLang="zh-TW" b="0" dirty="0" smtClean="0"/>
+          </a:p>
+          <a:p>
+            <a:endParaRPr lang="en-US" altLang="zh-TW" b="0" dirty="0" smtClean="0"/>
+          </a:p>
+          <a:p>
+            <a:r>
+              <a:rPr lang="zh-TW" altLang="en-US" b="0" dirty="0" smtClean="0"/>
+              <a:t>您可以構建並運行該應用</a:t>
+            </a:r>
+            <a:r>
+              <a:rPr lang="zh-TW" altLang="en-US" b="0" dirty="0" smtClean="0"/>
+              <a:t>程序</a:t>
+            </a:r>
+            <a:endParaRPr lang="en-US" altLang="zh-TW" b="0" dirty="0" smtClean="0"/>
+          </a:p>
+          <a:p>
+            <a:r>
+              <a:rPr lang="en-US" altLang="zh-TW" b="0" dirty="0" smtClean="0"/>
+              <a:t>grunt </a:t>
+            </a:r>
+            <a:r>
+              <a:rPr lang="en-US" altLang="zh-TW" b="0" dirty="0" smtClean="0"/>
+              <a:t>build </a:t>
+            </a:r>
+            <a:endParaRPr lang="en-US" altLang="zh-TW" b="0" dirty="0" smtClean="0"/>
+          </a:p>
+          <a:p>
+            <a:r>
+              <a:rPr lang="en-US" altLang="zh-TW" b="0" dirty="0" smtClean="0"/>
+              <a:t>node </a:t>
+            </a:r>
+            <a:r>
+              <a:rPr lang="en-US" altLang="zh-TW" b="0" dirty="0" smtClean="0"/>
+              <a:t>red</a:t>
+            </a:r>
+          </a:p>
+          <a:p>
+            <a:pPr defTabSz="694944">
+              <a:lnSpc>
+                <a:spcPct val="115000"/>
+              </a:lnSpc>
+              <a:spcBef>
+                <a:spcPts val="1200"/>
+              </a:spcBef>
+              <a:defRPr sz="2400">
+                <a:solidFill>
+                  <a:srgbClr val="585858"/>
+                </a:solidFill>
+                <a:latin typeface="Arial"/>
+                <a:ea typeface="Arial"/>
+                <a:cs typeface="Arial"/>
+                <a:sym typeface="Arial"/>
+              </a:defRPr>
+            </a:pPr>
+            <a:endParaRPr lang="zh-TW" altLang="en-US" dirty="0"/>
+          </a:p>
+        </p:txBody>
+      </p:sp>
+      <p:sp>
+        <p:nvSpPr>
+          <p:cNvPr id="250" name="Shape 250"/>
+          <p:cNvSpPr/>
+          <p:nvPr/>
+        </p:nvSpPr>
+        <p:spPr>
+          <a:xfrm>
+            <a:off x="531812" y="215699"/>
+            <a:ext cx="7772401" cy="646317"/>
+          </a:xfrm>
+          <a:prstGeom prst="rect">
+            <a:avLst/>
+          </a:prstGeom>
+          <a:ln w="12700">
+            <a:miter lim="400000"/>
+          </a:ln>
+          <a:extLst>
+            <a:ext uri="{C572A759-6A51-4108-AA02-DFA0A04FC94B}">
+              <ma14:wrappingTextBoxFlag xmlns:ma14="http://schemas.microsoft.com/office/mac/drawingml/2011/main" xmlns="" val="1"/>
+            </a:ext>
+          </a:extLst>
+        </p:spPr>
+        <p:txBody>
+          <a:bodyPr lIns="45718" tIns="45718" rIns="45718" bIns="45718" anchor="ctr">
+            <a:normAutofit lnSpcReduction="10000"/>
+          </a:bodyPr>
+          <a:lstStyle>
+            <a:lvl1pPr algn="ctr" defTabSz="877822">
+              <a:defRPr sz="4000">
+                <a:solidFill>
+                  <a:srgbClr val="FFFFFF"/>
+                </a:solidFill>
+                <a:latin typeface="Arial"/>
+                <a:ea typeface="Arial"/>
+                <a:cs typeface="Arial"/>
+                <a:sym typeface="Arial"/>
+              </a:defRPr>
+            </a:lvl1pPr>
+          </a:lstStyle>
+          <a:p>
+            <a:r>
+              <a:rPr lang="en-US" altLang="zh-TW" dirty="0" smtClean="0"/>
+              <a:t>Node-Red</a:t>
+            </a:r>
+            <a:r>
+              <a:rPr lang="zh-TW" altLang="en-US" dirty="0" smtClean="0"/>
+              <a:t>安裝</a:t>
+            </a:r>
+            <a:endParaRPr dirty="0"/>
+          </a:p>
+        </p:txBody>
+      </p:sp>
+    </p:spTree>
+  </p:cSld>
+  <p:clrMapOvr>
+    <a:masterClrMapping/>
+  </p:clrMapOvr>
+  <p:transition spd="slow"/>
+  <p:timing>
+    <p:tnLst>
+      <p:par>
+        <p:cTn id="1" dur="indefinite" restart="never" nodeType="tmRoot"/>
+      </p:par>
+    </p:tnLst>
+  </p:timing>
+</p:sld>
+</file>
+
+<file path=ppt/slides/slide14.xml><?xml version="1.0" encoding="utf-8"?>
 <p:sld xmlns:a="http://schemas.openxmlformats.org/drawingml/2006/main" xmlns:r="http://schemas.openxmlformats.org/officeDocument/2006/relationships" xmlns:p="http://schemas.openxmlformats.org/presentationml/2006/main">
   <p:cSld>
     <p:spTree>
@@ -7438,7 +8009,7 @@
           </a:ln>
           <a:extLst>
             <a:ext uri="{C572A759-6A51-4108-AA02-DFA0A04FC94B}">
-              <ma14:wrappingTextBoxFlag xmlns="" xmlns:ma14="http://schemas.microsoft.com/office/mac/drawingml/2011/main" val="1"/>
+              <ma14:wrappingTextBoxFlag xmlns:ma14="http://schemas.microsoft.com/office/mac/drawingml/2011/main" xmlns="" val="1"/>
             </a:ext>
           </a:extLst>
         </p:spPr>
@@ -7479,7 +8050,7 @@
 </p:sld>
 </file>
 
-<file path=ppt/slides/slide14.xml><?xml version="1.0" encoding="utf-8"?>
+<file path=ppt/slides/slide15.xml><?xml version="1.0" encoding="utf-8"?>
 <p:sld xmlns:a="http://schemas.openxmlformats.org/drawingml/2006/main" xmlns:r="http://schemas.openxmlformats.org/officeDocument/2006/relationships" xmlns:p="http://schemas.openxmlformats.org/presentationml/2006/main">
   <p:cSld>
     <p:spTree>
@@ -7786,7 +8357,7 @@
 </p:sld>
 </file>
 
-<file path=ppt/slides/slide15.xml><?xml version="1.0" encoding="utf-8"?>
+<file path=ppt/slides/slide16.xml><?xml version="1.0" encoding="utf-8"?>
 <p:sld xmlns:a="http://schemas.openxmlformats.org/drawingml/2006/main" xmlns:r="http://schemas.openxmlformats.org/officeDocument/2006/relationships" xmlns:p="http://schemas.openxmlformats.org/presentationml/2006/main">
   <p:cSld>
     <p:spTree>
@@ -7968,7 +8539,7 @@
 </p:sld>
 </file>
 
-<file path=ppt/slides/slide16.xml><?xml version="1.0" encoding="utf-8"?>
+<file path=ppt/slides/slide17.xml><?xml version="1.0" encoding="utf-8"?>
 <p:sld xmlns:a="http://schemas.openxmlformats.org/drawingml/2006/main" xmlns:r="http://schemas.openxmlformats.org/officeDocument/2006/relationships" xmlns:p="http://schemas.openxmlformats.org/presentationml/2006/main">
   <p:cSld>
     <p:spTree>
@@ -8141,7 +8712,7 @@
 </p:sld>
 </file>
 
-<file path=ppt/slides/slide17.xml><?xml version="1.0" encoding="utf-8"?>
+<file path=ppt/slides/slide18.xml><?xml version="1.0" encoding="utf-8"?>
 <p:sld xmlns:a="http://schemas.openxmlformats.org/drawingml/2006/main" xmlns:r="http://schemas.openxmlformats.org/officeDocument/2006/relationships" xmlns:p="http://schemas.openxmlformats.org/presentationml/2006/main">
   <p:cSld>
     <p:spTree>
@@ -8266,7 +8837,7 @@
           </a:ln>
           <a:extLst>
             <a:ext uri="{C572A759-6A51-4108-AA02-DFA0A04FC94B}">
-              <ma14:wrappingTextBoxFlag xmlns="" xmlns:ma14="http://schemas.microsoft.com/office/mac/drawingml/2011/main" val="1"/>
+              <ma14:wrappingTextBoxFlag xmlns:ma14="http://schemas.microsoft.com/office/mac/drawingml/2011/main" xmlns="" val="1"/>
             </a:ext>
           </a:extLst>
         </p:spPr>
@@ -8658,7 +9229,7 @@
           </a:ln>
           <a:extLst>
             <a:ext uri="{C572A759-6A51-4108-AA02-DFA0A04FC94B}">
-              <ma14:wrappingTextBoxFlag xmlns="" xmlns:ma14="http://schemas.microsoft.com/office/mac/drawingml/2011/main" val="1"/>
+              <ma14:wrappingTextBoxFlag xmlns:ma14="http://schemas.microsoft.com/office/mac/drawingml/2011/main" xmlns="" val="1"/>
             </a:ext>
           </a:extLst>
         </p:spPr>
@@ -8684,442 +9255,6 @@
         </p:txBody>
       </p:sp>
     </p:spTree>
-  </p:cSld>
-  <p:clrMapOvr>
-    <a:masterClrMapping/>
-  </p:clrMapOvr>
-  <p:transition spd="slow"/>
-  <p:timing>
-    <p:tnLst>
-      <p:par>
-        <p:cTn id="1" dur="indefinite" restart="never" nodeType="tmRoot"/>
-      </p:par>
-    </p:tnLst>
-  </p:timing>
-</p:sld>
-</file>
-
-<file path=ppt/slides/slide18.xml><?xml version="1.0" encoding="utf-8"?>
-<p:sld xmlns:a="http://schemas.openxmlformats.org/drawingml/2006/main" xmlns:r="http://schemas.openxmlformats.org/officeDocument/2006/relationships" xmlns:p="http://schemas.openxmlformats.org/presentationml/2006/main">
-  <p:cSld>
-    <p:spTree>
-      <p:nvGrpSpPr>
-        <p:cNvPr id="1" name=""/>
-        <p:cNvGrpSpPr/>
-        <p:nvPr/>
-      </p:nvGrpSpPr>
-      <p:grpSpPr>
-        <a:xfrm>
-          <a:off x="0" y="0"/>
-          <a:ext cx="0" cy="0"/>
-          <a:chOff x="0" y="0"/>
-          <a:chExt cx="0" cy="0"/>
-        </a:xfrm>
-      </p:grpSpPr>
-      <p:sp>
-        <p:nvSpPr>
-          <p:cNvPr id="352" name="Shape 352"/>
-          <p:cNvSpPr>
-            <a:spLocks noGrp="1"/>
-          </p:cNvSpPr>
-          <p:nvPr>
-            <p:ph type="title"/>
-          </p:nvPr>
-        </p:nvSpPr>
-        <p:spPr>
-          <a:xfrm>
-            <a:off x="531812" y="-26555"/>
-            <a:ext cx="7772401" cy="899915"/>
-          </a:xfrm>
-          <a:prstGeom prst="rect">
-            <a:avLst/>
-          </a:prstGeom>
-        </p:spPr>
-        <p:txBody>
-          <a:bodyPr anchor="ctr"/>
-          <a:lstStyle>
-            <a:lvl1pPr defTabSz="749808">
-              <a:lnSpc>
-                <a:spcPct val="115000"/>
-              </a:lnSpc>
-              <a:spcBef>
-                <a:spcPts val="1300"/>
-              </a:spcBef>
-              <a:defRPr b="0" cap="none">
-                <a:solidFill>
-                  <a:srgbClr val="FFFFFF"/>
-                </a:solidFill>
-              </a:defRPr>
-            </a:lvl1pPr>
-          </a:lstStyle>
-          <a:p>
-            <a:r>
-              <a:t>app.js入口檔案</a:t>
-            </a:r>
-          </a:p>
-        </p:txBody>
-      </p:sp>
-      <p:sp>
-        <p:nvSpPr>
-          <p:cNvPr id="353" name="Shape 353"/>
-          <p:cNvSpPr>
-            <a:spLocks noGrp="1"/>
-          </p:cNvSpPr>
-          <p:nvPr>
-            <p:ph type="body" idx="1"/>
-          </p:nvPr>
-        </p:nvSpPr>
-        <p:spPr>
-          <a:xfrm>
-            <a:off x="684211" y="1677724"/>
-            <a:ext cx="7772401" cy="4865395"/>
-          </a:xfrm>
-          <a:prstGeom prst="rect">
-            <a:avLst/>
-          </a:prstGeom>
-        </p:spPr>
-        <p:txBody>
-          <a:bodyPr anchor="t">
-            <a:normAutofit/>
-          </a:bodyPr>
-          <a:lstStyle/>
-          <a:p>
-            <a:pPr marL="342900" indent="-342900">
-              <a:spcBef>
-                <a:spcPts val="0"/>
-              </a:spcBef>
-              <a:buSzPct val="100000"/>
-              <a:buFont typeface="Arial" panose="020B0604020202020204" pitchFamily="34" charset="0"/>
-              <a:buChar char="•"/>
-              <a:defRPr sz="2100" b="0">
-                <a:latin typeface="Arial"/>
-                <a:ea typeface="Arial"/>
-                <a:cs typeface="Arial"/>
-                <a:sym typeface="Arial"/>
-              </a:defRPr>
-            </a:pPr>
-            <a:r>
-              <a:rPr sz="2400" dirty="0" err="1"/>
-              <a:t>var</a:t>
-            </a:r>
-            <a:r>
-              <a:rPr sz="2400" dirty="0"/>
-              <a:t> app = express</a:t>
-            </a:r>
-            <a:r>
-              <a:rPr sz="2400" dirty="0" smtClean="0"/>
-              <a:t>()：</a:t>
-            </a:r>
-            <a:r>
-              <a:rPr lang="zh-TW" altLang="en-US" sz="2400" dirty="0" smtClean="0"/>
-              <a:t>建立一個</a:t>
-            </a:r>
-            <a:r>
-              <a:rPr sz="2400" dirty="0" err="1" smtClean="0"/>
-              <a:t>express</a:t>
-            </a:r>
-            <a:r>
-              <a:rPr sz="2400" dirty="0" err="1"/>
-              <a:t>實例app</a:t>
-            </a:r>
-            <a:r>
-              <a:rPr sz="2400" dirty="0"/>
-              <a:t>。 </a:t>
-            </a:r>
-          </a:p>
-          <a:p>
-            <a:pPr marL="342900" indent="-342900">
-              <a:spcBef>
-                <a:spcPts val="0"/>
-              </a:spcBef>
-              <a:buSzPct val="100000"/>
-              <a:buFont typeface="Arial" panose="020B0604020202020204" pitchFamily="34" charset="0"/>
-              <a:buChar char="•"/>
-              <a:defRPr sz="2100" b="0">
-                <a:latin typeface="Arial"/>
-                <a:ea typeface="Arial"/>
-                <a:cs typeface="Arial"/>
-                <a:sym typeface="Arial"/>
-              </a:defRPr>
-            </a:pPr>
-            <a:r>
-              <a:rPr sz="2400" dirty="0" err="1"/>
-              <a:t>app.set</a:t>
-            </a:r>
-            <a:r>
-              <a:rPr sz="2400" dirty="0"/>
-              <a:t>('views', </a:t>
-            </a:r>
-            <a:r>
-              <a:rPr sz="2400" dirty="0" err="1"/>
-              <a:t>path.join</a:t>
-            </a:r>
-            <a:r>
-              <a:rPr sz="2400" dirty="0"/>
-              <a:t>(</a:t>
-            </a:r>
-            <a:r>
-              <a:rPr sz="2400" dirty="0" err="1"/>
-              <a:t>dirname</a:t>
-            </a:r>
-            <a:r>
-              <a:rPr sz="2400" dirty="0"/>
-              <a:t>, 'views’))：</a:t>
-            </a:r>
-            <a:r>
-              <a:rPr sz="2400" dirty="0" err="1"/>
-              <a:t>設置</a:t>
-            </a:r>
-            <a:r>
-              <a:rPr sz="2400" dirty="0"/>
-              <a:t> views </a:t>
-            </a:r>
-            <a:r>
-              <a:rPr sz="2400" dirty="0" err="1"/>
-              <a:t>文件夾為存放視圖文件的目錄</a:t>
-            </a:r>
-            <a:r>
-              <a:rPr sz="2400" dirty="0"/>
-              <a:t>, </a:t>
-            </a:r>
-            <a:r>
-              <a:rPr sz="2400" dirty="0" err="1"/>
-              <a:t>即存放</a:t>
-            </a:r>
-            <a:r>
-              <a:rPr sz="2400" b="1" dirty="0" err="1">
-                <a:solidFill>
-                  <a:schemeClr val="accent6">
-                    <a:lumOff val="-9019"/>
-                  </a:schemeClr>
-                </a:solidFill>
-              </a:rPr>
-              <a:t>範本</a:t>
-            </a:r>
-            <a:r>
-              <a:rPr sz="2400" dirty="0" err="1"/>
-              <a:t>文件的地方,dirname</a:t>
-            </a:r>
-            <a:r>
-              <a:rPr sz="2400" dirty="0"/>
-              <a:t> </a:t>
-            </a:r>
-            <a:r>
-              <a:rPr sz="2400" dirty="0" err="1"/>
-              <a:t>为全局變數,存儲當前正在執行的腳本所在的目錄</a:t>
-            </a:r>
-            <a:r>
-              <a:rPr sz="2400" dirty="0"/>
-              <a:t>。 </a:t>
-            </a:r>
-          </a:p>
-          <a:p>
-            <a:pPr marL="342900" indent="-342900">
-              <a:spcBef>
-                <a:spcPts val="0"/>
-              </a:spcBef>
-              <a:buSzPct val="100000"/>
-              <a:buFont typeface="Arial" panose="020B0604020202020204" pitchFamily="34" charset="0"/>
-              <a:buChar char="•"/>
-              <a:defRPr sz="2100" b="0">
-                <a:latin typeface="Arial"/>
-                <a:ea typeface="Arial"/>
-                <a:cs typeface="Arial"/>
-                <a:sym typeface="Arial"/>
-              </a:defRPr>
-            </a:pPr>
-            <a:r>
-              <a:rPr sz="2400" dirty="0" err="1"/>
-              <a:t>app.set</a:t>
-            </a:r>
-            <a:r>
-              <a:rPr sz="2400" dirty="0"/>
-              <a:t>('view engine', '</a:t>
-            </a:r>
-            <a:r>
-              <a:rPr sz="2400" dirty="0" err="1"/>
-              <a:t>ejs</a:t>
-            </a:r>
-            <a:r>
-              <a:rPr sz="2400" dirty="0"/>
-              <a:t>’)：</a:t>
-            </a:r>
-            <a:r>
-              <a:rPr sz="2400" dirty="0" err="1"/>
-              <a:t>設置</a:t>
-            </a:r>
-            <a:r>
-              <a:rPr sz="2400" u="sng" dirty="0" err="1">
-                <a:solidFill>
-                  <a:srgbClr val="0000FF"/>
-                </a:solidFill>
-                <a:uFill>
-                  <a:solidFill>
-                    <a:srgbClr val="0000FF"/>
-                  </a:solidFill>
-                </a:uFill>
-                <a:hlinkClick r:id="" action="ppaction://hlinkshowjump?jump=nextslide"/>
-              </a:rPr>
-              <a:t>視圖範本引擎</a:t>
-            </a:r>
-            <a:r>
-              <a:rPr sz="2400" dirty="0" err="1"/>
-              <a:t>為</a:t>
-            </a:r>
-            <a:r>
-              <a:rPr sz="2400" dirty="0"/>
-              <a:t> </a:t>
-            </a:r>
-            <a:r>
-              <a:rPr sz="2400" dirty="0" err="1"/>
-              <a:t>ejs</a:t>
-            </a:r>
-            <a:r>
-              <a:rPr sz="2400" dirty="0"/>
-              <a:t>。 </a:t>
-            </a:r>
-          </a:p>
-          <a:p>
-            <a:pPr marL="342900" indent="-342900">
-              <a:spcBef>
-                <a:spcPts val="0"/>
-              </a:spcBef>
-              <a:buSzPct val="100000"/>
-              <a:buFont typeface="Arial" panose="020B0604020202020204" pitchFamily="34" charset="0"/>
-              <a:buChar char="•"/>
-              <a:defRPr sz="2100" b="0">
-                <a:latin typeface="Arial"/>
-                <a:ea typeface="Arial"/>
-                <a:cs typeface="Arial"/>
-                <a:sym typeface="Arial"/>
-              </a:defRPr>
-            </a:pPr>
-            <a:r>
-              <a:rPr sz="2400" dirty="0" err="1"/>
-              <a:t>app.use</a:t>
-            </a:r>
-            <a:r>
-              <a:rPr sz="2400" dirty="0"/>
-              <a:t>(favicon(</a:t>
-            </a:r>
-            <a:r>
-              <a:rPr sz="2400" dirty="0" err="1"/>
-              <a:t>dirname</a:t>
-            </a:r>
-            <a:r>
-              <a:rPr sz="2400" dirty="0"/>
-              <a:t> + ‘/public/favicon.ico’))：</a:t>
-            </a:r>
-            <a:r>
-              <a:rPr sz="2400" dirty="0" err="1"/>
-              <a:t>設置</a:t>
-            </a:r>
-            <a:r>
-              <a:rPr sz="2400" dirty="0"/>
-              <a:t>/public/</a:t>
-            </a:r>
-            <a:r>
-              <a:rPr sz="2400" dirty="0" err="1"/>
-              <a:t>favicon.ico為favicon圖標</a:t>
-            </a:r>
-            <a:r>
-              <a:rPr sz="2400" dirty="0"/>
-              <a:t>。</a:t>
-            </a:r>
-          </a:p>
-          <a:p>
-            <a:pPr marL="342900" indent="-342900">
-              <a:spcBef>
-                <a:spcPts val="0"/>
-              </a:spcBef>
-              <a:buSzPct val="100000"/>
-              <a:buFont typeface="Arial" panose="020B0604020202020204" pitchFamily="34" charset="0"/>
-              <a:buChar char="•"/>
-              <a:defRPr sz="2100" b="0">
-                <a:latin typeface="Arial"/>
-                <a:ea typeface="Arial"/>
-                <a:cs typeface="Arial"/>
-                <a:sym typeface="Arial"/>
-              </a:defRPr>
-            </a:pPr>
-            <a:r>
-              <a:rPr sz="2400" dirty="0" err="1"/>
-              <a:t>app.use</a:t>
-            </a:r>
-            <a:r>
-              <a:rPr sz="2400" dirty="0"/>
-              <a:t>(logger('dev’))：</a:t>
-            </a:r>
-            <a:r>
-              <a:rPr sz="2400" dirty="0" err="1"/>
-              <a:t>加載日誌中間件</a:t>
-            </a:r>
-            <a:r>
-              <a:rPr sz="2400" dirty="0" smtClean="0"/>
-              <a:t>。</a:t>
-            </a:r>
-            <a:endParaRPr sz="2400" dirty="0"/>
-          </a:p>
-        </p:txBody>
-      </p:sp>
-      <p:sp>
-        <p:nvSpPr>
-          <p:cNvPr id="354" name="Shape 354">
-            <a:hlinkClick r:id="rId2" action="ppaction://hlinksldjump"/>
-          </p:cNvPr>
-          <p:cNvSpPr/>
-          <p:nvPr/>
-        </p:nvSpPr>
-        <p:spPr>
-          <a:xfrm>
-            <a:off x="4759559" y="6167963"/>
-            <a:ext cx="2418912" cy="375156"/>
-          </a:xfrm>
-          <a:prstGeom prst="rect">
-            <a:avLst/>
-          </a:prstGeom>
-          <a:ln w="12700">
-            <a:miter lim="400000"/>
-          </a:ln>
-          <a:extLst>
-            <a:ext uri="{C572A759-6A51-4108-AA02-DFA0A04FC94B}">
-              <ma14:wrappingTextBoxFlag xmlns="" xmlns:ma14="http://schemas.microsoft.com/office/mac/drawingml/2011/main" val="1"/>
-            </a:ext>
-          </a:extLst>
-        </p:spPr>
-        <p:txBody>
-          <a:bodyPr lIns="45718" tIns="45718" rIns="45718" bIns="45718">
-            <a:spAutoFit/>
-          </a:bodyPr>
-          <a:lstStyle>
-            <a:lvl1pPr algn="ctr" defTabSz="850391">
-              <a:lnSpc>
-                <a:spcPct val="115000"/>
-              </a:lnSpc>
-              <a:spcBef>
-                <a:spcPts val="1400"/>
-              </a:spcBef>
-              <a:defRPr sz="2200">
-                <a:latin typeface="Arial"/>
-                <a:ea typeface="Arial"/>
-                <a:cs typeface="Arial"/>
-                <a:sym typeface="Arial"/>
-              </a:defRPr>
-            </a:lvl1pPr>
-          </a:lstStyle>
-          <a:p>
-            <a:r>
-              <a:t>返回專案結構</a:t>
-            </a:r>
-          </a:p>
-        </p:txBody>
-      </p:sp>
-    </p:spTree>
-    <p:extLst>
-      <p:ext uri="{BB962C8B-B14F-4D97-AF65-F5344CB8AC3E}">
-        <p14:creationId xmlns="" xmlns:p14="http://schemas.microsoft.com/office/powerpoint/2010/main" val="1354035441"/>
-      </p:ext>
-    </p:extLst>
   </p:cSld>
   <p:clrMapOvr>
     <a:masterClrMapping/>
@@ -9207,8 +9342,8 @@
         </p:nvSpPr>
         <p:spPr>
           <a:xfrm>
-            <a:off x="693249" y="1676400"/>
-            <a:ext cx="7772401" cy="4256036"/>
+            <a:off x="684211" y="1677724"/>
+            <a:ext cx="7772401" cy="4865395"/>
           </a:xfrm>
           <a:prstGeom prst="rect">
             <a:avLst/>
@@ -9235,27 +9370,31 @@
               </a:defRPr>
             </a:pPr>
             <a:r>
+              <a:rPr sz="2400" dirty="0" err="1"/>
+              <a:t>var</a:t>
+            </a:r>
+            <a:r>
+              <a:rPr sz="2400" dirty="0"/>
+              <a:t> app = express</a:t>
+            </a:r>
+            <a:r>
+              <a:rPr sz="2400" dirty="0" smtClean="0"/>
+              <a:t>()：</a:t>
+            </a:r>
+            <a:r>
+              <a:rPr lang="zh-TW" altLang="en-US" sz="2400" dirty="0" smtClean="0"/>
+              <a:t>建立一個</a:t>
+            </a:r>
+            <a:r>
               <a:rPr sz="2400" dirty="0" err="1" smtClean="0"/>
-              <a:t>app.use</a:t>
-            </a:r>
-            <a:r>
-              <a:rPr sz="2400" dirty="0" smtClean="0"/>
-              <a:t>(</a:t>
-            </a:r>
-            <a:r>
-              <a:rPr sz="2400" dirty="0" err="1" smtClean="0"/>
-              <a:t>bodyParser.json</a:t>
-            </a:r>
-            <a:r>
-              <a:rPr sz="2400" dirty="0" smtClean="0"/>
-              <a:t>())：</a:t>
-            </a:r>
-            <a:r>
-              <a:rPr sz="2400" dirty="0" err="1" smtClean="0"/>
-              <a:t>加載解析JSON的中間件</a:t>
-            </a:r>
-            <a:r>
-              <a:rPr sz="2400" dirty="0" smtClean="0"/>
+              <a:t>express</a:t>
+            </a:r>
+            <a:r>
+              <a:rPr sz="2400" dirty="0" err="1"/>
+              <a:t>實例app</a:t>
+            </a:r>
+            <a:r>
+              <a:rPr sz="2400" dirty="0"/>
               <a:t>。 </a:t>
             </a:r>
           </a:p>
@@ -9275,28 +9414,74 @@
               </a:defRPr>
             </a:pPr>
             <a:r>
-              <a:rPr sz="2400" dirty="0" err="1" smtClean="0"/>
-              <a:t>app.use</a:t>
-            </a:r>
-            <a:r>
-              <a:rPr sz="2400" dirty="0" smtClean="0"/>
+              <a:rPr sz="2400" dirty="0" err="1"/>
+              <a:t>app.set</a:t>
+            </a:r>
+            <a:r>
+              <a:rPr sz="2400" dirty="0"/>
+              <a:t>('views', </a:t>
+            </a:r>
+            <a:r>
+              <a:rPr sz="2400" dirty="0" err="1"/>
+              <a:t>path.join</a:t>
+            </a:r>
+            <a:r>
+              <a:rPr sz="2400" dirty="0"/>
               <a:t>(</a:t>
             </a:r>
             <a:r>
-              <a:rPr sz="2400" dirty="0" err="1" smtClean="0"/>
-              <a:t>bodyParser.urlencoded</a:t>
-            </a:r>
-            <a:r>
-              <a:rPr sz="2400" dirty="0" smtClean="0"/>
-              <a:t>({ extended: false }))：</a:t>
-            </a:r>
-            <a:r>
-              <a:rPr sz="2400" dirty="0" err="1" smtClean="0"/>
-              <a:t>加載解析urlencoded请求体的中间件</a:t>
-            </a:r>
-            <a:r>
-              <a:rPr sz="2400" dirty="0" smtClean="0"/>
-              <a:t>。</a:t>
+              <a:rPr sz="2400" dirty="0" err="1"/>
+              <a:t>dirname</a:t>
+            </a:r>
+            <a:r>
+              <a:rPr sz="2400" dirty="0"/>
+              <a:t>, 'views’))：</a:t>
+            </a:r>
+            <a:r>
+              <a:rPr sz="2400" dirty="0" err="1"/>
+              <a:t>設置</a:t>
+            </a:r>
+            <a:r>
+              <a:rPr sz="2400" dirty="0"/>
+              <a:t> views </a:t>
+            </a:r>
+            <a:r>
+              <a:rPr sz="2400" dirty="0" err="1"/>
+              <a:t>文件夾為存放視圖文件的目錄</a:t>
+            </a:r>
+            <a:r>
+              <a:rPr sz="2400" dirty="0"/>
+              <a:t>, </a:t>
+            </a:r>
+            <a:r>
+              <a:rPr sz="2400" dirty="0" err="1"/>
+              <a:t>即存放</a:t>
+            </a:r>
+            <a:r>
+              <a:rPr sz="2400" b="1" dirty="0" err="1">
+                <a:solidFill>
+                  <a:schemeClr val="accent6">
+                    <a:lumOff val="-9019"/>
+                  </a:schemeClr>
+                </a:solidFill>
+              </a:rPr>
+              <a:t>範本</a:t>
+            </a:r>
+            <a:r>
+              <a:rPr sz="2400" dirty="0" err="1"/>
+              <a:t>文件的地方,dirname</a:t>
+            </a:r>
+            <a:r>
+              <a:rPr sz="2400" dirty="0"/>
+              <a:t> </a:t>
+            </a:r>
+            <a:r>
+              <a:rPr sz="2400" dirty="0" err="1"/>
+              <a:t>为全局變數,存儲當前正在執行的腳本所在的目錄</a:t>
+            </a:r>
+            <a:r>
+              <a:rPr sz="2400" dirty="0"/>
+              <a:t>。 </a:t>
             </a:r>
           </a:p>
           <a:p>
@@ -9315,32 +9500,54 @@
               </a:defRPr>
             </a:pPr>
             <a:r>
-              <a:rPr sz="2400" dirty="0" err="1" smtClean="0"/>
-              <a:t>app.use</a:t>
-            </a:r>
-            <a:r>
-              <a:rPr sz="2400" dirty="0" smtClean="0"/>
-              <a:t>(</a:t>
-            </a:r>
-            <a:r>
-              <a:rPr sz="2400" dirty="0" err="1" smtClean="0"/>
-              <a:t>cookieParser</a:t>
-            </a:r>
-            <a:r>
-              <a:rPr sz="2400" dirty="0" smtClean="0"/>
-              <a:t>())：</a:t>
-            </a:r>
-            <a:r>
-              <a:rPr sz="2400" dirty="0" err="1" smtClean="0"/>
-              <a:t>加載解析cookie的中</a:t>
-            </a:r>
-            <a:r>
-              <a:rPr lang="zh-TW" altLang="en-US" sz="2400" dirty="0" smtClean="0"/>
-              <a:t>間</a:t>
-            </a:r>
-            <a:r>
-              <a:rPr sz="2400" dirty="0" smtClean="0"/>
-              <a:t>件。 </a:t>
+              <a:rPr sz="2400" dirty="0" err="1"/>
+              <a:t>app.set</a:t>
+            </a:r>
+            <a:r>
+              <a:rPr sz="2400" dirty="0"/>
+              <a:t>('view engine', '</a:t>
+            </a:r>
+            <a:r>
+              <a:rPr sz="2400" dirty="0" err="1"/>
+              <a:t>ejs</a:t>
+            </a:r>
+            <a:r>
+              <a:rPr sz="2400" dirty="0"/>
+              <a:t>’)：</a:t>
+            </a:r>
+            <a:r>
+              <a:rPr sz="2400" dirty="0" err="1"/>
+              <a:t>設置</a:t>
+            </a:r>
+            <a:r>
+              <a:rPr sz="2400" u="sng" dirty="0" err="1">
+                <a:solidFill>
+                  <a:srgbClr val="0000FF"/>
+                </a:solidFill>
+                <a:uFill>
+                  <a:solidFill>
+                    <a:srgbClr val="0000FF"/>
+                  </a:solidFill>
+                </a:uFill>
+                <a:hlinkClick r:id="" action="ppaction://hlinkshowjump?jump=nextslide"/>
+              </a:rPr>
+              <a:t>視圖範本引擎</a:t>
+            </a:r>
+            <a:r>
+              <a:rPr sz="2400" dirty="0" err="1"/>
+              <a:t>為</a:t>
+            </a:r>
+            <a:r>
+              <a:rPr sz="2400" dirty="0"/>
+              <a:t> </a:t>
+            </a:r>
+            <a:r>
+              <a:rPr sz="2400" dirty="0" err="1"/>
+              <a:t>ejs</a:t>
+            </a:r>
+            <a:r>
+              <a:rPr sz="2400" dirty="0"/>
+              <a:t>。 </a:t>
             </a:r>
           </a:p>
           <a:p>
@@ -9359,43 +9566,35 @@
               </a:defRPr>
             </a:pPr>
             <a:r>
-              <a:rPr sz="2400" dirty="0" err="1" smtClean="0"/>
+              <a:rPr sz="2400" dirty="0" err="1"/>
               <a:t>app.use</a:t>
             </a:r>
             <a:r>
-              <a:rPr sz="2400" dirty="0" smtClean="0"/>
-              <a:t>(</a:t>
-            </a:r>
-            <a:r>
-              <a:rPr sz="2400" dirty="0" err="1" smtClean="0"/>
-              <a:t>express.static</a:t>
-            </a:r>
-            <a:r>
-              <a:rPr sz="2400" dirty="0" smtClean="0"/>
-              <a:t>(</a:t>
-            </a:r>
-            <a:r>
-              <a:rPr sz="2400" dirty="0" err="1" smtClean="0"/>
-              <a:t>path.join</a:t>
-            </a:r>
-            <a:r>
-              <a:rPr sz="2400" dirty="0" smtClean="0"/>
-              <a:t>(</a:t>
-            </a:r>
-            <a:r>
-              <a:rPr sz="2400" dirty="0" err="1" smtClean="0"/>
+              <a:rPr sz="2400" dirty="0"/>
+              <a:t>(favicon(</a:t>
+            </a:r>
+            <a:r>
+              <a:rPr sz="2400" dirty="0" err="1"/>
               <a:t>dirname</a:t>
             </a:r>
             <a:r>
-              <a:rPr sz="2400" dirty="0" smtClean="0"/>
-              <a:t>, ‘public')))：</a:t>
-            </a:r>
-            <a:r>
-              <a:rPr sz="2400" dirty="0" err="1" smtClean="0"/>
-              <a:t>設置public為存放靜態文件的目錄</a:t>
-            </a:r>
-            <a:r>
-              <a:rPr sz="2400" dirty="0" smtClean="0"/>
+              <a:rPr sz="2400" dirty="0"/>
+              <a:t> + ‘/public/favicon.ico’))：</a:t>
+            </a:r>
+            <a:r>
+              <a:rPr sz="2400" dirty="0" err="1"/>
+              <a:t>設置</a:t>
+            </a:r>
+            <a:r>
+              <a:rPr sz="2400" dirty="0"/>
+              <a:t>/public/</a:t>
+            </a:r>
+            <a:r>
+              <a:rPr sz="2400" dirty="0" err="1"/>
+              <a:t>favicon.ico為favicon圖標</a:t>
+            </a:r>
+            <a:r>
+              <a:rPr sz="2400" dirty="0"/>
               <a:t>。</a:t>
             </a:r>
           </a:p>
@@ -9415,28 +9614,20 @@
               </a:defRPr>
             </a:pPr>
             <a:r>
-              <a:rPr sz="2400" dirty="0" err="1" smtClean="0"/>
+              <a:rPr sz="2400" dirty="0" err="1"/>
               <a:t>app.use</a:t>
             </a:r>
             <a:r>
+              <a:rPr sz="2400" dirty="0"/>
+              <a:t>(logger('dev’))：</a:t>
+            </a:r>
+            <a:r>
+              <a:rPr sz="2400" dirty="0" err="1"/>
+              <a:t>加載日誌中間件</a:t>
+            </a:r>
+            <a:r>
               <a:rPr sz="2400" dirty="0" smtClean="0"/>
-              <a:t>('/', routes);</a:t>
-            </a:r>
-            <a:r>
-              <a:rPr sz="2400" dirty="0" err="1" smtClean="0"/>
-              <a:t>和app.use</a:t>
-            </a:r>
-            <a:r>
-              <a:rPr sz="2400" dirty="0" smtClean="0"/>
-              <a:t>('/users', users)：</a:t>
-            </a:r>
-            <a:r>
-              <a:rPr sz="2400" dirty="0" err="1" smtClean="0"/>
-              <a:t>路由控制器</a:t>
-            </a:r>
-            <a:r>
-              <a:rPr sz="2400" dirty="0" smtClean="0"/>
-              <a:t>。 </a:t>
+              <a:t>。</a:t>
             </a:r>
             <a:endParaRPr sz="2400" dirty="0"/>
           </a:p>
@@ -9463,7 +9654,7 @@
           </a:ln>
           <a:extLst>
             <a:ext uri="{C572A759-6A51-4108-AA02-DFA0A04FC94B}">
-              <ma14:wrappingTextBoxFlag xmlns="" xmlns:ma14="http://schemas.microsoft.com/office/mac/drawingml/2011/main" val="1"/>
+              <ma14:wrappingTextBoxFlag xmlns:ma14="http://schemas.microsoft.com/office/mac/drawingml/2011/main" xmlns="" val="1"/>
             </a:ext>
           </a:extLst>
         </p:spPr>
@@ -9497,7 +9688,7 @@
     </p:spTree>
     <p:extLst>
       <p:ext uri="{BB962C8B-B14F-4D97-AF65-F5344CB8AC3E}">
-        <p14:creationId xmlns="" xmlns:p14="http://schemas.microsoft.com/office/powerpoint/2010/main" val="1211296966"/>
+        <p14:creationId xmlns:p14="http://schemas.microsoft.com/office/powerpoint/2010/main" xmlns="" val="1354035441"/>
       </p:ext>
     </p:extLst>
   </p:cSld>
@@ -9580,8 +9771,16 @@
               </a:defRPr>
             </a:pPr>
             <a:r>
+              <a:rPr lang="en-US" altLang="zh-TW" dirty="0" err="1" smtClean="0"/>
+              <a:t>Nodejs</a:t>
+            </a:r>
+            <a:r>
               <a:rPr lang="zh-TW" altLang="en-US" dirty="0" smtClean="0"/>
-              <a:t>模組應用及</a:t>
+              <a:t>模組</a:t>
+            </a:r>
+            <a:r>
+              <a:rPr lang="zh-TW" altLang="en-US" dirty="0" smtClean="0"/>
+              <a:t>應用及</a:t>
             </a:r>
             <a:r>
               <a:rPr dirty="0" err="1" smtClean="0"/>
@@ -9873,6 +10072,386 @@
           </a:lstStyle>
           <a:p>
             <a:r>
+              <a:t>app.js入口檔案</a:t>
+            </a:r>
+          </a:p>
+        </p:txBody>
+      </p:sp>
+      <p:sp>
+        <p:nvSpPr>
+          <p:cNvPr id="353" name="Shape 353"/>
+          <p:cNvSpPr>
+            <a:spLocks noGrp="1"/>
+          </p:cNvSpPr>
+          <p:nvPr>
+            <p:ph type="body" idx="1"/>
+          </p:nvPr>
+        </p:nvSpPr>
+        <p:spPr>
+          <a:xfrm>
+            <a:off x="693249" y="1676400"/>
+            <a:ext cx="7772401" cy="4256036"/>
+          </a:xfrm>
+          <a:prstGeom prst="rect">
+            <a:avLst/>
+          </a:prstGeom>
+        </p:spPr>
+        <p:txBody>
+          <a:bodyPr anchor="t">
+            <a:normAutofit/>
+          </a:bodyPr>
+          <a:lstStyle/>
+          <a:p>
+            <a:pPr marL="342900" indent="-342900">
+              <a:spcBef>
+                <a:spcPts val="0"/>
+              </a:spcBef>
+              <a:buSzPct val="100000"/>
+              <a:buFont typeface="Arial" panose="020B0604020202020204" pitchFamily="34" charset="0"/>
+              <a:buChar char="•"/>
+              <a:defRPr sz="2100" b="0">
+                <a:latin typeface="Arial"/>
+                <a:ea typeface="Arial"/>
+                <a:cs typeface="Arial"/>
+                <a:sym typeface="Arial"/>
+              </a:defRPr>
+            </a:pPr>
+            <a:r>
+              <a:rPr sz="2400" dirty="0" err="1" smtClean="0"/>
+              <a:t>app.use</a:t>
+            </a:r>
+            <a:r>
+              <a:rPr sz="2400" dirty="0" smtClean="0"/>
+              <a:t>(</a:t>
+            </a:r>
+            <a:r>
+              <a:rPr sz="2400" dirty="0" err="1" smtClean="0"/>
+              <a:t>bodyParser.json</a:t>
+            </a:r>
+            <a:r>
+              <a:rPr sz="2400" dirty="0" smtClean="0"/>
+              <a:t>())：</a:t>
+            </a:r>
+            <a:r>
+              <a:rPr sz="2400" dirty="0" err="1" smtClean="0"/>
+              <a:t>加載解析JSON的中間件</a:t>
+            </a:r>
+            <a:r>
+              <a:rPr sz="2400" dirty="0" smtClean="0"/>
+              <a:t>。 </a:t>
+            </a:r>
+          </a:p>
+          <a:p>
+            <a:pPr marL="342900" indent="-342900">
+              <a:spcBef>
+                <a:spcPts val="0"/>
+              </a:spcBef>
+              <a:buSzPct val="100000"/>
+              <a:buFont typeface="Arial" panose="020B0604020202020204" pitchFamily="34" charset="0"/>
+              <a:buChar char="•"/>
+              <a:defRPr sz="2100" b="0">
+                <a:latin typeface="Arial"/>
+                <a:ea typeface="Arial"/>
+                <a:cs typeface="Arial"/>
+                <a:sym typeface="Arial"/>
+              </a:defRPr>
+            </a:pPr>
+            <a:r>
+              <a:rPr sz="2400" dirty="0" err="1" smtClean="0"/>
+              <a:t>app.use</a:t>
+            </a:r>
+            <a:r>
+              <a:rPr sz="2400" dirty="0" smtClean="0"/>
+              <a:t>(</a:t>
+            </a:r>
+            <a:r>
+              <a:rPr sz="2400" dirty="0" err="1" smtClean="0"/>
+              <a:t>bodyParser.urlencoded</a:t>
+            </a:r>
+            <a:r>
+              <a:rPr sz="2400" dirty="0" smtClean="0"/>
+              <a:t>({ extended: false }))：</a:t>
+            </a:r>
+            <a:r>
+              <a:rPr sz="2400" dirty="0" err="1" smtClean="0"/>
+              <a:t>加載解析urlencoded请求体的中间件</a:t>
+            </a:r>
+            <a:r>
+              <a:rPr sz="2400" dirty="0" smtClean="0"/>
+              <a:t>。</a:t>
+            </a:r>
+          </a:p>
+          <a:p>
+            <a:pPr marL="342900" indent="-342900">
+              <a:spcBef>
+                <a:spcPts val="0"/>
+              </a:spcBef>
+              <a:buSzPct val="100000"/>
+              <a:buFont typeface="Arial" panose="020B0604020202020204" pitchFamily="34" charset="0"/>
+              <a:buChar char="•"/>
+              <a:defRPr sz="2100" b="0">
+                <a:latin typeface="Arial"/>
+                <a:ea typeface="Arial"/>
+                <a:cs typeface="Arial"/>
+                <a:sym typeface="Arial"/>
+              </a:defRPr>
+            </a:pPr>
+            <a:r>
+              <a:rPr sz="2400" dirty="0" err="1" smtClean="0"/>
+              <a:t>app.use</a:t>
+            </a:r>
+            <a:r>
+              <a:rPr sz="2400" dirty="0" smtClean="0"/>
+              <a:t>(</a:t>
+            </a:r>
+            <a:r>
+              <a:rPr sz="2400" dirty="0" err="1" smtClean="0"/>
+              <a:t>cookieParser</a:t>
+            </a:r>
+            <a:r>
+              <a:rPr sz="2400" dirty="0" smtClean="0"/>
+              <a:t>())：</a:t>
+            </a:r>
+            <a:r>
+              <a:rPr sz="2400" dirty="0" err="1" smtClean="0"/>
+              <a:t>加載解析cookie的中</a:t>
+            </a:r>
+            <a:r>
+              <a:rPr lang="zh-TW" altLang="en-US" sz="2400" dirty="0" smtClean="0"/>
+              <a:t>間</a:t>
+            </a:r>
+            <a:r>
+              <a:rPr sz="2400" dirty="0" smtClean="0"/>
+              <a:t>件。 </a:t>
+            </a:r>
+          </a:p>
+          <a:p>
+            <a:pPr marL="342900" indent="-342900">
+              <a:spcBef>
+                <a:spcPts val="0"/>
+              </a:spcBef>
+              <a:buSzPct val="100000"/>
+              <a:buFont typeface="Arial" panose="020B0604020202020204" pitchFamily="34" charset="0"/>
+              <a:buChar char="•"/>
+              <a:defRPr sz="2100" b="0">
+                <a:latin typeface="Arial"/>
+                <a:ea typeface="Arial"/>
+                <a:cs typeface="Arial"/>
+                <a:sym typeface="Arial"/>
+              </a:defRPr>
+            </a:pPr>
+            <a:r>
+              <a:rPr sz="2400" dirty="0" err="1" smtClean="0"/>
+              <a:t>app.use</a:t>
+            </a:r>
+            <a:r>
+              <a:rPr sz="2400" dirty="0" smtClean="0"/>
+              <a:t>(</a:t>
+            </a:r>
+            <a:r>
+              <a:rPr sz="2400" dirty="0" err="1" smtClean="0"/>
+              <a:t>express.static</a:t>
+            </a:r>
+            <a:r>
+              <a:rPr sz="2400" dirty="0" smtClean="0"/>
+              <a:t>(</a:t>
+            </a:r>
+            <a:r>
+              <a:rPr sz="2400" dirty="0" err="1" smtClean="0"/>
+              <a:t>path.join</a:t>
+            </a:r>
+            <a:r>
+              <a:rPr sz="2400" dirty="0" smtClean="0"/>
+              <a:t>(</a:t>
+            </a:r>
+            <a:r>
+              <a:rPr sz="2400" dirty="0" err="1" smtClean="0"/>
+              <a:t>dirname</a:t>
+            </a:r>
+            <a:r>
+              <a:rPr sz="2400" dirty="0" smtClean="0"/>
+              <a:t>, ‘public')))：</a:t>
+            </a:r>
+            <a:r>
+              <a:rPr sz="2400" dirty="0" err="1" smtClean="0"/>
+              <a:t>設置public為存放靜態文件的目錄</a:t>
+            </a:r>
+            <a:r>
+              <a:rPr sz="2400" dirty="0" smtClean="0"/>
+              <a:t>。</a:t>
+            </a:r>
+          </a:p>
+          <a:p>
+            <a:pPr marL="342900" indent="-342900">
+              <a:spcBef>
+                <a:spcPts val="0"/>
+              </a:spcBef>
+              <a:buSzPct val="100000"/>
+              <a:buFont typeface="Arial" panose="020B0604020202020204" pitchFamily="34" charset="0"/>
+              <a:buChar char="•"/>
+              <a:defRPr sz="2100" b="0">
+                <a:latin typeface="Arial"/>
+                <a:ea typeface="Arial"/>
+                <a:cs typeface="Arial"/>
+                <a:sym typeface="Arial"/>
+              </a:defRPr>
+            </a:pPr>
+            <a:r>
+              <a:rPr sz="2400" dirty="0" err="1" smtClean="0"/>
+              <a:t>app.use</a:t>
+            </a:r>
+            <a:r>
+              <a:rPr sz="2400" dirty="0" smtClean="0"/>
+              <a:t>('/', routes);</a:t>
+            </a:r>
+            <a:r>
+              <a:rPr sz="2400" dirty="0" err="1" smtClean="0"/>
+              <a:t>和app.use</a:t>
+            </a:r>
+            <a:r>
+              <a:rPr sz="2400" dirty="0" smtClean="0"/>
+              <a:t>('/users', users)：</a:t>
+            </a:r>
+            <a:r>
+              <a:rPr sz="2400" dirty="0" err="1" smtClean="0"/>
+              <a:t>路由控制器</a:t>
+            </a:r>
+            <a:r>
+              <a:rPr sz="2400" dirty="0" smtClean="0"/>
+              <a:t>。 </a:t>
+            </a:r>
+            <a:endParaRPr sz="2400" dirty="0"/>
+          </a:p>
+        </p:txBody>
+      </p:sp>
+      <p:sp>
+        <p:nvSpPr>
+          <p:cNvPr id="354" name="Shape 354">
+            <a:hlinkClick r:id="rId2" action="ppaction://hlinksldjump"/>
+          </p:cNvPr>
+          <p:cNvSpPr/>
+          <p:nvPr/>
+        </p:nvSpPr>
+        <p:spPr>
+          <a:xfrm>
+            <a:off x="4759559" y="6167963"/>
+            <a:ext cx="2418912" cy="375156"/>
+          </a:xfrm>
+          <a:prstGeom prst="rect">
+            <a:avLst/>
+          </a:prstGeom>
+          <a:ln w="12700">
+            <a:miter lim="400000"/>
+          </a:ln>
+          <a:extLst>
+            <a:ext uri="{C572A759-6A51-4108-AA02-DFA0A04FC94B}">
+              <ma14:wrappingTextBoxFlag xmlns:ma14="http://schemas.microsoft.com/office/mac/drawingml/2011/main" xmlns="" val="1"/>
+            </a:ext>
+          </a:extLst>
+        </p:spPr>
+        <p:txBody>
+          <a:bodyPr lIns="45718" tIns="45718" rIns="45718" bIns="45718">
+            <a:spAutoFit/>
+          </a:bodyPr>
+          <a:lstStyle>
+            <a:lvl1pPr algn="ctr" defTabSz="850391">
+              <a:lnSpc>
+                <a:spcPct val="115000"/>
+              </a:lnSpc>
+              <a:spcBef>
+                <a:spcPts val="1400"/>
+              </a:spcBef>
+              <a:defRPr sz="2200">
+                <a:latin typeface="Arial"/>
+                <a:ea typeface="Arial"/>
+                <a:cs typeface="Arial"/>
+                <a:sym typeface="Arial"/>
+              </a:defRPr>
+            </a:lvl1pPr>
+          </a:lstStyle>
+          <a:p>
+            <a:r>
+              <a:t>返回專案結構</a:t>
+            </a:r>
+          </a:p>
+        </p:txBody>
+      </p:sp>
+    </p:spTree>
+    <p:extLst>
+      <p:ext uri="{BB962C8B-B14F-4D97-AF65-F5344CB8AC3E}">
+        <p14:creationId xmlns:p14="http://schemas.microsoft.com/office/powerpoint/2010/main" xmlns="" val="1211296966"/>
+      </p:ext>
+    </p:extLst>
+  </p:cSld>
+  <p:clrMapOvr>
+    <a:masterClrMapping/>
+  </p:clrMapOvr>
+  <p:transition spd="slow"/>
+  <p:timing>
+    <p:tnLst>
+      <p:par>
+        <p:cTn id="1" dur="indefinite" restart="never" nodeType="tmRoot"/>
+      </p:par>
+    </p:tnLst>
+  </p:timing>
+</p:sld>
+</file>
+
+<file path=ppt/slides/slide21.xml><?xml version="1.0" encoding="utf-8"?>
+<p:sld xmlns:a="http://schemas.openxmlformats.org/drawingml/2006/main" xmlns:r="http://schemas.openxmlformats.org/officeDocument/2006/relationships" xmlns:p="http://schemas.openxmlformats.org/presentationml/2006/main">
+  <p:cSld>
+    <p:spTree>
+      <p:nvGrpSpPr>
+        <p:cNvPr id="1" name=""/>
+        <p:cNvGrpSpPr/>
+        <p:nvPr/>
+      </p:nvGrpSpPr>
+      <p:grpSpPr>
+        <a:xfrm>
+          <a:off x="0" y="0"/>
+          <a:ext cx="0" cy="0"/>
+          <a:chOff x="0" y="0"/>
+          <a:chExt cx="0" cy="0"/>
+        </a:xfrm>
+      </p:grpSpPr>
+      <p:sp>
+        <p:nvSpPr>
+          <p:cNvPr id="352" name="Shape 352"/>
+          <p:cNvSpPr>
+            <a:spLocks noGrp="1"/>
+          </p:cNvSpPr>
+          <p:nvPr>
+            <p:ph type="title"/>
+          </p:nvPr>
+        </p:nvSpPr>
+        <p:spPr>
+          <a:xfrm>
+            <a:off x="531812" y="-26555"/>
+            <a:ext cx="7772401" cy="899915"/>
+          </a:xfrm>
+          <a:prstGeom prst="rect">
+            <a:avLst/>
+          </a:prstGeom>
+        </p:spPr>
+        <p:txBody>
+          <a:bodyPr anchor="ctr"/>
+          <a:lstStyle>
+            <a:lvl1pPr defTabSz="749808">
+              <a:lnSpc>
+                <a:spcPct val="115000"/>
+              </a:lnSpc>
+              <a:spcBef>
+                <a:spcPts val="1300"/>
+              </a:spcBef>
+              <a:defRPr b="0" cap="none">
+                <a:solidFill>
+                  <a:srgbClr val="FFFFFF"/>
+                </a:solidFill>
+              </a:defRPr>
+            </a:lvl1pPr>
+          </a:lstStyle>
+          <a:p>
+            <a:r>
               <a:rPr lang="en-US" altLang="zh-TW" dirty="0"/>
               <a:t>bin/www </a:t>
             </a:r>
@@ -10071,7 +10650,7 @@
           </a:ln>
           <a:extLst>
             <a:ext uri="{C572A759-6A51-4108-AA02-DFA0A04FC94B}">
-              <ma14:wrappingTextBoxFlag xmlns="" xmlns:ma14="http://schemas.microsoft.com/office/mac/drawingml/2011/main" val="1"/>
+              <ma14:wrappingTextBoxFlag xmlns:ma14="http://schemas.microsoft.com/office/mac/drawingml/2011/main" xmlns="" val="1"/>
             </a:ext>
           </a:extLst>
         </p:spPr>
@@ -10118,7 +10697,7 @@
 </p:sld>
 </file>
 
-<file path=ppt/slides/slide21.xml><?xml version="1.0" encoding="utf-8"?>
+<file path=ppt/slides/slide22.xml><?xml version="1.0" encoding="utf-8"?>
 <p:sld xmlns:a="http://schemas.openxmlformats.org/drawingml/2006/main" xmlns:r="http://schemas.openxmlformats.org/officeDocument/2006/relationships" xmlns:p="http://schemas.openxmlformats.org/presentationml/2006/main">
   <p:cSld>
     <p:spTree>
@@ -10382,7 +10961,7 @@
 </p:sld>
 </file>
 
-<file path=ppt/slides/slide22.xml><?xml version="1.0" encoding="utf-8"?>
+<file path=ppt/slides/slide23.xml><?xml version="1.0" encoding="utf-8"?>
 <p:sld xmlns:a="http://schemas.openxmlformats.org/drawingml/2006/main" xmlns:r="http://schemas.openxmlformats.org/officeDocument/2006/relationships" xmlns:p="http://schemas.openxmlformats.org/presentationml/2006/main">
   <p:cSld>
     <p:spTree>
@@ -10752,7 +11331,7 @@
           </a:ln>
           <a:extLst>
             <a:ext uri="{C572A759-6A51-4108-AA02-DFA0A04FC94B}">
-              <ma14:wrappingTextBoxFlag xmlns="" xmlns:ma14="http://schemas.microsoft.com/office/mac/drawingml/2011/main" val="1"/>
+              <ma14:wrappingTextBoxFlag xmlns:ma14="http://schemas.microsoft.com/office/mac/drawingml/2011/main" xmlns="" val="1"/>
             </a:ext>
           </a:extLst>
         </p:spPr>
@@ -10812,7 +11391,7 @@
 </p:sld>
 </file>
 
-<file path=ppt/slides/slide23.xml><?xml version="1.0" encoding="utf-8"?>
+<file path=ppt/slides/slide24.xml><?xml version="1.0" encoding="utf-8"?>
 <p:sld xmlns:a="http://schemas.openxmlformats.org/drawingml/2006/main" xmlns:r="http://schemas.openxmlformats.org/officeDocument/2006/relationships" xmlns:p="http://schemas.openxmlformats.org/presentationml/2006/main">
   <p:cSld>
     <p:spTree>
@@ -10891,7 +11470,7 @@
           </a:ln>
           <a:extLst>
             <a:ext uri="{C572A759-6A51-4108-AA02-DFA0A04FC94B}">
-              <ma14:wrappingTextBoxFlag xmlns="" xmlns:ma14="http://schemas.microsoft.com/office/mac/drawingml/2011/main" val="1"/>
+              <ma14:wrappingTextBoxFlag xmlns:ma14="http://schemas.microsoft.com/office/mac/drawingml/2011/main" xmlns="" val="1"/>
             </a:ext>
           </a:extLst>
         </p:spPr>
@@ -11144,7 +11723,7 @@
           </a:ln>
           <a:extLst>
             <a:ext uri="{C572A759-6A51-4108-AA02-DFA0A04FC94B}">
-              <ma14:wrappingTextBoxFlag xmlns="" xmlns:ma14="http://schemas.microsoft.com/office/mac/drawingml/2011/main" val="1"/>
+              <ma14:wrappingTextBoxFlag xmlns:ma14="http://schemas.microsoft.com/office/mac/drawingml/2011/main" xmlns="" val="1"/>
             </a:ext>
           </a:extLst>
         </p:spPr>
@@ -11191,7 +11770,7 @@
 </p:sld>
 </file>
 
-<file path=ppt/slides/slide24.xml><?xml version="1.0" encoding="utf-8"?>
+<file path=ppt/slides/slide25.xml><?xml version="1.0" encoding="utf-8"?>
 <p:sld xmlns:a="http://schemas.openxmlformats.org/drawingml/2006/main" xmlns:r="http://schemas.openxmlformats.org/officeDocument/2006/relationships" xmlns:p="http://schemas.openxmlformats.org/presentationml/2006/main">
   <p:cSld>
     <p:spTree>
@@ -11337,7 +11916,7 @@
           </a:prstGeom>
           <a:extLst>
             <a:ext uri="{C572A759-6A51-4108-AA02-DFA0A04FC94B}">
-              <ma14:wrappingTextBoxFlag xmlns="" xmlns:ma14="http://schemas.microsoft.com/office/mac/drawingml/2011/main" val="1"/>
+              <ma14:wrappingTextBoxFlag xmlns:ma14="http://schemas.microsoft.com/office/mac/drawingml/2011/main" xmlns="" val="1"/>
             </a:ext>
           </a:extLst>
         </p:spPr>
@@ -11356,7 +11935,7 @@
             <a:fld id="{86CB4B4D-7CA3-9044-876B-883B54F8677D}" type="slidenum">
               <a:rPr/>
               <a:pPr/>
-              <a:t>24</a:t>
+              <a:t>25</a:t>
             </a:fld>
             <a:endParaRPr/>
           </a:p>
@@ -11459,7 +12038,7 @@
             <a:effectLst/>
             <a:extLst>
               <a:ext uri="{C572A759-6A51-4108-AA02-DFA0A04FC94B}">
-                <ma14:wrappingTextBoxFlag xmlns="" xmlns:ma14="http://schemas.microsoft.com/office/mac/drawingml/2011/main" val="1"/>
+                <ma14:wrappingTextBoxFlag xmlns:ma14="http://schemas.microsoft.com/office/mac/drawingml/2011/main" xmlns="" val="1"/>
               </a:ext>
             </a:extLst>
           </p:spPr>
@@ -11618,7 +12197,7 @@
             <a:effectLst/>
             <a:extLst>
               <a:ext uri="{C572A759-6A51-4108-AA02-DFA0A04FC94B}">
-                <ma14:wrappingTextBoxFlag xmlns="" xmlns:ma14="http://schemas.microsoft.com/office/mac/drawingml/2011/main" val="1"/>
+                <ma14:wrappingTextBoxFlag xmlns:ma14="http://schemas.microsoft.com/office/mac/drawingml/2011/main" xmlns="" val="1"/>
               </a:ext>
             </a:extLst>
           </p:spPr>
@@ -11777,7 +12356,7 @@
             <a:effectLst/>
             <a:extLst>
               <a:ext uri="{C572A759-6A51-4108-AA02-DFA0A04FC94B}">
-                <ma14:wrappingTextBoxFlag xmlns="" xmlns:ma14="http://schemas.microsoft.com/office/mac/drawingml/2011/main" val="1"/>
+                <ma14:wrappingTextBoxFlag xmlns:ma14="http://schemas.microsoft.com/office/mac/drawingml/2011/main" xmlns="" val="1"/>
               </a:ext>
             </a:extLst>
           </p:spPr>
@@ -11831,7 +12410,7 @@
           </a:ln>
           <a:extLst>
             <a:ext uri="{C572A759-6A51-4108-AA02-DFA0A04FC94B}">
-              <ma14:wrappingTextBoxFlag xmlns="" xmlns:ma14="http://schemas.microsoft.com/office/mac/drawingml/2011/main" val="1"/>
+              <ma14:wrappingTextBoxFlag xmlns:ma14="http://schemas.microsoft.com/office/mac/drawingml/2011/main" xmlns="" val="1"/>
             </a:ext>
           </a:extLst>
         </p:spPr>
@@ -11875,7 +12454,7 @@
           </a:ln>
           <a:extLst>
             <a:ext uri="{C572A759-6A51-4108-AA02-DFA0A04FC94B}">
-              <ma14:wrappingTextBoxFlag xmlns="" xmlns:ma14="http://schemas.microsoft.com/office/mac/drawingml/2011/main" val="1"/>
+              <ma14:wrappingTextBoxFlag xmlns:ma14="http://schemas.microsoft.com/office/mac/drawingml/2011/main" xmlns="" val="1"/>
             </a:ext>
           </a:extLst>
         </p:spPr>
@@ -11919,7 +12498,7 @@
           </a:ln>
           <a:extLst>
             <a:ext uri="{C572A759-6A51-4108-AA02-DFA0A04FC94B}">
-              <ma14:wrappingTextBoxFlag xmlns="" xmlns:ma14="http://schemas.microsoft.com/office/mac/drawingml/2011/main" val="1"/>
+              <ma14:wrappingTextBoxFlag xmlns:ma14="http://schemas.microsoft.com/office/mac/drawingml/2011/main" xmlns="" val="1"/>
             </a:ext>
           </a:extLst>
         </p:spPr>
@@ -12066,7 +12645,7 @@
             <a:effectLst/>
             <a:extLst>
               <a:ext uri="{C572A759-6A51-4108-AA02-DFA0A04FC94B}">
-                <ma14:wrappingTextBoxFlag xmlns="" xmlns:ma14="http://schemas.microsoft.com/office/mac/drawingml/2011/main" val="1"/>
+                <ma14:wrappingTextBoxFlag xmlns:ma14="http://schemas.microsoft.com/office/mac/drawingml/2011/main" xmlns="" val="1"/>
               </a:ext>
             </a:extLst>
           </p:spPr>
@@ -12192,7 +12771,7 @@
             <a:effectLst/>
             <a:extLst>
               <a:ext uri="{C572A759-6A51-4108-AA02-DFA0A04FC94B}">
-                <ma14:wrappingTextBoxFlag xmlns="" xmlns:ma14="http://schemas.microsoft.com/office/mac/drawingml/2011/main" val="1"/>
+                <ma14:wrappingTextBoxFlag xmlns:ma14="http://schemas.microsoft.com/office/mac/drawingml/2011/main" xmlns="" val="1"/>
               </a:ext>
             </a:extLst>
           </p:spPr>
@@ -12312,7 +12891,7 @@
           </a:ln>
           <a:extLst>
             <a:ext uri="{C572A759-6A51-4108-AA02-DFA0A04FC94B}">
-              <ma14:wrappingTextBoxFlag xmlns="" xmlns:ma14="http://schemas.microsoft.com/office/mac/drawingml/2011/main" val="1"/>
+              <ma14:wrappingTextBoxFlag xmlns:ma14="http://schemas.microsoft.com/office/mac/drawingml/2011/main" xmlns="" val="1"/>
             </a:ext>
           </a:extLst>
         </p:spPr>
@@ -12356,7 +12935,7 @@
           </a:ln>
           <a:extLst>
             <a:ext uri="{C572A759-6A51-4108-AA02-DFA0A04FC94B}">
-              <ma14:wrappingTextBoxFlag xmlns="" xmlns:ma14="http://schemas.microsoft.com/office/mac/drawingml/2011/main" val="1"/>
+              <ma14:wrappingTextBoxFlag xmlns:ma14="http://schemas.microsoft.com/office/mac/drawingml/2011/main" xmlns="" val="1"/>
             </a:ext>
           </a:extLst>
         </p:spPr>
@@ -12400,7 +12979,7 @@
           </a:ln>
           <a:extLst>
             <a:ext uri="{C572A759-6A51-4108-AA02-DFA0A04FC94B}">
-              <ma14:wrappingTextBoxFlag xmlns="" xmlns:ma14="http://schemas.microsoft.com/office/mac/drawingml/2011/main" val="1"/>
+              <ma14:wrappingTextBoxFlag xmlns:ma14="http://schemas.microsoft.com/office/mac/drawingml/2011/main" xmlns="" val="1"/>
             </a:ext>
           </a:extLst>
         </p:spPr>
@@ -12469,7 +13048,7 @@
           </a:ln>
           <a:extLst>
             <a:ext uri="{C572A759-6A51-4108-AA02-DFA0A04FC94B}">
-              <ma14:wrappingTextBoxFlag xmlns="" xmlns:ma14="http://schemas.microsoft.com/office/mac/drawingml/2011/main" val="1"/>
+              <ma14:wrappingTextBoxFlag xmlns:ma14="http://schemas.microsoft.com/office/mac/drawingml/2011/main" xmlns="" val="1"/>
             </a:ext>
           </a:extLst>
         </p:spPr>
@@ -12648,7 +13227,7 @@
             <a:effectLst/>
             <a:extLst>
               <a:ext uri="{C572A759-6A51-4108-AA02-DFA0A04FC94B}">
-                <ma14:wrappingTextBoxFlag xmlns="" xmlns:ma14="http://schemas.microsoft.com/office/mac/drawingml/2011/main" val="1"/>
+                <ma14:wrappingTextBoxFlag xmlns:ma14="http://schemas.microsoft.com/office/mac/drawingml/2011/main" xmlns="" val="1"/>
               </a:ext>
             </a:extLst>
           </p:spPr>
@@ -12693,7 +13272,7 @@
 </p:sld>
 </file>
 
-<file path=ppt/slides/slide25.xml><?xml version="1.0" encoding="utf-8"?>
+<file path=ppt/slides/slide26.xml><?xml version="1.0" encoding="utf-8"?>
 <p:sld xmlns:a="http://schemas.openxmlformats.org/drawingml/2006/main" xmlns:r="http://schemas.openxmlformats.org/officeDocument/2006/relationships" xmlns:p="http://schemas.openxmlformats.org/presentationml/2006/main">
   <p:cSld>
     <p:spTree>
@@ -12731,7 +13310,7 @@
           </a:ln>
           <a:extLst>
             <a:ext uri="{C572A759-6A51-4108-AA02-DFA0A04FC94B}">
-              <ma14:wrappingTextBoxFlag xmlns="" xmlns:ma14="http://schemas.microsoft.com/office/mac/drawingml/2011/main" val="1"/>
+              <ma14:wrappingTextBoxFlag xmlns:ma14="http://schemas.microsoft.com/office/mac/drawingml/2011/main" xmlns="" val="1"/>
             </a:ext>
           </a:extLst>
         </p:spPr>
@@ -13080,7 +13659,7 @@
 </p:sld>
 </file>
 
-<file path=ppt/slides/slide26.xml><?xml version="1.0" encoding="utf-8"?>
+<file path=ppt/slides/slide27.xml><?xml version="1.0" encoding="utf-8"?>
 <p:sld xmlns:a="http://schemas.openxmlformats.org/drawingml/2006/main" xmlns:r="http://schemas.openxmlformats.org/officeDocument/2006/relationships" xmlns:p="http://schemas.openxmlformats.org/presentationml/2006/main">
   <p:cSld>
     <p:spTree>
@@ -13159,7 +13738,7 @@
           </a:ln>
           <a:extLst>
             <a:ext uri="{C572A759-6A51-4108-AA02-DFA0A04FC94B}">
-              <ma14:wrappingTextBoxFlag xmlns="" xmlns:ma14="http://schemas.microsoft.com/office/mac/drawingml/2011/main" val="1"/>
+              <ma14:wrappingTextBoxFlag xmlns:ma14="http://schemas.microsoft.com/office/mac/drawingml/2011/main" xmlns="" val="1"/>
             </a:ext>
           </a:extLst>
         </p:spPr>
@@ -13203,7 +13782,7 @@
           </a:ln>
           <a:extLst>
             <a:ext uri="{C572A759-6A51-4108-AA02-DFA0A04FC94B}">
-              <ma14:wrappingTextBoxFlag xmlns="" xmlns:ma14="http://schemas.microsoft.com/office/mac/drawingml/2011/main" val="1"/>
+              <ma14:wrappingTextBoxFlag xmlns:ma14="http://schemas.microsoft.com/office/mac/drawingml/2011/main" xmlns="" val="1"/>
             </a:ext>
           </a:extLst>
         </p:spPr>
@@ -13322,7 +13901,7 @@
 </p:sld>
 </file>
 
-<file path=ppt/slides/slide27.xml><?xml version="1.0" encoding="utf-8"?>
+<file path=ppt/slides/slide28.xml><?xml version="1.0" encoding="utf-8"?>
 <p:sld xmlns:a="http://schemas.openxmlformats.org/drawingml/2006/main" xmlns:r="http://schemas.openxmlformats.org/officeDocument/2006/relationships" xmlns:p="http://schemas.openxmlformats.org/presentationml/2006/main">
   <p:cSld>
     <p:spTree>
@@ -13441,7 +14020,7 @@
 </p:sld>
 </file>
 
-<file path=ppt/slides/slide28.xml><?xml version="1.0" encoding="utf-8"?>
+<file path=ppt/slides/slide29.xml><?xml version="1.0" encoding="utf-8"?>
 <p:sld xmlns:a="http://schemas.openxmlformats.org/drawingml/2006/main" xmlns:r="http://schemas.openxmlformats.org/officeDocument/2006/relationships" xmlns:p="http://schemas.openxmlformats.org/presentationml/2006/main">
   <p:cSld>
     <p:spTree>
@@ -13619,7 +14198,116 @@
 </p:sld>
 </file>
 
-<file path=ppt/slides/slide29.xml><?xml version="1.0" encoding="utf-8"?>
+<file path=ppt/slides/slide3.xml><?xml version="1.0" encoding="utf-8"?>
+<p:sld xmlns:a="http://schemas.openxmlformats.org/drawingml/2006/main" xmlns:r="http://schemas.openxmlformats.org/officeDocument/2006/relationships" xmlns:p="http://schemas.openxmlformats.org/presentationml/2006/main">
+  <p:cSld>
+    <p:spTree>
+      <p:nvGrpSpPr>
+        <p:cNvPr id="1" name=""/>
+        <p:cNvGrpSpPr/>
+        <p:nvPr/>
+      </p:nvGrpSpPr>
+      <p:grpSpPr>
+        <a:xfrm>
+          <a:off x="0" y="0"/>
+          <a:ext cx="0" cy="0"/>
+          <a:chOff x="0" y="0"/>
+          <a:chExt cx="0" cy="0"/>
+        </a:xfrm>
+      </p:grpSpPr>
+      <p:sp>
+        <p:nvSpPr>
+          <p:cNvPr id="454" name="Shape 454"/>
+          <p:cNvSpPr>
+            <a:spLocks noGrp="1"/>
+          </p:cNvSpPr>
+          <p:nvPr>
+            <p:ph type="title"/>
+          </p:nvPr>
+        </p:nvSpPr>
+        <p:spPr>
+          <a:xfrm>
+            <a:off x="569912" y="152400"/>
+            <a:ext cx="7772401" cy="899915"/>
+          </a:xfrm>
+          <a:prstGeom prst="rect">
+            <a:avLst/>
+          </a:prstGeom>
+        </p:spPr>
+        <p:txBody>
+          <a:bodyPr/>
+          <a:lstStyle>
+            <a:lvl1pPr algn="ctr">
+              <a:defRPr sz="4800" b="0" cap="none">
+                <a:solidFill>
+                  <a:srgbClr val="FFFFFF"/>
+                </a:solidFill>
+              </a:defRPr>
+            </a:lvl1pPr>
+          </a:lstStyle>
+          <a:p>
+            <a:r>
+              <a:rPr dirty="0" err="1" smtClean="0"/>
+              <a:t>訂閱</a:t>
+            </a:r>
+            <a:r>
+              <a:rPr lang="zh-TW" altLang="en-US" dirty="0" smtClean="0"/>
+              <a:t>及後台處理</a:t>
+            </a:r>
+            <a:r>
+              <a:rPr dirty="0" err="1" smtClean="0"/>
+              <a:t>流程</a:t>
+            </a:r>
+            <a:endParaRPr dirty="0"/>
+          </a:p>
+        </p:txBody>
+      </p:sp>
+      <p:pic>
+        <p:nvPicPr>
+          <p:cNvPr id="455" name="螢幕快照 2016-07-14 下午12.45.50.png"/>
+          <p:cNvPicPr>
+            <a:picLocks noChangeAspect="1"/>
+          </p:cNvPicPr>
+          <p:nvPr/>
+        </p:nvPicPr>
+        <p:blipFill>
+          <a:blip r:embed="rId2" cstate="print">
+            <a:extLst/>
+          </a:blip>
+          <a:stretch>
+            <a:fillRect/>
+          </a:stretch>
+        </p:blipFill>
+        <p:spPr>
+          <a:xfrm>
+            <a:off x="385464" y="1202334"/>
+            <a:ext cx="8141297" cy="4819847"/>
+          </a:xfrm>
+          <a:prstGeom prst="rect">
+            <a:avLst/>
+          </a:prstGeom>
+          <a:ln w="12700">
+            <a:miter lim="400000"/>
+          </a:ln>
+        </p:spPr>
+      </p:pic>
+    </p:spTree>
+  </p:cSld>
+  <p:clrMapOvr>
+    <a:masterClrMapping/>
+  </p:clrMapOvr>
+  <p:transition spd="slow"/>
+  <p:timing>
+    <p:tnLst>
+      <p:par>
+        <p:cTn id="1" dur="indefinite" restart="never" nodeType="tmRoot"/>
+      </p:par>
+    </p:tnLst>
+  </p:timing>
+</p:sld>
+</file>
+
+<file path=ppt/slides/slide30.xml><?xml version="1.0" encoding="utf-8"?>
 <p:sld xmlns:a="http://schemas.openxmlformats.org/drawingml/2006/main" xmlns:r="http://schemas.openxmlformats.org/officeDocument/2006/relationships" xmlns:p="http://schemas.openxmlformats.org/presentationml/2006/main">
   <p:cSld>
     <p:spTree>
@@ -13808,477 +14496,7 @@
 </p:sld>
 </file>
 
-<file path=ppt/slides/slide3.xml><?xml version="1.0" encoding="utf-8"?>
-<p:sld xmlns:a="http://schemas.openxmlformats.org/drawingml/2006/main" xmlns:r="http://schemas.openxmlformats.org/officeDocument/2006/relationships" xmlns:p="http://schemas.openxmlformats.org/presentationml/2006/main">
-  <p:cSld>
-    <p:spTree>
-      <p:nvGrpSpPr>
-        <p:cNvPr id="1" name=""/>
-        <p:cNvGrpSpPr/>
-        <p:nvPr/>
-      </p:nvGrpSpPr>
-      <p:grpSpPr>
-        <a:xfrm>
-          <a:off x="0" y="0"/>
-          <a:ext cx="0" cy="0"/>
-          <a:chOff x="0" y="0"/>
-          <a:chExt cx="0" cy="0"/>
-        </a:xfrm>
-      </p:grpSpPr>
-      <p:sp>
-        <p:nvSpPr>
-          <p:cNvPr id="254" name="Shape 254"/>
-          <p:cNvSpPr>
-            <a:spLocks noGrp="1"/>
-          </p:cNvSpPr>
-          <p:nvPr>
-            <p:ph type="body" idx="1"/>
-          </p:nvPr>
-        </p:nvSpPr>
-        <p:spPr>
-          <a:xfrm>
-            <a:off x="586403" y="1424433"/>
-            <a:ext cx="7772401" cy="4645920"/>
-          </a:xfrm>
-          <a:prstGeom prst="rect">
-            <a:avLst/>
-          </a:prstGeom>
-        </p:spPr>
-        <p:txBody>
-          <a:bodyPr anchor="t"/>
-          <a:lstStyle/>
-          <a:p>
-            <a:r>
-              <a:rPr lang="en-US" altLang="zh-TW" dirty="0" smtClean="0"/>
-              <a:t>Node.js</a:t>
-            </a:r>
-            <a:r>
-              <a:rPr lang="zh-TW" altLang="en-US" b="0" dirty="0" smtClean="0"/>
-              <a:t>是一個</a:t>
-            </a:r>
-            <a:r>
-              <a:rPr lang="zh-TW" altLang="en-US" b="0" dirty="0" smtClean="0">
-                <a:hlinkClick r:id="rId2" tooltip="開放原始碼"/>
-              </a:rPr>
-              <a:t>開放原始碼</a:t>
-            </a:r>
-            <a:r>
-              <a:rPr lang="zh-TW" altLang="en-US" b="0" dirty="0" smtClean="0"/>
-              <a:t>、</a:t>
-            </a:r>
-            <a:r>
-              <a:rPr lang="zh-TW" altLang="en-US" b="0" dirty="0" smtClean="0">
-                <a:hlinkClick r:id="rId3" tooltip="跨平台"/>
-              </a:rPr>
-              <a:t>跨平台</a:t>
-            </a:r>
-            <a:r>
-              <a:rPr lang="zh-TW" altLang="en-US" b="0" dirty="0" smtClean="0"/>
-              <a:t>的、可用於</a:t>
-            </a:r>
-            <a:r>
-              <a:rPr lang="zh-TW" altLang="en-US" b="0" dirty="0" smtClean="0">
-                <a:hlinkClick r:id="rId4" tooltip="伺服器端"/>
-              </a:rPr>
-              <a:t>伺服器端</a:t>
-            </a:r>
-            <a:r>
-              <a:rPr lang="zh-TW" altLang="en-US" b="0" dirty="0" smtClean="0"/>
-              <a:t>和網路應用的</a:t>
-            </a:r>
-            <a:r>
-              <a:rPr lang="zh-TW" altLang="en-US" b="0" dirty="0" smtClean="0">
-                <a:hlinkClick r:id="rId5" tooltip="執行環境"/>
-              </a:rPr>
-              <a:t>執行環境</a:t>
-            </a:r>
-            <a:r>
-              <a:rPr lang="zh-TW" altLang="en-US" b="0" dirty="0" smtClean="0"/>
-              <a:t>。</a:t>
-            </a:r>
-            <a:r>
-              <a:rPr lang="en-US" altLang="zh-TW" b="0" dirty="0" smtClean="0"/>
-              <a:t>Node.js</a:t>
-            </a:r>
-            <a:r>
-              <a:rPr lang="zh-TW" altLang="en-US" b="0" dirty="0" smtClean="0"/>
-              <a:t>應用</a:t>
-            </a:r>
-            <a:r>
-              <a:rPr lang="en-US" altLang="zh-TW" b="0" dirty="0" smtClean="0">
-                <a:hlinkClick r:id="rId6" tooltip="C++"/>
-              </a:rPr>
-              <a:t>C++</a:t>
-            </a:r>
-            <a:r>
-              <a:rPr lang="zh-TW" altLang="en-US" b="0" dirty="0" smtClean="0"/>
-              <a:t>語言寫成，在</a:t>
-            </a:r>
-            <a:r>
-              <a:rPr lang="en-US" altLang="zh-TW" b="0" dirty="0" smtClean="0"/>
-              <a:t>Node.js</a:t>
-            </a:r>
-            <a:r>
-              <a:rPr lang="zh-TW" altLang="en-US" b="0" dirty="0" smtClean="0"/>
-              <a:t>執行時執行。它支援</a:t>
-            </a:r>
-            <a:r>
-              <a:rPr lang="en-US" altLang="zh-TW" b="0" dirty="0" smtClean="0">
-                <a:hlinkClick r:id="rId7" tooltip="OS X"/>
-              </a:rPr>
-              <a:t>OS X</a:t>
-            </a:r>
-            <a:r>
-              <a:rPr lang="zh-TW" altLang="en-US" b="0" dirty="0" smtClean="0"/>
-              <a:t>、</a:t>
-            </a:r>
-            <a:r>
-              <a:rPr lang="en-US" altLang="zh-TW" b="0" dirty="0" smtClean="0">
-                <a:hlinkClick r:id="rId8" tooltip="Microsoft Windows"/>
-              </a:rPr>
-              <a:t>Microsoft Windows</a:t>
-            </a:r>
-            <a:r>
-              <a:rPr lang="zh-TW" altLang="en-US" b="0" dirty="0" smtClean="0"/>
-              <a:t>、</a:t>
-            </a:r>
-            <a:r>
-              <a:rPr lang="en-US" altLang="zh-TW" b="0" dirty="0" smtClean="0">
-                <a:hlinkClick r:id="rId9" tooltip="Linux"/>
-              </a:rPr>
-              <a:t>Linux</a:t>
-            </a:r>
-            <a:r>
-              <a:rPr lang="zh-TW" altLang="en-US" b="0" dirty="0" smtClean="0"/>
-              <a:t>、</a:t>
-            </a:r>
-            <a:r>
-              <a:rPr lang="en-US" altLang="zh-TW" b="0" dirty="0" smtClean="0">
-                <a:hlinkClick r:id="rId10" tooltip="FreeBSD"/>
-              </a:rPr>
-              <a:t>FreeBSD</a:t>
-            </a:r>
-            <a:r>
-              <a:rPr lang="zh-TW" altLang="en-US" b="0" dirty="0" smtClean="0"/>
-              <a:t>、</a:t>
-            </a:r>
-            <a:r>
-              <a:rPr lang="en-US" altLang="zh-TW" b="0" dirty="0" err="1" smtClean="0">
-                <a:hlinkClick r:id="rId11" tooltip="NonStop（頁面不存在）"/>
-              </a:rPr>
-              <a:t>NonStop</a:t>
-            </a:r>
-            <a:r>
-              <a:rPr lang="zh-TW" altLang="en-US" b="0" dirty="0" smtClean="0"/>
-              <a:t>、</a:t>
-            </a:r>
-            <a:r>
-              <a:rPr lang="en-US" altLang="zh-TW" b="0" dirty="0" smtClean="0">
-                <a:hlinkClick r:id="rId12" tooltip="IBM AIX"/>
-              </a:rPr>
-              <a:t>IBM AIX</a:t>
-            </a:r>
-            <a:r>
-              <a:rPr lang="zh-TW" altLang="en-US" b="0" dirty="0" smtClean="0"/>
-              <a:t>、</a:t>
-            </a:r>
-            <a:r>
-              <a:rPr lang="en-US" altLang="zh-TW" b="0" dirty="0" smtClean="0">
-                <a:hlinkClick r:id="rId13" tooltip="IBM System z（頁面不存在）"/>
-              </a:rPr>
-              <a:t>IBM System z</a:t>
-            </a:r>
-            <a:r>
-              <a:rPr lang="zh-TW" altLang="en-US" b="0" dirty="0" smtClean="0"/>
-              <a:t>和</a:t>
-            </a:r>
-            <a:r>
-              <a:rPr lang="en-US" altLang="zh-TW" b="0" dirty="0" smtClean="0">
-                <a:hlinkClick r:id="rId14" tooltip="IBM i（頁面不存在）"/>
-              </a:rPr>
-              <a:t>IBM </a:t>
-            </a:r>
-            <a:r>
-              <a:rPr lang="en-US" altLang="zh-TW" b="0" dirty="0" err="1" smtClean="0">
-                <a:hlinkClick r:id="rId14" tooltip="IBM i（頁面不存在）"/>
-              </a:rPr>
-              <a:t>i</a:t>
-            </a:r>
-            <a:r>
-              <a:rPr lang="zh-TW" altLang="en-US" b="0" dirty="0" smtClean="0"/>
-              <a:t>。</a:t>
-            </a:r>
-            <a:r>
-              <a:rPr lang="en-US" altLang="zh-TW" b="0" dirty="0" smtClean="0"/>
-              <a:t>Node.js</a:t>
-            </a:r>
-            <a:r>
-              <a:rPr lang="zh-TW" altLang="en-US" b="0" dirty="0" smtClean="0"/>
-              <a:t>由</a:t>
-            </a:r>
-            <a:r>
-              <a:rPr lang="en-US" altLang="zh-TW" b="0" dirty="0" smtClean="0"/>
-              <a:t>Node.js</a:t>
-            </a:r>
-            <a:r>
-              <a:rPr lang="zh-TW" altLang="en-US" b="0" dirty="0" smtClean="0"/>
-              <a:t>基金會擁有和維護</a:t>
-            </a:r>
-            <a:r>
-              <a:rPr lang="en-US" altLang="zh-TW" b="0" baseline="30000" dirty="0" smtClean="0">
-                <a:hlinkClick r:id="rId15"/>
-              </a:rPr>
-              <a:t>[3]</a:t>
-            </a:r>
-            <a:r>
-              <a:rPr lang="zh-TW" altLang="en-US" b="0" dirty="0" smtClean="0"/>
-              <a:t>，該基金會與</a:t>
-            </a:r>
-            <a:r>
-              <a:rPr lang="en-US" altLang="zh-TW" b="0" dirty="0" smtClean="0">
-                <a:hlinkClick r:id="rId16" tooltip="Linux基金會"/>
-              </a:rPr>
-              <a:t>Linux</a:t>
-            </a:r>
-            <a:r>
-              <a:rPr lang="zh-TW" altLang="en-US" b="0" dirty="0" smtClean="0">
-                <a:hlinkClick r:id="rId16" tooltip="Linux基金會"/>
-              </a:rPr>
-              <a:t>基金會</a:t>
-            </a:r>
-            <a:r>
-              <a:rPr lang="zh-TW" altLang="en-US" b="0" dirty="0" smtClean="0"/>
-              <a:t>有合作關係</a:t>
-            </a:r>
-            <a:r>
-              <a:rPr lang="en-US" altLang="zh-TW" b="0" baseline="30000" dirty="0" smtClean="0">
-                <a:hlinkClick r:id="rId17"/>
-              </a:rPr>
-              <a:t>[4]</a:t>
-            </a:r>
-            <a:r>
-              <a:rPr lang="zh-TW" altLang="en-US" b="0" dirty="0" smtClean="0"/>
-              <a:t>。</a:t>
-            </a:r>
-          </a:p>
-          <a:p>
-            <a:r>
-              <a:rPr lang="en-US" altLang="zh-TW" b="0" dirty="0" smtClean="0"/>
-              <a:t>Node.js</a:t>
-            </a:r>
-            <a:r>
-              <a:rPr lang="zh-TW" altLang="en-US" b="0" dirty="0" smtClean="0"/>
-              <a:t>提供</a:t>
-            </a:r>
-            <a:r>
-              <a:rPr lang="zh-TW" altLang="en-US" b="0" dirty="0" smtClean="0">
-                <a:hlinkClick r:id="rId18" tooltip="事件驅動"/>
-              </a:rPr>
-              <a:t>事件驅動</a:t>
-            </a:r>
-            <a:r>
-              <a:rPr lang="zh-TW" altLang="en-US" b="0" dirty="0" smtClean="0"/>
-              <a:t>和</a:t>
-            </a:r>
-            <a:r>
-              <a:rPr lang="zh-TW" altLang="en-US" b="0" dirty="0" smtClean="0">
-                <a:hlinkClick r:id="rId19" tooltip="非阻塞I/O（頁面不存在）"/>
-              </a:rPr>
-              <a:t>非阻塞</a:t>
-            </a:r>
-            <a:r>
-              <a:rPr lang="en-US" altLang="zh-TW" b="0" dirty="0" smtClean="0">
-                <a:hlinkClick r:id="rId19" tooltip="非阻塞I/O（頁面不存在）"/>
-              </a:rPr>
-              <a:t>I/O</a:t>
-            </a:r>
-            <a:r>
-              <a:rPr lang="zh-TW" altLang="en-US" b="0" dirty="0" smtClean="0"/>
-              <a:t> </a:t>
-            </a:r>
-            <a:r>
-              <a:rPr lang="en-US" altLang="zh-TW" b="0" dirty="0" smtClean="0">
-                <a:hlinkClick r:id="rId20" tooltip="API"/>
-              </a:rPr>
-              <a:t>API</a:t>
-            </a:r>
-            <a:r>
-              <a:rPr lang="zh-TW" altLang="en-US" b="0" dirty="0" smtClean="0"/>
-              <a:t>，可最佳化應用程式的吞吐量和規模。這些技術通常被用於</a:t>
-            </a:r>
-            <a:r>
-              <a:rPr lang="zh-TW" altLang="en-US" b="0" u="sng" dirty="0" smtClean="0">
-                <a:hlinkClick r:id="rId21" tooltip="實時"/>
-              </a:rPr>
-              <a:t>實時</a:t>
-            </a:r>
-            <a:r>
-              <a:rPr lang="zh-TW" altLang="en-US" b="0" dirty="0" smtClean="0"/>
-              <a:t>應用程式。</a:t>
-            </a:r>
-            <a:endParaRPr lang="en-US" altLang="zh-TW" b="0" dirty="0" smtClean="0"/>
-          </a:p>
-          <a:p>
-            <a:endParaRPr lang="zh-TW" altLang="en-US" b="0" dirty="0" smtClean="0"/>
-          </a:p>
-          <a:p>
-            <a:r>
-              <a:rPr lang="en-US" altLang="zh-TW" b="0" dirty="0" smtClean="0"/>
-              <a:t>You can get the latest Long Term Support (LTS) version of Node 6.x from:</a:t>
-            </a:r>
-          </a:p>
-          <a:p>
-            <a:r>
-              <a:rPr lang="en-US" altLang="zh-TW" b="0" dirty="0" smtClean="0"/>
-              <a:t>Max OS X Installer: </a:t>
-            </a:r>
-            <a:r>
-              <a:rPr lang="en-US" altLang="zh-TW" b="0" dirty="0" smtClean="0">
-                <a:hlinkClick r:id="rId22"/>
-              </a:rPr>
-              <a:t>Universal</a:t>
-            </a:r>
-            <a:endParaRPr lang="en-US" altLang="zh-TW" b="0" dirty="0" smtClean="0"/>
-          </a:p>
-          <a:p>
-            <a:r>
-              <a:rPr lang="en-US" altLang="zh-TW" b="0" dirty="0" smtClean="0"/>
-              <a:t>Windows Installer: </a:t>
-            </a:r>
-            <a:r>
-              <a:rPr lang="en-US" altLang="zh-TW" b="0" u="sng" dirty="0" smtClean="0">
-                <a:hlinkClick r:id="rId23"/>
-              </a:rPr>
-              <a:t>32-bit</a:t>
-            </a:r>
-            <a:r>
-              <a:rPr lang="en-US" altLang="zh-TW" b="0" dirty="0" smtClean="0"/>
-              <a:t> or </a:t>
-            </a:r>
-            <a:r>
-              <a:rPr lang="en-US" altLang="zh-TW" b="0" dirty="0" smtClean="0">
-                <a:hlinkClick r:id="rId24"/>
-              </a:rPr>
-              <a:t>64-bit</a:t>
-            </a:r>
-            <a:endParaRPr lang="en-US" altLang="zh-TW" b="0" dirty="0" smtClean="0"/>
-          </a:p>
-          <a:p>
-            <a:r>
-              <a:rPr lang="en-US" altLang="zh-TW" b="0" dirty="0" smtClean="0"/>
-              <a:t>Linux Binaries: </a:t>
-            </a:r>
-            <a:r>
-              <a:rPr lang="en-US" altLang="zh-TW" b="0" dirty="0" smtClean="0">
-                <a:hlinkClick r:id="rId25"/>
-              </a:rPr>
-              <a:t>32-bit</a:t>
-            </a:r>
-            <a:r>
-              <a:rPr lang="en-US" altLang="zh-TW" b="0" dirty="0" smtClean="0"/>
-              <a:t> or </a:t>
-            </a:r>
-            <a:r>
-              <a:rPr lang="en-US" altLang="zh-TW" b="0" dirty="0" smtClean="0">
-                <a:hlinkClick r:id="rId26"/>
-              </a:rPr>
-              <a:t>64-bit</a:t>
-            </a:r>
-            <a:endParaRPr lang="en-US" altLang="zh-TW" b="0" dirty="0" smtClean="0"/>
-          </a:p>
-          <a:p>
-            <a:pPr defTabSz="694944">
-              <a:lnSpc>
-                <a:spcPct val="115000"/>
-              </a:lnSpc>
-              <a:spcBef>
-                <a:spcPts val="1200"/>
-              </a:spcBef>
-              <a:defRPr sz="2400" u="sng">
-                <a:solidFill>
-                  <a:srgbClr val="0000FF"/>
-                </a:solidFill>
-                <a:uFill>
-                  <a:solidFill>
-                    <a:srgbClr val="0000FF"/>
-                  </a:solidFill>
-                </a:uFill>
-                <a:latin typeface="Arial"/>
-                <a:ea typeface="Arial"/>
-                <a:cs typeface="Arial"/>
-                <a:sym typeface="Arial"/>
-              </a:defRPr>
-            </a:pPr>
-            <a:endParaRPr dirty="0"/>
-          </a:p>
-        </p:txBody>
-      </p:sp>
-      <p:sp>
-        <p:nvSpPr>
-          <p:cNvPr id="255" name="Shape 255"/>
-          <p:cNvSpPr/>
-          <p:nvPr/>
-        </p:nvSpPr>
-        <p:spPr>
-          <a:xfrm>
-            <a:off x="531812" y="240409"/>
-            <a:ext cx="7772401" cy="596897"/>
-          </a:xfrm>
-          <a:prstGeom prst="rect">
-            <a:avLst/>
-          </a:prstGeom>
-          <a:ln w="12700">
-            <a:miter lim="400000"/>
-          </a:ln>
-          <a:extLst>
-            <a:ext uri="{C572A759-6A51-4108-AA02-DFA0A04FC94B}">
-              <ma14:wrappingTextBoxFlag xmlns="" xmlns:ma14="http://schemas.microsoft.com/office/mac/drawingml/2011/main" val="1"/>
-            </a:ext>
-          </a:extLst>
-        </p:spPr>
-        <p:txBody>
-          <a:bodyPr lIns="45718" tIns="45718" rIns="45718" bIns="45718" anchor="ctr">
-            <a:normAutofit fontScale="92500" lnSpcReduction="20000"/>
-          </a:bodyPr>
-          <a:lstStyle>
-            <a:lvl1pPr algn="ctr" defTabSz="877822">
-              <a:defRPr sz="4000">
-                <a:solidFill>
-                  <a:srgbClr val="FFFFFF"/>
-                </a:solidFill>
-                <a:latin typeface="Arial"/>
-                <a:ea typeface="Arial"/>
-                <a:cs typeface="Arial"/>
-                <a:sym typeface="Arial"/>
-              </a:defRPr>
-            </a:lvl1pPr>
-          </a:lstStyle>
-          <a:p>
-            <a:r>
-              <a:rPr lang="en-US" dirty="0" err="1" smtClean="0"/>
-              <a:t>Nodejs</a:t>
-            </a:r>
-            <a:endParaRPr dirty="0"/>
-          </a:p>
-        </p:txBody>
-      </p:sp>
-    </p:spTree>
-  </p:cSld>
-  <p:clrMapOvr>
-    <a:masterClrMapping/>
-  </p:clrMapOvr>
-  <p:transition spd="slow"/>
-  <p:timing>
-    <p:tnLst>
-      <p:par>
-        <p:cTn id="1" dur="indefinite" restart="never" nodeType="tmRoot"/>
-      </p:par>
-    </p:tnLst>
-  </p:timing>
-</p:sld>
-</file>
-
-<file path=ppt/slides/slide30.xml><?xml version="1.0" encoding="utf-8"?>
+<file path=ppt/slides/slide31.xml><?xml version="1.0" encoding="utf-8"?>
 <p:sld xmlns:a="http://schemas.openxmlformats.org/drawingml/2006/main" xmlns:r="http://schemas.openxmlformats.org/officeDocument/2006/relationships" xmlns:p="http://schemas.openxmlformats.org/presentationml/2006/main">
   <p:cSld>
     <p:spTree>
@@ -14422,7 +14640,7 @@
 </p:sld>
 </file>
 
-<file path=ppt/slides/slide31.xml><?xml version="1.0" encoding="utf-8"?>
+<file path=ppt/slides/slide32.xml><?xml version="1.0" encoding="utf-8"?>
 <p:sld xmlns:a="http://schemas.openxmlformats.org/drawingml/2006/main" xmlns:r="http://schemas.openxmlformats.org/officeDocument/2006/relationships" xmlns:p="http://schemas.openxmlformats.org/presentationml/2006/main">
   <p:cSld>
     <p:spTree>
@@ -14779,7 +14997,7 @@
 </p:sld>
 </file>
 
-<file path=ppt/slides/slide32.xml><?xml version="1.0" encoding="utf-8"?>
+<file path=ppt/slides/slide33.xml><?xml version="1.0" encoding="utf-8"?>
 <p:sld xmlns:a="http://schemas.openxmlformats.org/drawingml/2006/main" xmlns:r="http://schemas.openxmlformats.org/officeDocument/2006/relationships" xmlns:p="http://schemas.openxmlformats.org/presentationml/2006/main">
   <p:cSld>
     <p:spTree>
@@ -15061,7 +15279,7 @@
 </p:sld>
 </file>
 
-<file path=ppt/slides/slide33.xml><?xml version="1.0" encoding="utf-8"?>
+<file path=ppt/slides/slide34.xml><?xml version="1.0" encoding="utf-8"?>
 <p:sld xmlns:a="http://schemas.openxmlformats.org/drawingml/2006/main" xmlns:r="http://schemas.openxmlformats.org/officeDocument/2006/relationships" xmlns:p="http://schemas.openxmlformats.org/presentationml/2006/main">
   <p:cSld>
     <p:spTree>
@@ -15173,7 +15391,7 @@
             <a:effectLst/>
             <a:extLst>
               <a:ext uri="{C572A759-6A51-4108-AA02-DFA0A04FC94B}">
-                <ma14:wrappingTextBoxFlag xmlns="" xmlns:ma14="http://schemas.microsoft.com/office/mac/drawingml/2011/main" val="1"/>
+                <ma14:wrappingTextBoxFlag xmlns:ma14="http://schemas.microsoft.com/office/mac/drawingml/2011/main" xmlns="" val="1"/>
               </a:ext>
             </a:extLst>
           </p:spPr>
@@ -15855,7 +16073,7 @@
 </p:sld>
 </file>
 
-<file path=ppt/slides/slide34.xml><?xml version="1.0" encoding="utf-8"?>
+<file path=ppt/slides/slide35.xml><?xml version="1.0" encoding="utf-8"?>
 <p:sld xmlns:a="http://schemas.openxmlformats.org/drawingml/2006/main" xmlns:r="http://schemas.openxmlformats.org/officeDocument/2006/relationships" xmlns:p="http://schemas.openxmlformats.org/presentationml/2006/main">
   <p:cSld>
     <p:spTree>
@@ -16088,7 +16306,7 @@
 </p:sld>
 </file>
 
-<file path=ppt/slides/slide35.xml><?xml version="1.0" encoding="utf-8"?>
+<file path=ppt/slides/slide36.xml><?xml version="1.0" encoding="utf-8"?>
 <p:sld xmlns:a="http://schemas.openxmlformats.org/drawingml/2006/main" xmlns:r="http://schemas.openxmlformats.org/officeDocument/2006/relationships" xmlns:p="http://schemas.openxmlformats.org/presentationml/2006/main">
   <p:cSld>
     <p:spTree>
@@ -16378,7 +16596,7 @@
 </p:sld>
 </file>
 
-<file path=ppt/slides/slide36.xml><?xml version="1.0" encoding="utf-8"?>
+<file path=ppt/slides/slide37.xml><?xml version="1.0" encoding="utf-8"?>
 <p:sld xmlns:a="http://schemas.openxmlformats.org/drawingml/2006/main" xmlns:r="http://schemas.openxmlformats.org/officeDocument/2006/relationships" xmlns:p="http://schemas.openxmlformats.org/presentationml/2006/main">
   <p:cSld>
     <p:spTree>
@@ -16571,7 +16789,7 @@
             <a:effectLst/>
             <a:extLst>
               <a:ext uri="{C572A759-6A51-4108-AA02-DFA0A04FC94B}">
-                <ma14:wrappingTextBoxFlag xmlns="" xmlns:ma14="http://schemas.microsoft.com/office/mac/drawingml/2011/main" val="1"/>
+                <ma14:wrappingTextBoxFlag xmlns:ma14="http://schemas.microsoft.com/office/mac/drawingml/2011/main" xmlns="" val="1"/>
               </a:ext>
             </a:extLst>
           </p:spPr>
@@ -16808,7 +17026,7 @@
 </p:sld>
 </file>
 
-<file path=ppt/slides/slide37.xml><?xml version="1.0" encoding="utf-8"?>
+<file path=ppt/slides/slide38.xml><?xml version="1.0" encoding="utf-8"?>
 <p:sld xmlns:a="http://schemas.openxmlformats.org/drawingml/2006/main" xmlns:r="http://schemas.openxmlformats.org/officeDocument/2006/relationships" xmlns:p="http://schemas.openxmlformats.org/presentationml/2006/main">
   <p:cSld>
     <p:spTree>
@@ -17144,7 +17362,7 @@
 </p:sld>
 </file>
 
-<file path=ppt/slides/slide38.xml><?xml version="1.0" encoding="utf-8"?>
+<file path=ppt/slides/slide39.xml><?xml version="1.0" encoding="utf-8"?>
 <p:sld xmlns:a="http://schemas.openxmlformats.org/drawingml/2006/main" xmlns:r="http://schemas.openxmlformats.org/officeDocument/2006/relationships" xmlns:p="http://schemas.openxmlformats.org/presentationml/2006/main">
   <p:cSld>
     <p:spTree>
@@ -17350,7 +17568,477 @@
 </p:sld>
 </file>
 
-<file path=ppt/slides/slide39.xml><?xml version="1.0" encoding="utf-8"?>
+<file path=ppt/slides/slide4.xml><?xml version="1.0" encoding="utf-8"?>
+<p:sld xmlns:a="http://schemas.openxmlformats.org/drawingml/2006/main" xmlns:r="http://schemas.openxmlformats.org/officeDocument/2006/relationships" xmlns:p="http://schemas.openxmlformats.org/presentationml/2006/main">
+  <p:cSld>
+    <p:spTree>
+      <p:nvGrpSpPr>
+        <p:cNvPr id="1" name=""/>
+        <p:cNvGrpSpPr/>
+        <p:nvPr/>
+      </p:nvGrpSpPr>
+      <p:grpSpPr>
+        <a:xfrm>
+          <a:off x="0" y="0"/>
+          <a:ext cx="0" cy="0"/>
+          <a:chOff x="0" y="0"/>
+          <a:chExt cx="0" cy="0"/>
+        </a:xfrm>
+      </p:grpSpPr>
+      <p:sp>
+        <p:nvSpPr>
+          <p:cNvPr id="254" name="Shape 254"/>
+          <p:cNvSpPr>
+            <a:spLocks noGrp="1"/>
+          </p:cNvSpPr>
+          <p:nvPr>
+            <p:ph type="body" idx="1"/>
+          </p:nvPr>
+        </p:nvSpPr>
+        <p:spPr>
+          <a:xfrm>
+            <a:off x="586403" y="1424433"/>
+            <a:ext cx="7772401" cy="4645920"/>
+          </a:xfrm>
+          <a:prstGeom prst="rect">
+            <a:avLst/>
+          </a:prstGeom>
+        </p:spPr>
+        <p:txBody>
+          <a:bodyPr anchor="t"/>
+          <a:lstStyle/>
+          <a:p>
+            <a:r>
+              <a:rPr lang="en-US" altLang="zh-TW" dirty="0" smtClean="0"/>
+              <a:t>Node.js</a:t>
+            </a:r>
+            <a:r>
+              <a:rPr lang="zh-TW" altLang="en-US" b="0" dirty="0" smtClean="0"/>
+              <a:t>是一個</a:t>
+            </a:r>
+            <a:r>
+              <a:rPr lang="zh-TW" altLang="en-US" b="0" dirty="0" smtClean="0">
+                <a:hlinkClick r:id="rId2" tooltip="開放原始碼"/>
+              </a:rPr>
+              <a:t>開放原始碼</a:t>
+            </a:r>
+            <a:r>
+              <a:rPr lang="zh-TW" altLang="en-US" b="0" dirty="0" smtClean="0"/>
+              <a:t>、</a:t>
+            </a:r>
+            <a:r>
+              <a:rPr lang="zh-TW" altLang="en-US" b="0" dirty="0" smtClean="0">
+                <a:hlinkClick r:id="rId3" tooltip="跨平台"/>
+              </a:rPr>
+              <a:t>跨平台</a:t>
+            </a:r>
+            <a:r>
+              <a:rPr lang="zh-TW" altLang="en-US" b="0" dirty="0" smtClean="0"/>
+              <a:t>的、可用於</a:t>
+            </a:r>
+            <a:r>
+              <a:rPr lang="zh-TW" altLang="en-US" b="0" dirty="0" smtClean="0">
+                <a:hlinkClick r:id="rId4" tooltip="伺服器端"/>
+              </a:rPr>
+              <a:t>伺服器端</a:t>
+            </a:r>
+            <a:r>
+              <a:rPr lang="zh-TW" altLang="en-US" b="0" dirty="0" smtClean="0"/>
+              <a:t>和網路應用的</a:t>
+            </a:r>
+            <a:r>
+              <a:rPr lang="zh-TW" altLang="en-US" b="0" dirty="0" smtClean="0">
+                <a:hlinkClick r:id="rId5" tooltip="執行環境"/>
+              </a:rPr>
+              <a:t>執行環境</a:t>
+            </a:r>
+            <a:r>
+              <a:rPr lang="zh-TW" altLang="en-US" b="0" dirty="0" smtClean="0"/>
+              <a:t>。</a:t>
+            </a:r>
+            <a:r>
+              <a:rPr lang="en-US" altLang="zh-TW" b="0" dirty="0" smtClean="0"/>
+              <a:t>Node.js</a:t>
+            </a:r>
+            <a:r>
+              <a:rPr lang="zh-TW" altLang="en-US" b="0" dirty="0" smtClean="0"/>
+              <a:t>應用</a:t>
+            </a:r>
+            <a:r>
+              <a:rPr lang="en-US" altLang="zh-TW" b="0" dirty="0" smtClean="0">
+                <a:hlinkClick r:id="rId6" tooltip="C++"/>
+              </a:rPr>
+              <a:t>C++</a:t>
+            </a:r>
+            <a:r>
+              <a:rPr lang="zh-TW" altLang="en-US" b="0" dirty="0" smtClean="0"/>
+              <a:t>語言寫成，在</a:t>
+            </a:r>
+            <a:r>
+              <a:rPr lang="en-US" altLang="zh-TW" b="0" dirty="0" smtClean="0"/>
+              <a:t>Node.js</a:t>
+            </a:r>
+            <a:r>
+              <a:rPr lang="zh-TW" altLang="en-US" b="0" dirty="0" smtClean="0"/>
+              <a:t>執行時執行。它支援</a:t>
+            </a:r>
+            <a:r>
+              <a:rPr lang="en-US" altLang="zh-TW" b="0" dirty="0" smtClean="0">
+                <a:hlinkClick r:id="rId7" tooltip="OS X"/>
+              </a:rPr>
+              <a:t>OS X</a:t>
+            </a:r>
+            <a:r>
+              <a:rPr lang="zh-TW" altLang="en-US" b="0" dirty="0" smtClean="0"/>
+              <a:t>、</a:t>
+            </a:r>
+            <a:r>
+              <a:rPr lang="en-US" altLang="zh-TW" b="0" dirty="0" smtClean="0">
+                <a:hlinkClick r:id="rId8" tooltip="Microsoft Windows"/>
+              </a:rPr>
+              <a:t>Microsoft Windows</a:t>
+            </a:r>
+            <a:r>
+              <a:rPr lang="zh-TW" altLang="en-US" b="0" dirty="0" smtClean="0"/>
+              <a:t>、</a:t>
+            </a:r>
+            <a:r>
+              <a:rPr lang="en-US" altLang="zh-TW" b="0" dirty="0" smtClean="0">
+                <a:hlinkClick r:id="rId9" tooltip="Linux"/>
+              </a:rPr>
+              <a:t>Linux</a:t>
+            </a:r>
+            <a:r>
+              <a:rPr lang="zh-TW" altLang="en-US" b="0" dirty="0" smtClean="0"/>
+              <a:t>、</a:t>
+            </a:r>
+            <a:r>
+              <a:rPr lang="en-US" altLang="zh-TW" b="0" dirty="0" smtClean="0">
+                <a:hlinkClick r:id="rId10" tooltip="FreeBSD"/>
+              </a:rPr>
+              <a:t>FreeBSD</a:t>
+            </a:r>
+            <a:r>
+              <a:rPr lang="zh-TW" altLang="en-US" b="0" dirty="0" smtClean="0"/>
+              <a:t>、</a:t>
+            </a:r>
+            <a:r>
+              <a:rPr lang="en-US" altLang="zh-TW" b="0" dirty="0" err="1" smtClean="0">
+                <a:hlinkClick r:id="rId11" tooltip="NonStop（頁面不存在）"/>
+              </a:rPr>
+              <a:t>NonStop</a:t>
+            </a:r>
+            <a:r>
+              <a:rPr lang="zh-TW" altLang="en-US" b="0" dirty="0" smtClean="0"/>
+              <a:t>、</a:t>
+            </a:r>
+            <a:r>
+              <a:rPr lang="en-US" altLang="zh-TW" b="0" dirty="0" smtClean="0">
+                <a:hlinkClick r:id="rId12" tooltip="IBM AIX"/>
+              </a:rPr>
+              <a:t>IBM AIX</a:t>
+            </a:r>
+            <a:r>
+              <a:rPr lang="zh-TW" altLang="en-US" b="0" dirty="0" smtClean="0"/>
+              <a:t>、</a:t>
+            </a:r>
+            <a:r>
+              <a:rPr lang="en-US" altLang="zh-TW" b="0" dirty="0" smtClean="0">
+                <a:hlinkClick r:id="rId13" tooltip="IBM System z（頁面不存在）"/>
+              </a:rPr>
+              <a:t>IBM System z</a:t>
+            </a:r>
+            <a:r>
+              <a:rPr lang="zh-TW" altLang="en-US" b="0" dirty="0" smtClean="0"/>
+              <a:t>和</a:t>
+            </a:r>
+            <a:r>
+              <a:rPr lang="en-US" altLang="zh-TW" b="0" dirty="0" smtClean="0">
+                <a:hlinkClick r:id="rId14" tooltip="IBM i（頁面不存在）"/>
+              </a:rPr>
+              <a:t>IBM </a:t>
+            </a:r>
+            <a:r>
+              <a:rPr lang="en-US" altLang="zh-TW" b="0" dirty="0" err="1" smtClean="0">
+                <a:hlinkClick r:id="rId14" tooltip="IBM i（頁面不存在）"/>
+              </a:rPr>
+              <a:t>i</a:t>
+            </a:r>
+            <a:r>
+              <a:rPr lang="zh-TW" altLang="en-US" b="0" dirty="0" smtClean="0"/>
+              <a:t>。</a:t>
+            </a:r>
+            <a:r>
+              <a:rPr lang="en-US" altLang="zh-TW" b="0" dirty="0" smtClean="0"/>
+              <a:t>Node.js</a:t>
+            </a:r>
+            <a:r>
+              <a:rPr lang="zh-TW" altLang="en-US" b="0" dirty="0" smtClean="0"/>
+              <a:t>由</a:t>
+            </a:r>
+            <a:r>
+              <a:rPr lang="en-US" altLang="zh-TW" b="0" dirty="0" smtClean="0"/>
+              <a:t>Node.js</a:t>
+            </a:r>
+            <a:r>
+              <a:rPr lang="zh-TW" altLang="en-US" b="0" dirty="0" smtClean="0"/>
+              <a:t>基金會擁有和維護</a:t>
+            </a:r>
+            <a:r>
+              <a:rPr lang="en-US" altLang="zh-TW" b="0" baseline="30000" dirty="0" smtClean="0">
+                <a:hlinkClick r:id="rId15"/>
+              </a:rPr>
+              <a:t>[3]</a:t>
+            </a:r>
+            <a:r>
+              <a:rPr lang="zh-TW" altLang="en-US" b="0" dirty="0" smtClean="0"/>
+              <a:t>，該基金會與</a:t>
+            </a:r>
+            <a:r>
+              <a:rPr lang="en-US" altLang="zh-TW" b="0" dirty="0" smtClean="0">
+                <a:hlinkClick r:id="rId16" tooltip="Linux基金會"/>
+              </a:rPr>
+              <a:t>Linux</a:t>
+            </a:r>
+            <a:r>
+              <a:rPr lang="zh-TW" altLang="en-US" b="0" dirty="0" smtClean="0">
+                <a:hlinkClick r:id="rId16" tooltip="Linux基金會"/>
+              </a:rPr>
+              <a:t>基金會</a:t>
+            </a:r>
+            <a:r>
+              <a:rPr lang="zh-TW" altLang="en-US" b="0" dirty="0" smtClean="0"/>
+              <a:t>有合作關係</a:t>
+            </a:r>
+            <a:r>
+              <a:rPr lang="en-US" altLang="zh-TW" b="0" baseline="30000" dirty="0" smtClean="0">
+                <a:hlinkClick r:id="rId17"/>
+              </a:rPr>
+              <a:t>[4]</a:t>
+            </a:r>
+            <a:r>
+              <a:rPr lang="zh-TW" altLang="en-US" b="0" dirty="0" smtClean="0"/>
+              <a:t>。</a:t>
+            </a:r>
+          </a:p>
+          <a:p>
+            <a:r>
+              <a:rPr lang="en-US" altLang="zh-TW" b="0" dirty="0" smtClean="0"/>
+              <a:t>Node.js</a:t>
+            </a:r>
+            <a:r>
+              <a:rPr lang="zh-TW" altLang="en-US" b="0" dirty="0" smtClean="0"/>
+              <a:t>提供</a:t>
+            </a:r>
+            <a:r>
+              <a:rPr lang="zh-TW" altLang="en-US" b="0" dirty="0" smtClean="0">
+                <a:hlinkClick r:id="rId18" tooltip="事件驅動"/>
+              </a:rPr>
+              <a:t>事件驅動</a:t>
+            </a:r>
+            <a:r>
+              <a:rPr lang="zh-TW" altLang="en-US" b="0" dirty="0" smtClean="0"/>
+              <a:t>和</a:t>
+            </a:r>
+            <a:r>
+              <a:rPr lang="zh-TW" altLang="en-US" b="0" dirty="0" smtClean="0">
+                <a:hlinkClick r:id="rId19" tooltip="非阻塞I/O（頁面不存在）"/>
+              </a:rPr>
+              <a:t>非阻塞</a:t>
+            </a:r>
+            <a:r>
+              <a:rPr lang="en-US" altLang="zh-TW" b="0" dirty="0" smtClean="0">
+                <a:hlinkClick r:id="rId19" tooltip="非阻塞I/O（頁面不存在）"/>
+              </a:rPr>
+              <a:t>I/O</a:t>
+            </a:r>
+            <a:r>
+              <a:rPr lang="zh-TW" altLang="en-US" b="0" dirty="0" smtClean="0"/>
+              <a:t> </a:t>
+            </a:r>
+            <a:r>
+              <a:rPr lang="en-US" altLang="zh-TW" b="0" dirty="0" smtClean="0">
+                <a:hlinkClick r:id="rId20" tooltip="API"/>
+              </a:rPr>
+              <a:t>API</a:t>
+            </a:r>
+            <a:r>
+              <a:rPr lang="zh-TW" altLang="en-US" b="0" dirty="0" smtClean="0"/>
+              <a:t>，可最佳化應用程式的吞吐量和規模。這些技術通常被用於</a:t>
+            </a:r>
+            <a:r>
+              <a:rPr lang="zh-TW" altLang="en-US" b="0" u="sng" dirty="0" smtClean="0">
+                <a:hlinkClick r:id="rId21" tooltip="實時"/>
+              </a:rPr>
+              <a:t>實時</a:t>
+            </a:r>
+            <a:r>
+              <a:rPr lang="zh-TW" altLang="en-US" b="0" dirty="0" smtClean="0"/>
+              <a:t>應用程式。</a:t>
+            </a:r>
+            <a:endParaRPr lang="en-US" altLang="zh-TW" b="0" dirty="0" smtClean="0"/>
+          </a:p>
+          <a:p>
+            <a:endParaRPr lang="zh-TW" altLang="en-US" b="0" dirty="0" smtClean="0"/>
+          </a:p>
+          <a:p>
+            <a:r>
+              <a:rPr lang="en-US" altLang="zh-TW" b="0" dirty="0" smtClean="0"/>
+              <a:t>You can get the latest Long Term Support (LTS) version of Node 6.x from:</a:t>
+            </a:r>
+          </a:p>
+          <a:p>
+            <a:r>
+              <a:rPr lang="en-US" altLang="zh-TW" b="0" dirty="0" smtClean="0"/>
+              <a:t>Max OS X Installer: </a:t>
+            </a:r>
+            <a:r>
+              <a:rPr lang="en-US" altLang="zh-TW" b="0" dirty="0" smtClean="0">
+                <a:hlinkClick r:id="rId22"/>
+              </a:rPr>
+              <a:t>Universal</a:t>
+            </a:r>
+            <a:endParaRPr lang="en-US" altLang="zh-TW" b="0" dirty="0" smtClean="0"/>
+          </a:p>
+          <a:p>
+            <a:r>
+              <a:rPr lang="en-US" altLang="zh-TW" b="0" dirty="0" smtClean="0"/>
+              <a:t>Windows Installer: </a:t>
+            </a:r>
+            <a:r>
+              <a:rPr lang="en-US" altLang="zh-TW" b="0" u="sng" dirty="0" smtClean="0">
+                <a:hlinkClick r:id="rId23"/>
+              </a:rPr>
+              <a:t>32-bit</a:t>
+            </a:r>
+            <a:r>
+              <a:rPr lang="en-US" altLang="zh-TW" b="0" dirty="0" smtClean="0"/>
+              <a:t> or </a:t>
+            </a:r>
+            <a:r>
+              <a:rPr lang="en-US" altLang="zh-TW" b="0" dirty="0" smtClean="0">
+                <a:hlinkClick r:id="rId24"/>
+              </a:rPr>
+              <a:t>64-bit</a:t>
+            </a:r>
+            <a:endParaRPr lang="en-US" altLang="zh-TW" b="0" dirty="0" smtClean="0"/>
+          </a:p>
+          <a:p>
+            <a:r>
+              <a:rPr lang="en-US" altLang="zh-TW" b="0" dirty="0" smtClean="0"/>
+              <a:t>Linux Binaries: </a:t>
+            </a:r>
+            <a:r>
+              <a:rPr lang="en-US" altLang="zh-TW" b="0" dirty="0" smtClean="0">
+                <a:hlinkClick r:id="rId25"/>
+              </a:rPr>
+              <a:t>32-bit</a:t>
+            </a:r>
+            <a:r>
+              <a:rPr lang="en-US" altLang="zh-TW" b="0" dirty="0" smtClean="0"/>
+              <a:t> or </a:t>
+            </a:r>
+            <a:r>
+              <a:rPr lang="en-US" altLang="zh-TW" b="0" dirty="0" smtClean="0">
+                <a:hlinkClick r:id="rId26"/>
+              </a:rPr>
+              <a:t>64-bit</a:t>
+            </a:r>
+            <a:endParaRPr lang="en-US" altLang="zh-TW" b="0" dirty="0" smtClean="0"/>
+          </a:p>
+          <a:p>
+            <a:pPr defTabSz="694944">
+              <a:lnSpc>
+                <a:spcPct val="115000"/>
+              </a:lnSpc>
+              <a:spcBef>
+                <a:spcPts val="1200"/>
+              </a:spcBef>
+              <a:defRPr sz="2400" u="sng">
+                <a:solidFill>
+                  <a:srgbClr val="0000FF"/>
+                </a:solidFill>
+                <a:uFill>
+                  <a:solidFill>
+                    <a:srgbClr val="0000FF"/>
+                  </a:solidFill>
+                </a:uFill>
+                <a:latin typeface="Arial"/>
+                <a:ea typeface="Arial"/>
+                <a:cs typeface="Arial"/>
+                <a:sym typeface="Arial"/>
+              </a:defRPr>
+            </a:pPr>
+            <a:endParaRPr dirty="0"/>
+          </a:p>
+        </p:txBody>
+      </p:sp>
+      <p:sp>
+        <p:nvSpPr>
+          <p:cNvPr id="255" name="Shape 255"/>
+          <p:cNvSpPr/>
+          <p:nvPr/>
+        </p:nvSpPr>
+        <p:spPr>
+          <a:xfrm>
+            <a:off x="531812" y="240409"/>
+            <a:ext cx="7772401" cy="596897"/>
+          </a:xfrm>
+          <a:prstGeom prst="rect">
+            <a:avLst/>
+          </a:prstGeom>
+          <a:ln w="12700">
+            <a:miter lim="400000"/>
+          </a:ln>
+          <a:extLst>
+            <a:ext uri="{C572A759-6A51-4108-AA02-DFA0A04FC94B}">
+              <ma14:wrappingTextBoxFlag xmlns:ma14="http://schemas.microsoft.com/office/mac/drawingml/2011/main" xmlns="" val="1"/>
+            </a:ext>
+          </a:extLst>
+        </p:spPr>
+        <p:txBody>
+          <a:bodyPr lIns="45718" tIns="45718" rIns="45718" bIns="45718" anchor="ctr">
+            <a:normAutofit fontScale="92500" lnSpcReduction="20000"/>
+          </a:bodyPr>
+          <a:lstStyle>
+            <a:lvl1pPr algn="ctr" defTabSz="877822">
+              <a:defRPr sz="4000">
+                <a:solidFill>
+                  <a:srgbClr val="FFFFFF"/>
+                </a:solidFill>
+                <a:latin typeface="Arial"/>
+                <a:ea typeface="Arial"/>
+                <a:cs typeface="Arial"/>
+                <a:sym typeface="Arial"/>
+              </a:defRPr>
+            </a:lvl1pPr>
+          </a:lstStyle>
+          <a:p>
+            <a:r>
+              <a:rPr lang="en-US" dirty="0" err="1" smtClean="0"/>
+              <a:t>Nodejs</a:t>
+            </a:r>
+            <a:endParaRPr dirty="0"/>
+          </a:p>
+        </p:txBody>
+      </p:sp>
+    </p:spTree>
+  </p:cSld>
+  <p:clrMapOvr>
+    <a:masterClrMapping/>
+  </p:clrMapOvr>
+  <p:transition spd="slow"/>
+  <p:timing>
+    <p:tnLst>
+      <p:par>
+        <p:cTn id="1" dur="indefinite" restart="never" nodeType="tmRoot"/>
+      </p:par>
+    </p:tnLst>
+  </p:timing>
+</p:sld>
+</file>
+
+<file path=ppt/slides/slide40.xml><?xml version="1.0" encoding="utf-8"?>
 <p:sld xmlns:a="http://schemas.openxmlformats.org/drawingml/2006/main" xmlns:r="http://schemas.openxmlformats.org/officeDocument/2006/relationships" xmlns:p="http://schemas.openxmlformats.org/presentationml/2006/main">
   <p:cSld>
     <p:spTree>
@@ -17543,7 +18231,7 @@
             <a:effectLst/>
             <a:extLst>
               <a:ext uri="{C572A759-6A51-4108-AA02-DFA0A04FC94B}">
-                <ma14:wrappingTextBoxFlag xmlns="" xmlns:ma14="http://schemas.microsoft.com/office/mac/drawingml/2011/main" val="1"/>
+                <ma14:wrappingTextBoxFlag xmlns:ma14="http://schemas.microsoft.com/office/mac/drawingml/2011/main" xmlns="" val="1"/>
               </a:ext>
             </a:extLst>
           </p:spPr>
@@ -17881,7 +18569,7 @@
               <a:effectLst/>
               <a:extLst>
                 <a:ext uri="{C572A759-6A51-4108-AA02-DFA0A04FC94B}">
-                  <ma14:wrappingTextBoxFlag xmlns="" xmlns:ma14="http://schemas.microsoft.com/office/mac/drawingml/2011/main" val="1"/>
+                  <ma14:wrappingTextBoxFlag xmlns:ma14="http://schemas.microsoft.com/office/mac/drawingml/2011/main" xmlns="" val="1"/>
                 </a:ext>
               </a:extLst>
             </p:spPr>
@@ -18012,7 +18700,7 @@
             <a:effectLst/>
             <a:extLst>
               <a:ext uri="{C572A759-6A51-4108-AA02-DFA0A04FC94B}">
-                <ma14:wrappingTextBoxFlag xmlns="" xmlns:ma14="http://schemas.microsoft.com/office/mac/drawingml/2011/main" val="1"/>
+                <ma14:wrappingTextBoxFlag xmlns:ma14="http://schemas.microsoft.com/office/mac/drawingml/2011/main" xmlns="" val="1"/>
               </a:ext>
             </a:extLst>
           </p:spPr>
@@ -18199,7 +18887,7 @@
             <a:effectLst/>
             <a:extLst>
               <a:ext uri="{C572A759-6A51-4108-AA02-DFA0A04FC94B}">
-                <ma14:wrappingTextBoxFlag xmlns="" xmlns:ma14="http://schemas.microsoft.com/office/mac/drawingml/2011/main" val="1"/>
+                <ma14:wrappingTextBoxFlag xmlns:ma14="http://schemas.microsoft.com/office/mac/drawingml/2011/main" xmlns="" val="1"/>
               </a:ext>
             </a:extLst>
           </p:spPr>
@@ -18329,7 +19017,7 @@
             <a:effectLst/>
             <a:extLst>
               <a:ext uri="{C572A759-6A51-4108-AA02-DFA0A04FC94B}">
-                <ma14:wrappingTextBoxFlag xmlns="" xmlns:ma14="http://schemas.microsoft.com/office/mac/drawingml/2011/main" val="1"/>
+                <ma14:wrappingTextBoxFlag xmlns:ma14="http://schemas.microsoft.com/office/mac/drawingml/2011/main" xmlns="" val="1"/>
               </a:ext>
             </a:extLst>
           </p:spPr>
@@ -18495,400 +19183,7 @@
 </p:sld>
 </file>
 
-<file path=ppt/slides/slide4.xml><?xml version="1.0" encoding="utf-8"?>
-<p:sld xmlns:a="http://schemas.openxmlformats.org/drawingml/2006/main" xmlns:r="http://schemas.openxmlformats.org/officeDocument/2006/relationships" xmlns:p="http://schemas.openxmlformats.org/presentationml/2006/main">
-  <p:cSld>
-    <p:spTree>
-      <p:nvGrpSpPr>
-        <p:cNvPr id="1" name=""/>
-        <p:cNvGrpSpPr/>
-        <p:nvPr/>
-      </p:nvGrpSpPr>
-      <p:grpSpPr>
-        <a:xfrm>
-          <a:off x="0" y="0"/>
-          <a:ext cx="0" cy="0"/>
-          <a:chOff x="0" y="0"/>
-          <a:chExt cx="0" cy="0"/>
-        </a:xfrm>
-      </p:grpSpPr>
-      <p:sp>
-        <p:nvSpPr>
-          <p:cNvPr id="249" name="Shape 249"/>
-          <p:cNvSpPr>
-            <a:spLocks noGrp="1"/>
-          </p:cNvSpPr>
-          <p:nvPr>
-            <p:ph type="body" idx="1"/>
-          </p:nvPr>
-        </p:nvSpPr>
-        <p:spPr>
-          <a:xfrm>
-            <a:off x="531812" y="1424433"/>
-            <a:ext cx="7772401" cy="4645920"/>
-          </a:xfrm>
-          <a:prstGeom prst="rect">
-            <a:avLst/>
-          </a:prstGeom>
-        </p:spPr>
-        <p:txBody>
-          <a:bodyPr anchor="t"/>
-          <a:lstStyle/>
-          <a:p>
-            <a:pPr defTabSz="694944">
-              <a:lnSpc>
-                <a:spcPct val="115000"/>
-              </a:lnSpc>
-              <a:spcBef>
-                <a:spcPts val="1200"/>
-              </a:spcBef>
-              <a:defRPr sz="2400">
-                <a:solidFill>
-                  <a:srgbClr val="585858"/>
-                </a:solidFill>
-                <a:latin typeface="Arial"/>
-                <a:ea typeface="Arial"/>
-                <a:cs typeface="Arial"/>
-                <a:sym typeface="Arial"/>
-              </a:defRPr>
-            </a:pPr>
-            <a:r>
-              <a:rPr dirty="0" err="1"/>
-              <a:t>檢查nodejs版本</a:t>
-            </a:r>
-            <a:endParaRPr dirty="0"/>
-          </a:p>
-          <a:p>
-            <a:pPr defTabSz="694944">
-              <a:lnSpc>
-                <a:spcPct val="115000"/>
-              </a:lnSpc>
-              <a:spcBef>
-                <a:spcPts val="1200"/>
-              </a:spcBef>
-              <a:defRPr sz="2400">
-                <a:solidFill>
-                  <a:srgbClr val="585858"/>
-                </a:solidFill>
-                <a:latin typeface="Arial"/>
-                <a:ea typeface="Arial"/>
-                <a:cs typeface="Arial"/>
-                <a:sym typeface="Arial"/>
-              </a:defRPr>
-            </a:pPr>
-            <a:endParaRPr dirty="0"/>
-          </a:p>
-          <a:p>
-            <a:pPr defTabSz="694944">
-              <a:lnSpc>
-                <a:spcPct val="115000"/>
-              </a:lnSpc>
-              <a:spcBef>
-                <a:spcPts val="1200"/>
-              </a:spcBef>
-              <a:defRPr sz="2400">
-                <a:solidFill>
-                  <a:srgbClr val="585858"/>
-                </a:solidFill>
-                <a:latin typeface="Arial"/>
-                <a:ea typeface="Arial"/>
-                <a:cs typeface="Arial"/>
-                <a:sym typeface="Arial"/>
-              </a:defRPr>
-            </a:pPr>
-            <a:endParaRPr dirty="0"/>
-          </a:p>
-          <a:p>
-            <a:pPr defTabSz="694944">
-              <a:lnSpc>
-                <a:spcPct val="115000"/>
-              </a:lnSpc>
-              <a:spcBef>
-                <a:spcPts val="1200"/>
-              </a:spcBef>
-              <a:defRPr sz="2400">
-                <a:solidFill>
-                  <a:srgbClr val="585858"/>
-                </a:solidFill>
-                <a:latin typeface="Arial"/>
-                <a:ea typeface="Arial"/>
-                <a:cs typeface="Arial"/>
-                <a:sym typeface="Arial"/>
-              </a:defRPr>
-            </a:pPr>
-            <a:r>
-              <a:rPr dirty="0" err="1"/>
-              <a:t>檢查npm版本</a:t>
-            </a:r>
-            <a:endParaRPr dirty="0"/>
-          </a:p>
-          <a:p>
-            <a:pPr defTabSz="694944">
-              <a:lnSpc>
-                <a:spcPct val="115000"/>
-              </a:lnSpc>
-              <a:spcBef>
-                <a:spcPts val="1200"/>
-              </a:spcBef>
-              <a:defRPr sz="2400">
-                <a:solidFill>
-                  <a:srgbClr val="585858"/>
-                </a:solidFill>
-                <a:latin typeface="Arial"/>
-                <a:ea typeface="Arial"/>
-                <a:cs typeface="Arial"/>
-                <a:sym typeface="Arial"/>
-              </a:defRPr>
-            </a:pPr>
-            <a:endParaRPr dirty="0"/>
-          </a:p>
-          <a:p>
-            <a:pPr defTabSz="694944">
-              <a:lnSpc>
-                <a:spcPct val="115000"/>
-              </a:lnSpc>
-              <a:spcBef>
-                <a:spcPts val="1200"/>
-              </a:spcBef>
-              <a:defRPr sz="2400">
-                <a:solidFill>
-                  <a:srgbClr val="585858"/>
-                </a:solidFill>
-                <a:latin typeface="Arial"/>
-                <a:ea typeface="Arial"/>
-                <a:cs typeface="Arial"/>
-                <a:sym typeface="Arial"/>
-              </a:defRPr>
-            </a:pPr>
-            <a:endParaRPr dirty="0"/>
-          </a:p>
-          <a:p>
-            <a:pPr defTabSz="694944">
-              <a:lnSpc>
-                <a:spcPct val="115000"/>
-              </a:lnSpc>
-              <a:spcBef>
-                <a:spcPts val="1200"/>
-              </a:spcBef>
-              <a:defRPr sz="2400">
-                <a:solidFill>
-                  <a:srgbClr val="585858"/>
-                </a:solidFill>
-                <a:latin typeface="Arial"/>
-                <a:ea typeface="Arial"/>
-                <a:cs typeface="Arial"/>
-                <a:sym typeface="Arial"/>
-              </a:defRPr>
-            </a:pPr>
-            <a:r>
-              <a:rPr dirty="0" err="1"/>
-              <a:t>安裝</a:t>
-            </a:r>
-            <a:r>
-              <a:rPr dirty="0"/>
-              <a:t>(</a:t>
-            </a:r>
-            <a:r>
-              <a:rPr dirty="0" err="1">
-                <a:solidFill>
-                  <a:srgbClr val="F93B42"/>
-                </a:solidFill>
-              </a:rPr>
-              <a:t>全域</a:t>
-            </a:r>
-            <a:r>
-              <a:rPr dirty="0">
-                <a:solidFill>
-                  <a:schemeClr val="accent6">
-                    <a:lumOff val="-9019"/>
-                  </a:schemeClr>
-                </a:solidFill>
-              </a:rPr>
-              <a:t>)</a:t>
-            </a:r>
-            <a:r>
-              <a:rPr dirty="0" err="1"/>
-              <a:t>模組</a:t>
-            </a:r>
-            <a:endParaRPr dirty="0"/>
-          </a:p>
-          <a:p>
-            <a:pPr>
-              <a:lnSpc>
-                <a:spcPct val="115000"/>
-              </a:lnSpc>
-              <a:spcBef>
-                <a:spcPts val="1600"/>
-              </a:spcBef>
-              <a:defRPr sz="2500">
-                <a:solidFill>
-                  <a:srgbClr val="585858"/>
-                </a:solidFill>
-                <a:latin typeface="Arial"/>
-                <a:ea typeface="Arial"/>
-                <a:cs typeface="Arial"/>
-                <a:sym typeface="Arial"/>
-              </a:defRPr>
-            </a:pPr>
-            <a:r>
-              <a:rPr dirty="0" err="1"/>
-              <a:t>npm</a:t>
-            </a:r>
-            <a:r>
-              <a:rPr dirty="0"/>
-              <a:t> install </a:t>
-            </a:r>
-            <a:r>
-              <a:rPr dirty="0" err="1"/>
-              <a:t>mosca</a:t>
-            </a:r>
-            <a:r>
-              <a:rPr dirty="0"/>
-              <a:t> </a:t>
-            </a:r>
-            <a:r>
-              <a:rPr dirty="0" err="1"/>
-              <a:t>bunyan</a:t>
-            </a:r>
-            <a:r>
-              <a:rPr dirty="0"/>
-              <a:t> </a:t>
-            </a:r>
-            <a:r>
-              <a:rPr dirty="0">
-                <a:solidFill>
-                  <a:srgbClr val="FE2C19"/>
-                </a:solidFill>
-              </a:rPr>
-              <a:t>-g</a:t>
-            </a:r>
-          </a:p>
-        </p:txBody>
-      </p:sp>
-      <p:sp>
-        <p:nvSpPr>
-          <p:cNvPr id="250" name="Shape 250"/>
-          <p:cNvSpPr/>
-          <p:nvPr/>
-        </p:nvSpPr>
-        <p:spPr>
-          <a:xfrm>
-            <a:off x="531812" y="215699"/>
-            <a:ext cx="7772401" cy="646317"/>
-          </a:xfrm>
-          <a:prstGeom prst="rect">
-            <a:avLst/>
-          </a:prstGeom>
-          <a:ln w="12700">
-            <a:miter lim="400000"/>
-          </a:ln>
-          <a:extLst>
-            <a:ext uri="{C572A759-6A51-4108-AA02-DFA0A04FC94B}">
-              <ma14:wrappingTextBoxFlag xmlns="" xmlns:ma14="http://schemas.microsoft.com/office/mac/drawingml/2011/main" val="1"/>
-            </a:ext>
-          </a:extLst>
-        </p:spPr>
-        <p:txBody>
-          <a:bodyPr lIns="45718" tIns="45718" rIns="45718" bIns="45718" anchor="ctr">
-            <a:normAutofit lnSpcReduction="10000"/>
-          </a:bodyPr>
-          <a:lstStyle>
-            <a:lvl1pPr algn="ctr" defTabSz="877822">
-              <a:defRPr sz="4000">
-                <a:solidFill>
-                  <a:srgbClr val="FFFFFF"/>
-                </a:solidFill>
-                <a:latin typeface="Arial"/>
-                <a:ea typeface="Arial"/>
-                <a:cs typeface="Arial"/>
-                <a:sym typeface="Arial"/>
-              </a:defRPr>
-            </a:lvl1pPr>
-          </a:lstStyle>
-          <a:p>
-            <a:r>
-              <a:t>node.js安裝模組</a:t>
-            </a:r>
-          </a:p>
-        </p:txBody>
-      </p:sp>
-      <p:pic>
-        <p:nvPicPr>
-          <p:cNvPr id="2" name="圖片 1"/>
-          <p:cNvPicPr>
-            <a:picLocks noChangeAspect="1"/>
-          </p:cNvPicPr>
-          <p:nvPr/>
-        </p:nvPicPr>
-        <p:blipFill>
-          <a:blip r:embed="rId2" cstate="print">
-            <a:extLst>
-              <a:ext uri="{28A0092B-C50C-407E-A947-70E740481C1C}">
-                <a14:useLocalDpi xmlns="" xmlns:a14="http://schemas.microsoft.com/office/drawing/2010/main" val="0"/>
-              </a:ext>
-            </a:extLst>
-          </a:blip>
-          <a:stretch>
-            <a:fillRect/>
-          </a:stretch>
-        </p:blipFill>
-        <p:spPr>
-          <a:xfrm>
-            <a:off x="575368" y="1891611"/>
-            <a:ext cx="3719541" cy="977399"/>
-          </a:xfrm>
-          <a:prstGeom prst="rect">
-            <a:avLst/>
-          </a:prstGeom>
-        </p:spPr>
-      </p:pic>
-      <p:pic>
-        <p:nvPicPr>
-          <p:cNvPr id="3" name="圖片 2"/>
-          <p:cNvPicPr>
-            <a:picLocks noChangeAspect="1"/>
-          </p:cNvPicPr>
-          <p:nvPr/>
-        </p:nvPicPr>
-        <p:blipFill>
-          <a:blip r:embed="rId3" cstate="print">
-            <a:extLst>
-              <a:ext uri="{28A0092B-C50C-407E-A947-70E740481C1C}">
-                <a14:useLocalDpi xmlns="" xmlns:a14="http://schemas.microsoft.com/office/drawing/2010/main" val="0"/>
-              </a:ext>
-            </a:extLst>
-          </a:blip>
-          <a:stretch>
-            <a:fillRect/>
-          </a:stretch>
-        </p:blipFill>
-        <p:spPr>
-          <a:xfrm>
-            <a:off x="575368" y="3747393"/>
-            <a:ext cx="3719541" cy="952202"/>
-          </a:xfrm>
-          <a:prstGeom prst="rect">
-            <a:avLst/>
-          </a:prstGeom>
-        </p:spPr>
-      </p:pic>
-    </p:spTree>
-  </p:cSld>
-  <p:clrMapOvr>
-    <a:masterClrMapping/>
-  </p:clrMapOvr>
-  <p:transition spd="slow"/>
-  <p:timing>
-    <p:tnLst>
-      <p:par>
-        <p:cTn id="1" dur="indefinite" restart="never" nodeType="tmRoot"/>
-      </p:par>
-    </p:tnLst>
-  </p:timing>
-</p:sld>
-</file>
-
-<file path=ppt/slides/slide40.xml><?xml version="1.0" encoding="utf-8"?>
+<file path=ppt/slides/slide41.xml><?xml version="1.0" encoding="utf-8"?>
 <p:sld xmlns:a="http://schemas.openxmlformats.org/drawingml/2006/main" xmlns:r="http://schemas.openxmlformats.org/officeDocument/2006/relationships" xmlns:p="http://schemas.openxmlformats.org/presentationml/2006/main">
   <p:cSld>
     <p:spTree>
@@ -19094,7 +19389,7 @@
 </p:sld>
 </file>
 
-<file path=ppt/slides/slide41.xml><?xml version="1.0" encoding="utf-8"?>
+<file path=ppt/slides/slide42.xml><?xml version="1.0" encoding="utf-8"?>
 <p:sld xmlns:a="http://schemas.openxmlformats.org/drawingml/2006/main" xmlns:r="http://schemas.openxmlformats.org/officeDocument/2006/relationships" xmlns:p="http://schemas.openxmlformats.org/presentationml/2006/main">
   <p:cSld>
     <p:spTree>
@@ -19548,7 +19843,7 @@
 </p:sld>
 </file>
 
-<file path=ppt/slides/slide42.xml><?xml version="1.0" encoding="utf-8"?>
+<file path=ppt/slides/slide43.xml><?xml version="1.0" encoding="utf-8"?>
 <p:sld xmlns:a="http://schemas.openxmlformats.org/drawingml/2006/main" xmlns:r="http://schemas.openxmlformats.org/officeDocument/2006/relationships" xmlns:p="http://schemas.openxmlformats.org/presentationml/2006/main">
   <p:cSld>
     <p:spTree>
@@ -19688,7 +19983,7 @@
             <a:effectLst/>
             <a:extLst>
               <a:ext uri="{C572A759-6A51-4108-AA02-DFA0A04FC94B}">
-                <ma14:wrappingTextBoxFlag xmlns="" xmlns:ma14="http://schemas.microsoft.com/office/mac/drawingml/2011/main" val="1"/>
+                <ma14:wrappingTextBoxFlag xmlns:ma14="http://schemas.microsoft.com/office/mac/drawingml/2011/main" xmlns="" val="1"/>
               </a:ext>
             </a:extLst>
           </p:spPr>
@@ -20048,7 +20343,7 @@
 </p:sld>
 </file>
 
-<file path=ppt/slides/slide43.xml><?xml version="1.0" encoding="utf-8"?>
+<file path=ppt/slides/slide44.xml><?xml version="1.0" encoding="utf-8"?>
 <p:sld xmlns:a="http://schemas.openxmlformats.org/drawingml/2006/main" xmlns:r="http://schemas.openxmlformats.org/officeDocument/2006/relationships" xmlns:p="http://schemas.openxmlformats.org/presentationml/2006/main">
   <p:cSld>
     <p:spTree>
@@ -20682,7 +20977,7 @@
 </p:sld>
 </file>
 
-<file path=ppt/slides/slide44.xml><?xml version="1.0" encoding="utf-8"?>
+<file path=ppt/slides/slide45.xml><?xml version="1.0" encoding="utf-8"?>
 <p:sld xmlns:a="http://schemas.openxmlformats.org/drawingml/2006/main" xmlns:r="http://schemas.openxmlformats.org/officeDocument/2006/relationships" xmlns:p="http://schemas.openxmlformats.org/presentationml/2006/main">
   <p:cSld>
     <p:spTree>
@@ -20973,7 +21268,7 @@
 </p:sld>
 </file>
 
-<file path=ppt/slides/slide45.xml><?xml version="1.0" encoding="utf-8"?>
+<file path=ppt/slides/slide46.xml><?xml version="1.0" encoding="utf-8"?>
 <p:sld xmlns:a="http://schemas.openxmlformats.org/drawingml/2006/main" xmlns:r="http://schemas.openxmlformats.org/officeDocument/2006/relationships" xmlns:p="http://schemas.openxmlformats.org/presentationml/2006/main">
   <p:cSld>
     <p:spTree>
@@ -21042,7 +21337,7 @@
           </a:ln>
           <a:extLst>
             <a:ext uri="{C572A759-6A51-4108-AA02-DFA0A04FC94B}">
-              <ma14:wrappingTextBoxFlag xmlns="" xmlns:ma14="http://schemas.microsoft.com/office/mac/drawingml/2011/main" val="1"/>
+              <ma14:wrappingTextBoxFlag xmlns:ma14="http://schemas.microsoft.com/office/mac/drawingml/2011/main" xmlns="" val="1"/>
             </a:ext>
           </a:extLst>
         </p:spPr>
@@ -21459,7 +21754,7 @@
       </p:grpSpPr>
       <p:sp>
         <p:nvSpPr>
-          <p:cNvPr id="254" name="Shape 254"/>
+          <p:cNvPr id="249" name="Shape 249"/>
           <p:cNvSpPr>
             <a:spLocks noGrp="1"/>
           </p:cNvSpPr>
@@ -21469,7 +21764,7 @@
         </p:nvSpPr>
         <p:spPr>
           <a:xfrm>
-            <a:off x="586403" y="1424433"/>
+            <a:off x="531812" y="1424433"/>
             <a:ext cx="7772401" cy="4645920"/>
           </a:xfrm>
           <a:prstGeom prst="rect">
@@ -21487,15 +21782,10 @@
               <a:spcBef>
                 <a:spcPts val="1200"/>
               </a:spcBef>
-              <a:defRPr sz="2400" u="sng">
-                <a:solidFill>
-                  <a:srgbClr val="0000FF"/>
-                </a:solidFill>
-                <a:uFill>
-                  <a:solidFill>
-                    <a:srgbClr val="0000FF"/>
-                  </a:solidFill>
-                </a:uFill>
+              <a:defRPr sz="2400">
+                <a:solidFill>
+                  <a:srgbClr val="585858"/>
+                </a:solidFill>
                 <a:latin typeface="Arial"/>
                 <a:ea typeface="Arial"/>
                 <a:cs typeface="Arial"/>
@@ -21503,26 +21793,10 @@
               </a:defRPr>
             </a:pPr>
             <a:r>
-              <a:rPr dirty="0">
-                <a:hlinkClick r:id="rId2"/>
-              </a:rPr>
-              <a:t>https://</a:t>
-            </a:r>
-            <a:r>
-              <a:rPr dirty="0" smtClean="0">
-                <a:hlinkClick r:id="rId2"/>
-              </a:rPr>
-              <a:t>github.com/hyper570908/</a:t>
-            </a:r>
-            <a:r>
-              <a:rPr lang="en-US" dirty="0" smtClean="0"/>
-              <a:t>tools</a:t>
-            </a:r>
-            <a:endParaRPr dirty="0">
-              <a:solidFill>
-                <a:srgbClr val="585858"/>
-              </a:solidFill>
-            </a:endParaRPr>
+              <a:rPr dirty="0" err="1"/>
+              <a:t>檢查nodejs版本</a:t>
+            </a:r>
+            <a:endParaRPr dirty="0"/>
           </a:p>
           <a:p>
             <a:pPr defTabSz="694944">
@@ -21542,11 +21816,7 @@
                 <a:sym typeface="Arial"/>
               </a:defRPr>
             </a:pPr>
-            <a:endParaRPr dirty="0">
-              <a:solidFill>
-                <a:srgbClr val="585858"/>
-              </a:solidFill>
-            </a:endParaRPr>
+            <a:endParaRPr dirty="0"/>
           </a:p>
           <a:p>
             <a:pPr defTabSz="694944">
@@ -21566,11 +21836,7 @@
                 <a:sym typeface="Arial"/>
               </a:defRPr>
             </a:pPr>
-            <a:endParaRPr dirty="0">
-              <a:solidFill>
-                <a:srgbClr val="585858"/>
-              </a:solidFill>
-            </a:endParaRPr>
+            <a:endParaRPr dirty="0"/>
           </a:p>
           <a:p>
             <a:pPr defTabSz="694944">
@@ -21590,11 +21856,11 @@
                 <a:sym typeface="Arial"/>
               </a:defRPr>
             </a:pPr>
-            <a:endParaRPr dirty="0">
-              <a:solidFill>
-                <a:srgbClr val="585858"/>
-              </a:solidFill>
-            </a:endParaRPr>
+            <a:r>
+              <a:rPr dirty="0" err="1"/>
+              <a:t>檢查npm版本</a:t>
+            </a:r>
+            <a:endParaRPr dirty="0"/>
           </a:p>
           <a:p>
             <a:pPr defTabSz="694944">
@@ -21614,11 +21880,7 @@
                 <a:sym typeface="Arial"/>
               </a:defRPr>
             </a:pPr>
-            <a:endParaRPr dirty="0">
-              <a:solidFill>
-                <a:srgbClr val="585858"/>
-              </a:solidFill>
-            </a:endParaRPr>
+            <a:endParaRPr dirty="0"/>
           </a:p>
           <a:p>
             <a:pPr defTabSz="694944">
@@ -21638,11 +21900,7 @@
                 <a:sym typeface="Arial"/>
               </a:defRPr>
             </a:pPr>
-            <a:endParaRPr dirty="0">
-              <a:solidFill>
-                <a:srgbClr val="585858"/>
-              </a:solidFill>
-            </a:endParaRPr>
+            <a:endParaRPr dirty="0"/>
           </a:p>
           <a:p>
             <a:pPr defTabSz="694944">
@@ -21662,21 +21920,47 @@
                 <a:sym typeface="Arial"/>
               </a:defRPr>
             </a:pPr>
-            <a:endParaRPr dirty="0">
-              <a:solidFill>
-                <a:srgbClr val="585858"/>
-              </a:solidFill>
-            </a:endParaRPr>
-          </a:p>
-          <a:p>
-            <a:pPr defTabSz="694944">
+            <a:r>
+              <a:rPr dirty="0" err="1"/>
+              <a:t>安裝</a:t>
+            </a:r>
+            <a:r>
+              <a:rPr dirty="0"/>
+              <a:t>(</a:t>
+            </a:r>
+            <a:r>
+              <a:rPr dirty="0" err="1">
+                <a:solidFill>
+                  <a:srgbClr val="F93B42"/>
+                </a:solidFill>
+              </a:rPr>
+              <a:t>全域</a:t>
+            </a:r>
+            <a:r>
+              <a:rPr dirty="0">
+                <a:solidFill>
+                  <a:schemeClr val="accent6">
+                    <a:lumOff val="-9019"/>
+                  </a:schemeClr>
+                </a:solidFill>
+              </a:rPr>
+              <a:t>)</a:t>
+            </a:r>
+            <a:r>
+              <a:rPr dirty="0" err="1"/>
+              <a:t>模組</a:t>
+            </a:r>
+            <a:endParaRPr dirty="0"/>
+          </a:p>
+          <a:p>
+            <a:pPr>
               <a:lnSpc>
                 <a:spcPct val="115000"/>
               </a:lnSpc>
               <a:spcBef>
-                <a:spcPts val="1200"/>
-              </a:spcBef>
-              <a:defRPr sz="2400">
+                <a:spcPts val="1600"/>
+              </a:spcBef>
+              <a:defRPr sz="2500">
                 <a:solidFill>
                   <a:srgbClr val="585858"/>
                 </a:solidFill>
@@ -21687,35 +21971,50 @@
               </a:defRPr>
             </a:pPr>
             <a:r>
-              <a:rPr dirty="0" err="1" smtClean="0"/>
-              <a:t>在目錄下執行</a:t>
-            </a:r>
-            <a:r>
-              <a:rPr dirty="0" smtClean="0"/>
+              <a:rPr dirty="0" err="1"/>
+              <a:t>npm</a:t>
+            </a:r>
+            <a:r>
+              <a:rPr dirty="0"/>
+              <a:t> install </a:t>
+            </a:r>
+            <a:r>
+              <a:rPr dirty="0" err="1"/>
+              <a:t>mosca</a:t>
+            </a:r>
+            <a:r>
+              <a:rPr dirty="0"/>
               <a:t> </a:t>
             </a:r>
             <a:r>
-              <a:rPr dirty="0" err="1" smtClean="0"/>
-              <a:t>npm</a:t>
-            </a:r>
-            <a:r>
-              <a:rPr dirty="0" smtClean="0"/>
-              <a:t> install</a:t>
-            </a:r>
-            <a:endParaRPr dirty="0"/>
+              <a:rPr dirty="0" err="1"/>
+              <a:t>bunyan</a:t>
+            </a:r>
+            <a:r>
+              <a:rPr dirty="0"/>
+              <a:t> </a:t>
+            </a:r>
+            <a:r>
+              <a:rPr dirty="0">
+                <a:solidFill>
+                  <a:srgbClr val="FE2C19"/>
+                </a:solidFill>
+              </a:rPr>
+              <a:t>-g</a:t>
+            </a:r>
           </a:p>
         </p:txBody>
       </p:sp>
       <p:sp>
         <p:nvSpPr>
-          <p:cNvPr id="255" name="Shape 255"/>
+          <p:cNvPr id="250" name="Shape 250"/>
           <p:cNvSpPr/>
           <p:nvPr/>
         </p:nvSpPr>
         <p:spPr>
           <a:xfrm>
-            <a:off x="531812" y="240409"/>
-            <a:ext cx="7772401" cy="596897"/>
+            <a:off x="531812" y="215699"/>
+            <a:ext cx="7772401" cy="646317"/>
           </a:xfrm>
           <a:prstGeom prst="rect">
             <a:avLst/>
@@ -21725,13 +22024,13 @@
           </a:ln>
           <a:extLst>
             <a:ext uri="{C572A759-6A51-4108-AA02-DFA0A04FC94B}">
-              <ma14:wrappingTextBoxFlag xmlns="" xmlns:ma14="http://schemas.microsoft.com/office/mac/drawingml/2011/main" val="1"/>
+              <ma14:wrappingTextBoxFlag xmlns:ma14="http://schemas.microsoft.com/office/mac/drawingml/2011/main" xmlns="" val="1"/>
             </a:ext>
           </a:extLst>
         </p:spPr>
         <p:txBody>
           <a:bodyPr lIns="45718" tIns="45718" rIns="45718" bIns="45718" anchor="ctr">
-            <a:normAutofit fontScale="92500" lnSpcReduction="20000"/>
+            <a:normAutofit lnSpcReduction="10000"/>
           </a:bodyPr>
           <a:lstStyle>
             <a:lvl1pPr algn="ctr" defTabSz="877822">
@@ -21748,41 +22047,69 @@
           </a:lstStyle>
           <a:p>
             <a:r>
-              <a:t>專案下載</a:t>
+              <a:t>node.js安裝模組</a:t>
             </a:r>
           </a:p>
         </p:txBody>
       </p:sp>
       <p:pic>
         <p:nvPicPr>
-          <p:cNvPr id="1027" name="Picture 3"/>
+          <p:cNvPr id="2" name="圖片 1"/>
           <p:cNvPicPr>
-            <a:picLocks noChangeAspect="1" noChangeArrowheads="1"/>
+            <a:picLocks noChangeAspect="1"/>
           </p:cNvPicPr>
           <p:nvPr/>
         </p:nvPicPr>
         <p:blipFill>
-          <a:blip r:embed="rId3" cstate="print"/>
-          <a:srcRect/>
+          <a:blip r:embed="rId2" cstate="print">
+            <a:extLst>
+              <a:ext uri="{28A0092B-C50C-407E-A947-70E740481C1C}">
+                <a14:useLocalDpi xmlns:a14="http://schemas.microsoft.com/office/drawing/2010/main" xmlns="" val="0"/>
+              </a:ext>
+            </a:extLst>
+          </a:blip>
           <a:stretch>
             <a:fillRect/>
           </a:stretch>
         </p:blipFill>
-        <p:spPr bwMode="auto">
+        <p:spPr>
           <a:xfrm>
-            <a:off x="650188" y="1898235"/>
-            <a:ext cx="7265514" cy="3424392"/>
+            <a:off x="575368" y="1891611"/>
+            <a:ext cx="3719541" cy="977399"/>
           </a:xfrm>
           <a:prstGeom prst="rect">
             <a:avLst/>
           </a:prstGeom>
-          <a:noFill/>
-          <a:ln w="9525">
-            <a:noFill/>
-            <a:miter lim="800000"/>
-            <a:headEnd/>
-            <a:tailEnd/>
-          </a:ln>
+        </p:spPr>
+      </p:pic>
+      <p:pic>
+        <p:nvPicPr>
+          <p:cNvPr id="3" name="圖片 2"/>
+          <p:cNvPicPr>
+            <a:picLocks noChangeAspect="1"/>
+          </p:cNvPicPr>
+          <p:nvPr/>
+        </p:nvPicPr>
+        <p:blipFill>
+          <a:blip r:embed="rId3" cstate="print">
+            <a:extLst>
+              <a:ext uri="{28A0092B-C50C-407E-A947-70E740481C1C}">
+                <a14:useLocalDpi xmlns:a14="http://schemas.microsoft.com/office/drawing/2010/main" xmlns="" val="0"/>
+              </a:ext>
+            </a:extLst>
+          </a:blip>
+          <a:stretch>
+            <a:fillRect/>
+          </a:stretch>
+        </p:blipFill>
+        <p:spPr>
+          <a:xfrm>
+            <a:off x="575368" y="3747393"/>
+            <a:ext cx="3719541" cy="952202"/>
+          </a:xfrm>
+          <a:prstGeom prst="rect">
+            <a:avLst/>
+          </a:prstGeom>
         </p:spPr>
       </p:pic>
     </p:spTree>
@@ -21838,9 +22165,7 @@
           </a:prstGeom>
         </p:spPr>
         <p:txBody>
-          <a:bodyPr anchor="t">
-            <a:normAutofit lnSpcReduction="10000"/>
-          </a:bodyPr>
+          <a:bodyPr anchor="t"/>
           <a:lstStyle/>
           <a:p>
             <a:pPr defTabSz="694944">
@@ -21850,10 +22175,15 @@
               <a:spcBef>
                 <a:spcPts val="1200"/>
               </a:spcBef>
-              <a:defRPr sz="2400">
-                <a:solidFill>
-                  <a:srgbClr val="585858"/>
-                </a:solidFill>
+              <a:defRPr sz="2400" u="sng">
+                <a:solidFill>
+                  <a:srgbClr val="0000FF"/>
+                </a:solidFill>
+                <a:uFill>
+                  <a:solidFill>
+                    <a:srgbClr val="0000FF"/>
+                  </a:solidFill>
+                </a:uFill>
                 <a:latin typeface="Arial"/>
                 <a:ea typeface="Arial"/>
                 <a:cs typeface="Arial"/>
@@ -21861,10 +22191,26 @@
               </a:defRPr>
             </a:pPr>
             <a:r>
-              <a:rPr lang="zh-TW" altLang="en-US" dirty="0" smtClean="0"/>
-              <a:t>開發工具</a:t>
-            </a:r>
-            <a:endParaRPr lang="en-US" altLang="zh-TW" dirty="0" smtClean="0"/>
+              <a:rPr dirty="0">
+                <a:hlinkClick r:id="rId2"/>
+              </a:rPr>
+              <a:t>https://</a:t>
+            </a:r>
+            <a:r>
+              <a:rPr dirty="0" smtClean="0">
+                <a:hlinkClick r:id="rId2"/>
+              </a:rPr>
+              <a:t>github.com/hyper570908/</a:t>
+            </a:r>
+            <a:r>
+              <a:rPr lang="en-US" dirty="0" smtClean="0"/>
+              <a:t>tools</a:t>
+            </a:r>
+            <a:endParaRPr dirty="0">
+              <a:solidFill>
+                <a:srgbClr val="585858"/>
+              </a:solidFill>
+            </a:endParaRPr>
           </a:p>
           <a:p>
             <a:pPr defTabSz="694944">
@@ -21874,8 +22220,6 @@
               <a:spcBef>
                 <a:spcPts val="1200"/>
               </a:spcBef>
-              <a:buFont typeface="Arial" pitchFamily="34" charset="0"/>
-              <a:buChar char="•"/>
               <a:defRPr sz="2400">
                 <a:solidFill>
                   <a:srgbClr val="585858"/>
@@ -21886,26 +22230,10 @@
                 <a:sym typeface="Arial"/>
               </a:defRPr>
             </a:pPr>
-            <a:r>
-              <a:rPr lang="en-US" altLang="zh-TW" sz="2400" b="0" dirty="0" smtClean="0">
-                <a:sym typeface="Arial"/>
-              </a:rPr>
-              <a:t>Visual Studio</a:t>
-            </a:r>
-            <a:br>
-              <a:rPr lang="en-US" altLang="zh-TW" sz="2400" b="0" dirty="0" smtClean="0">
-                <a:sym typeface="Arial"/>
-              </a:rPr>
-            </a:br>
-            <a:r>
-              <a:rPr lang="en-US" altLang="zh-TW" sz="2400" b="0" dirty="0" smtClean="0">
-                <a:sym typeface="Arial"/>
-                <a:hlinkClick r:id="rId2"/>
-              </a:rPr>
-              <a:t>https://code.visualstudio.com/download</a:t>
-            </a:r>
-            <a:endParaRPr lang="en-US" altLang="zh-TW" sz="2400" b="0" dirty="0" smtClean="0">
-              <a:sym typeface="Arial"/>
+            <a:endParaRPr dirty="0">
+              <a:solidFill>
+                <a:srgbClr val="585858"/>
+              </a:solidFill>
             </a:endParaRPr>
           </a:p>
           <a:p>
@@ -21916,8 +22244,6 @@
               <a:spcBef>
                 <a:spcPts val="1200"/>
               </a:spcBef>
-              <a:buFont typeface="Arial" pitchFamily="34" charset="0"/>
-              <a:buChar char="•"/>
               <a:defRPr sz="2400">
                 <a:solidFill>
                   <a:srgbClr val="585858"/>
@@ -21928,118 +22254,11 @@
                 <a:sym typeface="Arial"/>
               </a:defRPr>
             </a:pPr>
-            <a:r>
-              <a:rPr lang="en-US" altLang="zh-TW" sz="2400" dirty="0" smtClean="0">
-                <a:sym typeface="Arial"/>
-              </a:rPr>
-              <a:t>Sublime Text 3</a:t>
-            </a:r>
-          </a:p>
-          <a:p>
-            <a:r>
-              <a:rPr lang="en-US" altLang="zh-TW" sz="2400" b="0" dirty="0" smtClean="0">
-                <a:hlinkClick r:id="rId3"/>
-              </a:rPr>
-              <a:t>OS X</a:t>
-            </a:r>
-            <a:r>
-              <a:rPr lang="en-US" altLang="zh-TW" sz="2400" b="0" dirty="0" smtClean="0"/>
-              <a:t> (10.7 or later is required)</a:t>
-            </a:r>
-          </a:p>
-          <a:p>
-            <a:r>
-              <a:rPr lang="en-US" altLang="zh-TW" sz="2400" b="0" dirty="0" smtClean="0">
-                <a:hlinkClick r:id="rId4"/>
-              </a:rPr>
-              <a:t>Windows</a:t>
-            </a:r>
-            <a:r>
-              <a:rPr lang="en-US" altLang="zh-TW" sz="2400" b="0" dirty="0" smtClean="0"/>
-              <a:t> - also available as a </a:t>
-            </a:r>
-            <a:r>
-              <a:rPr lang="en-US" altLang="zh-TW" sz="2400" b="0" dirty="0" smtClean="0">
-                <a:hlinkClick r:id="rId5"/>
-              </a:rPr>
-              <a:t>portable version</a:t>
-            </a:r>
-            <a:endParaRPr lang="en-US" altLang="zh-TW" sz="2400" b="0" dirty="0" smtClean="0"/>
-          </a:p>
-          <a:p>
-            <a:r>
-              <a:rPr lang="en-US" altLang="zh-TW" sz="2400" b="0" dirty="0" smtClean="0">
-                <a:hlinkClick r:id="rId6"/>
-              </a:rPr>
-              <a:t>Windows 64 bit</a:t>
-            </a:r>
-            <a:r>
-              <a:rPr lang="en-US" altLang="zh-TW" sz="2400" b="0" dirty="0" smtClean="0"/>
-              <a:t> - also available as a </a:t>
-            </a:r>
-            <a:r>
-              <a:rPr lang="en-US" altLang="zh-TW" sz="2400" b="0" dirty="0" smtClean="0">
-                <a:hlinkClick r:id="rId7"/>
-              </a:rPr>
-              <a:t>portable version</a:t>
-            </a:r>
-            <a:endParaRPr lang="en-US" altLang="zh-TW" sz="2400" b="0" dirty="0" smtClean="0"/>
-          </a:p>
-          <a:p>
-            <a:r>
-              <a:rPr lang="en-US" altLang="zh-TW" sz="2400" b="0" dirty="0" err="1" smtClean="0">
-                <a:hlinkClick r:id="rId8"/>
-              </a:rPr>
-              <a:t>Ubuntu</a:t>
-            </a:r>
-            <a:r>
-              <a:rPr lang="en-US" altLang="zh-TW" sz="2400" b="0" dirty="0" smtClean="0">
-                <a:hlinkClick r:id="rId8"/>
-              </a:rPr>
-              <a:t> 64 bit</a:t>
-            </a:r>
-            <a:r>
-              <a:rPr lang="en-US" altLang="zh-TW" sz="2400" b="0" dirty="0" smtClean="0"/>
-              <a:t> - also available as a </a:t>
-            </a:r>
-            <a:r>
-              <a:rPr lang="en-US" altLang="zh-TW" sz="2400" b="0" dirty="0" err="1" smtClean="0">
-                <a:hlinkClick r:id="rId9"/>
-              </a:rPr>
-              <a:t>tarball</a:t>
-            </a:r>
-            <a:r>
-              <a:rPr lang="en-US" altLang="zh-TW" sz="2400" b="0" dirty="0" smtClean="0"/>
-              <a:t> for other Linux distributions.</a:t>
-            </a:r>
-          </a:p>
-          <a:p>
-            <a:r>
-              <a:rPr lang="en-US" altLang="zh-TW" sz="2400" b="0" dirty="0" err="1" smtClean="0">
-                <a:hlinkClick r:id="rId10"/>
-              </a:rPr>
-              <a:t>Ubuntu</a:t>
-            </a:r>
-            <a:r>
-              <a:rPr lang="en-US" altLang="zh-TW" sz="2400" b="0" dirty="0" smtClean="0">
-                <a:hlinkClick r:id="rId10"/>
-              </a:rPr>
-              <a:t> 32 bit</a:t>
-            </a:r>
-            <a:r>
-              <a:rPr lang="en-US" altLang="zh-TW" sz="2400" b="0" dirty="0" smtClean="0"/>
-              <a:t> - also available as a </a:t>
-            </a:r>
-            <a:r>
-              <a:rPr lang="en-US" altLang="zh-TW" sz="2400" b="0" dirty="0" err="1" smtClean="0">
-                <a:hlinkClick r:id="rId11"/>
-              </a:rPr>
-              <a:t>tarball</a:t>
-            </a:r>
-            <a:r>
-              <a:rPr lang="en-US" altLang="zh-TW" sz="2400" b="0" dirty="0" smtClean="0"/>
-              <a:t> for other Linux distributions.</a:t>
-            </a:r>
+            <a:endParaRPr dirty="0">
+              <a:solidFill>
+                <a:srgbClr val="585858"/>
+              </a:solidFill>
+            </a:endParaRPr>
           </a:p>
           <a:p>
             <a:pPr defTabSz="694944">
@@ -22049,8 +22268,6 @@
               <a:spcBef>
                 <a:spcPts val="1200"/>
               </a:spcBef>
-              <a:buFont typeface="Arial" pitchFamily="34" charset="0"/>
-              <a:buChar char="•"/>
               <a:defRPr sz="2400">
                 <a:solidFill>
                   <a:srgbClr val="585858"/>
@@ -22061,8 +22278,10 @@
                 <a:sym typeface="Arial"/>
               </a:defRPr>
             </a:pPr>
-            <a:endParaRPr lang="en-US" altLang="zh-TW" sz="2400" b="0" dirty="0" smtClean="0">
-              <a:sym typeface="Arial"/>
+            <a:endParaRPr dirty="0">
+              <a:solidFill>
+                <a:srgbClr val="585858"/>
+              </a:solidFill>
             </a:endParaRPr>
           </a:p>
           <a:p>
@@ -22073,8 +22292,6 @@
               <a:spcBef>
                 <a:spcPts val="1200"/>
               </a:spcBef>
-              <a:buFont typeface="Arial" pitchFamily="34" charset="0"/>
-              <a:buChar char="•"/>
               <a:defRPr sz="2400">
                 <a:solidFill>
                   <a:srgbClr val="585858"/>
@@ -22085,6 +22302,94 @@
                 <a:sym typeface="Arial"/>
               </a:defRPr>
             </a:pPr>
+            <a:endParaRPr dirty="0">
+              <a:solidFill>
+                <a:srgbClr val="585858"/>
+              </a:solidFill>
+            </a:endParaRPr>
+          </a:p>
+          <a:p>
+            <a:pPr defTabSz="694944">
+              <a:lnSpc>
+                <a:spcPct val="115000"/>
+              </a:lnSpc>
+              <a:spcBef>
+                <a:spcPts val="1200"/>
+              </a:spcBef>
+              <a:defRPr sz="2400">
+                <a:solidFill>
+                  <a:srgbClr val="585858"/>
+                </a:solidFill>
+                <a:latin typeface="Arial"/>
+                <a:ea typeface="Arial"/>
+                <a:cs typeface="Arial"/>
+                <a:sym typeface="Arial"/>
+              </a:defRPr>
+            </a:pPr>
+            <a:endParaRPr dirty="0">
+              <a:solidFill>
+                <a:srgbClr val="585858"/>
+              </a:solidFill>
+            </a:endParaRPr>
+          </a:p>
+          <a:p>
+            <a:pPr defTabSz="694944">
+              <a:lnSpc>
+                <a:spcPct val="115000"/>
+              </a:lnSpc>
+              <a:spcBef>
+                <a:spcPts val="1200"/>
+              </a:spcBef>
+              <a:defRPr sz="2400">
+                <a:solidFill>
+                  <a:srgbClr val="585858"/>
+                </a:solidFill>
+                <a:latin typeface="Arial"/>
+                <a:ea typeface="Arial"/>
+                <a:cs typeface="Arial"/>
+                <a:sym typeface="Arial"/>
+              </a:defRPr>
+            </a:pPr>
+            <a:endParaRPr dirty="0">
+              <a:solidFill>
+                <a:srgbClr val="585858"/>
+              </a:solidFill>
+            </a:endParaRPr>
+          </a:p>
+          <a:p>
+            <a:pPr defTabSz="694944">
+              <a:lnSpc>
+                <a:spcPct val="115000"/>
+              </a:lnSpc>
+              <a:spcBef>
+                <a:spcPts val="1200"/>
+              </a:spcBef>
+              <a:defRPr sz="2400">
+                <a:solidFill>
+                  <a:srgbClr val="585858"/>
+                </a:solidFill>
+                <a:latin typeface="Arial"/>
+                <a:ea typeface="Arial"/>
+                <a:cs typeface="Arial"/>
+                <a:sym typeface="Arial"/>
+              </a:defRPr>
+            </a:pPr>
+            <a:r>
+              <a:rPr dirty="0" err="1" smtClean="0"/>
+              <a:t>在目錄下執行</a:t>
+            </a:r>
+            <a:r>
+              <a:rPr dirty="0" smtClean="0"/>
+              <a:t> </a:t>
+            </a:r>
+            <a:r>
+              <a:rPr dirty="0" err="1" smtClean="0"/>
+              <a:t>npm</a:t>
+            </a:r>
+            <a:r>
+              <a:rPr dirty="0" smtClean="0"/>
+              <a:t> install</a:t>
+            </a:r>
             <a:endParaRPr dirty="0"/>
           </a:p>
         </p:txBody>
@@ -22108,7 +22413,390 @@
           </a:ln>
           <a:extLst>
             <a:ext uri="{C572A759-6A51-4108-AA02-DFA0A04FC94B}">
-              <ma14:wrappingTextBoxFlag xmlns="" xmlns:ma14="http://schemas.microsoft.com/office/mac/drawingml/2011/main" val="1"/>
+              <ma14:wrappingTextBoxFlag xmlns:ma14="http://schemas.microsoft.com/office/mac/drawingml/2011/main" xmlns="" val="1"/>
+            </a:ext>
+          </a:extLst>
+        </p:spPr>
+        <p:txBody>
+          <a:bodyPr lIns="45718" tIns="45718" rIns="45718" bIns="45718" anchor="ctr">
+            <a:normAutofit fontScale="92500" lnSpcReduction="20000"/>
+          </a:bodyPr>
+          <a:lstStyle>
+            <a:lvl1pPr algn="ctr" defTabSz="877822">
+              <a:defRPr sz="4000">
+                <a:solidFill>
+                  <a:srgbClr val="FFFFFF"/>
+                </a:solidFill>
+                <a:latin typeface="Arial"/>
+                <a:ea typeface="Arial"/>
+                <a:cs typeface="Arial"/>
+                <a:sym typeface="Arial"/>
+              </a:defRPr>
+            </a:lvl1pPr>
+          </a:lstStyle>
+          <a:p>
+            <a:r>
+              <a:t>專案下載</a:t>
+            </a:r>
+          </a:p>
+        </p:txBody>
+      </p:sp>
+      <p:pic>
+        <p:nvPicPr>
+          <p:cNvPr id="1027" name="Picture 3"/>
+          <p:cNvPicPr>
+            <a:picLocks noChangeAspect="1" noChangeArrowheads="1"/>
+          </p:cNvPicPr>
+          <p:nvPr/>
+        </p:nvPicPr>
+        <p:blipFill>
+          <a:blip r:embed="rId3" cstate="print"/>
+          <a:srcRect/>
+          <a:stretch>
+            <a:fillRect/>
+          </a:stretch>
+        </p:blipFill>
+        <p:spPr bwMode="auto">
+          <a:xfrm>
+            <a:off x="650188" y="1898235"/>
+            <a:ext cx="7265514" cy="3424392"/>
+          </a:xfrm>
+          <a:prstGeom prst="rect">
+            <a:avLst/>
+          </a:prstGeom>
+          <a:noFill/>
+          <a:ln w="9525">
+            <a:noFill/>
+            <a:miter lim="800000"/>
+            <a:headEnd/>
+            <a:tailEnd/>
+          </a:ln>
+        </p:spPr>
+      </p:pic>
+    </p:spTree>
+  </p:cSld>
+  <p:clrMapOvr>
+    <a:masterClrMapping/>
+  </p:clrMapOvr>
+  <p:transition spd="slow"/>
+  <p:timing>
+    <p:tnLst>
+      <p:par>
+        <p:cTn id="1" dur="indefinite" restart="never" nodeType="tmRoot"/>
+      </p:par>
+    </p:tnLst>
+  </p:timing>
+</p:sld>
+</file>
+
+<file path=ppt/slides/slide7.xml><?xml version="1.0" encoding="utf-8"?>
+<p:sld xmlns:a="http://schemas.openxmlformats.org/drawingml/2006/main" xmlns:r="http://schemas.openxmlformats.org/officeDocument/2006/relationships" xmlns:p="http://schemas.openxmlformats.org/presentationml/2006/main">
+  <p:cSld>
+    <p:spTree>
+      <p:nvGrpSpPr>
+        <p:cNvPr id="1" name=""/>
+        <p:cNvGrpSpPr/>
+        <p:nvPr/>
+      </p:nvGrpSpPr>
+      <p:grpSpPr>
+        <a:xfrm>
+          <a:off x="0" y="0"/>
+          <a:ext cx="0" cy="0"/>
+          <a:chOff x="0" y="0"/>
+          <a:chExt cx="0" cy="0"/>
+        </a:xfrm>
+      </p:grpSpPr>
+      <p:sp>
+        <p:nvSpPr>
+          <p:cNvPr id="254" name="Shape 254"/>
+          <p:cNvSpPr>
+            <a:spLocks noGrp="1"/>
+          </p:cNvSpPr>
+          <p:nvPr>
+            <p:ph type="body" idx="1"/>
+          </p:nvPr>
+        </p:nvSpPr>
+        <p:spPr>
+          <a:xfrm>
+            <a:off x="586403" y="1424433"/>
+            <a:ext cx="7772401" cy="4645920"/>
+          </a:xfrm>
+          <a:prstGeom prst="rect">
+            <a:avLst/>
+          </a:prstGeom>
+        </p:spPr>
+        <p:txBody>
+          <a:bodyPr anchor="t">
+            <a:normAutofit lnSpcReduction="10000"/>
+          </a:bodyPr>
+          <a:lstStyle/>
+          <a:p>
+            <a:pPr defTabSz="694944">
+              <a:lnSpc>
+                <a:spcPct val="115000"/>
+              </a:lnSpc>
+              <a:spcBef>
+                <a:spcPts val="1200"/>
+              </a:spcBef>
+              <a:defRPr sz="2400">
+                <a:solidFill>
+                  <a:srgbClr val="585858"/>
+                </a:solidFill>
+                <a:latin typeface="Arial"/>
+                <a:ea typeface="Arial"/>
+                <a:cs typeface="Arial"/>
+                <a:sym typeface="Arial"/>
+              </a:defRPr>
+            </a:pPr>
+            <a:r>
+              <a:rPr lang="zh-TW" altLang="en-US" dirty="0" smtClean="0"/>
+              <a:t>開發工具</a:t>
+            </a:r>
+            <a:endParaRPr lang="en-US" altLang="zh-TW" dirty="0" smtClean="0"/>
+          </a:p>
+          <a:p>
+            <a:pPr defTabSz="694944">
+              <a:lnSpc>
+                <a:spcPct val="115000"/>
+              </a:lnSpc>
+              <a:spcBef>
+                <a:spcPts val="1200"/>
+              </a:spcBef>
+              <a:buFont typeface="Arial" pitchFamily="34" charset="0"/>
+              <a:buChar char="•"/>
+              <a:defRPr sz="2400">
+                <a:solidFill>
+                  <a:srgbClr val="585858"/>
+                </a:solidFill>
+                <a:latin typeface="Arial"/>
+                <a:ea typeface="Arial"/>
+                <a:cs typeface="Arial"/>
+                <a:sym typeface="Arial"/>
+              </a:defRPr>
+            </a:pPr>
+            <a:r>
+              <a:rPr lang="en-US" altLang="zh-TW" sz="2400" b="0" dirty="0" smtClean="0">
+                <a:sym typeface="Arial"/>
+              </a:rPr>
+              <a:t>Visual Studio</a:t>
+            </a:r>
+            <a:br>
+              <a:rPr lang="en-US" altLang="zh-TW" sz="2400" b="0" dirty="0" smtClean="0">
+                <a:sym typeface="Arial"/>
+              </a:rPr>
+            </a:br>
+            <a:r>
+              <a:rPr lang="en-US" altLang="zh-TW" sz="2400" b="0" dirty="0" smtClean="0">
+                <a:sym typeface="Arial"/>
+                <a:hlinkClick r:id="rId2"/>
+              </a:rPr>
+              <a:t>https://code.visualstudio.com/download</a:t>
+            </a:r>
+            <a:endParaRPr lang="en-US" altLang="zh-TW" sz="2400" b="0" dirty="0" smtClean="0">
+              <a:sym typeface="Arial"/>
+            </a:endParaRPr>
+          </a:p>
+          <a:p>
+            <a:pPr defTabSz="694944">
+              <a:lnSpc>
+                <a:spcPct val="115000"/>
+              </a:lnSpc>
+              <a:spcBef>
+                <a:spcPts val="1200"/>
+              </a:spcBef>
+              <a:buFont typeface="Arial" pitchFamily="34" charset="0"/>
+              <a:buChar char="•"/>
+              <a:defRPr sz="2400">
+                <a:solidFill>
+                  <a:srgbClr val="585858"/>
+                </a:solidFill>
+                <a:latin typeface="Arial"/>
+                <a:ea typeface="Arial"/>
+                <a:cs typeface="Arial"/>
+                <a:sym typeface="Arial"/>
+              </a:defRPr>
+            </a:pPr>
+            <a:r>
+              <a:rPr lang="en-US" altLang="zh-TW" sz="2400" dirty="0" smtClean="0">
+                <a:sym typeface="Arial"/>
+              </a:rPr>
+              <a:t>Sublime Text 3</a:t>
+            </a:r>
+          </a:p>
+          <a:p>
+            <a:r>
+              <a:rPr lang="en-US" altLang="zh-TW" sz="2400" b="0" dirty="0" smtClean="0">
+                <a:hlinkClick r:id="rId3"/>
+              </a:rPr>
+              <a:t>OS X</a:t>
+            </a:r>
+            <a:r>
+              <a:rPr lang="en-US" altLang="zh-TW" sz="2400" b="0" dirty="0" smtClean="0"/>
+              <a:t> (10.7 or later is required)</a:t>
+            </a:r>
+          </a:p>
+          <a:p>
+            <a:r>
+              <a:rPr lang="en-US" altLang="zh-TW" sz="2400" b="0" dirty="0" smtClean="0">
+                <a:hlinkClick r:id="rId4"/>
+              </a:rPr>
+              <a:t>Windows</a:t>
+            </a:r>
+            <a:r>
+              <a:rPr lang="en-US" altLang="zh-TW" sz="2400" b="0" dirty="0" smtClean="0"/>
+              <a:t> - also available as a </a:t>
+            </a:r>
+            <a:r>
+              <a:rPr lang="en-US" altLang="zh-TW" sz="2400" b="0" dirty="0" smtClean="0">
+                <a:hlinkClick r:id="rId5"/>
+              </a:rPr>
+              <a:t>portable version</a:t>
+            </a:r>
+            <a:endParaRPr lang="en-US" altLang="zh-TW" sz="2400" b="0" dirty="0" smtClean="0"/>
+          </a:p>
+          <a:p>
+            <a:r>
+              <a:rPr lang="en-US" altLang="zh-TW" sz="2400" b="0" dirty="0" smtClean="0">
+                <a:hlinkClick r:id="rId6"/>
+              </a:rPr>
+              <a:t>Windows 64 bit</a:t>
+            </a:r>
+            <a:r>
+              <a:rPr lang="en-US" altLang="zh-TW" sz="2400" b="0" dirty="0" smtClean="0"/>
+              <a:t> - also available as a </a:t>
+            </a:r>
+            <a:r>
+              <a:rPr lang="en-US" altLang="zh-TW" sz="2400" b="0" dirty="0" smtClean="0">
+                <a:hlinkClick r:id="rId7"/>
+              </a:rPr>
+              <a:t>portable version</a:t>
+            </a:r>
+            <a:endParaRPr lang="en-US" altLang="zh-TW" sz="2400" b="0" dirty="0" smtClean="0"/>
+          </a:p>
+          <a:p>
+            <a:r>
+              <a:rPr lang="en-US" altLang="zh-TW" sz="2400" b="0" dirty="0" err="1" smtClean="0">
+                <a:hlinkClick r:id="rId8"/>
+              </a:rPr>
+              <a:t>Ubuntu</a:t>
+            </a:r>
+            <a:r>
+              <a:rPr lang="en-US" altLang="zh-TW" sz="2400" b="0" dirty="0" smtClean="0">
+                <a:hlinkClick r:id="rId8"/>
+              </a:rPr>
+              <a:t> 64 bit</a:t>
+            </a:r>
+            <a:r>
+              <a:rPr lang="en-US" altLang="zh-TW" sz="2400" b="0" dirty="0" smtClean="0"/>
+              <a:t> - also available as a </a:t>
+            </a:r>
+            <a:r>
+              <a:rPr lang="en-US" altLang="zh-TW" sz="2400" b="0" dirty="0" err="1" smtClean="0">
+                <a:hlinkClick r:id="rId9"/>
+              </a:rPr>
+              <a:t>tarball</a:t>
+            </a:r>
+            <a:r>
+              <a:rPr lang="en-US" altLang="zh-TW" sz="2400" b="0" dirty="0" smtClean="0"/>
+              <a:t> for other Linux distributions.</a:t>
+            </a:r>
+          </a:p>
+          <a:p>
+            <a:r>
+              <a:rPr lang="en-US" altLang="zh-TW" sz="2400" b="0" dirty="0" err="1" smtClean="0">
+                <a:hlinkClick r:id="rId10"/>
+              </a:rPr>
+              <a:t>Ubuntu</a:t>
+            </a:r>
+            <a:r>
+              <a:rPr lang="en-US" altLang="zh-TW" sz="2400" b="0" dirty="0" smtClean="0">
+                <a:hlinkClick r:id="rId10"/>
+              </a:rPr>
+              <a:t> 32 bit</a:t>
+            </a:r>
+            <a:r>
+              <a:rPr lang="en-US" altLang="zh-TW" sz="2400" b="0" dirty="0" smtClean="0"/>
+              <a:t> - also available as a </a:t>
+            </a:r>
+            <a:r>
+              <a:rPr lang="en-US" altLang="zh-TW" sz="2400" b="0" dirty="0" err="1" smtClean="0">
+                <a:hlinkClick r:id="rId11"/>
+              </a:rPr>
+              <a:t>tarball</a:t>
+            </a:r>
+            <a:r>
+              <a:rPr lang="en-US" altLang="zh-TW" sz="2400" b="0" dirty="0" smtClean="0"/>
+              <a:t> for other Linux distributions.</a:t>
+            </a:r>
+          </a:p>
+          <a:p>
+            <a:pPr defTabSz="694944">
+              <a:lnSpc>
+                <a:spcPct val="115000"/>
+              </a:lnSpc>
+              <a:spcBef>
+                <a:spcPts val="1200"/>
+              </a:spcBef>
+              <a:buFont typeface="Arial" pitchFamily="34" charset="0"/>
+              <a:buChar char="•"/>
+              <a:defRPr sz="2400">
+                <a:solidFill>
+                  <a:srgbClr val="585858"/>
+                </a:solidFill>
+                <a:latin typeface="Arial"/>
+                <a:ea typeface="Arial"/>
+                <a:cs typeface="Arial"/>
+                <a:sym typeface="Arial"/>
+              </a:defRPr>
+            </a:pPr>
+            <a:endParaRPr lang="en-US" altLang="zh-TW" sz="2400" b="0" dirty="0" smtClean="0">
+              <a:sym typeface="Arial"/>
+            </a:endParaRPr>
+          </a:p>
+          <a:p>
+            <a:pPr defTabSz="694944">
+              <a:lnSpc>
+                <a:spcPct val="115000"/>
+              </a:lnSpc>
+              <a:spcBef>
+                <a:spcPts val="1200"/>
+              </a:spcBef>
+              <a:buFont typeface="Arial" pitchFamily="34" charset="0"/>
+              <a:buChar char="•"/>
+              <a:defRPr sz="2400">
+                <a:solidFill>
+                  <a:srgbClr val="585858"/>
+                </a:solidFill>
+                <a:latin typeface="Arial"/>
+                <a:ea typeface="Arial"/>
+                <a:cs typeface="Arial"/>
+                <a:sym typeface="Arial"/>
+              </a:defRPr>
+            </a:pPr>
+            <a:endParaRPr dirty="0"/>
+          </a:p>
+        </p:txBody>
+      </p:sp>
+      <p:sp>
+        <p:nvSpPr>
+          <p:cNvPr id="255" name="Shape 255"/>
+          <p:cNvSpPr/>
+          <p:nvPr/>
+        </p:nvSpPr>
+        <p:spPr>
+          <a:xfrm>
+            <a:off x="531812" y="240409"/>
+            <a:ext cx="7772401" cy="596897"/>
+          </a:xfrm>
+          <a:prstGeom prst="rect">
+            <a:avLst/>
+          </a:prstGeom>
+          <a:ln w="12700">
+            <a:miter lim="400000"/>
+          </a:ln>
+          <a:extLst>
+            <a:ext uri="{C572A759-6A51-4108-AA02-DFA0A04FC94B}">
+              <ma14:wrappingTextBoxFlag xmlns:ma14="http://schemas.microsoft.com/office/mac/drawingml/2011/main" xmlns="" val="1"/>
             </a:ext>
           </a:extLst>
         </p:spPr>
@@ -22154,7 +22842,7 @@
 </p:sld>
 </file>
 
-<file path=ppt/slides/slide7.xml><?xml version="1.0" encoding="utf-8"?>
+<file path=ppt/slides/slide8.xml><?xml version="1.0" encoding="utf-8"?>
 <p:sld xmlns:a="http://schemas.openxmlformats.org/drawingml/2006/main" xmlns:r="http://schemas.openxmlformats.org/officeDocument/2006/relationships" xmlns:p="http://schemas.openxmlformats.org/presentationml/2006/main">
   <p:cSld>
     <p:spTree>
@@ -22529,7 +23217,7 @@
 </p:sld>
 </file>
 
-<file path=ppt/slides/slide8.xml><?xml version="1.0" encoding="utf-8"?>
+<file path=ppt/slides/slide9.xml><?xml version="1.0" encoding="utf-8"?>
 <p:sld xmlns:a="http://schemas.openxmlformats.org/drawingml/2006/main" xmlns:r="http://schemas.openxmlformats.org/officeDocument/2006/relationships" xmlns:p="http://schemas.openxmlformats.org/presentationml/2006/main">
   <p:cSld>
     <p:spTree>
@@ -22711,7 +23399,7 @@
           </a:ln>
           <a:extLst>
             <a:ext uri="{C572A759-6A51-4108-AA02-DFA0A04FC94B}">
-              <ma14:wrappingTextBoxFlag xmlns="" xmlns:ma14="http://schemas.microsoft.com/office/mac/drawingml/2011/main" val="1"/>
+              <ma14:wrappingTextBoxFlag xmlns:ma14="http://schemas.microsoft.com/office/mac/drawingml/2011/main" xmlns="" val="1"/>
             </a:ext>
           </a:extLst>
         </p:spPr>
@@ -22770,341 +23458,6 @@
           </a:ln>
         </p:spPr>
       </p:pic>
-    </p:spTree>
-  </p:cSld>
-  <p:clrMapOvr>
-    <a:masterClrMapping/>
-  </p:clrMapOvr>
-  <p:transition spd="slow"/>
-  <p:timing>
-    <p:tnLst>
-      <p:par>
-        <p:cTn id="1" dur="indefinite" restart="never" nodeType="tmRoot"/>
-      </p:par>
-    </p:tnLst>
-  </p:timing>
-</p:sld>
-</file>
-
-<file path=ppt/slides/slide9.xml><?xml version="1.0" encoding="utf-8"?>
-<p:sld xmlns:a="http://schemas.openxmlformats.org/drawingml/2006/main" xmlns:r="http://schemas.openxmlformats.org/officeDocument/2006/relationships" xmlns:p="http://schemas.openxmlformats.org/presentationml/2006/main">
-  <p:cSld>
-    <p:spTree>
-      <p:nvGrpSpPr>
-        <p:cNvPr id="1" name=""/>
-        <p:cNvGrpSpPr/>
-        <p:nvPr/>
-      </p:nvGrpSpPr>
-      <p:grpSpPr>
-        <a:xfrm>
-          <a:off x="0" y="0"/>
-          <a:ext cx="0" cy="0"/>
-          <a:chOff x="0" y="0"/>
-          <a:chExt cx="0" cy="0"/>
-        </a:xfrm>
-      </p:grpSpPr>
-      <p:sp>
-        <p:nvSpPr>
-          <p:cNvPr id="269" name="Shape 269"/>
-          <p:cNvSpPr>
-            <a:spLocks noGrp="1"/>
-          </p:cNvSpPr>
-          <p:nvPr>
-            <p:ph type="title"/>
-          </p:nvPr>
-        </p:nvSpPr>
-        <p:spPr>
-          <a:xfrm>
-            <a:off x="685798" y="152400"/>
-            <a:ext cx="7772404" cy="899915"/>
-          </a:xfrm>
-          <a:prstGeom prst="rect">
-            <a:avLst/>
-          </a:prstGeom>
-        </p:spPr>
-        <p:txBody>
-          <a:bodyPr/>
-          <a:lstStyle>
-            <a:lvl1pPr algn="ctr">
-              <a:defRPr sz="5200" b="0" cap="none">
-                <a:solidFill>
-                  <a:srgbClr val="FFFFFF"/>
-                </a:solidFill>
-              </a:defRPr>
-            </a:lvl1pPr>
-          </a:lstStyle>
-          <a:p>
-            <a:r>
-              <a:t>MQTT是什麼？</a:t>
-            </a:r>
-          </a:p>
-        </p:txBody>
-      </p:sp>
-      <p:sp>
-        <p:nvSpPr>
-          <p:cNvPr id="270" name="Shape 270"/>
-          <p:cNvSpPr>
-            <a:spLocks noGrp="1"/>
-          </p:cNvSpPr>
-          <p:nvPr>
-            <p:ph type="body" idx="1"/>
-          </p:nvPr>
-        </p:nvSpPr>
-        <p:spPr>
-          <a:xfrm>
-            <a:off x="579780" y="1086678"/>
-            <a:ext cx="7772404" cy="2981739"/>
-          </a:xfrm>
-          <a:prstGeom prst="rect">
-            <a:avLst/>
-          </a:prstGeom>
-        </p:spPr>
-        <p:txBody>
-          <a:bodyPr>
-            <a:normAutofit/>
-          </a:bodyPr>
-          <a:lstStyle/>
-          <a:p>
-            <a:pPr algn="just" defTabSz="706097">
-              <a:lnSpc>
-                <a:spcPct val="115000"/>
-              </a:lnSpc>
-              <a:spcBef>
-                <a:spcPts val="1100"/>
-              </a:spcBef>
-              <a:defRPr b="0">
-                <a:solidFill>
-                  <a:srgbClr val="585858"/>
-                </a:solidFill>
-                <a:latin typeface="Arial"/>
-                <a:ea typeface="Arial"/>
-                <a:cs typeface="Arial"/>
-                <a:sym typeface="Arial"/>
-              </a:defRPr>
-            </a:pPr>
-            <a:r>
-              <a:rPr lang="en-US" altLang="zh-TW" dirty="0" smtClean="0"/>
-              <a:t>MQTT</a:t>
-            </a:r>
-            <a:r>
-              <a:rPr lang="zh-TW" altLang="en-US" dirty="0" smtClean="0"/>
-              <a:t>是一個 </a:t>
-            </a:r>
-            <a:r>
-              <a:rPr lang="en-US" altLang="zh-TW" dirty="0" smtClean="0"/>
-              <a:t>machine-to-machine (M2M) </a:t>
-            </a:r>
-            <a:r>
-              <a:rPr lang="zh-TW" altLang="en-US" dirty="0" smtClean="0"/>
-              <a:t>的發佈</a:t>
-            </a:r>
-            <a:r>
-              <a:rPr lang="en-US" altLang="zh-TW" dirty="0" smtClean="0"/>
-              <a:t>(Publish)/</a:t>
-            </a:r>
-            <a:r>
-              <a:rPr lang="zh-TW" altLang="en-US" dirty="0" smtClean="0"/>
-              <a:t>訂閱</a:t>
-            </a:r>
-            <a:r>
-              <a:rPr lang="en-US" altLang="zh-TW" dirty="0" smtClean="0"/>
-              <a:t>(Subscribe)</a:t>
-            </a:r>
-            <a:r>
-              <a:rPr lang="zh-TW" altLang="en-US" dirty="0" smtClean="0"/>
-              <a:t>訊息的傳輸協定，簡單來說當發佈者將訊息送至</a:t>
-            </a:r>
-            <a:r>
-              <a:rPr lang="en-US" altLang="zh-TW" dirty="0" smtClean="0"/>
-              <a:t>Topic</a:t>
-            </a:r>
-            <a:r>
-              <a:rPr lang="zh-TW" altLang="en-US" dirty="0" smtClean="0"/>
-              <a:t>平台，而</a:t>
-            </a:r>
-            <a:r>
-              <a:rPr lang="en-US" altLang="zh-TW" dirty="0" smtClean="0"/>
-              <a:t>Topic</a:t>
-            </a:r>
-            <a:r>
-              <a:rPr lang="zh-TW" altLang="en-US" dirty="0" smtClean="0"/>
-              <a:t>會將這個訊息送到所註冊的訂閱者。</a:t>
-            </a:r>
-            <a:endParaRPr lang="en-US" altLang="zh-TW" dirty="0" smtClean="0"/>
-          </a:p>
-          <a:p>
-            <a:pPr algn="just" defTabSz="706097">
-              <a:lnSpc>
-                <a:spcPct val="115000"/>
-              </a:lnSpc>
-              <a:spcBef>
-                <a:spcPts val="1100"/>
-              </a:spcBef>
-              <a:defRPr b="0">
-                <a:solidFill>
-                  <a:srgbClr val="585858"/>
-                </a:solidFill>
-                <a:latin typeface="Arial"/>
-                <a:ea typeface="Arial"/>
-                <a:cs typeface="Arial"/>
-                <a:sym typeface="Arial"/>
-              </a:defRPr>
-            </a:pPr>
-            <a:r>
-              <a:rPr lang="en-US" altLang="zh-TW" dirty="0" smtClean="0"/>
-              <a:t>Publisher</a:t>
-            </a:r>
-            <a:r>
-              <a:rPr lang="zh-TW" altLang="en-US" dirty="0" smtClean="0"/>
-              <a:t>為訊息的來源，它會將訊息發送給</a:t>
-            </a:r>
-            <a:r>
-              <a:rPr lang="en-US" altLang="zh-TW" dirty="0" smtClean="0"/>
-              <a:t>Broker(Topic)</a:t>
-            </a:r>
-            <a:r>
-              <a:rPr lang="zh-TW" altLang="en-US" dirty="0" smtClean="0"/>
-              <a:t>，而</a:t>
-            </a:r>
-            <a:r>
-              <a:rPr lang="en-US" altLang="zh-TW" dirty="0" smtClean="0"/>
-              <a:t>Subscriber</a:t>
-            </a:r>
-            <a:r>
-              <a:rPr lang="zh-TW" altLang="en-US" dirty="0" smtClean="0"/>
-              <a:t>向</a:t>
-            </a:r>
-            <a:r>
-              <a:rPr lang="en-US" altLang="zh-TW" dirty="0" smtClean="0"/>
-              <a:t>Broker</a:t>
-            </a:r>
-            <a:r>
-              <a:rPr lang="zh-TW" altLang="en-US" dirty="0" smtClean="0"/>
-              <a:t>註冊，表示他們想要接收此</a:t>
-            </a:r>
-            <a:r>
-              <a:rPr lang="en-US" altLang="zh-TW" dirty="0" smtClean="0"/>
-              <a:t>Topic</a:t>
-            </a:r>
-            <a:r>
-              <a:rPr lang="zh-TW" altLang="en-US" dirty="0" smtClean="0"/>
-              <a:t>的訊息；因此當有某個</a:t>
-            </a:r>
-            <a:r>
-              <a:rPr lang="en-US" altLang="zh-TW" dirty="0" smtClean="0"/>
-              <a:t>Publisher</a:t>
-            </a:r>
-            <a:r>
-              <a:rPr lang="zh-TW" altLang="en-US" dirty="0" smtClean="0"/>
-              <a:t>對</a:t>
-            </a:r>
-            <a:r>
-              <a:rPr lang="en-US" altLang="zh-TW" dirty="0" smtClean="0"/>
-              <a:t>Broker</a:t>
-            </a:r>
-            <a:r>
-              <a:rPr lang="zh-TW" altLang="en-US" dirty="0" smtClean="0"/>
-              <a:t>發送訊息時，只要是有對此</a:t>
-            </a:r>
-            <a:r>
-              <a:rPr lang="en-US" altLang="zh-TW" dirty="0" smtClean="0"/>
-              <a:t>Broker</a:t>
-            </a:r>
-            <a:r>
-              <a:rPr lang="zh-TW" altLang="en-US" dirty="0" smtClean="0"/>
-              <a:t>註冊的</a:t>
-            </a:r>
-            <a:r>
-              <a:rPr lang="en-US" altLang="zh-TW" dirty="0" smtClean="0"/>
-              <a:t>Subscriber</a:t>
-            </a:r>
-            <a:r>
-              <a:rPr lang="zh-TW" altLang="en-US" dirty="0" smtClean="0"/>
-              <a:t>，都會收到此則訊息。</a:t>
-            </a:r>
-          </a:p>
-        </p:txBody>
-      </p:sp>
-      <p:pic>
-        <p:nvPicPr>
-          <p:cNvPr id="5" name="image8.png"/>
-          <p:cNvPicPr>
-            <a:picLocks noChangeAspect="1"/>
-          </p:cNvPicPr>
-          <p:nvPr/>
-        </p:nvPicPr>
-        <p:blipFill>
-          <a:blip r:embed="rId2" cstate="print">
-            <a:extLst/>
-          </a:blip>
-          <a:stretch>
-            <a:fillRect/>
-          </a:stretch>
-        </p:blipFill>
-        <p:spPr>
-          <a:xfrm>
-            <a:off x="384313" y="4174435"/>
-            <a:ext cx="8428383" cy="2524539"/>
-          </a:xfrm>
-          <a:prstGeom prst="rect">
-            <a:avLst/>
-          </a:prstGeom>
-          <a:ln w="12700">
-            <a:miter lim="400000"/>
-          </a:ln>
-        </p:spPr>
-      </p:pic>
-      <p:sp>
-        <p:nvSpPr>
-          <p:cNvPr id="6" name="Shape 275"/>
-          <p:cNvSpPr/>
-          <p:nvPr/>
-        </p:nvSpPr>
-        <p:spPr>
-          <a:xfrm>
-            <a:off x="527768" y="3649900"/>
-            <a:ext cx="8013411" cy="383819"/>
-          </a:xfrm>
-          <a:prstGeom prst="rect">
-            <a:avLst/>
-          </a:prstGeom>
-          <a:ln w="12700">
-            <a:miter lim="400000"/>
-          </a:ln>
-          <a:extLst>
-            <a:ext uri="{C572A759-6A51-4108-AA02-DFA0A04FC94B}">
-              <ma14:wrappingTextBoxFlag xmlns="" xmlns:ma14="http://schemas.microsoft.com/office/mac/drawingml/2011/main" val="1"/>
-            </a:ext>
-          </a:extLst>
-        </p:spPr>
-        <p:txBody>
-          <a:bodyPr lIns="45718" tIns="45718" rIns="45718" bIns="45718">
-            <a:spAutoFit/>
-          </a:bodyPr>
-          <a:lstStyle>
-            <a:lvl1pPr>
-              <a:lnSpc>
-                <a:spcPct val="115000"/>
-              </a:lnSpc>
-              <a:spcBef>
-                <a:spcPts val="1600"/>
-              </a:spcBef>
-              <a:defRPr>
-                <a:solidFill>
-                  <a:srgbClr val="585858"/>
-                </a:solidFill>
-                <a:latin typeface="Arial"/>
-                <a:ea typeface="Arial"/>
-                <a:cs typeface="Arial"/>
-                <a:sym typeface="Arial"/>
-              </a:defRPr>
-            </a:lvl1pPr>
-          </a:lstStyle>
-          <a:p>
-            <a:endParaRPr dirty="0"/>
-          </a:p>
-        </p:txBody>
-      </p:sp>
     </p:spTree>
   </p:cSld>
   <p:clrMapOvr>

--- a/doc/GIot_Session(win7).pptx
+++ b/doc/GIot_Session(win7).pptx
@@ -50,8 +50,8 @@
     <p:sldId id="299" r:id="rId41"/>
     <p:sldId id="300" r:id="rId42"/>
     <p:sldId id="301" r:id="rId43"/>
-    <p:sldId id="302" r:id="rId44"/>
-    <p:sldId id="303" r:id="rId45"/>
+    <p:sldId id="303" r:id="rId44"/>
+    <p:sldId id="319" r:id="rId45"/>
     <p:sldId id="304" r:id="rId46"/>
     <p:sldId id="305" r:id="rId47"/>
   </p:sldIdLst>
@@ -357,7 +357,7 @@
   </p:defaultTextStyle>
   <p:extLst>
     <p:ext uri="{EFAFB233-063F-42B5-8137-9DF3F51BA10A}">
-      <p15:sldGuideLst xmlns:p15="http://schemas.microsoft.com/office/powerpoint/2012/main" xmlns=""/>
+      <p15:sldGuideLst xmlns="" xmlns:p15="http://schemas.microsoft.com/office/powerpoint/2012/main"/>
     </p:ext>
   </p:extLst>
 </p:presentation>
@@ -3596,7 +3596,7 @@
           </a:ln>
           <a:extLst>
             <a:ext uri="{C572A759-6A51-4108-AA02-DFA0A04FC94B}">
-              <ma14:wrappingTextBoxFlag xmlns:ma14="http://schemas.microsoft.com/office/mac/drawingml/2011/main" xmlns="" val="1"/>
+              <ma14:wrappingTextBoxFlag xmlns="" xmlns:ma14="http://schemas.microsoft.com/office/mac/drawingml/2011/main" val="1"/>
             </a:ext>
           </a:extLst>
         </p:spPr>
@@ -3640,7 +3640,7 @@
           </a:ln>
           <a:extLst>
             <a:ext uri="{C572A759-6A51-4108-AA02-DFA0A04FC94B}">
-              <ma14:wrappingTextBoxFlag xmlns:ma14="http://schemas.microsoft.com/office/mac/drawingml/2011/main" xmlns="" val="1"/>
+              <ma14:wrappingTextBoxFlag xmlns="" xmlns:ma14="http://schemas.microsoft.com/office/mac/drawingml/2011/main" val="1"/>
             </a:ext>
           </a:extLst>
         </p:spPr>
@@ -5283,7 +5283,7 @@
           </a:ln>
           <a:extLst>
             <a:ext uri="{C572A759-6A51-4108-AA02-DFA0A04FC94B}">
-              <ma14:wrappingTextBoxFlag xmlns:ma14="http://schemas.microsoft.com/office/mac/drawingml/2011/main" xmlns="" val="1"/>
+              <ma14:wrappingTextBoxFlag xmlns="" xmlns:ma14="http://schemas.microsoft.com/office/mac/drawingml/2011/main" val="1"/>
             </a:ext>
           </a:extLst>
         </p:spPr>
@@ -5327,7 +5327,7 @@
           </a:ln>
           <a:extLst>
             <a:ext uri="{C572A759-6A51-4108-AA02-DFA0A04FC94B}">
-              <ma14:wrappingTextBoxFlag xmlns:ma14="http://schemas.microsoft.com/office/mac/drawingml/2011/main" xmlns="" val="1"/>
+              <ma14:wrappingTextBoxFlag xmlns="" xmlns:ma14="http://schemas.microsoft.com/office/mac/drawingml/2011/main" val="1"/>
             </a:ext>
           </a:extLst>
         </p:spPr>
@@ -5387,7 +5387,7 @@
           </a:ln>
           <a:extLst>
             <a:ext uri="{C572A759-6A51-4108-AA02-DFA0A04FC94B}">
-              <ma14:wrappingTextBoxFlag xmlns:ma14="http://schemas.microsoft.com/office/mac/drawingml/2011/main" xmlns="" val="1"/>
+              <ma14:wrappingTextBoxFlag xmlns="" xmlns:ma14="http://schemas.microsoft.com/office/mac/drawingml/2011/main" val="1"/>
             </a:ext>
           </a:extLst>
         </p:spPr>
@@ -5426,7 +5426,7 @@
           </a:ln>
           <a:extLst>
             <a:ext uri="{C572A759-6A51-4108-AA02-DFA0A04FC94B}">
-              <ma14:wrappingTextBoxFlag xmlns:ma14="http://schemas.microsoft.com/office/mac/drawingml/2011/main" xmlns="" val="1"/>
+              <ma14:wrappingTextBoxFlag xmlns="" xmlns:ma14="http://schemas.microsoft.com/office/mac/drawingml/2011/main" val="1"/>
             </a:ext>
           </a:extLst>
         </p:spPr>
@@ -6481,7 +6481,7 @@
           </a:ln>
           <a:extLst>
             <a:ext uri="{C572A759-6A51-4108-AA02-DFA0A04FC94B}">
-              <ma14:wrappingTextBoxFlag xmlns:ma14="http://schemas.microsoft.com/office/mac/drawingml/2011/main" xmlns="" val="1"/>
+              <ma14:wrappingTextBoxFlag xmlns="" xmlns:ma14="http://schemas.microsoft.com/office/mac/drawingml/2011/main" val="1"/>
             </a:ext>
           </a:extLst>
         </p:spPr>
@@ -6809,7 +6809,7 @@
           </a:ln>
           <a:extLst>
             <a:ext uri="{C572A759-6A51-4108-AA02-DFA0A04FC94B}">
-              <ma14:wrappingTextBoxFlag xmlns:ma14="http://schemas.microsoft.com/office/mac/drawingml/2011/main" xmlns="" val="1"/>
+              <ma14:wrappingTextBoxFlag xmlns="" xmlns:ma14="http://schemas.microsoft.com/office/mac/drawingml/2011/main" val="1"/>
             </a:ext>
           </a:extLst>
         </p:spPr>
@@ -6992,7 +6992,7 @@
           </a:ln>
           <a:extLst>
             <a:ext uri="{C572A759-6A51-4108-AA02-DFA0A04FC94B}">
-              <ma14:wrappingTextBoxFlag xmlns:ma14="http://schemas.microsoft.com/office/mac/drawingml/2011/main" xmlns="" val="1"/>
+              <ma14:wrappingTextBoxFlag xmlns="" xmlns:ma14="http://schemas.microsoft.com/office/mac/drawingml/2011/main" val="1"/>
             </a:ext>
           </a:extLst>
         </p:spPr>
@@ -7469,7 +7469,7 @@
           </a:ln>
           <a:extLst>
             <a:ext uri="{C572A759-6A51-4108-AA02-DFA0A04FC94B}">
-              <ma14:wrappingTextBoxFlag xmlns:ma14="http://schemas.microsoft.com/office/mac/drawingml/2011/main" xmlns="" val="1"/>
+              <ma14:wrappingTextBoxFlag xmlns="" xmlns:ma14="http://schemas.microsoft.com/office/mac/drawingml/2011/main" val="1"/>
             </a:ext>
           </a:extLst>
         </p:spPr>
@@ -7621,7 +7621,6 @@
               <a:rPr lang="en-US" altLang="zh-TW" b="0" dirty="0" smtClean="0"/>
               <a:t>:</a:t>
             </a:r>
-            <a:endParaRPr lang="en-US" altLang="zh-TW" b="0" dirty="0" smtClean="0"/>
           </a:p>
           <a:p>
             <a:r>
@@ -7632,7 +7631,6 @@
               <a:rPr lang="en-US" altLang="zh-TW" b="0" dirty="0" smtClean="0"/>
               <a:t> node-red </a:t>
             </a:r>
-            <a:endParaRPr lang="en-US" altLang="zh-TW" b="0" dirty="0" smtClean="0"/>
           </a:p>
           <a:p>
             <a:r>
@@ -7641,13 +7639,8 @@
             </a:r>
             <a:r>
               <a:rPr lang="en-US" altLang="zh-TW" b="0" dirty="0" smtClean="0"/>
-              <a:t> </a:t>
-            </a:r>
-            <a:r>
-              <a:rPr lang="en-US" altLang="zh-TW" b="0" dirty="0" smtClean="0"/>
-              <a:t>install </a:t>
-            </a:r>
-            <a:endParaRPr lang="en-US" altLang="zh-TW" b="0" dirty="0" smtClean="0"/>
+              <a:t> install </a:t>
+            </a:r>
           </a:p>
           <a:p>
             <a:endParaRPr lang="en-US" altLang="zh-TW" b="0" dirty="0" smtClean="0"/>
@@ -7678,15 +7671,7 @@
           <a:p>
             <a:r>
               <a:rPr lang="zh-TW" altLang="en-US" b="0" i="1" dirty="0" smtClean="0"/>
-              <a:t>這</a:t>
-            </a:r>
-            <a:r>
-              <a:rPr lang="zh-TW" altLang="en-US" b="0" i="1" dirty="0" smtClean="0"/>
-              <a:t>必須</a:t>
-            </a:r>
-            <a:r>
-              <a:rPr lang="zh-TW" altLang="en-US" b="0" i="1" dirty="0" smtClean="0"/>
-              <a:t>在</a:t>
+              <a:t>這必須在</a:t>
             </a:r>
             <a:r>
               <a:rPr lang="en-US" altLang="zh-TW" i="1" dirty="0" smtClean="0">
@@ -7709,11 +7694,7 @@
             </a:r>
             <a:r>
               <a:rPr lang="en-US" altLang="zh-TW" b="0" dirty="0" smtClean="0"/>
-              <a:t> </a:t>
-            </a:r>
-            <a:r>
-              <a:rPr lang="en-US" altLang="zh-TW" b="0" dirty="0" smtClean="0"/>
-              <a:t>install </a:t>
+              <a:t> install </a:t>
             </a:r>
             <a:r>
               <a:rPr lang="en-US" altLang="zh-TW" dirty="0" smtClean="0">
@@ -7735,41 +7716,27 @@
               <a:rPr lang="en-US" altLang="zh-TW" b="0" dirty="0" smtClean="0"/>
               <a:t> </a:t>
             </a:r>
+          </a:p>
+          <a:p>
             <a:endParaRPr lang="en-US" altLang="zh-TW" b="0" dirty="0" smtClean="0"/>
           </a:p>
           <a:p>
+            <a:r>
+              <a:rPr lang="zh-TW" altLang="en-US" b="0" dirty="0" smtClean="0"/>
+              <a:t>您可以構建並運行該應用程序</a:t>
+            </a:r>
             <a:endParaRPr lang="en-US" altLang="zh-TW" b="0" dirty="0" smtClean="0"/>
           </a:p>
           <a:p>
             <a:r>
-              <a:rPr lang="zh-TW" altLang="en-US" b="0" dirty="0" smtClean="0"/>
-              <a:t>您可以構建並運行該應用</a:t>
-            </a:r>
-            <a:r>
-              <a:rPr lang="zh-TW" altLang="en-US" b="0" dirty="0" smtClean="0"/>
-              <a:t>程序</a:t>
-            </a:r>
-            <a:endParaRPr lang="en-US" altLang="zh-TW" b="0" dirty="0" smtClean="0"/>
-          </a:p>
-          <a:p>
-            <a:r>
               <a:rPr lang="en-US" altLang="zh-TW" b="0" dirty="0" smtClean="0"/>
-              <a:t>grunt </a:t>
-            </a:r>
+              <a:t>grunt build </a:t>
+            </a:r>
+          </a:p>
+          <a:p>
             <a:r>
               <a:rPr lang="en-US" altLang="zh-TW" b="0" dirty="0" smtClean="0"/>
-              <a:t>build </a:t>
-            </a:r>
-            <a:endParaRPr lang="en-US" altLang="zh-TW" b="0" dirty="0" smtClean="0"/>
-          </a:p>
-          <a:p>
-            <a:r>
-              <a:rPr lang="en-US" altLang="zh-TW" b="0" dirty="0" smtClean="0"/>
-              <a:t>node </a:t>
-            </a:r>
-            <a:r>
-              <a:rPr lang="en-US" altLang="zh-TW" b="0" dirty="0" smtClean="0"/>
-              <a:t>red</a:t>
+              <a:t>node red</a:t>
             </a:r>
           </a:p>
           <a:p>
@@ -7813,7 +7780,7 @@
           </a:ln>
           <a:extLst>
             <a:ext uri="{C572A759-6A51-4108-AA02-DFA0A04FC94B}">
-              <ma14:wrappingTextBoxFlag xmlns:ma14="http://schemas.microsoft.com/office/mac/drawingml/2011/main" xmlns="" val="1"/>
+              <ma14:wrappingTextBoxFlag xmlns="" xmlns:ma14="http://schemas.microsoft.com/office/mac/drawingml/2011/main" val="1"/>
             </a:ext>
           </a:extLst>
         </p:spPr>
@@ -8009,7 +7976,7 @@
           </a:ln>
           <a:extLst>
             <a:ext uri="{C572A759-6A51-4108-AA02-DFA0A04FC94B}">
-              <ma14:wrappingTextBoxFlag xmlns:ma14="http://schemas.microsoft.com/office/mac/drawingml/2011/main" xmlns="" val="1"/>
+              <ma14:wrappingTextBoxFlag xmlns="" xmlns:ma14="http://schemas.microsoft.com/office/mac/drawingml/2011/main" val="1"/>
             </a:ext>
           </a:extLst>
         </p:spPr>
@@ -8837,7 +8804,7 @@
           </a:ln>
           <a:extLst>
             <a:ext uri="{C572A759-6A51-4108-AA02-DFA0A04FC94B}">
-              <ma14:wrappingTextBoxFlag xmlns:ma14="http://schemas.microsoft.com/office/mac/drawingml/2011/main" xmlns="" val="1"/>
+              <ma14:wrappingTextBoxFlag xmlns="" xmlns:ma14="http://schemas.microsoft.com/office/mac/drawingml/2011/main" val="1"/>
             </a:ext>
           </a:extLst>
         </p:spPr>
@@ -9229,7 +9196,7 @@
           </a:ln>
           <a:extLst>
             <a:ext uri="{C572A759-6A51-4108-AA02-DFA0A04FC94B}">
-              <ma14:wrappingTextBoxFlag xmlns:ma14="http://schemas.microsoft.com/office/mac/drawingml/2011/main" xmlns="" val="1"/>
+              <ma14:wrappingTextBoxFlag xmlns="" xmlns:ma14="http://schemas.microsoft.com/office/mac/drawingml/2011/main" val="1"/>
             </a:ext>
           </a:extLst>
         </p:spPr>
@@ -9654,7 +9621,7 @@
           </a:ln>
           <a:extLst>
             <a:ext uri="{C572A759-6A51-4108-AA02-DFA0A04FC94B}">
-              <ma14:wrappingTextBoxFlag xmlns:ma14="http://schemas.microsoft.com/office/mac/drawingml/2011/main" xmlns="" val="1"/>
+              <ma14:wrappingTextBoxFlag xmlns="" xmlns:ma14="http://schemas.microsoft.com/office/mac/drawingml/2011/main" val="1"/>
             </a:ext>
           </a:extLst>
         </p:spPr>
@@ -9688,7 +9655,7 @@
     </p:spTree>
     <p:extLst>
       <p:ext uri="{BB962C8B-B14F-4D97-AF65-F5344CB8AC3E}">
-        <p14:creationId xmlns:p14="http://schemas.microsoft.com/office/powerpoint/2010/main" xmlns="" val="1354035441"/>
+        <p14:creationId xmlns="" xmlns:p14="http://schemas.microsoft.com/office/powerpoint/2010/main" val="1354035441"/>
       </p:ext>
     </p:extLst>
   </p:cSld>
@@ -9776,11 +9743,7 @@
             </a:r>
             <a:r>
               <a:rPr lang="zh-TW" altLang="en-US" dirty="0" smtClean="0"/>
-              <a:t>模組</a:t>
-            </a:r>
-            <a:r>
-              <a:rPr lang="zh-TW" altLang="en-US" dirty="0" smtClean="0"/>
-              <a:t>應用及</a:t>
+              <a:t>模組應用及</a:t>
             </a:r>
             <a:r>
               <a:rPr dirty="0" err="1" smtClean="0"/>
@@ -10345,7 +10308,7 @@
           </a:ln>
           <a:extLst>
             <a:ext uri="{C572A759-6A51-4108-AA02-DFA0A04FC94B}">
-              <ma14:wrappingTextBoxFlag xmlns:ma14="http://schemas.microsoft.com/office/mac/drawingml/2011/main" xmlns="" val="1"/>
+              <ma14:wrappingTextBoxFlag xmlns="" xmlns:ma14="http://schemas.microsoft.com/office/mac/drawingml/2011/main" val="1"/>
             </a:ext>
           </a:extLst>
         </p:spPr>
@@ -10379,7 +10342,7 @@
     </p:spTree>
     <p:extLst>
       <p:ext uri="{BB962C8B-B14F-4D97-AF65-F5344CB8AC3E}">
-        <p14:creationId xmlns:p14="http://schemas.microsoft.com/office/powerpoint/2010/main" xmlns="" val="1211296966"/>
+        <p14:creationId xmlns="" xmlns:p14="http://schemas.microsoft.com/office/powerpoint/2010/main" val="1211296966"/>
       </p:ext>
     </p:extLst>
   </p:cSld>
@@ -10650,7 +10613,7 @@
           </a:ln>
           <a:extLst>
             <a:ext uri="{C572A759-6A51-4108-AA02-DFA0A04FC94B}">
-              <ma14:wrappingTextBoxFlag xmlns:ma14="http://schemas.microsoft.com/office/mac/drawingml/2011/main" xmlns="" val="1"/>
+              <ma14:wrappingTextBoxFlag xmlns="" xmlns:ma14="http://schemas.microsoft.com/office/mac/drawingml/2011/main" val="1"/>
             </a:ext>
           </a:extLst>
         </p:spPr>
@@ -11331,7 +11294,7 @@
           </a:ln>
           <a:extLst>
             <a:ext uri="{C572A759-6A51-4108-AA02-DFA0A04FC94B}">
-              <ma14:wrappingTextBoxFlag xmlns:ma14="http://schemas.microsoft.com/office/mac/drawingml/2011/main" xmlns="" val="1"/>
+              <ma14:wrappingTextBoxFlag xmlns="" xmlns:ma14="http://schemas.microsoft.com/office/mac/drawingml/2011/main" val="1"/>
             </a:ext>
           </a:extLst>
         </p:spPr>
@@ -11470,7 +11433,7 @@
           </a:ln>
           <a:extLst>
             <a:ext uri="{C572A759-6A51-4108-AA02-DFA0A04FC94B}">
-              <ma14:wrappingTextBoxFlag xmlns:ma14="http://schemas.microsoft.com/office/mac/drawingml/2011/main" xmlns="" val="1"/>
+              <ma14:wrappingTextBoxFlag xmlns="" xmlns:ma14="http://schemas.microsoft.com/office/mac/drawingml/2011/main" val="1"/>
             </a:ext>
           </a:extLst>
         </p:spPr>
@@ -11723,7 +11686,7 @@
           </a:ln>
           <a:extLst>
             <a:ext uri="{C572A759-6A51-4108-AA02-DFA0A04FC94B}">
-              <ma14:wrappingTextBoxFlag xmlns:ma14="http://schemas.microsoft.com/office/mac/drawingml/2011/main" xmlns="" val="1"/>
+              <ma14:wrappingTextBoxFlag xmlns="" xmlns:ma14="http://schemas.microsoft.com/office/mac/drawingml/2011/main" val="1"/>
             </a:ext>
           </a:extLst>
         </p:spPr>
@@ -11916,7 +11879,7 @@
           </a:prstGeom>
           <a:extLst>
             <a:ext uri="{C572A759-6A51-4108-AA02-DFA0A04FC94B}">
-              <ma14:wrappingTextBoxFlag xmlns:ma14="http://schemas.microsoft.com/office/mac/drawingml/2011/main" xmlns="" val="1"/>
+              <ma14:wrappingTextBoxFlag xmlns="" xmlns:ma14="http://schemas.microsoft.com/office/mac/drawingml/2011/main" val="1"/>
             </a:ext>
           </a:extLst>
         </p:spPr>
@@ -12038,7 +12001,7 @@
             <a:effectLst/>
             <a:extLst>
               <a:ext uri="{C572A759-6A51-4108-AA02-DFA0A04FC94B}">
-                <ma14:wrappingTextBoxFlag xmlns:ma14="http://schemas.microsoft.com/office/mac/drawingml/2011/main" xmlns="" val="1"/>
+                <ma14:wrappingTextBoxFlag xmlns="" xmlns:ma14="http://schemas.microsoft.com/office/mac/drawingml/2011/main" val="1"/>
               </a:ext>
             </a:extLst>
           </p:spPr>
@@ -12197,7 +12160,7 @@
             <a:effectLst/>
             <a:extLst>
               <a:ext uri="{C572A759-6A51-4108-AA02-DFA0A04FC94B}">
-                <ma14:wrappingTextBoxFlag xmlns:ma14="http://schemas.microsoft.com/office/mac/drawingml/2011/main" xmlns="" val="1"/>
+                <ma14:wrappingTextBoxFlag xmlns="" xmlns:ma14="http://schemas.microsoft.com/office/mac/drawingml/2011/main" val="1"/>
               </a:ext>
             </a:extLst>
           </p:spPr>
@@ -12356,7 +12319,7 @@
             <a:effectLst/>
             <a:extLst>
               <a:ext uri="{C572A759-6A51-4108-AA02-DFA0A04FC94B}">
-                <ma14:wrappingTextBoxFlag xmlns:ma14="http://schemas.microsoft.com/office/mac/drawingml/2011/main" xmlns="" val="1"/>
+                <ma14:wrappingTextBoxFlag xmlns="" xmlns:ma14="http://schemas.microsoft.com/office/mac/drawingml/2011/main" val="1"/>
               </a:ext>
             </a:extLst>
           </p:spPr>
@@ -12410,7 +12373,7 @@
           </a:ln>
           <a:extLst>
             <a:ext uri="{C572A759-6A51-4108-AA02-DFA0A04FC94B}">
-              <ma14:wrappingTextBoxFlag xmlns:ma14="http://schemas.microsoft.com/office/mac/drawingml/2011/main" xmlns="" val="1"/>
+              <ma14:wrappingTextBoxFlag xmlns="" xmlns:ma14="http://schemas.microsoft.com/office/mac/drawingml/2011/main" val="1"/>
             </a:ext>
           </a:extLst>
         </p:spPr>
@@ -12454,7 +12417,7 @@
           </a:ln>
           <a:extLst>
             <a:ext uri="{C572A759-6A51-4108-AA02-DFA0A04FC94B}">
-              <ma14:wrappingTextBoxFlag xmlns:ma14="http://schemas.microsoft.com/office/mac/drawingml/2011/main" xmlns="" val="1"/>
+              <ma14:wrappingTextBoxFlag xmlns="" xmlns:ma14="http://schemas.microsoft.com/office/mac/drawingml/2011/main" val="1"/>
             </a:ext>
           </a:extLst>
         </p:spPr>
@@ -12498,7 +12461,7 @@
           </a:ln>
           <a:extLst>
             <a:ext uri="{C572A759-6A51-4108-AA02-DFA0A04FC94B}">
-              <ma14:wrappingTextBoxFlag xmlns:ma14="http://schemas.microsoft.com/office/mac/drawingml/2011/main" xmlns="" val="1"/>
+              <ma14:wrappingTextBoxFlag xmlns="" xmlns:ma14="http://schemas.microsoft.com/office/mac/drawingml/2011/main" val="1"/>
             </a:ext>
           </a:extLst>
         </p:spPr>
@@ -12645,7 +12608,7 @@
             <a:effectLst/>
             <a:extLst>
               <a:ext uri="{C572A759-6A51-4108-AA02-DFA0A04FC94B}">
-                <ma14:wrappingTextBoxFlag xmlns:ma14="http://schemas.microsoft.com/office/mac/drawingml/2011/main" xmlns="" val="1"/>
+                <ma14:wrappingTextBoxFlag xmlns="" xmlns:ma14="http://schemas.microsoft.com/office/mac/drawingml/2011/main" val="1"/>
               </a:ext>
             </a:extLst>
           </p:spPr>
@@ -12771,7 +12734,7 @@
             <a:effectLst/>
             <a:extLst>
               <a:ext uri="{C572A759-6A51-4108-AA02-DFA0A04FC94B}">
-                <ma14:wrappingTextBoxFlag xmlns:ma14="http://schemas.microsoft.com/office/mac/drawingml/2011/main" xmlns="" val="1"/>
+                <ma14:wrappingTextBoxFlag xmlns="" xmlns:ma14="http://schemas.microsoft.com/office/mac/drawingml/2011/main" val="1"/>
               </a:ext>
             </a:extLst>
           </p:spPr>
@@ -12891,7 +12854,7 @@
           </a:ln>
           <a:extLst>
             <a:ext uri="{C572A759-6A51-4108-AA02-DFA0A04FC94B}">
-              <ma14:wrappingTextBoxFlag xmlns:ma14="http://schemas.microsoft.com/office/mac/drawingml/2011/main" xmlns="" val="1"/>
+              <ma14:wrappingTextBoxFlag xmlns="" xmlns:ma14="http://schemas.microsoft.com/office/mac/drawingml/2011/main" val="1"/>
             </a:ext>
           </a:extLst>
         </p:spPr>
@@ -12935,7 +12898,7 @@
           </a:ln>
           <a:extLst>
             <a:ext uri="{C572A759-6A51-4108-AA02-DFA0A04FC94B}">
-              <ma14:wrappingTextBoxFlag xmlns:ma14="http://schemas.microsoft.com/office/mac/drawingml/2011/main" xmlns="" val="1"/>
+              <ma14:wrappingTextBoxFlag xmlns="" xmlns:ma14="http://schemas.microsoft.com/office/mac/drawingml/2011/main" val="1"/>
             </a:ext>
           </a:extLst>
         </p:spPr>
@@ -12979,7 +12942,7 @@
           </a:ln>
           <a:extLst>
             <a:ext uri="{C572A759-6A51-4108-AA02-DFA0A04FC94B}">
-              <ma14:wrappingTextBoxFlag xmlns:ma14="http://schemas.microsoft.com/office/mac/drawingml/2011/main" xmlns="" val="1"/>
+              <ma14:wrappingTextBoxFlag xmlns="" xmlns:ma14="http://schemas.microsoft.com/office/mac/drawingml/2011/main" val="1"/>
             </a:ext>
           </a:extLst>
         </p:spPr>
@@ -13048,7 +13011,7 @@
           </a:ln>
           <a:extLst>
             <a:ext uri="{C572A759-6A51-4108-AA02-DFA0A04FC94B}">
-              <ma14:wrappingTextBoxFlag xmlns:ma14="http://schemas.microsoft.com/office/mac/drawingml/2011/main" xmlns="" val="1"/>
+              <ma14:wrappingTextBoxFlag xmlns="" xmlns:ma14="http://schemas.microsoft.com/office/mac/drawingml/2011/main" val="1"/>
             </a:ext>
           </a:extLst>
         </p:spPr>
@@ -13227,7 +13190,7 @@
             <a:effectLst/>
             <a:extLst>
               <a:ext uri="{C572A759-6A51-4108-AA02-DFA0A04FC94B}">
-                <ma14:wrappingTextBoxFlag xmlns:ma14="http://schemas.microsoft.com/office/mac/drawingml/2011/main" xmlns="" val="1"/>
+                <ma14:wrappingTextBoxFlag xmlns="" xmlns:ma14="http://schemas.microsoft.com/office/mac/drawingml/2011/main" val="1"/>
               </a:ext>
             </a:extLst>
           </p:spPr>
@@ -13310,7 +13273,7 @@
           </a:ln>
           <a:extLst>
             <a:ext uri="{C572A759-6A51-4108-AA02-DFA0A04FC94B}">
-              <ma14:wrappingTextBoxFlag xmlns:ma14="http://schemas.microsoft.com/office/mac/drawingml/2011/main" xmlns="" val="1"/>
+              <ma14:wrappingTextBoxFlag xmlns="" xmlns:ma14="http://schemas.microsoft.com/office/mac/drawingml/2011/main" val="1"/>
             </a:ext>
           </a:extLst>
         </p:spPr>
@@ -13738,7 +13701,7 @@
           </a:ln>
           <a:extLst>
             <a:ext uri="{C572A759-6A51-4108-AA02-DFA0A04FC94B}">
-              <ma14:wrappingTextBoxFlag xmlns:ma14="http://schemas.microsoft.com/office/mac/drawingml/2011/main" xmlns="" val="1"/>
+              <ma14:wrappingTextBoxFlag xmlns="" xmlns:ma14="http://schemas.microsoft.com/office/mac/drawingml/2011/main" val="1"/>
             </a:ext>
           </a:extLst>
         </p:spPr>
@@ -13782,7 +13745,7 @@
           </a:ln>
           <a:extLst>
             <a:ext uri="{C572A759-6A51-4108-AA02-DFA0A04FC94B}">
-              <ma14:wrappingTextBoxFlag xmlns:ma14="http://schemas.microsoft.com/office/mac/drawingml/2011/main" xmlns="" val="1"/>
+              <ma14:wrappingTextBoxFlag xmlns="" xmlns:ma14="http://schemas.microsoft.com/office/mac/drawingml/2011/main" val="1"/>
             </a:ext>
           </a:extLst>
         </p:spPr>
@@ -15391,7 +15354,7 @@
             <a:effectLst/>
             <a:extLst>
               <a:ext uri="{C572A759-6A51-4108-AA02-DFA0A04FC94B}">
-                <ma14:wrappingTextBoxFlag xmlns:ma14="http://schemas.microsoft.com/office/mac/drawingml/2011/main" xmlns="" val="1"/>
+                <ma14:wrappingTextBoxFlag xmlns="" xmlns:ma14="http://schemas.microsoft.com/office/mac/drawingml/2011/main" val="1"/>
               </a:ext>
             </a:extLst>
           </p:spPr>
@@ -16789,7 +16752,7 @@
             <a:effectLst/>
             <a:extLst>
               <a:ext uri="{C572A759-6A51-4108-AA02-DFA0A04FC94B}">
-                <ma14:wrappingTextBoxFlag xmlns:ma14="http://schemas.microsoft.com/office/mac/drawingml/2011/main" xmlns="" val="1"/>
+                <ma14:wrappingTextBoxFlag xmlns="" xmlns:ma14="http://schemas.microsoft.com/office/mac/drawingml/2011/main" val="1"/>
               </a:ext>
             </a:extLst>
           </p:spPr>
@@ -17286,27 +17249,19 @@
               </a:defRPr>
             </a:pPr>
             <a:r>
-              <a:rPr dirty="0" err="1">
+              <a:rPr lang="zh-TW" altLang="en-US" dirty="0" smtClean="0">
                 <a:hlinkClick r:id="rId5" action="ppaction://hlinksldjump"/>
               </a:rPr>
-              <a:t>GIot</a:t>
-            </a:r>
-            <a:r>
-              <a:rPr dirty="0">
+              <a:t>頁面路由</a:t>
+            </a:r>
+            <a:r>
+              <a:rPr lang="zh-TW" altLang="en-US" dirty="0" smtClean="0">
                 <a:hlinkClick r:id="rId5" action="ppaction://hlinksldjump"/>
               </a:rPr>
-              <a:t> MQTT </a:t>
-            </a:r>
-            <a:r>
-              <a:rPr dirty="0" err="1">
-                <a:hlinkClick r:id="rId5" action="ppaction://hlinksldjump"/>
-              </a:rPr>
-              <a:t>client模組</a:t>
-            </a:r>
-            <a:endParaRPr dirty="0">
-              <a:solidFill>
-                <a:srgbClr val="585858"/>
-              </a:solidFill>
+              <a:t>規劃</a:t>
+            </a:r>
+            <a:endParaRPr lang="en-US" altLang="zh-TW" dirty="0" smtClean="0">
+              <a:hlinkClick r:id="rId5" action="ppaction://hlinksldjump"/>
             </a:endParaRPr>
           </a:p>
           <a:p>
@@ -17334,14 +17289,8 @@
                 <a:sym typeface="Arial"/>
               </a:defRPr>
             </a:pPr>
-            <a:r>
-              <a:rPr dirty="0" err="1">
-                <a:hlinkClick r:id="rId6" action="ppaction://hlinksldjump"/>
-              </a:rPr>
-              <a:t>頁面路由規劃</a:t>
-            </a:r>
-            <a:endParaRPr dirty="0">
-              <a:hlinkClick r:id="rId6" action="ppaction://hlinksldjump"/>
+            <a:endParaRPr lang="zh-TW" altLang="en-US" dirty="0">
+              <a:hlinkClick r:id="rId5" action="ppaction://hlinksldjump"/>
             </a:endParaRPr>
           </a:p>
         </p:txBody>
@@ -17992,7 +17941,7 @@
           </a:ln>
           <a:extLst>
             <a:ext uri="{C572A759-6A51-4108-AA02-DFA0A04FC94B}">
-              <ma14:wrappingTextBoxFlag xmlns:ma14="http://schemas.microsoft.com/office/mac/drawingml/2011/main" xmlns="" val="1"/>
+              <ma14:wrappingTextBoxFlag xmlns="" xmlns:ma14="http://schemas.microsoft.com/office/mac/drawingml/2011/main" val="1"/>
             </a:ext>
           </a:extLst>
         </p:spPr>
@@ -18231,7 +18180,7 @@
             <a:effectLst/>
             <a:extLst>
               <a:ext uri="{C572A759-6A51-4108-AA02-DFA0A04FC94B}">
-                <ma14:wrappingTextBoxFlag xmlns:ma14="http://schemas.microsoft.com/office/mac/drawingml/2011/main" xmlns="" val="1"/>
+                <ma14:wrappingTextBoxFlag xmlns="" xmlns:ma14="http://schemas.microsoft.com/office/mac/drawingml/2011/main" val="1"/>
               </a:ext>
             </a:extLst>
           </p:spPr>
@@ -18569,7 +18518,7 @@
               <a:effectLst/>
               <a:extLst>
                 <a:ext uri="{C572A759-6A51-4108-AA02-DFA0A04FC94B}">
-                  <ma14:wrappingTextBoxFlag xmlns:ma14="http://schemas.microsoft.com/office/mac/drawingml/2011/main" xmlns="" val="1"/>
+                  <ma14:wrappingTextBoxFlag xmlns="" xmlns:ma14="http://schemas.microsoft.com/office/mac/drawingml/2011/main" val="1"/>
                 </a:ext>
               </a:extLst>
             </p:spPr>
@@ -18700,7 +18649,7 @@
             <a:effectLst/>
             <a:extLst>
               <a:ext uri="{C572A759-6A51-4108-AA02-DFA0A04FC94B}">
-                <ma14:wrappingTextBoxFlag xmlns:ma14="http://schemas.microsoft.com/office/mac/drawingml/2011/main" xmlns="" val="1"/>
+                <ma14:wrappingTextBoxFlag xmlns="" xmlns:ma14="http://schemas.microsoft.com/office/mac/drawingml/2011/main" val="1"/>
               </a:ext>
             </a:extLst>
           </p:spPr>
@@ -18887,7 +18836,7 @@
             <a:effectLst/>
             <a:extLst>
               <a:ext uri="{C572A759-6A51-4108-AA02-DFA0A04FC94B}">
-                <ma14:wrappingTextBoxFlag xmlns:ma14="http://schemas.microsoft.com/office/mac/drawingml/2011/main" xmlns="" val="1"/>
+                <ma14:wrappingTextBoxFlag xmlns="" xmlns:ma14="http://schemas.microsoft.com/office/mac/drawingml/2011/main" val="1"/>
               </a:ext>
             </a:extLst>
           </p:spPr>
@@ -19017,7 +18966,7 @@
             <a:effectLst/>
             <a:extLst>
               <a:ext uri="{C572A759-6A51-4108-AA02-DFA0A04FC94B}">
-                <ma14:wrappingTextBoxFlag xmlns:ma14="http://schemas.microsoft.com/office/mac/drawingml/2011/main" xmlns="" val="1"/>
+                <ma14:wrappingTextBoxFlag xmlns="" xmlns:ma14="http://schemas.microsoft.com/office/mac/drawingml/2011/main" val="1"/>
               </a:ext>
             </a:extLst>
           </p:spPr>
@@ -19862,7 +19811,7 @@
       </p:grpSpPr>
       <p:sp>
         <p:nvSpPr>
-          <p:cNvPr id="489" name="Shape 489"/>
+          <p:cNvPr id="494" name="Shape 494"/>
           <p:cNvSpPr>
             <a:spLocks noGrp="1"/>
           </p:cNvSpPr>
@@ -19883,7 +19832,7 @@
           <a:bodyPr/>
           <a:lstStyle>
             <a:lvl1pPr algn="ctr">
-              <a:defRPr b="0" cap="none">
+              <a:defRPr sz="4800" b="0" cap="none">
                 <a:solidFill>
                   <a:srgbClr val="FFFFFF"/>
                 </a:solidFill>
@@ -19892,441 +19841,575 @@
           </a:lstStyle>
           <a:p>
             <a:r>
-              <a:t>GIot MQTT client模組</a:t>
+              <a:t>頁面路由 - index.js</a:t>
             </a:r>
           </a:p>
         </p:txBody>
       </p:sp>
-      <p:grpSp>
-        <p:nvGrpSpPr>
-          <p:cNvPr id="492" name="Group 492"/>
-          <p:cNvGrpSpPr/>
-          <p:nvPr/>
-        </p:nvGrpSpPr>
-        <p:grpSpPr>
+      <p:sp>
+        <p:nvSpPr>
+          <p:cNvPr id="495" name="Shape 495"/>
+          <p:cNvSpPr>
+            <a:spLocks noGrp="1"/>
+          </p:cNvSpPr>
+          <p:nvPr>
+            <p:ph type="body" idx="1"/>
+          </p:nvPr>
+        </p:nvSpPr>
+        <p:spPr>
           <a:xfrm>
-            <a:off x="551365" y="986026"/>
-            <a:ext cx="8041270" cy="5846840"/>
-            <a:chOff x="0" y="0"/>
-            <a:chExt cx="8041268" cy="5846838"/>
+            <a:off x="685798" y="1255562"/>
+            <a:ext cx="7772404" cy="4713390"/>
           </a:xfrm>
-        </p:grpSpPr>
-        <p:sp>
-          <p:nvSpPr>
-            <p:cNvPr id="490" name="Shape 490"/>
-            <p:cNvSpPr/>
-            <p:nvPr/>
-          </p:nvSpPr>
-          <p:spPr>
-            <a:xfrm>
-              <a:off x="-1" y="-1"/>
-              <a:ext cx="8041270" cy="5846840"/>
-            </a:xfrm>
-            <a:prstGeom prst="rect">
-              <a:avLst/>
-            </a:prstGeom>
-            <a:solidFill>
-              <a:srgbClr val="FFFFFF"/>
-            </a:solidFill>
-            <a:ln w="25400" cap="flat">
-              <a:solidFill>
-                <a:schemeClr val="accent1"/>
-              </a:solidFill>
-              <a:prstDash val="solid"/>
-              <a:round/>
-            </a:ln>
-            <a:effectLst>
-              <a:outerShdw blurRad="38100" dist="23000" dir="5400000" rotWithShape="0">
-                <a:srgbClr val="000000">
-                  <a:alpha val="35000"/>
-                </a:srgbClr>
-              </a:outerShdw>
-            </a:effectLst>
-          </p:spPr>
-          <p:txBody>
-            <a:bodyPr wrap="square" lIns="45718" tIns="45718" rIns="45718" bIns="45718" numCol="1" anchor="ctr">
-              <a:noAutofit/>
-            </a:bodyPr>
-            <a:lstStyle/>
-            <a:p>
-              <a:pPr>
-                <a:defRPr sz="1400">
-                  <a:latin typeface="+mn-lt"/>
-                  <a:ea typeface="+mn-ea"/>
-                  <a:cs typeface="+mn-cs"/>
-                  <a:sym typeface="Helvetica"/>
-                </a:defRPr>
-              </a:pPr>
-              <a:endParaRPr/>
-            </a:p>
-          </p:txBody>
-        </p:sp>
-        <p:sp>
-          <p:nvSpPr>
-            <p:cNvPr id="491" name="Shape 491"/>
-            <p:cNvSpPr/>
-            <p:nvPr/>
-          </p:nvSpPr>
-          <p:spPr>
-            <a:xfrm>
-              <a:off x="-1" y="71001"/>
-              <a:ext cx="8041270" cy="5704837"/>
-            </a:xfrm>
-            <a:prstGeom prst="rect">
-              <a:avLst/>
-            </a:prstGeom>
-            <a:noFill/>
-            <a:ln w="12700" cap="flat">
-              <a:noFill/>
-              <a:miter lim="400000"/>
-            </a:ln>
-            <a:effectLst/>
-            <a:extLst>
-              <a:ext uri="{C572A759-6A51-4108-AA02-DFA0A04FC94B}">
-                <ma14:wrappingTextBoxFlag xmlns:ma14="http://schemas.microsoft.com/office/mac/drawingml/2011/main" xmlns="" val="1"/>
-              </a:ext>
-            </a:extLst>
-          </p:spPr>
-          <p:txBody>
-            <a:bodyPr wrap="square" lIns="45718" tIns="45718" rIns="45718" bIns="45718" numCol="1" anchor="ctr">
-              <a:spAutoFit/>
-            </a:bodyPr>
-            <a:lstStyle/>
-            <a:p>
-              <a:pPr>
-                <a:defRPr sz="1400">
-                  <a:latin typeface="+mn-lt"/>
-                  <a:ea typeface="+mn-ea"/>
-                  <a:cs typeface="+mn-cs"/>
-                  <a:sym typeface="Helvetica"/>
-                </a:defRPr>
-              </a:pPr>
-              <a:r>
-                <a:t>var mqtt = require('mqtt');</a:t>
-              </a:r>
-            </a:p>
-            <a:p>
-              <a:pPr>
-                <a:defRPr sz="1400">
-                  <a:latin typeface="+mn-lt"/>
-                  <a:ea typeface="+mn-ea"/>
-                  <a:cs typeface="+mn-cs"/>
-                  <a:sym typeface="Helvetica"/>
-                </a:defRPr>
-              </a:pPr>
-              <a:r>
-                <a:t>var settings = require('../settings');</a:t>
-              </a:r>
-            </a:p>
-            <a:p>
-              <a:pPr>
-                <a:defRPr sz="1400">
-                  <a:latin typeface="+mn-lt"/>
-                  <a:ea typeface="+mn-ea"/>
-                  <a:cs typeface="+mn-cs"/>
-                  <a:sym typeface="Helvetica"/>
-                </a:defRPr>
-              </a:pPr>
-              <a:endParaRPr/>
-            </a:p>
-            <a:p>
-              <a:pPr>
-                <a:defRPr sz="1400">
-                  <a:latin typeface="+mn-lt"/>
-                  <a:ea typeface="+mn-ea"/>
-                  <a:cs typeface="+mn-cs"/>
-                  <a:sym typeface="Helvetica"/>
-                </a:defRPr>
-              </a:pPr>
-              <a:r>
-                <a:t>var hostname = '52.193.146.103';</a:t>
-              </a:r>
-            </a:p>
-            <a:p>
-              <a:pPr>
-                <a:defRPr sz="1400">
-                  <a:latin typeface="+mn-lt"/>
-                  <a:ea typeface="+mn-ea"/>
-                  <a:cs typeface="+mn-cs"/>
-                  <a:sym typeface="Helvetica"/>
-                </a:defRPr>
-              </a:pPr>
-              <a:r>
-                <a:t>var portNumber = 80;</a:t>
-              </a:r>
-            </a:p>
-            <a:p>
-              <a:pPr>
-                <a:defRPr sz="1400">
-                  <a:latin typeface="+mn-lt"/>
-                  <a:ea typeface="+mn-ea"/>
-                  <a:cs typeface="+mn-cs"/>
-                  <a:sym typeface="Helvetica"/>
-                </a:defRPr>
-              </a:pPr>
-              <a:r>
-                <a:t>var client_Id = '200000017-generic-service';</a:t>
-              </a:r>
-            </a:p>
-            <a:p>
-              <a:pPr>
-                <a:defRPr sz="1400">
-                  <a:latin typeface="+mn-lt"/>
-                  <a:ea typeface="+mn-ea"/>
-                  <a:cs typeface="+mn-cs"/>
-                  <a:sym typeface="Helvetica"/>
-                </a:defRPr>
-              </a:pPr>
-              <a:r>
-                <a:t>var name = '200000017';</a:t>
-              </a:r>
-            </a:p>
-            <a:p>
-              <a:pPr>
-                <a:defRPr sz="1400">
-                  <a:latin typeface="+mn-lt"/>
-                  <a:ea typeface="+mn-ea"/>
-                  <a:cs typeface="+mn-cs"/>
-                  <a:sym typeface="Helvetica"/>
-                </a:defRPr>
-              </a:pPr>
-              <a:r>
-                <a:t>var pw = '44554652';</a:t>
-              </a:r>
-            </a:p>
-            <a:p>
-              <a:pPr>
-                <a:defRPr sz="1400">
-                  <a:latin typeface="+mn-lt"/>
-                  <a:ea typeface="+mn-ea"/>
-                  <a:cs typeface="+mn-cs"/>
-                  <a:sym typeface="Helvetica"/>
-                </a:defRPr>
-              </a:pPr>
-              <a:r>
-                <a:t>var mytopic = 'client/200000017/200000017-GIOT-MAKER';</a:t>
-              </a:r>
-            </a:p>
-            <a:p>
-              <a:pPr>
-                <a:defRPr sz="1400">
-                  <a:latin typeface="+mn-lt"/>
-                  <a:ea typeface="+mn-ea"/>
-                  <a:cs typeface="+mn-cs"/>
-                  <a:sym typeface="Helvetica"/>
-                </a:defRPr>
-              </a:pPr>
-              <a:endParaRPr/>
-            </a:p>
-            <a:p>
-              <a:pPr>
-                <a:defRPr sz="1400">
-                  <a:latin typeface="+mn-lt"/>
-                  <a:ea typeface="+mn-ea"/>
-                  <a:cs typeface="+mn-cs"/>
-                  <a:sym typeface="Helvetica"/>
-                </a:defRPr>
-              </a:pPr>
-              <a:r>
-                <a:t>var options = {</a:t>
-              </a:r>
-            </a:p>
-            <a:p>
-              <a:pPr>
-                <a:defRPr sz="1400">
-                  <a:latin typeface="+mn-lt"/>
-                  <a:ea typeface="+mn-ea"/>
-                  <a:cs typeface="+mn-cs"/>
-                  <a:sym typeface="Helvetica"/>
-                </a:defRPr>
-              </a:pPr>
-              <a:r>
-                <a:t>    port:settings.gIotPort,</a:t>
-              </a:r>
-            </a:p>
-            <a:p>
-              <a:pPr>
-                <a:defRPr sz="1400">
-                  <a:latin typeface="+mn-lt"/>
-                  <a:ea typeface="+mn-ea"/>
-                  <a:cs typeface="+mn-cs"/>
-                  <a:sym typeface="Helvetica"/>
-                </a:defRPr>
-              </a:pPr>
-              <a:r>
-                <a:t>    host: settings.host,</a:t>
-              </a:r>
-            </a:p>
-            <a:p>
-              <a:pPr>
-                <a:defRPr sz="1400">
-                  <a:latin typeface="+mn-lt"/>
-                  <a:ea typeface="+mn-ea"/>
-                  <a:cs typeface="+mn-cs"/>
-                  <a:sym typeface="Helvetica"/>
-                </a:defRPr>
-              </a:pPr>
-              <a:r>
-                <a:t>    clientId:settings.client_Id,</a:t>
-              </a:r>
-            </a:p>
-            <a:p>
-              <a:pPr>
-                <a:defRPr sz="1400">
-                  <a:latin typeface="+mn-lt"/>
-                  <a:ea typeface="+mn-ea"/>
-                  <a:cs typeface="+mn-cs"/>
-                  <a:sym typeface="Helvetica"/>
-                </a:defRPr>
-              </a:pPr>
-              <a:r>
-                <a:t>    username:settings.name,</a:t>
-              </a:r>
-            </a:p>
-            <a:p>
-              <a:pPr>
-                <a:defRPr sz="1400">
-                  <a:latin typeface="+mn-lt"/>
-                  <a:ea typeface="+mn-ea"/>
-                  <a:cs typeface="+mn-cs"/>
-                  <a:sym typeface="Helvetica"/>
-                </a:defRPr>
-              </a:pPr>
-              <a:r>
-                <a:t>    password:settings.pw,</a:t>
-              </a:r>
-            </a:p>
-            <a:p>
-              <a:pPr>
-                <a:defRPr sz="1400">
-                  <a:latin typeface="+mn-lt"/>
-                  <a:ea typeface="+mn-ea"/>
-                  <a:cs typeface="+mn-cs"/>
-                  <a:sym typeface="Helvetica"/>
-                </a:defRPr>
-              </a:pPr>
-              <a:r>
-                <a:t>    keepalive: 60,</a:t>
-              </a:r>
-            </a:p>
-            <a:p>
-              <a:pPr>
-                <a:defRPr sz="1400">
-                  <a:latin typeface="+mn-lt"/>
-                  <a:ea typeface="+mn-ea"/>
-                  <a:cs typeface="+mn-cs"/>
-                  <a:sym typeface="Helvetica"/>
-                </a:defRPr>
-              </a:pPr>
-              <a:r>
-                <a:t>    reconnectPeriod: 1000,</a:t>
-              </a:r>
-            </a:p>
-            <a:p>
-              <a:pPr>
-                <a:defRPr sz="1400">
-                  <a:latin typeface="+mn-lt"/>
-                  <a:ea typeface="+mn-ea"/>
-                  <a:cs typeface="+mn-cs"/>
-                  <a:sym typeface="Helvetica"/>
-                </a:defRPr>
-              </a:pPr>
-              <a:r>
-                <a:t>    protocolId: 'MQIsdp',</a:t>
-              </a:r>
-            </a:p>
-            <a:p>
-              <a:pPr>
-                <a:defRPr sz="1400">
-                  <a:latin typeface="+mn-lt"/>
-                  <a:ea typeface="+mn-ea"/>
-                  <a:cs typeface="+mn-cs"/>
-                  <a:sym typeface="Helvetica"/>
-                </a:defRPr>
-              </a:pPr>
-              <a:r>
-                <a:t>    protocolVersion: 3,</a:t>
-              </a:r>
-            </a:p>
-            <a:p>
-              <a:pPr>
-                <a:defRPr sz="1400">
-                  <a:latin typeface="+mn-lt"/>
-                  <a:ea typeface="+mn-ea"/>
-                  <a:cs typeface="+mn-cs"/>
-                  <a:sym typeface="Helvetica"/>
-                </a:defRPr>
-              </a:pPr>
-              <a:r>
-                <a:t>    clean: true,</a:t>
-              </a:r>
-            </a:p>
-            <a:p>
-              <a:pPr>
-                <a:defRPr sz="1400">
-                  <a:latin typeface="+mn-lt"/>
-                  <a:ea typeface="+mn-ea"/>
-                  <a:cs typeface="+mn-cs"/>
-                  <a:sym typeface="Helvetica"/>
-                </a:defRPr>
-              </a:pPr>
-              <a:r>
-                <a:t>    encoding: 'utf8'</a:t>
-              </a:r>
-            </a:p>
-            <a:p>
-              <a:pPr>
-                <a:defRPr sz="1400">
-                  <a:latin typeface="+mn-lt"/>
-                  <a:ea typeface="+mn-ea"/>
-                  <a:cs typeface="+mn-cs"/>
-                  <a:sym typeface="Helvetica"/>
-                </a:defRPr>
-              </a:pPr>
-              <a:r>
-                <a:t>};</a:t>
-              </a:r>
-            </a:p>
-            <a:p>
-              <a:pPr>
-                <a:defRPr sz="1400">
-                  <a:latin typeface="+mn-lt"/>
-                  <a:ea typeface="+mn-ea"/>
-                  <a:cs typeface="+mn-cs"/>
-                  <a:sym typeface="Helvetica"/>
-                </a:defRPr>
-              </a:pPr>
-              <a:endParaRPr/>
-            </a:p>
-            <a:p>
-              <a:pPr>
-                <a:defRPr sz="1400">
-                  <a:latin typeface="+mn-lt"/>
-                  <a:ea typeface="+mn-ea"/>
-                  <a:cs typeface="+mn-cs"/>
-                  <a:sym typeface="Helvetica"/>
-                </a:defRPr>
-              </a:pPr>
-              <a:r>
-                <a:t>var GIotClient = mqtt.connect(options);</a:t>
-              </a:r>
-            </a:p>
-            <a:p>
-              <a:pPr>
-                <a:defRPr sz="1400">
-                  <a:latin typeface="+mn-lt"/>
-                  <a:ea typeface="+mn-ea"/>
-                  <a:cs typeface="+mn-cs"/>
-                  <a:sym typeface="Helvetica"/>
-                </a:defRPr>
-              </a:pPr>
-              <a:r>
-                <a:t>module.exports = GIotClient;</a:t>
-              </a:r>
-            </a:p>
-          </p:txBody>
-        </p:sp>
-      </p:grpSp>
+          <a:prstGeom prst="rect">
+            <a:avLst/>
+          </a:prstGeom>
+        </p:spPr>
+        <p:txBody>
+          <a:bodyPr anchor="t">
+            <a:normAutofit lnSpcReduction="10000"/>
+          </a:bodyPr>
+          <a:lstStyle/>
+          <a:p>
+            <a:pPr defTabSz="232196">
+              <a:lnSpc>
+                <a:spcPct val="115000"/>
+              </a:lnSpc>
+              <a:spcBef>
+                <a:spcPts val="300"/>
+              </a:spcBef>
+              <a:defRPr sz="1400">
+                <a:solidFill>
+                  <a:srgbClr val="585858"/>
+                </a:solidFill>
+                <a:latin typeface="Arial"/>
+                <a:ea typeface="Arial"/>
+                <a:cs typeface="Arial"/>
+                <a:sym typeface="Arial"/>
+              </a:defRPr>
+            </a:pPr>
+            <a:r>
+              <a:rPr dirty="0" err="1"/>
+              <a:t>module.exports</a:t>
+            </a:r>
+            <a:r>
+              <a:rPr dirty="0"/>
+              <a:t> = function(app) {</a:t>
+            </a:r>
+          </a:p>
+          <a:p>
+            <a:pPr defTabSz="232196">
+              <a:lnSpc>
+                <a:spcPct val="115000"/>
+              </a:lnSpc>
+              <a:spcBef>
+                <a:spcPts val="300"/>
+              </a:spcBef>
+              <a:defRPr sz="1400">
+                <a:solidFill>
+                  <a:srgbClr val="585858"/>
+                </a:solidFill>
+                <a:latin typeface="Arial"/>
+                <a:ea typeface="Arial"/>
+                <a:cs typeface="Arial"/>
+                <a:sym typeface="Arial"/>
+              </a:defRPr>
+            </a:pPr>
+            <a:r>
+              <a:rPr dirty="0"/>
+              <a:t>  </a:t>
+            </a:r>
+            <a:r>
+              <a:rPr dirty="0" err="1"/>
+              <a:t>app.get</a:t>
+            </a:r>
+            <a:r>
+              <a:rPr dirty="0"/>
+              <a:t>('/', function (</a:t>
+            </a:r>
+            <a:r>
+              <a:rPr dirty="0" err="1"/>
+              <a:t>req</a:t>
+            </a:r>
+            <a:r>
+              <a:rPr dirty="0"/>
+              <a:t>, res) {</a:t>
+            </a:r>
+          </a:p>
+          <a:p>
+            <a:pPr defTabSz="232196">
+              <a:lnSpc>
+                <a:spcPct val="115000"/>
+              </a:lnSpc>
+              <a:spcBef>
+                <a:spcPts val="300"/>
+              </a:spcBef>
+              <a:defRPr sz="1400">
+                <a:solidFill>
+                  <a:srgbClr val="585858"/>
+                </a:solidFill>
+                <a:latin typeface="Arial"/>
+                <a:ea typeface="Arial"/>
+                <a:cs typeface="Arial"/>
+                <a:sym typeface="Arial"/>
+              </a:defRPr>
+            </a:pPr>
+            <a:r>
+              <a:rPr dirty="0"/>
+              <a:t>    </a:t>
+            </a:r>
+            <a:r>
+              <a:rPr dirty="0" err="1"/>
+              <a:t>res.render</a:t>
+            </a:r>
+            <a:r>
+              <a:rPr dirty="0"/>
+              <a:t>('index', { title: '</a:t>
+            </a:r>
+            <a:r>
+              <a:rPr dirty="0" err="1"/>
+              <a:t>首頁</a:t>
+            </a:r>
+            <a:r>
+              <a:rPr dirty="0"/>
+              <a:t>' });</a:t>
+            </a:r>
+          </a:p>
+          <a:p>
+            <a:pPr defTabSz="232196">
+              <a:lnSpc>
+                <a:spcPct val="115000"/>
+              </a:lnSpc>
+              <a:spcBef>
+                <a:spcPts val="300"/>
+              </a:spcBef>
+              <a:defRPr sz="1400">
+                <a:solidFill>
+                  <a:srgbClr val="585858"/>
+                </a:solidFill>
+                <a:latin typeface="Arial"/>
+                <a:ea typeface="Arial"/>
+                <a:cs typeface="Arial"/>
+                <a:sym typeface="Arial"/>
+              </a:defRPr>
+            </a:pPr>
+            <a:r>
+              <a:rPr dirty="0"/>
+              <a:t>  });</a:t>
+            </a:r>
+          </a:p>
+          <a:p>
+            <a:pPr defTabSz="232196">
+              <a:lnSpc>
+                <a:spcPct val="115000"/>
+              </a:lnSpc>
+              <a:spcBef>
+                <a:spcPts val="300"/>
+              </a:spcBef>
+              <a:defRPr sz="1400">
+                <a:solidFill>
+                  <a:srgbClr val="585858"/>
+                </a:solidFill>
+                <a:latin typeface="Arial"/>
+                <a:ea typeface="Arial"/>
+                <a:cs typeface="Arial"/>
+                <a:sym typeface="Arial"/>
+              </a:defRPr>
+            </a:pPr>
+            <a:r>
+              <a:rPr dirty="0"/>
+              <a:t>  </a:t>
+            </a:r>
+            <a:r>
+              <a:rPr dirty="0" err="1"/>
+              <a:t>app.get</a:t>
+            </a:r>
+            <a:r>
+              <a:rPr dirty="0"/>
+              <a:t>('/update', function (</a:t>
+            </a:r>
+            <a:r>
+              <a:rPr dirty="0" err="1"/>
+              <a:t>req</a:t>
+            </a:r>
+            <a:r>
+              <a:rPr dirty="0"/>
+              <a:t>, res) {</a:t>
+            </a:r>
+          </a:p>
+          <a:p>
+            <a:pPr defTabSz="232196">
+              <a:lnSpc>
+                <a:spcPct val="115000"/>
+              </a:lnSpc>
+              <a:spcBef>
+                <a:spcPts val="300"/>
+              </a:spcBef>
+              <a:defRPr sz="1400">
+                <a:solidFill>
+                  <a:srgbClr val="585858"/>
+                </a:solidFill>
+                <a:latin typeface="Arial"/>
+                <a:ea typeface="Arial"/>
+                <a:cs typeface="Arial"/>
+                <a:sym typeface="Arial"/>
+              </a:defRPr>
+            </a:pPr>
+            <a:r>
+              <a:rPr dirty="0"/>
+              <a:t>	console.log('render to </a:t>
+            </a:r>
+            <a:r>
+              <a:t>update.ejs</a:t>
+            </a:r>
+            <a:r>
+              <a:rPr dirty="0"/>
+              <a:t>');</a:t>
+            </a:r>
+          </a:p>
+          <a:p>
+            <a:pPr defTabSz="232196">
+              <a:lnSpc>
+                <a:spcPct val="115000"/>
+              </a:lnSpc>
+              <a:spcBef>
+                <a:spcPts val="300"/>
+              </a:spcBef>
+              <a:defRPr sz="1400">
+                <a:solidFill>
+                  <a:srgbClr val="585858"/>
+                </a:solidFill>
+                <a:latin typeface="Arial"/>
+                <a:ea typeface="Arial"/>
+                <a:cs typeface="Arial"/>
+                <a:sym typeface="Arial"/>
+              </a:defRPr>
+            </a:pPr>
+            <a:r>
+              <a:rPr dirty="0"/>
+              <a:t>	</a:t>
+            </a:r>
+            <a:r>
+              <a:rPr dirty="0" err="1"/>
+              <a:t>res.render</a:t>
+            </a:r>
+            <a:r>
+              <a:rPr dirty="0"/>
+              <a:t>('post', { title: '</a:t>
+            </a:r>
+            <a:r>
+              <a:rPr dirty="0" err="1"/>
+              <a:t>更新</a:t>
+            </a:r>
+            <a:r>
+              <a:rPr dirty="0"/>
+              <a:t>' });</a:t>
+            </a:r>
+          </a:p>
+          <a:p>
+            <a:pPr defTabSz="232196">
+              <a:lnSpc>
+                <a:spcPct val="115000"/>
+              </a:lnSpc>
+              <a:spcBef>
+                <a:spcPts val="300"/>
+              </a:spcBef>
+              <a:defRPr sz="1400">
+                <a:solidFill>
+                  <a:srgbClr val="585858"/>
+                </a:solidFill>
+                <a:latin typeface="Arial"/>
+                <a:ea typeface="Arial"/>
+                <a:cs typeface="Arial"/>
+                <a:sym typeface="Arial"/>
+              </a:defRPr>
+            </a:pPr>
+            <a:r>
+              <a:rPr dirty="0"/>
+              <a:t>  });</a:t>
+            </a:r>
+          </a:p>
+          <a:p>
+            <a:pPr defTabSz="232196">
+              <a:lnSpc>
+                <a:spcPct val="115000"/>
+              </a:lnSpc>
+              <a:spcBef>
+                <a:spcPts val="300"/>
+              </a:spcBef>
+              <a:defRPr sz="1400">
+                <a:solidFill>
+                  <a:srgbClr val="585858"/>
+                </a:solidFill>
+                <a:latin typeface="Arial"/>
+                <a:ea typeface="Arial"/>
+                <a:cs typeface="Arial"/>
+                <a:sym typeface="Arial"/>
+              </a:defRPr>
+            </a:pPr>
+            <a:r>
+              <a:rPr dirty="0"/>
+              <a:t>  </a:t>
+            </a:r>
+            <a:r>
+              <a:rPr dirty="0" err="1"/>
+              <a:t>app.post</a:t>
+            </a:r>
+            <a:r>
+              <a:rPr dirty="0"/>
+              <a:t>('/post', function (</a:t>
+            </a:r>
+            <a:r>
+              <a:rPr dirty="0" err="1"/>
+              <a:t>req</a:t>
+            </a:r>
+            <a:r>
+              <a:rPr dirty="0"/>
+              <a:t>, res) {</a:t>
+            </a:r>
+          </a:p>
+          <a:p>
+            <a:pPr defTabSz="232196">
+              <a:lnSpc>
+                <a:spcPct val="115000"/>
+              </a:lnSpc>
+              <a:spcBef>
+                <a:spcPts val="300"/>
+              </a:spcBef>
+              <a:defRPr sz="1400">
+                <a:solidFill>
+                  <a:srgbClr val="585858"/>
+                </a:solidFill>
+                <a:latin typeface="Arial"/>
+                <a:ea typeface="Arial"/>
+                <a:cs typeface="Arial"/>
+                <a:sym typeface="Arial"/>
+              </a:defRPr>
+            </a:pPr>
+            <a:r>
+              <a:rPr dirty="0"/>
+              <a:t>  });</a:t>
+            </a:r>
+          </a:p>
+          <a:p>
+            <a:pPr defTabSz="232196">
+              <a:lnSpc>
+                <a:spcPct val="115000"/>
+              </a:lnSpc>
+              <a:spcBef>
+                <a:spcPts val="300"/>
+              </a:spcBef>
+              <a:defRPr sz="1400">
+                <a:solidFill>
+                  <a:srgbClr val="585858"/>
+                </a:solidFill>
+                <a:latin typeface="Arial"/>
+                <a:ea typeface="Arial"/>
+                <a:cs typeface="Arial"/>
+                <a:sym typeface="Arial"/>
+              </a:defRPr>
+            </a:pPr>
+            <a:r>
+              <a:rPr dirty="0"/>
+              <a:t>  </a:t>
+            </a:r>
+            <a:r>
+              <a:rPr dirty="0" err="1"/>
+              <a:t>app.get</a:t>
+            </a:r>
+            <a:r>
+              <a:rPr dirty="0"/>
+              <a:t>('/find', function (</a:t>
+            </a:r>
+            <a:r>
+              <a:rPr dirty="0" err="1"/>
+              <a:t>req</a:t>
+            </a:r>
+            <a:r>
+              <a:rPr dirty="0"/>
+              <a:t>, res) {</a:t>
+            </a:r>
+          </a:p>
+          <a:p>
+            <a:pPr defTabSz="232196">
+              <a:lnSpc>
+                <a:spcPct val="115000"/>
+              </a:lnSpc>
+              <a:spcBef>
+                <a:spcPts val="300"/>
+              </a:spcBef>
+              <a:defRPr sz="1400">
+                <a:solidFill>
+                  <a:srgbClr val="585858"/>
+                </a:solidFill>
+                <a:latin typeface="Arial"/>
+                <a:ea typeface="Arial"/>
+                <a:cs typeface="Arial"/>
+                <a:sym typeface="Arial"/>
+              </a:defRPr>
+            </a:pPr>
+            <a:r>
+              <a:rPr dirty="0"/>
+              <a:t>	console.log('render to </a:t>
+            </a:r>
+            <a:r>
+              <a:rPr dirty="0" err="1"/>
+              <a:t>post.ejs</a:t>
+            </a:r>
+            <a:r>
+              <a:rPr dirty="0"/>
+              <a:t>');</a:t>
+            </a:r>
+          </a:p>
+          <a:p>
+            <a:pPr defTabSz="232196">
+              <a:lnSpc>
+                <a:spcPct val="115000"/>
+              </a:lnSpc>
+              <a:spcBef>
+                <a:spcPts val="300"/>
+              </a:spcBef>
+              <a:defRPr sz="1400">
+                <a:solidFill>
+                  <a:srgbClr val="585858"/>
+                </a:solidFill>
+                <a:latin typeface="Arial"/>
+                <a:ea typeface="Arial"/>
+                <a:cs typeface="Arial"/>
+                <a:sym typeface="Arial"/>
+              </a:defRPr>
+            </a:pPr>
+            <a:r>
+              <a:rPr dirty="0"/>
+              <a:t>	</a:t>
+            </a:r>
+            <a:r>
+              <a:rPr dirty="0" err="1"/>
+              <a:t>res.render</a:t>
+            </a:r>
+            <a:r>
+              <a:rPr dirty="0"/>
+              <a:t>('find', { title: '</a:t>
+            </a:r>
+            <a:r>
+              <a:rPr dirty="0" err="1"/>
+              <a:t>查詢</a:t>
+            </a:r>
+            <a:r>
+              <a:rPr dirty="0"/>
+              <a:t>' });</a:t>
+            </a:r>
+          </a:p>
+          <a:p>
+            <a:pPr defTabSz="232196">
+              <a:lnSpc>
+                <a:spcPct val="115000"/>
+              </a:lnSpc>
+              <a:spcBef>
+                <a:spcPts val="300"/>
+              </a:spcBef>
+              <a:defRPr sz="1400">
+                <a:solidFill>
+                  <a:srgbClr val="585858"/>
+                </a:solidFill>
+                <a:latin typeface="Arial"/>
+                <a:ea typeface="Arial"/>
+                <a:cs typeface="Arial"/>
+                <a:sym typeface="Arial"/>
+              </a:defRPr>
+            </a:pPr>
+            <a:r>
+              <a:rPr dirty="0"/>
+              <a:t>  });</a:t>
+            </a:r>
+          </a:p>
+          <a:p>
+            <a:pPr defTabSz="232196">
+              <a:lnSpc>
+                <a:spcPct val="115000"/>
+              </a:lnSpc>
+              <a:spcBef>
+                <a:spcPts val="300"/>
+              </a:spcBef>
+              <a:defRPr sz="1400">
+                <a:solidFill>
+                  <a:srgbClr val="585858"/>
+                </a:solidFill>
+                <a:latin typeface="Arial"/>
+                <a:ea typeface="Arial"/>
+                <a:cs typeface="Arial"/>
+                <a:sym typeface="Arial"/>
+              </a:defRPr>
+            </a:pPr>
+            <a:r>
+              <a:rPr dirty="0"/>
+              <a:t>  </a:t>
+            </a:r>
+            <a:r>
+              <a:rPr dirty="0" err="1"/>
+              <a:t>app.post</a:t>
+            </a:r>
+            <a:r>
+              <a:rPr dirty="0"/>
+              <a:t>('/find', function (</a:t>
+            </a:r>
+            <a:r>
+              <a:rPr dirty="0" err="1"/>
+              <a:t>req</a:t>
+            </a:r>
+            <a:r>
+              <a:rPr dirty="0"/>
+              <a:t>, res) {</a:t>
+            </a:r>
+          </a:p>
+          <a:p>
+            <a:pPr defTabSz="232196">
+              <a:lnSpc>
+                <a:spcPct val="115000"/>
+              </a:lnSpc>
+              <a:spcBef>
+                <a:spcPts val="300"/>
+              </a:spcBef>
+              <a:defRPr sz="1400">
+                <a:solidFill>
+                  <a:srgbClr val="585858"/>
+                </a:solidFill>
+                <a:latin typeface="Arial"/>
+                <a:ea typeface="Arial"/>
+                <a:cs typeface="Arial"/>
+                <a:sym typeface="Arial"/>
+              </a:defRPr>
+            </a:pPr>
+            <a:r>
+              <a:rPr dirty="0"/>
+              <a:t>  });</a:t>
+            </a:r>
+          </a:p>
+          <a:p>
+            <a:pPr defTabSz="232196">
+              <a:lnSpc>
+                <a:spcPct val="115000"/>
+              </a:lnSpc>
+              <a:spcBef>
+                <a:spcPts val="300"/>
+              </a:spcBef>
+              <a:defRPr sz="1400">
+                <a:solidFill>
+                  <a:srgbClr val="585858"/>
+                </a:solidFill>
+                <a:latin typeface="Arial"/>
+                <a:ea typeface="Arial"/>
+                <a:cs typeface="Arial"/>
+                <a:sym typeface="Arial"/>
+              </a:defRPr>
+            </a:pPr>
+            <a:r>
+              <a:rPr dirty="0"/>
+              <a:t>};</a:t>
+            </a:r>
+          </a:p>
+        </p:txBody>
+      </p:sp>
     </p:spTree>
   </p:cSld>
   <p:clrMapOvr>
@@ -20392,8 +20475,10 @@
           </a:lstStyle>
           <a:p>
             <a:r>
-              <a:t>頁面路由 - index.js</a:t>
-            </a:r>
+              <a:rPr lang="en-US" dirty="0" smtClean="0"/>
+              <a:t>Bootstrap template</a:t>
+            </a:r>
+            <a:endParaRPr dirty="0"/>
           </a:p>
         </p:txBody>
       </p:sp>
@@ -20418,7 +20503,7 @@
         </p:spPr>
         <p:txBody>
           <a:bodyPr anchor="t">
-            <a:normAutofit lnSpcReduction="10000"/>
+            <a:normAutofit/>
           </a:bodyPr>
           <a:lstStyle/>
           <a:p>
@@ -20440,12 +20525,16 @@
               </a:defRPr>
             </a:pPr>
             <a:r>
-              <a:rPr dirty="0" err="1"/>
-              <a:t>module.exports</a:t>
-            </a:r>
-            <a:r>
-              <a:rPr dirty="0"/>
-              <a:t> = function(app) {</a:t>
+              <a:rPr lang="en-US" altLang="zh-TW" sz="1800" dirty="0" err="1" smtClean="0">
+                <a:sym typeface="Arial"/>
+              </a:rPr>
+              <a:t>AdminLTE</a:t>
+            </a:r>
+            <a:r>
+              <a:rPr lang="en-US" altLang="zh-TW" sz="1800" dirty="0" smtClean="0">
+                <a:sym typeface="Arial"/>
+              </a:rPr>
+              <a:t> </a:t>
             </a:r>
           </a:p>
           <a:p>
@@ -20467,25 +20556,22 @@
               </a:defRPr>
             </a:pPr>
             <a:r>
-              <a:rPr dirty="0"/>
-              <a:t>  </a:t>
-            </a:r>
-            <a:r>
-              <a:rPr dirty="0" err="1"/>
-              <a:t>app.get</a:t>
-            </a:r>
-            <a:r>
-              <a:rPr dirty="0"/>
-              <a:t>('/', function (</a:t>
-            </a:r>
-            <a:r>
-              <a:rPr dirty="0" err="1"/>
-              <a:t>req</a:t>
-            </a:r>
-            <a:r>
-              <a:rPr dirty="0"/>
-              <a:t>, res) {</a:t>
-            </a:r>
+              <a:rPr lang="en-US" altLang="zh-TW" sz="1800" b="0" dirty="0" smtClean="0">
+                <a:sym typeface="Arial"/>
+                <a:hlinkClick r:id="rId2"/>
+              </a:rPr>
+              <a:t>https://</a:t>
+            </a:r>
+            <a:r>
+              <a:rPr lang="en-US" altLang="zh-TW" sz="1800" b="0" dirty="0" smtClean="0">
+                <a:sym typeface="Arial"/>
+                <a:hlinkClick r:id="rId2"/>
+              </a:rPr>
+              <a:t>github.com/almasaeed2010/AdminLTE</a:t>
+            </a:r>
+            <a:endParaRPr lang="en-US" altLang="zh-TW" sz="1800" b="0" dirty="0" smtClean="0">
+              <a:sym typeface="Arial"/>
+            </a:endParaRPr>
           </a:p>
           <a:p>
             <a:pPr defTabSz="232196">
@@ -20506,24 +20592,10 @@
               </a:defRPr>
             </a:pPr>
             <a:r>
-              <a:rPr dirty="0"/>
-              <a:t>    </a:t>
-            </a:r>
-            <a:r>
-              <a:rPr dirty="0" err="1"/>
-              <a:t>res.render</a:t>
-            </a:r>
-            <a:r>
-              <a:rPr dirty="0"/>
-              <a:t>('index', { title: '</a:t>
-            </a:r>
-            <a:r>
-              <a:rPr dirty="0" err="1"/>
-              <a:t>首頁</a:t>
-            </a:r>
-            <a:r>
-              <a:rPr dirty="0"/>
-              <a:t>' });</a:t>
+              <a:rPr lang="en-US" altLang="zh-TW" sz="1800" dirty="0" smtClean="0">
+                <a:sym typeface="Arial"/>
+              </a:rPr>
+              <a:t>Bootstrap-Admin-Theme</a:t>
             </a:r>
           </a:p>
           <a:p>
@@ -20545,9 +20617,22 @@
               </a:defRPr>
             </a:pPr>
             <a:r>
-              <a:rPr dirty="0"/>
-              <a:t>  });</a:t>
-            </a:r>
+              <a:rPr lang="en-US" altLang="zh-TW" sz="1800" b="0" dirty="0" smtClean="0">
+                <a:sym typeface="Arial"/>
+                <a:hlinkClick r:id="rId3"/>
+              </a:rPr>
+              <a:t>https://</a:t>
+            </a:r>
+            <a:r>
+              <a:rPr lang="en-US" altLang="zh-TW" sz="1800" b="0" dirty="0" smtClean="0">
+                <a:sym typeface="Arial"/>
+                <a:hlinkClick r:id="rId3"/>
+              </a:rPr>
+              <a:t>github.com/VinceG/Bootstrap-Admin-Theme</a:t>
+            </a:r>
+            <a:endParaRPr lang="en-US" altLang="zh-TW" sz="1800" b="0" dirty="0" smtClean="0">
+              <a:sym typeface="Arial"/>
+            </a:endParaRPr>
           </a:p>
           <a:p>
             <a:pPr defTabSz="232196">
@@ -20568,25 +20653,14 @@
               </a:defRPr>
             </a:pPr>
             <a:r>
-              <a:rPr dirty="0"/>
-              <a:t>  </a:t>
-            </a:r>
-            <a:r>
-              <a:rPr dirty="0" err="1"/>
-              <a:t>app.get</a:t>
-            </a:r>
-            <a:r>
-              <a:rPr dirty="0"/>
-              <a:t>('/update', function (</a:t>
-            </a:r>
-            <a:r>
-              <a:rPr dirty="0" err="1"/>
-              <a:t>req</a:t>
-            </a:r>
-            <a:r>
-              <a:rPr dirty="0"/>
-              <a:t>, res) {</a:t>
-            </a:r>
+              <a:rPr lang="en-US" altLang="zh-TW" sz="1800" dirty="0" smtClean="0">
+                <a:sym typeface="Arial"/>
+              </a:rPr>
+              <a:t>Binary admin</a:t>
+            </a:r>
+            <a:endParaRPr lang="en-US" altLang="zh-TW" sz="1800" dirty="0" smtClean="0">
+              <a:sym typeface="Arial"/>
+            </a:endParaRPr>
           </a:p>
           <a:p>
             <a:pPr defTabSz="232196">
@@ -20607,16 +20681,22 @@
               </a:defRPr>
             </a:pPr>
             <a:r>
-              <a:rPr dirty="0"/>
-              <a:t>	console.log('render to </a:t>
-            </a:r>
-            <a:r>
-              <a:t>update.ejs</a:t>
-            </a:r>
-            <a:r>
-              <a:rPr dirty="0"/>
-              <a:t>');</a:t>
-            </a:r>
+              <a:rPr lang="en-US" altLang="zh-TW" sz="1800" b="0" dirty="0" smtClean="0">
+                <a:sym typeface="Arial"/>
+                <a:hlinkClick r:id="rId4"/>
+              </a:rPr>
+              <a:t>http://binarycart.com</a:t>
+            </a:r>
+            <a:r>
+              <a:rPr lang="en-US" altLang="zh-TW" sz="1800" b="0" dirty="0" smtClean="0">
+                <a:sym typeface="Arial"/>
+                <a:hlinkClick r:id="rId4"/>
+              </a:rPr>
+              <a:t>/</a:t>
+            </a:r>
+            <a:endParaRPr lang="en-US" altLang="zh-TW" sz="1800" b="0" dirty="0" smtClean="0">
+              <a:sym typeface="Arial"/>
+            </a:endParaRPr>
           </a:p>
           <a:p>
             <a:pPr defTabSz="232196">
@@ -20637,24 +20717,10 @@
               </a:defRPr>
             </a:pPr>
             <a:r>
-              <a:rPr dirty="0"/>
-              <a:t>	</a:t>
-            </a:r>
-            <a:r>
-              <a:rPr dirty="0" err="1"/>
-              <a:t>res.render</a:t>
-            </a:r>
-            <a:r>
-              <a:rPr dirty="0"/>
-              <a:t>('post', { title: '</a:t>
-            </a:r>
-            <a:r>
-              <a:rPr dirty="0" err="1"/>
-              <a:t>更新</a:t>
-            </a:r>
-            <a:r>
-              <a:rPr dirty="0"/>
-              <a:t>' });</a:t>
+              <a:rPr lang="en-US" altLang="zh-TW" sz="1800" dirty="0" smtClean="0">
+                <a:sym typeface="Arial"/>
+              </a:rPr>
+              <a:t>Butterfly</a:t>
             </a:r>
           </a:p>
           <a:p>
@@ -20676,9 +20742,22 @@
               </a:defRPr>
             </a:pPr>
             <a:r>
-              <a:rPr dirty="0"/>
-              <a:t>  });</a:t>
-            </a:r>
+              <a:rPr lang="en-US" altLang="zh-TW" sz="1800" b="0" dirty="0" smtClean="0">
+                <a:sym typeface="Arial"/>
+                <a:hlinkClick r:id="rId5"/>
+              </a:rPr>
+              <a:t>https://bootstrapmade.com/butterfly-free-bootstrap-theme</a:t>
+            </a:r>
+            <a:r>
+              <a:rPr lang="en-US" altLang="zh-TW" sz="1800" b="0" dirty="0" smtClean="0">
+                <a:sym typeface="Arial"/>
+                <a:hlinkClick r:id="rId5"/>
+              </a:rPr>
+              <a:t>/</a:t>
+            </a:r>
+            <a:endParaRPr lang="en-US" altLang="zh-TW" sz="1800" b="0" dirty="0" smtClean="0">
+              <a:sym typeface="Arial"/>
+            </a:endParaRPr>
           </a:p>
           <a:p>
             <a:pPr defTabSz="232196">
@@ -20699,24 +20778,16 @@
               </a:defRPr>
             </a:pPr>
             <a:r>
-              <a:rPr dirty="0"/>
-              <a:t>  </a:t>
-            </a:r>
-            <a:r>
-              <a:rPr dirty="0" err="1"/>
-              <a:t>app.post</a:t>
-            </a:r>
-            <a:r>
-              <a:rPr dirty="0"/>
-              <a:t>('/post', function (</a:t>
-            </a:r>
-            <a:r>
-              <a:rPr dirty="0" err="1"/>
-              <a:t>req</a:t>
-            </a:r>
-            <a:r>
-              <a:rPr dirty="0"/>
-              <a:t>, res) {</a:t>
+              <a:rPr lang="en-US" altLang="zh-TW" sz="1800" dirty="0" smtClean="0">
+                <a:sym typeface="Arial"/>
+              </a:rPr>
+              <a:t>SB </a:t>
+            </a:r>
+            <a:r>
+              <a:rPr lang="en-US" altLang="zh-TW" sz="1800" dirty="0" smtClean="0">
+                <a:sym typeface="Arial"/>
+              </a:rPr>
+              <a:t>Admin</a:t>
             </a:r>
           </a:p>
           <a:p>
@@ -20738,9 +20809,22 @@
               </a:defRPr>
             </a:pPr>
             <a:r>
-              <a:rPr dirty="0"/>
-              <a:t>  });</a:t>
-            </a:r>
+              <a:rPr lang="en-US" altLang="zh-TW" sz="1800" b="0" dirty="0" smtClean="0">
+                <a:sym typeface="Arial"/>
+                <a:hlinkClick r:id="rId6"/>
+              </a:rPr>
+              <a:t>https://startbootstrap.com/template-overviews/sb-admin</a:t>
+            </a:r>
+            <a:r>
+              <a:rPr lang="en-US" altLang="zh-TW" sz="1800" b="0" dirty="0" smtClean="0">
+                <a:sym typeface="Arial"/>
+                <a:hlinkClick r:id="rId6"/>
+              </a:rPr>
+              <a:t>/</a:t>
+            </a:r>
+            <a:endParaRPr lang="en-US" altLang="zh-TW" sz="1800" b="0" dirty="0" smtClean="0">
+              <a:sym typeface="Arial"/>
+            </a:endParaRPr>
           </a:p>
           <a:p>
             <a:pPr defTabSz="232196">
@@ -20761,25 +20845,20 @@
               </a:defRPr>
             </a:pPr>
             <a:r>
-              <a:rPr dirty="0"/>
-              <a:t>  </a:t>
-            </a:r>
-            <a:r>
-              <a:rPr dirty="0" err="1"/>
-              <a:t>app.get</a:t>
-            </a:r>
-            <a:r>
-              <a:rPr dirty="0"/>
-              <a:t>('/find', function (</a:t>
-            </a:r>
-            <a:r>
-              <a:rPr dirty="0" err="1"/>
-              <a:t>req</a:t>
-            </a:r>
-            <a:r>
-              <a:rPr dirty="0"/>
-              <a:t>, res) {</a:t>
-            </a:r>
+              <a:rPr lang="en-US" altLang="zh-TW" sz="1800" dirty="0" smtClean="0">
+                <a:sym typeface="Arial"/>
+              </a:rPr>
+              <a:t>SB </a:t>
+            </a:r>
+            <a:r>
+              <a:rPr lang="en-US" altLang="zh-TW" sz="1800" dirty="0" smtClean="0">
+                <a:sym typeface="Arial"/>
+              </a:rPr>
+              <a:t>Admin 2</a:t>
+            </a:r>
+            <a:endParaRPr lang="en-US" altLang="zh-TW" sz="1800" dirty="0" smtClean="0">
+              <a:sym typeface="Arial"/>
+            </a:endParaRPr>
           </a:p>
           <a:p>
             <a:pPr defTabSz="232196">
@@ -20800,17 +20879,31 @@
               </a:defRPr>
             </a:pPr>
             <a:r>
-              <a:rPr dirty="0"/>
-              <a:t>	console.log('render to </a:t>
-            </a:r>
-            <a:r>
-              <a:rPr dirty="0" err="1"/>
-              <a:t>post.ejs</a:t>
-            </a:r>
-            <a:r>
-              <a:rPr dirty="0"/>
-              <a:t>');</a:t>
-            </a:r>
+              <a:rPr lang="en-US" altLang="zh-TW" sz="1800" b="0" dirty="0" smtClean="0">
+                <a:solidFill>
+                  <a:schemeClr val="accent6"/>
+                </a:solidFill>
+                <a:sym typeface="Arial"/>
+                <a:hlinkClick r:id="rId7"/>
+              </a:rPr>
+              <a:t>http://startbootstrap.com/template-overviews/sb-admin-2</a:t>
+            </a:r>
+            <a:r>
+              <a:rPr lang="en-US" altLang="zh-TW" sz="1800" b="0" dirty="0" smtClean="0">
+                <a:solidFill>
+                  <a:schemeClr val="accent6"/>
+                </a:solidFill>
+                <a:sym typeface="Arial"/>
+                <a:hlinkClick r:id="rId7"/>
+              </a:rPr>
+              <a:t>/</a:t>
+            </a:r>
+            <a:endParaRPr lang="en-US" altLang="zh-TW" sz="1800" b="0" dirty="0" smtClean="0">
+              <a:solidFill>
+                <a:schemeClr val="accent6"/>
+              </a:solidFill>
+              <a:sym typeface="Arial"/>
+            </a:endParaRPr>
           </a:p>
           <a:p>
             <a:pPr defTabSz="232196">
@@ -20830,26 +20923,9 @@
                 <a:sym typeface="Arial"/>
               </a:defRPr>
             </a:pPr>
-            <a:r>
-              <a:rPr dirty="0"/>
-              <a:t>	</a:t>
-            </a:r>
-            <a:r>
-              <a:rPr dirty="0" err="1"/>
-              <a:t>res.render</a:t>
-            </a:r>
-            <a:r>
-              <a:rPr dirty="0"/>
-              <a:t>('find', { title: '</a:t>
-            </a:r>
-            <a:r>
-              <a:rPr dirty="0" err="1"/>
-              <a:t>查詢</a:t>
-            </a:r>
-            <a:r>
-              <a:rPr dirty="0"/>
-              <a:t>' });</a:t>
-            </a:r>
+            <a:endParaRPr lang="en-US" altLang="zh-TW" sz="1800" b="0" dirty="0" smtClean="0">
+              <a:sym typeface="Arial"/>
+            </a:endParaRPr>
           </a:p>
           <a:p>
             <a:pPr defTabSz="232196">
@@ -20869,10 +20945,9 @@
                 <a:sym typeface="Arial"/>
               </a:defRPr>
             </a:pPr>
-            <a:r>
-              <a:rPr dirty="0"/>
-              <a:t>  });</a:t>
-            </a:r>
+            <a:endParaRPr lang="en-US" altLang="zh-TW" sz="1800" dirty="0" smtClean="0">
+              <a:sym typeface="Arial"/>
+            </a:endParaRPr>
           </a:p>
           <a:p>
             <a:pPr defTabSz="232196">
@@ -20892,26 +20967,9 @@
                 <a:sym typeface="Arial"/>
               </a:defRPr>
             </a:pPr>
-            <a:r>
-              <a:rPr dirty="0"/>
-              <a:t>  </a:t>
-            </a:r>
-            <a:r>
-              <a:rPr dirty="0" err="1"/>
-              <a:t>app.post</a:t>
-            </a:r>
-            <a:r>
-              <a:rPr dirty="0"/>
-              <a:t>('/find', function (</a:t>
-            </a:r>
-            <a:r>
-              <a:rPr dirty="0" err="1"/>
-              <a:t>req</a:t>
-            </a:r>
-            <a:r>
-              <a:rPr dirty="0"/>
-              <a:t>, res) {</a:t>
-            </a:r>
+            <a:endParaRPr lang="en-US" altLang="zh-TW" sz="1800" dirty="0" smtClean="0">
+              <a:sym typeface="Arial"/>
+            </a:endParaRPr>
           </a:p>
           <a:p>
             <a:pPr defTabSz="232196">
@@ -20931,10 +20989,9 @@
                 <a:sym typeface="Arial"/>
               </a:defRPr>
             </a:pPr>
-            <a:r>
-              <a:rPr dirty="0"/>
-              <a:t>  });</a:t>
-            </a:r>
+            <a:endParaRPr lang="en-US" altLang="zh-TW" sz="1800" dirty="0" smtClean="0">
+              <a:sym typeface="Arial"/>
+            </a:endParaRPr>
           </a:p>
           <a:p>
             <a:pPr defTabSz="232196">
@@ -20954,10 +21011,53 @@
                 <a:sym typeface="Arial"/>
               </a:defRPr>
             </a:pPr>
-            <a:r>
-              <a:rPr dirty="0"/>
-              <a:t>};</a:t>
-            </a:r>
+            <a:endParaRPr lang="en-US" altLang="zh-TW" sz="1800" dirty="0" smtClean="0">
+              <a:sym typeface="Arial"/>
+            </a:endParaRPr>
+          </a:p>
+          <a:p>
+            <a:pPr defTabSz="232196">
+              <a:lnSpc>
+                <a:spcPct val="115000"/>
+              </a:lnSpc>
+              <a:spcBef>
+                <a:spcPts val="300"/>
+              </a:spcBef>
+              <a:defRPr sz="1400">
+                <a:solidFill>
+                  <a:srgbClr val="585858"/>
+                </a:solidFill>
+                <a:latin typeface="Arial"/>
+                <a:ea typeface="Arial"/>
+                <a:cs typeface="Arial"/>
+                <a:sym typeface="Arial"/>
+              </a:defRPr>
+            </a:pPr>
+            <a:endParaRPr lang="en-US" altLang="zh-TW" sz="1800" dirty="0" smtClean="0">
+              <a:sym typeface="Arial"/>
+            </a:endParaRPr>
+          </a:p>
+          <a:p>
+            <a:pPr defTabSz="232196">
+              <a:lnSpc>
+                <a:spcPct val="115000"/>
+              </a:lnSpc>
+              <a:spcBef>
+                <a:spcPts val="300"/>
+              </a:spcBef>
+              <a:defRPr sz="1400">
+                <a:solidFill>
+                  <a:srgbClr val="585858"/>
+                </a:solidFill>
+                <a:latin typeface="Arial"/>
+                <a:ea typeface="Arial"/>
+                <a:cs typeface="Arial"/>
+                <a:sym typeface="Arial"/>
+              </a:defRPr>
+            </a:pPr>
+            <a:endParaRPr lang="en-US" altLang="zh-TW" sz="1800" dirty="0" smtClean="0">
+              <a:sym typeface="Arial"/>
+            </a:endParaRPr>
           </a:p>
         </p:txBody>
       </p:sp>
@@ -21337,7 +21437,7 @@
           </a:ln>
           <a:extLst>
             <a:ext uri="{C572A759-6A51-4108-AA02-DFA0A04FC94B}">
-              <ma14:wrappingTextBoxFlag xmlns:ma14="http://schemas.microsoft.com/office/mac/drawingml/2011/main" xmlns="" val="1"/>
+              <ma14:wrappingTextBoxFlag xmlns="" xmlns:ma14="http://schemas.microsoft.com/office/mac/drawingml/2011/main" val="1"/>
             </a:ext>
           </a:extLst>
         </p:spPr>
@@ -22024,7 +22124,7 @@
           </a:ln>
           <a:extLst>
             <a:ext uri="{C572A759-6A51-4108-AA02-DFA0A04FC94B}">
-              <ma14:wrappingTextBoxFlag xmlns:ma14="http://schemas.microsoft.com/office/mac/drawingml/2011/main" xmlns="" val="1"/>
+              <ma14:wrappingTextBoxFlag xmlns="" xmlns:ma14="http://schemas.microsoft.com/office/mac/drawingml/2011/main" val="1"/>
             </a:ext>
           </a:extLst>
         </p:spPr>
@@ -22064,7 +22164,7 @@
           <a:blip r:embed="rId2" cstate="print">
             <a:extLst>
               <a:ext uri="{28A0092B-C50C-407E-A947-70E740481C1C}">
-                <a14:useLocalDpi xmlns:a14="http://schemas.microsoft.com/office/drawing/2010/main" xmlns="" val="0"/>
+                <a14:useLocalDpi xmlns="" xmlns:a14="http://schemas.microsoft.com/office/drawing/2010/main" val="0"/>
               </a:ext>
             </a:extLst>
           </a:blip>
@@ -22094,7 +22194,7 @@
           <a:blip r:embed="rId3" cstate="print">
             <a:extLst>
               <a:ext uri="{28A0092B-C50C-407E-A947-70E740481C1C}">
-                <a14:useLocalDpi xmlns:a14="http://schemas.microsoft.com/office/drawing/2010/main" xmlns="" val="0"/>
+                <a14:useLocalDpi xmlns="" xmlns:a14="http://schemas.microsoft.com/office/drawing/2010/main" val="0"/>
               </a:ext>
             </a:extLst>
           </a:blip>
@@ -22413,7 +22513,7 @@
           </a:ln>
           <a:extLst>
             <a:ext uri="{C572A759-6A51-4108-AA02-DFA0A04FC94B}">
-              <ma14:wrappingTextBoxFlag xmlns:ma14="http://schemas.microsoft.com/office/mac/drawingml/2011/main" xmlns="" val="1"/>
+              <ma14:wrappingTextBoxFlag xmlns="" xmlns:ma14="http://schemas.microsoft.com/office/mac/drawingml/2011/main" val="1"/>
             </a:ext>
           </a:extLst>
         </p:spPr>
@@ -22796,7 +22896,7 @@
           </a:ln>
           <a:extLst>
             <a:ext uri="{C572A759-6A51-4108-AA02-DFA0A04FC94B}">
-              <ma14:wrappingTextBoxFlag xmlns:ma14="http://schemas.microsoft.com/office/mac/drawingml/2011/main" xmlns="" val="1"/>
+              <ma14:wrappingTextBoxFlag xmlns="" xmlns:ma14="http://schemas.microsoft.com/office/mac/drawingml/2011/main" val="1"/>
             </a:ext>
           </a:extLst>
         </p:spPr>
@@ -23399,7 +23499,7 @@
           </a:ln>
           <a:extLst>
             <a:ext uri="{C572A759-6A51-4108-AA02-DFA0A04FC94B}">
-              <ma14:wrappingTextBoxFlag xmlns:ma14="http://schemas.microsoft.com/office/mac/drawingml/2011/main" xmlns="" val="1"/>
+              <ma14:wrappingTextBoxFlag xmlns="" xmlns:ma14="http://schemas.microsoft.com/office/mac/drawingml/2011/main" val="1"/>
             </a:ext>
           </a:extLst>
         </p:spPr>

--- a/doc/GIot_Session(win7).pptx
+++ b/doc/GIot_Session(win7).pptx
@@ -5,7 +5,7 @@
     <p:sldMasterId id="2147483648" r:id="rId1"/>
   </p:sldMasterIdLst>
   <p:notesMasterIdLst>
-    <p:notesMasterId r:id="rId48"/>
+    <p:notesMasterId r:id="rId51"/>
   </p:notesMasterIdLst>
   <p:sldIdLst>
     <p:sldId id="256" r:id="rId2"/>
@@ -38,22 +38,25 @@
     <p:sldId id="286" r:id="rId29"/>
     <p:sldId id="287" r:id="rId30"/>
     <p:sldId id="288" r:id="rId31"/>
-    <p:sldId id="289" r:id="rId32"/>
+    <p:sldId id="320" r:id="rId32"/>
     <p:sldId id="290" r:id="rId33"/>
-    <p:sldId id="291" r:id="rId34"/>
-    <p:sldId id="292" r:id="rId35"/>
-    <p:sldId id="293" r:id="rId36"/>
-    <p:sldId id="294" r:id="rId37"/>
-    <p:sldId id="295" r:id="rId38"/>
-    <p:sldId id="296" r:id="rId39"/>
-    <p:sldId id="298" r:id="rId40"/>
-    <p:sldId id="299" r:id="rId41"/>
-    <p:sldId id="300" r:id="rId42"/>
-    <p:sldId id="301" r:id="rId43"/>
-    <p:sldId id="303" r:id="rId44"/>
-    <p:sldId id="319" r:id="rId45"/>
-    <p:sldId id="304" r:id="rId46"/>
-    <p:sldId id="305" r:id="rId47"/>
+    <p:sldId id="322" r:id="rId34"/>
+    <p:sldId id="321" r:id="rId35"/>
+    <p:sldId id="289" r:id="rId36"/>
+    <p:sldId id="291" r:id="rId37"/>
+    <p:sldId id="292" r:id="rId38"/>
+    <p:sldId id="293" r:id="rId39"/>
+    <p:sldId id="294" r:id="rId40"/>
+    <p:sldId id="295" r:id="rId41"/>
+    <p:sldId id="296" r:id="rId42"/>
+    <p:sldId id="298" r:id="rId43"/>
+    <p:sldId id="299" r:id="rId44"/>
+    <p:sldId id="300" r:id="rId45"/>
+    <p:sldId id="301" r:id="rId46"/>
+    <p:sldId id="303" r:id="rId47"/>
+    <p:sldId id="319" r:id="rId48"/>
+    <p:sldId id="304" r:id="rId49"/>
+    <p:sldId id="305" r:id="rId50"/>
   </p:sldIdLst>
   <p:sldSz cx="9144000" cy="6858000" type="screen4x3"/>
   <p:notesSz cx="6858000" cy="9144000"/>
@@ -408,7 +411,7 @@
           <a:bodyPr/>
           <a:lstStyle/>
           <a:p>
-            <a:endParaRPr/>
+            <a:endParaRPr dirty="0"/>
           </a:p>
         </p:txBody>
       </p:sp>
@@ -719,7 +722,7 @@
               <a:pPr/>
               <a:t>‹#›</a:t>
             </a:fld>
-            <a:endParaRPr/>
+            <a:endParaRPr dirty="0"/>
           </a:p>
         </p:txBody>
       </p:sp>
@@ -847,7 +850,7 @@
               <a:pPr/>
               <a:t>‹#›</a:t>
             </a:fld>
-            <a:endParaRPr/>
+            <a:endParaRPr dirty="0"/>
           </a:p>
         </p:txBody>
       </p:sp>
@@ -991,7 +994,7 @@
               <a:pPr/>
               <a:t>‹#›</a:t>
             </a:fld>
-            <a:endParaRPr/>
+            <a:endParaRPr dirty="0"/>
           </a:p>
         </p:txBody>
       </p:sp>
@@ -1246,7 +1249,7 @@
               <a:pPr/>
               <a:t>‹#›</a:t>
             </a:fld>
-            <a:endParaRPr/>
+            <a:endParaRPr dirty="0"/>
           </a:p>
         </p:txBody>
       </p:sp>
@@ -1478,7 +1481,7 @@
               <a:pPr/>
               <a:t>‹#›</a:t>
             </a:fld>
-            <a:endParaRPr/>
+            <a:endParaRPr dirty="0"/>
           </a:p>
         </p:txBody>
       </p:sp>
@@ -1718,7 +1721,7 @@
               <a:pPr/>
               <a:t>‹#›</a:t>
             </a:fld>
-            <a:endParaRPr/>
+            <a:endParaRPr dirty="0"/>
           </a:p>
         </p:txBody>
       </p:sp>
@@ -1950,7 +1953,7 @@
               <a:pPr/>
               <a:t>‹#›</a:t>
             </a:fld>
-            <a:endParaRPr/>
+            <a:endParaRPr dirty="0"/>
           </a:p>
         </p:txBody>
       </p:sp>
@@ -2217,7 +2220,7 @@
               <a:pPr/>
               <a:t>‹#›</a:t>
             </a:fld>
-            <a:endParaRPr/>
+            <a:endParaRPr dirty="0"/>
           </a:p>
         </p:txBody>
       </p:sp>
@@ -2328,7 +2331,7 @@
               <a:pPr/>
               <a:t>‹#›</a:t>
             </a:fld>
-            <a:endParaRPr/>
+            <a:endParaRPr dirty="0"/>
           </a:p>
         </p:txBody>
       </p:sp>
@@ -2398,7 +2401,7 @@
               <a:pPr/>
               <a:t>‹#›</a:t>
             </a:fld>
-            <a:endParaRPr/>
+            <a:endParaRPr dirty="0"/>
           </a:p>
         </p:txBody>
       </p:sp>
@@ -2657,7 +2660,7 @@
               <a:pPr/>
               <a:t>‹#›</a:t>
             </a:fld>
-            <a:endParaRPr/>
+            <a:endParaRPr dirty="0"/>
           </a:p>
         </p:txBody>
       </p:sp>
@@ -2785,7 +2788,7 @@
               <a:pPr/>
               <a:t>‹#›</a:t>
             </a:fld>
-            <a:endParaRPr/>
+            <a:endParaRPr dirty="0"/>
           </a:p>
         </p:txBody>
       </p:sp>
@@ -2881,7 +2884,7 @@
           </a:bodyPr>
           <a:lstStyle/>
           <a:p>
-            <a:endParaRPr/>
+            <a:endParaRPr dirty="0"/>
           </a:p>
         </p:txBody>
       </p:sp>
@@ -3054,7 +3057,7 @@
               <a:pPr/>
               <a:t>‹#›</a:t>
             </a:fld>
-            <a:endParaRPr/>
+            <a:endParaRPr dirty="0"/>
           </a:p>
         </p:txBody>
       </p:sp>
@@ -3286,7 +3289,7 @@
               <a:pPr/>
               <a:t>‹#›</a:t>
             </a:fld>
-            <a:endParaRPr/>
+            <a:endParaRPr dirty="0"/>
           </a:p>
         </p:txBody>
       </p:sp>
@@ -3518,7 +3521,7 @@
               <a:pPr/>
               <a:t>‹#›</a:t>
             </a:fld>
-            <a:endParaRPr/>
+            <a:endParaRPr dirty="0"/>
           </a:p>
         </p:txBody>
       </p:sp>
@@ -3616,6 +3619,7 @@
           </a:lstStyle>
           <a:p>
             <a:r>
+              <a:rPr dirty="0"/>
               <a:t>Confidential </a:t>
             </a:r>
           </a:p>
@@ -3630,7 +3634,7 @@
         <p:spPr>
           <a:xfrm>
             <a:off x="685800" y="5486400"/>
-            <a:ext cx="2819400" cy="619851"/>
+            <a:ext cx="2819400" cy="646327"/>
           </a:xfrm>
           <a:prstGeom prst="rect">
             <a:avLst/>
@@ -3659,6 +3663,7 @@
               </a:defRPr>
             </a:pPr>
             <a:r>
+              <a:rPr dirty="0"/>
               <a:t>Copyright © 2014 Gemtek Technology Co., Ltd.</a:t>
             </a:r>
           </a:p>
@@ -3672,6 +3677,7 @@
               </a:defRPr>
             </a:pPr>
             <a:r>
+              <a:rPr dirty="0"/>
               <a:t>All Rights Reserved. </a:t>
             </a:r>
           </a:p>
@@ -3881,7 +3887,7 @@
               <a:pPr/>
               <a:t>‹#›</a:t>
             </a:fld>
-            <a:endParaRPr/>
+            <a:endParaRPr dirty="0"/>
           </a:p>
         </p:txBody>
       </p:sp>
@@ -4094,7 +4100,7 @@
               <a:pPr/>
               <a:t>‹#›</a:t>
             </a:fld>
-            <a:endParaRPr/>
+            <a:endParaRPr dirty="0"/>
           </a:p>
         </p:txBody>
       </p:sp>
@@ -4269,7 +4275,7 @@
               <a:pPr/>
               <a:t>‹#›</a:t>
             </a:fld>
-            <a:endParaRPr/>
+            <a:endParaRPr dirty="0"/>
           </a:p>
         </p:txBody>
       </p:sp>
@@ -4432,7 +4438,7 @@
               <a:pPr/>
               <a:t>‹#›</a:t>
             </a:fld>
-            <a:endParaRPr/>
+            <a:endParaRPr dirty="0"/>
           </a:p>
         </p:txBody>
       </p:sp>
@@ -4646,7 +4652,7 @@
               <a:pPr/>
               <a:t>‹#›</a:t>
             </a:fld>
-            <a:endParaRPr/>
+            <a:endParaRPr dirty="0"/>
           </a:p>
         </p:txBody>
       </p:sp>
@@ -4725,7 +4731,7 @@
               <a:pPr/>
               <a:t>‹#›</a:t>
             </a:fld>
-            <a:endParaRPr/>
+            <a:endParaRPr dirty="0"/>
           </a:p>
         </p:txBody>
       </p:sp>
@@ -4779,7 +4785,7 @@
               <a:pPr/>
               <a:t>‹#›</a:t>
             </a:fld>
-            <a:endParaRPr/>
+            <a:endParaRPr dirty="0"/>
           </a:p>
         </p:txBody>
       </p:sp>
@@ -4977,7 +4983,7 @@
               <a:pPr/>
               <a:t>‹#›</a:t>
             </a:fld>
-            <a:endParaRPr/>
+            <a:endParaRPr dirty="0"/>
           </a:p>
         </p:txBody>
       </p:sp>
@@ -5065,7 +5071,7 @@
           </a:bodyPr>
           <a:lstStyle/>
           <a:p>
-            <a:endParaRPr/>
+            <a:endParaRPr dirty="0"/>
           </a:p>
         </p:txBody>
       </p:sp>
@@ -5197,7 +5203,7 @@
               <a:pPr/>
               <a:t>‹#›</a:t>
             </a:fld>
-            <a:endParaRPr/>
+            <a:endParaRPr dirty="0"/>
           </a:p>
         </p:txBody>
       </p:sp>
@@ -5303,6 +5309,7 @@
           </a:lstStyle>
           <a:p>
             <a:r>
+              <a:rPr dirty="0"/>
               <a:t>Confidential </a:t>
             </a:r>
           </a:p>
@@ -5317,7 +5324,7 @@
         <p:spPr>
           <a:xfrm>
             <a:off x="685800" y="6172200"/>
-            <a:ext cx="2819400" cy="366682"/>
+            <a:ext cx="2819400" cy="400105"/>
           </a:xfrm>
           <a:prstGeom prst="rect">
             <a:avLst/>
@@ -5346,6 +5353,7 @@
               </a:defRPr>
             </a:pPr>
             <a:r>
+              <a:rPr dirty="0"/>
               <a:t>Copyright © 2002 Gemtek Technology Co., Ltd.</a:t>
             </a:r>
           </a:p>
@@ -5359,6 +5367,7 @@
               </a:defRPr>
             </a:pPr>
             <a:r>
+              <a:rPr dirty="0"/>
               <a:t>All Rights Reserved.  2015/1/10</a:t>
             </a:r>
           </a:p>
@@ -5511,7 +5520,7 @@
               <a:pPr/>
               <a:t>‹#›</a:t>
             </a:fld>
-            <a:endParaRPr/>
+            <a:endParaRPr dirty="0"/>
           </a:p>
         </p:txBody>
       </p:sp>
@@ -6402,7 +6411,7 @@
           </a:lstStyle>
           <a:p>
             <a:r>
-              <a:rPr dirty="0" err="1"/>
+              <a:rPr dirty="0"/>
               <a:t>GIoT</a:t>
             </a:r>
             <a:r>
@@ -6471,7 +6480,7 @@
         <p:spPr>
           <a:xfrm>
             <a:off x="7084227" y="5304511"/>
-            <a:ext cx="1376344" cy="338373"/>
+            <a:ext cx="1381143" cy="353939"/>
           </a:xfrm>
           <a:prstGeom prst="rect">
             <a:avLst/>
@@ -6501,8 +6510,10 @@
           </a:lstStyle>
           <a:p>
             <a:r>
+              <a:rPr dirty="0"/>
               <a:t>Author:Jason</a:t>
             </a:r>
+            <a:endParaRPr dirty="0"/>
           </a:p>
         </p:txBody>
       </p:sp>
@@ -6571,7 +6582,12 @@
           </a:lstStyle>
           <a:p>
             <a:r>
-              <a:t>MQTT是什麼？</a:t>
+              <a:rPr dirty="0"/>
+              <a:t>MQTT是什麼</a:t>
+            </a:r>
+            <a:r>
+              <a:rPr dirty="0"/>
+              <a:t>？</a:t>
             </a:r>
           </a:p>
         </p:txBody>
@@ -7267,7 +7283,7 @@
               <a:t>IBM </a:t>
             </a:r>
             <a:r>
-              <a:rPr lang="en-US" altLang="zh-TW" dirty="0" err="1" smtClean="0"/>
+              <a:rPr lang="en-US" altLang="zh-TW" dirty="0" smtClean="0"/>
               <a:t>Bluemix</a:t>
             </a:r>
             <a:r>
@@ -7309,7 +7325,7 @@
               <a:t>本地用安裝 </a:t>
             </a:r>
             <a:r>
-              <a:rPr lang="en-US" altLang="zh-TW" sz="2400" dirty="0" err="1" smtClean="0">
+              <a:rPr lang="en-US" altLang="zh-TW" sz="2400" dirty="0" smtClean="0">
                 <a:sym typeface="Arial"/>
               </a:rPr>
               <a:t>npm</a:t>
@@ -7363,7 +7379,7 @@
               <a:t>以</a:t>
             </a:r>
             <a:r>
-              <a:rPr lang="en-US" altLang="zh-TW" sz="2400" dirty="0" err="1" smtClean="0">
+              <a:rPr lang="en-US" altLang="zh-TW" sz="2400" dirty="0" smtClean="0">
                 <a:sym typeface="Arial"/>
               </a:rPr>
               <a:t>Git</a:t>
@@ -7386,7 +7402,7 @@
               </a:rPr>
             </a:br>
             <a:r>
-              <a:rPr lang="en-US" altLang="zh-TW" sz="2400" dirty="0" err="1" smtClean="0">
+              <a:rPr lang="en-US" altLang="zh-TW" sz="2400" dirty="0" smtClean="0">
                 <a:sym typeface="Arial"/>
               </a:rPr>
               <a:t>git</a:t>
@@ -7624,7 +7640,7 @@
           </a:p>
           <a:p>
             <a:r>
-              <a:rPr lang="en-US" altLang="zh-TW" b="0" dirty="0" err="1" smtClean="0"/>
+              <a:rPr lang="en-US" altLang="zh-TW" b="0" dirty="0" smtClean="0"/>
               <a:t>cd</a:t>
             </a:r>
             <a:r>
@@ -7634,7 +7650,7 @@
           </a:p>
           <a:p>
             <a:r>
-              <a:rPr lang="en-US" altLang="zh-TW" b="0" dirty="0" err="1" smtClean="0"/>
+              <a:rPr lang="en-US" altLang="zh-TW" b="0" dirty="0" smtClean="0"/>
               <a:t>npm</a:t>
             </a:r>
             <a:r>
@@ -7659,7 +7675,7 @@
               <a:t>grunt-</a:t>
             </a:r>
             <a:r>
-              <a:rPr lang="en-US" altLang="zh-TW" b="0" dirty="0" err="1" smtClean="0"/>
+              <a:rPr lang="en-US" altLang="zh-TW" b="0" dirty="0" smtClean="0"/>
               <a:t>cli</a:t>
             </a:r>
             <a:r>
@@ -7689,7 +7705,7 @@
           </a:p>
           <a:p>
             <a:r>
-              <a:rPr lang="en-US" altLang="zh-TW" b="0" dirty="0" err="1" smtClean="0"/>
+              <a:rPr lang="en-US" altLang="zh-TW" b="0" dirty="0" smtClean="0"/>
               <a:t>npm</a:t>
             </a:r>
             <a:r>
@@ -7709,7 +7725,7 @@
               <a:t> grunt-</a:t>
             </a:r>
             <a:r>
-              <a:rPr lang="en-US" altLang="zh-TW" b="0" dirty="0" err="1" smtClean="0"/>
+              <a:rPr lang="en-US" altLang="zh-TW" b="0" dirty="0" smtClean="0"/>
               <a:t>cli</a:t>
             </a:r>
             <a:r>
@@ -7879,8 +7895,10 @@
           </a:lstStyle>
           <a:p>
             <a:r>
+              <a:rPr dirty="0"/>
               <a:t>應用系統與DB的建立</a:t>
             </a:r>
+            <a:endParaRPr dirty="0"/>
           </a:p>
         </p:txBody>
       </p:sp>
@@ -7924,7 +7942,7 @@
                 <a:sym typeface="Arial"/>
               </a:defRPr>
             </a:pPr>
-            <a:endParaRPr/>
+            <a:endParaRPr dirty="0"/>
           </a:p>
         </p:txBody>
       </p:sp>
@@ -7965,8 +7983,8 @@
         </p:nvSpPr>
         <p:spPr>
           <a:xfrm>
-            <a:off x="581343" y="1382761"/>
-            <a:ext cx="2745737" cy="757425"/>
+            <a:off x="574349" y="1382761"/>
+            <a:ext cx="2759726" cy="892548"/>
           </a:xfrm>
           <a:prstGeom prst="rect">
             <a:avLst/>
@@ -7996,8 +8014,10 @@
           </a:lstStyle>
           <a:p>
             <a:r>
+              <a:rPr dirty="0"/>
               <a:t>開發框架</a:t>
             </a:r>
+            <a:endParaRPr dirty="0"/>
           </a:p>
         </p:txBody>
       </p:sp>
@@ -8066,7 +8086,7 @@
           </a:lstStyle>
           <a:p>
             <a:r>
-              <a:rPr dirty="0" err="1"/>
+              <a:rPr dirty="0"/>
               <a:t>應用系統</a:t>
             </a:r>
             <a:r>
@@ -8117,7 +8137,7 @@
               </a:defRPr>
             </a:pPr>
             <a:r>
-              <a:rPr dirty="0" err="1"/>
+              <a:rPr dirty="0"/>
               <a:t>安裝</a:t>
             </a:r>
             <a:r>
@@ -8172,7 +8192,7 @@
               <a:t> 是 Node.js </a:t>
             </a:r>
             <a:r>
-              <a:rPr b="0" dirty="0" err="1"/>
+              <a:rPr b="0" dirty="0"/>
               <a:t>上最流行的</a:t>
             </a:r>
             <a:r>
@@ -8180,7 +8200,7 @@
               <a:t> Web </a:t>
             </a:r>
             <a:r>
-              <a:rPr b="0" dirty="0" err="1"/>
+              <a:rPr b="0" dirty="0"/>
               <a:t>開發框架，正如他的名字一樣，使用它我們可以快速的開發一個</a:t>
             </a:r>
             <a:r>
@@ -8188,7 +8208,7 @@
               <a:t> Web </a:t>
             </a:r>
             <a:r>
-              <a:rPr b="0" dirty="0" err="1"/>
+              <a:rPr b="0" dirty="0"/>
               <a:t>應用</a:t>
             </a:r>
             <a:r>
@@ -8196,7 +8216,7 @@
               <a:t>。</a:t>
             </a:r>
             <a:r>
-              <a:rPr b="0" dirty="0" err="1"/>
+              <a:rPr b="0" dirty="0"/>
               <a:t>我們用</a:t>
             </a:r>
             <a:r>
@@ -8204,7 +8224,7 @@
               <a:t> express </a:t>
             </a:r>
             <a:r>
-              <a:rPr b="0" dirty="0" err="1"/>
+              <a:rPr b="0" dirty="0"/>
               <a:t>來搭建我們的應用系統，打開命令行，輸入</a:t>
             </a:r>
             <a:r>
@@ -8255,7 +8275,7 @@
               <a:t>$ </a:t>
             </a:r>
             <a:r>
-              <a:rPr dirty="0" err="1"/>
+              <a:rPr dirty="0"/>
               <a:t>npm</a:t>
             </a:r>
             <a:r>
@@ -8282,7 +8302,7 @@
               </a:defRPr>
             </a:pPr>
             <a:r>
-              <a:rPr dirty="0" err="1"/>
+              <a:rPr dirty="0"/>
               <a:t>安裝</a:t>
             </a:r>
             <a:r>
@@ -8290,7 +8310,7 @@
               <a:t> express </a:t>
             </a:r>
             <a:r>
-              <a:rPr dirty="0" err="1"/>
+              <a:rPr dirty="0"/>
               <a:t>命令行工具，使用它我們可以初始化一個</a:t>
             </a:r>
             <a:r>
@@ -8298,7 +8318,7 @@
               <a:t> express </a:t>
             </a:r>
             <a:r>
-              <a:rPr dirty="0" err="1"/>
+              <a:rPr dirty="0"/>
               <a:t>項目</a:t>
             </a:r>
             <a:r>
@@ -8373,7 +8393,12 @@
           </a:lstStyle>
           <a:p>
             <a:r>
-              <a:t>新建一個專案 : demo</a:t>
+              <a:rPr dirty="0"/>
+              <a:t>新建一個專案</a:t>
+            </a:r>
+            <a:r>
+              <a:rPr dirty="0"/>
+              <a:t> : demo</a:t>
             </a:r>
           </a:p>
         </p:txBody>
@@ -8419,7 +8444,12 @@
               </a:defRPr>
             </a:pPr>
             <a:r>
-              <a:t>在命令行中输入：</a:t>
+              <a:rPr dirty="0"/>
+              <a:t>在命令行中输入</a:t>
+            </a:r>
+            <a:r>
+              <a:rPr dirty="0"/>
+              <a:t>：</a:t>
             </a:r>
           </a:p>
           <a:p>
@@ -8441,6 +8471,7 @@
               </a:defRPr>
             </a:pPr>
             <a:r>
+              <a:rPr dirty="0"/>
               <a:t>$ express -e demo</a:t>
             </a:r>
           </a:p>
@@ -8463,7 +8494,24 @@
               </a:defRPr>
             </a:pPr>
             <a:r>
-              <a:t>$ cd demo &amp;&amp; npm install</a:t>
+              <a:rPr dirty="0"/>
+              <a:t>$ </a:t>
+            </a:r>
+            <a:r>
+              <a:rPr dirty="0"/>
+              <a:t>cd</a:t>
+            </a:r>
+            <a:r>
+              <a:rPr dirty="0"/>
+              <a:t> demo &amp;&amp; </a:t>
+            </a:r>
+            <a:r>
+              <a:rPr dirty="0"/>
+              <a:t>npm</a:t>
+            </a:r>
+            <a:r>
+              <a:rPr dirty="0"/>
+              <a:t> install</a:t>
             </a:r>
           </a:p>
           <a:p>
@@ -8485,8 +8533,18 @@
               </a:defRPr>
             </a:pPr>
             <a:r>
-              <a:t>初始化一個 express 項目並安裝所需模組</a:t>
-            </a:r>
+              <a:rPr dirty="0"/>
+              <a:t>初始化一個</a:t>
+            </a:r>
+            <a:r>
+              <a:rPr dirty="0"/>
+              <a:t> express </a:t>
+            </a:r>
+            <a:r>
+              <a:rPr dirty="0"/>
+              <a:t>項目並安裝所需模組</a:t>
+            </a:r>
+            <a:endParaRPr dirty="0"/>
           </a:p>
         </p:txBody>
       </p:sp>
@@ -8561,7 +8619,12 @@
           </a:lstStyle>
           <a:p>
             <a:r>
-              <a:t>啟用 web server</a:t>
+              <a:rPr dirty="0"/>
+              <a:t>啟用</a:t>
+            </a:r>
+            <a:r>
+              <a:rPr dirty="0"/>
+              <a:t> web server</a:t>
             </a:r>
           </a:p>
         </p:txBody>
@@ -8607,6 +8670,7 @@
               </a:defRPr>
             </a:pPr>
             <a:r>
+              <a:rPr dirty="0"/>
               <a:t>$ node ./bin/www</a:t>
             </a:r>
           </a:p>
@@ -8629,7 +8693,12 @@
               </a:defRPr>
             </a:pPr>
             <a:r>
-              <a:t>在瀏覽器裡訪問 localhost:3000，如下圖所示：</a:t>
+              <a:rPr dirty="0"/>
+              <a:t>在瀏覽器裡訪問</a:t>
+            </a:r>
+            <a:r>
+              <a:rPr dirty="0"/>
+              <a:t> localhost:3000，如下圖所示：</a:t>
             </a:r>
           </a:p>
         </p:txBody>
@@ -8738,7 +8807,7 @@
           </a:lstStyle>
           <a:p>
             <a:r>
-              <a:rPr dirty="0" err="1"/>
+              <a:rPr dirty="0"/>
               <a:t>我們回頭看看生成的工程目錄裡面都有什麼，打開我們的</a:t>
             </a:r>
             <a:r>
@@ -8746,7 +8815,7 @@
               <a:t> demo </a:t>
             </a:r>
             <a:r>
-              <a:rPr dirty="0" err="1"/>
+              <a:rPr dirty="0"/>
               <a:t>文件夾，裡面如圖所示</a:t>
             </a:r>
             <a:r>
@@ -8837,13 +8906,13 @@
               </a:defRPr>
             </a:pPr>
             <a:r>
-              <a:rPr dirty="0" err="1">
+              <a:rPr dirty="0">
                 <a:hlinkClick r:id="" action="ppaction://hlinkshowjump?jump=nextslide"/>
               </a:rPr>
               <a:t>app.js</a:t>
             </a:r>
             <a:r>
-              <a:rPr u="none" dirty="0" err="1">
+              <a:rPr u="none" dirty="0">
                 <a:solidFill>
                   <a:srgbClr val="585858"/>
                 </a:solidFill>
@@ -8869,13 +8938,13 @@
               </a:rPr>
             </a:br>
             <a:r>
-              <a:rPr dirty="0" err="1">
+              <a:rPr dirty="0">
                 <a:hlinkClick r:id="rId3" action="ppaction://hlinksldjump"/>
               </a:rPr>
               <a:t>package.json</a:t>
             </a:r>
             <a:r>
-              <a:rPr u="none" dirty="0" err="1">
+              <a:rPr u="none" dirty="0">
                 <a:solidFill>
                   <a:srgbClr val="585858"/>
                 </a:solidFill>
@@ -8893,7 +8962,7 @@
               <a:t> </a:t>
             </a:r>
             <a:r>
-              <a:rPr u="none" dirty="0" err="1">
+              <a:rPr u="none" dirty="0">
                 <a:solidFill>
                   <a:srgbClr val="585858"/>
                 </a:solidFill>
@@ -8911,7 +8980,7 @@
               <a:t> </a:t>
             </a:r>
             <a:r>
-              <a:rPr u="none" dirty="0" err="1">
+              <a:rPr u="none" dirty="0">
                 <a:solidFill>
                   <a:srgbClr val="585858"/>
                 </a:solidFill>
@@ -8929,7 +8998,7 @@
               <a:t> </a:t>
             </a:r>
             <a:r>
-              <a:rPr u="none" dirty="0" err="1">
+              <a:rPr u="none" dirty="0">
                 <a:solidFill>
                   <a:srgbClr val="585858"/>
                 </a:solidFill>
@@ -8955,7 +9024,7 @@
               </a:rPr>
             </a:br>
             <a:r>
-              <a:rPr u="none" dirty="0" err="1">
+              <a:rPr u="none" dirty="0">
                 <a:solidFill>
                   <a:srgbClr val="585858"/>
                 </a:solidFill>
@@ -8973,7 +9042,7 @@
               <a:t> </a:t>
             </a:r>
             <a:r>
-              <a:rPr u="none" dirty="0" err="1">
+              <a:rPr u="none" dirty="0">
                 <a:solidFill>
                   <a:srgbClr val="585858"/>
                 </a:solidFill>
@@ -8991,7 +9060,7 @@
               <a:t> </a:t>
             </a:r>
             <a:r>
-              <a:rPr u="none" dirty="0" err="1">
+              <a:rPr u="none" dirty="0">
                 <a:solidFill>
                   <a:srgbClr val="585858"/>
                 </a:solidFill>
@@ -9024,7 +9093,7 @@
               </a:defRPr>
             </a:pPr>
             <a:r>
-              <a:rPr dirty="0" err="1"/>
+              <a:rPr dirty="0"/>
               <a:t>public：存放image、css、js</a:t>
             </a:r>
             <a:r>
@@ -9032,7 +9101,7 @@
               <a:t> </a:t>
             </a:r>
             <a:r>
-              <a:rPr dirty="0" err="1"/>
+              <a:rPr dirty="0"/>
               <a:t>等文件</a:t>
             </a:r>
             <a:r>
@@ -9043,11 +9112,11 @@
               <a:rPr dirty="0"/>
             </a:br>
             <a:r>
-              <a:rPr dirty="0" err="1"/>
+              <a:rPr dirty="0"/>
               <a:t>routes：存放</a:t>
             </a:r>
             <a:r>
-              <a:rPr u="sng" dirty="0" err="1">
+              <a:rPr u="sng" dirty="0">
                 <a:solidFill>
                   <a:srgbClr val="0000FF"/>
                 </a:solidFill>
@@ -9061,7 +9130,7 @@
               <a:t>路由</a:t>
             </a:r>
             <a:r>
-              <a:rPr dirty="0" err="1"/>
+              <a:rPr dirty="0"/>
               <a:t>文件</a:t>
             </a:r>
             <a:endParaRPr dirty="0"/>
@@ -9085,11 +9154,11 @@
               </a:defRPr>
             </a:pPr>
             <a:r>
-              <a:rPr dirty="0" err="1"/>
+              <a:rPr dirty="0"/>
               <a:t>views：</a:t>
             </a:r>
             <a:r>
-              <a:rPr dirty="0" err="1" smtClean="0"/>
+              <a:rPr dirty="0" smtClean="0"/>
               <a:t>存放視圖文件或者說</a:t>
             </a:r>
             <a:r>
@@ -9101,7 +9170,7 @@
               <a:t>本</a:t>
             </a:r>
             <a:r>
-              <a:rPr dirty="0" err="1" smtClean="0"/>
+              <a:rPr dirty="0" smtClean="0"/>
               <a:t>文件</a:t>
             </a:r>
             <a:endParaRPr dirty="0"/>
@@ -9125,7 +9194,7 @@
               </a:defRPr>
             </a:pPr>
             <a:r>
-              <a:rPr dirty="0" err="1"/>
+              <a:rPr dirty="0"/>
               <a:t>bin：存放可執行文件</a:t>
             </a:r>
             <a:endParaRPr dirty="0"/>
@@ -9170,8 +9239,10 @@
           </a:lstStyle>
           <a:p>
             <a:r>
+              <a:rPr dirty="0"/>
               <a:t>專案結構</a:t>
             </a:r>
+            <a:endParaRPr dirty="0"/>
           </a:p>
         </p:txBody>
       </p:sp>
@@ -9186,7 +9257,7 @@
         <p:spPr>
           <a:xfrm>
             <a:off x="5108142" y="6170629"/>
-            <a:ext cx="1983045" cy="424781"/>
+            <a:ext cx="1983045" cy="446272"/>
           </a:xfrm>
           <a:prstGeom prst="rect">
             <a:avLst/>
@@ -9216,8 +9287,10 @@
           </a:lstStyle>
           <a:p>
             <a:r>
+              <a:rPr dirty="0"/>
               <a:t>MongoDB簡介</a:t>
             </a:r>
+            <a:endParaRPr dirty="0"/>
           </a:p>
         </p:txBody>
       </p:sp>
@@ -9292,8 +9365,10 @@
           </a:lstStyle>
           <a:p>
             <a:r>
+              <a:rPr dirty="0"/>
               <a:t>app.js入口檔案</a:t>
             </a:r>
+            <a:endParaRPr dirty="0"/>
           </a:p>
         </p:txBody>
       </p:sp>
@@ -9337,7 +9412,7 @@
               </a:defRPr>
             </a:pPr>
             <a:r>
-              <a:rPr sz="2400" dirty="0" err="1"/>
+              <a:rPr sz="2400" dirty="0"/>
               <a:t>var</a:t>
             </a:r>
             <a:r>
@@ -9353,11 +9428,11 @@
               <a:t>建立一個</a:t>
             </a:r>
             <a:r>
-              <a:rPr sz="2400" dirty="0" err="1" smtClean="0"/>
+              <a:rPr sz="2400" dirty="0" smtClean="0"/>
               <a:t>express</a:t>
             </a:r>
             <a:r>
-              <a:rPr sz="2400" dirty="0" err="1"/>
+              <a:rPr sz="2400" dirty="0"/>
               <a:t>實例app</a:t>
             </a:r>
             <a:r>
@@ -9381,7 +9456,7 @@
               </a:defRPr>
             </a:pPr>
             <a:r>
-              <a:rPr sz="2400" dirty="0" err="1"/>
+              <a:rPr sz="2400" dirty="0"/>
               <a:t>app.set</a:t>
             </a:r>
             <a:r>
@@ -9389,7 +9464,7 @@
               <a:t>('views', </a:t>
             </a:r>
             <a:r>
-              <a:rPr sz="2400" dirty="0" err="1"/>
+              <a:rPr sz="2400" dirty="0"/>
               <a:t>path.join</a:t>
             </a:r>
             <a:r>
@@ -9397,7 +9472,7 @@
               <a:t>(</a:t>
             </a:r>
             <a:r>
-              <a:rPr sz="2400" dirty="0" err="1"/>
+              <a:rPr sz="2400" dirty="0"/>
               <a:t>dirname</a:t>
             </a:r>
             <a:r>
@@ -9405,7 +9480,7 @@
               <a:t>, 'views’))：</a:t>
             </a:r>
             <a:r>
-              <a:rPr sz="2400" dirty="0" err="1"/>
+              <a:rPr sz="2400" dirty="0"/>
               <a:t>設置</a:t>
             </a:r>
             <a:r>
@@ -9413,7 +9488,7 @@
               <a:t> views </a:t>
             </a:r>
             <a:r>
-              <a:rPr sz="2400" dirty="0" err="1"/>
+              <a:rPr sz="2400" dirty="0"/>
               <a:t>文件夾為存放視圖文件的目錄</a:t>
             </a:r>
             <a:r>
@@ -9421,11 +9496,11 @@
               <a:t>, </a:t>
             </a:r>
             <a:r>
-              <a:rPr sz="2400" dirty="0" err="1"/>
+              <a:rPr sz="2400" dirty="0"/>
               <a:t>即存放</a:t>
             </a:r>
             <a:r>
-              <a:rPr sz="2400" b="1" dirty="0" err="1">
+              <a:rPr sz="2400" b="1" dirty="0">
                 <a:solidFill>
                   <a:schemeClr val="accent6">
                     <a:lumOff val="-9019"/>
@@ -9435,7 +9510,7 @@
               <a:t>範本</a:t>
             </a:r>
             <a:r>
-              <a:rPr sz="2400" dirty="0" err="1"/>
+              <a:rPr sz="2400" dirty="0"/>
               <a:t>文件的地方,dirname</a:t>
             </a:r>
             <a:r>
@@ -9443,7 +9518,7 @@
               <a:t> </a:t>
             </a:r>
             <a:r>
-              <a:rPr sz="2400" dirty="0" err="1"/>
+              <a:rPr sz="2400" dirty="0"/>
               <a:t>为全局變數,存儲當前正在執行的腳本所在的目錄</a:t>
             </a:r>
             <a:r>
@@ -9467,7 +9542,7 @@
               </a:defRPr>
             </a:pPr>
             <a:r>
-              <a:rPr sz="2400" dirty="0" err="1"/>
+              <a:rPr sz="2400" dirty="0"/>
               <a:t>app.set</a:t>
             </a:r>
             <a:r>
@@ -9475,7 +9550,7 @@
               <a:t>('view engine', '</a:t>
             </a:r>
             <a:r>
-              <a:rPr sz="2400" dirty="0" err="1"/>
+              <a:rPr sz="2400" dirty="0"/>
               <a:t>ejs</a:t>
             </a:r>
             <a:r>
@@ -9483,11 +9558,11 @@
               <a:t>’)：</a:t>
             </a:r>
             <a:r>
-              <a:rPr sz="2400" dirty="0" err="1"/>
+              <a:rPr sz="2400" dirty="0"/>
               <a:t>設置</a:t>
             </a:r>
             <a:r>
-              <a:rPr sz="2400" u="sng" dirty="0" err="1">
+              <a:rPr sz="2400" u="sng" dirty="0">
                 <a:solidFill>
                   <a:srgbClr val="0000FF"/>
                 </a:solidFill>
@@ -9501,7 +9576,7 @@
               <a:t>視圖範本引擎</a:t>
             </a:r>
             <a:r>
-              <a:rPr sz="2400" dirty="0" err="1"/>
+              <a:rPr sz="2400" dirty="0"/>
               <a:t>為</a:t>
             </a:r>
             <a:r>
@@ -9509,7 +9584,7 @@
               <a:t> </a:t>
             </a:r>
             <a:r>
-              <a:rPr sz="2400" dirty="0" err="1"/>
+              <a:rPr sz="2400" dirty="0"/>
               <a:t>ejs</a:t>
             </a:r>
             <a:r>
@@ -9533,7 +9608,7 @@
               </a:defRPr>
             </a:pPr>
             <a:r>
-              <a:rPr sz="2400" dirty="0" err="1"/>
+              <a:rPr sz="2400" dirty="0"/>
               <a:t>app.use</a:t>
             </a:r>
             <a:r>
@@ -9541,7 +9616,7 @@
               <a:t>(favicon(</a:t>
             </a:r>
             <a:r>
-              <a:rPr sz="2400" dirty="0" err="1"/>
+              <a:rPr sz="2400" dirty="0"/>
               <a:t>dirname</a:t>
             </a:r>
             <a:r>
@@ -9549,7 +9624,7 @@
               <a:t> + ‘/public/favicon.ico’))：</a:t>
             </a:r>
             <a:r>
-              <a:rPr sz="2400" dirty="0" err="1"/>
+              <a:rPr sz="2400" dirty="0"/>
               <a:t>設置</a:t>
             </a:r>
             <a:r>
@@ -9557,7 +9632,7 @@
               <a:t>/public/</a:t>
             </a:r>
             <a:r>
-              <a:rPr sz="2400" dirty="0" err="1"/>
+              <a:rPr sz="2400" dirty="0"/>
               <a:t>favicon.ico為favicon圖標</a:t>
             </a:r>
             <a:r>
@@ -9581,7 +9656,7 @@
               </a:defRPr>
             </a:pPr>
             <a:r>
-              <a:rPr sz="2400" dirty="0" err="1"/>
+              <a:rPr sz="2400" dirty="0"/>
               <a:t>app.use</a:t>
             </a:r>
             <a:r>
@@ -9589,7 +9664,7 @@
               <a:t>(logger('dev’))：</a:t>
             </a:r>
             <a:r>
-              <a:rPr sz="2400" dirty="0" err="1"/>
+              <a:rPr sz="2400" dirty="0"/>
               <a:t>加載日誌中間件</a:t>
             </a:r>
             <a:r>
@@ -9611,7 +9686,7 @@
         <p:spPr>
           <a:xfrm>
             <a:off x="4759559" y="6167963"/>
-            <a:ext cx="2418912" cy="375156"/>
+            <a:ext cx="2418912" cy="451145"/>
           </a:xfrm>
           <a:prstGeom prst="rect">
             <a:avLst/>
@@ -9647,8 +9722,10 @@
           </a:lstStyle>
           <a:p>
             <a:r>
+              <a:rPr dirty="0"/>
               <a:t>返回專案結構</a:t>
             </a:r>
+            <a:endParaRPr dirty="0"/>
           </a:p>
         </p:txBody>
       </p:sp>
@@ -9738,7 +9815,7 @@
               </a:defRPr>
             </a:pPr>
             <a:r>
-              <a:rPr lang="en-US" altLang="zh-TW" dirty="0" err="1" smtClean="0"/>
+              <a:rPr lang="en-US" altLang="zh-TW" dirty="0" smtClean="0"/>
               <a:t>Nodejs</a:t>
             </a:r>
             <a:r>
@@ -9746,7 +9823,7 @@
               <a:t>模組應用及</a:t>
             </a:r>
             <a:r>
-              <a:rPr dirty="0" err="1" smtClean="0"/>
+              <a:rPr dirty="0" smtClean="0"/>
               <a:t>MQTT介紹</a:t>
             </a:r>
             <a:endParaRPr lang="en-US" altLang="zh-TW" dirty="0" smtClean="0"/>
@@ -9840,7 +9917,7 @@
               </a:defRPr>
             </a:pPr>
             <a:r>
-              <a:rPr dirty="0" err="1"/>
+              <a:rPr dirty="0"/>
               <a:t>應用系統與DB的建立</a:t>
             </a:r>
             <a:r>
@@ -9876,7 +9953,7 @@
               </a:defRPr>
             </a:pPr>
             <a:r>
-              <a:rPr dirty="0" err="1"/>
+              <a:rPr dirty="0"/>
               <a:t>Web可視化GUI</a:t>
             </a:r>
             <a:r>
@@ -9884,7 +9961,7 @@
               <a:t> </a:t>
             </a:r>
             <a:r>
-              <a:rPr dirty="0" err="1" smtClean="0"/>
+              <a:rPr dirty="0" smtClean="0"/>
               <a:t>開發與操作</a:t>
             </a:r>
             <a:r>
@@ -9920,7 +9997,7 @@
               </a:defRPr>
             </a:pPr>
             <a:r>
-              <a:rPr lang="en-US" dirty="0" err="1" smtClean="0"/>
+              <a:rPr lang="en-US" dirty="0" smtClean="0"/>
               <a:t>RESTful</a:t>
             </a:r>
             <a:r>
@@ -9959,6 +10036,7 @@
           </a:lstStyle>
           <a:p>
             <a:r>
+              <a:rPr dirty="0"/>
               <a:t>Item</a:t>
             </a:r>
           </a:p>
@@ -10035,8 +10113,10 @@
           </a:lstStyle>
           <a:p>
             <a:r>
+              <a:rPr dirty="0"/>
               <a:t>app.js入口檔案</a:t>
             </a:r>
+            <a:endParaRPr dirty="0"/>
           </a:p>
         </p:txBody>
       </p:sp>
@@ -10080,7 +10160,7 @@
               </a:defRPr>
             </a:pPr>
             <a:r>
-              <a:rPr sz="2400" dirty="0" err="1" smtClean="0"/>
+              <a:rPr sz="2400" dirty="0" smtClean="0"/>
               <a:t>app.use</a:t>
             </a:r>
             <a:r>
@@ -10088,7 +10168,7 @@
               <a:t>(</a:t>
             </a:r>
             <a:r>
-              <a:rPr sz="2400" dirty="0" err="1" smtClean="0"/>
+              <a:rPr sz="2400" dirty="0" smtClean="0"/>
               <a:t>bodyParser.json</a:t>
             </a:r>
             <a:r>
@@ -10096,7 +10176,7 @@
               <a:t>())：</a:t>
             </a:r>
             <a:r>
-              <a:rPr sz="2400" dirty="0" err="1" smtClean="0"/>
+              <a:rPr sz="2400" dirty="0" smtClean="0"/>
               <a:t>加載解析JSON的中間件</a:t>
             </a:r>
             <a:r>
@@ -10120,7 +10200,7 @@
               </a:defRPr>
             </a:pPr>
             <a:r>
-              <a:rPr sz="2400" dirty="0" err="1" smtClean="0"/>
+              <a:rPr sz="2400" dirty="0" smtClean="0"/>
               <a:t>app.use</a:t>
             </a:r>
             <a:r>
@@ -10128,7 +10208,7 @@
               <a:t>(</a:t>
             </a:r>
             <a:r>
-              <a:rPr sz="2400" dirty="0" err="1" smtClean="0"/>
+              <a:rPr sz="2400" dirty="0" smtClean="0"/>
               <a:t>bodyParser.urlencoded</a:t>
             </a:r>
             <a:r>
@@ -10136,7 +10216,7 @@
               <a:t>({ extended: false }))：</a:t>
             </a:r>
             <a:r>
-              <a:rPr sz="2400" dirty="0" err="1" smtClean="0"/>
+              <a:rPr sz="2400" dirty="0" smtClean="0"/>
               <a:t>加載解析urlencoded请求体的中间件</a:t>
             </a:r>
             <a:r>
@@ -10160,7 +10240,7 @@
               </a:defRPr>
             </a:pPr>
             <a:r>
-              <a:rPr sz="2400" dirty="0" err="1" smtClean="0"/>
+              <a:rPr sz="2400" dirty="0" smtClean="0"/>
               <a:t>app.use</a:t>
             </a:r>
             <a:r>
@@ -10168,7 +10248,7 @@
               <a:t>(</a:t>
             </a:r>
             <a:r>
-              <a:rPr sz="2400" dirty="0" err="1" smtClean="0"/>
+              <a:rPr sz="2400" dirty="0" smtClean="0"/>
               <a:t>cookieParser</a:t>
             </a:r>
             <a:r>
@@ -10176,7 +10256,7 @@
               <a:t>())：</a:t>
             </a:r>
             <a:r>
-              <a:rPr sz="2400" dirty="0" err="1" smtClean="0"/>
+              <a:rPr sz="2400" dirty="0" smtClean="0"/>
               <a:t>加載解析cookie的中</a:t>
             </a:r>
             <a:r>
@@ -10204,7 +10284,7 @@
               </a:defRPr>
             </a:pPr>
             <a:r>
-              <a:rPr sz="2400" dirty="0" err="1" smtClean="0"/>
+              <a:rPr sz="2400" dirty="0" smtClean="0"/>
               <a:t>app.use</a:t>
             </a:r>
             <a:r>
@@ -10212,7 +10292,7 @@
               <a:t>(</a:t>
             </a:r>
             <a:r>
-              <a:rPr sz="2400" dirty="0" err="1" smtClean="0"/>
+              <a:rPr sz="2400" dirty="0" smtClean="0"/>
               <a:t>express.static</a:t>
             </a:r>
             <a:r>
@@ -10220,7 +10300,7 @@
               <a:t>(</a:t>
             </a:r>
             <a:r>
-              <a:rPr sz="2400" dirty="0" err="1" smtClean="0"/>
+              <a:rPr sz="2400" dirty="0" smtClean="0"/>
               <a:t>path.join</a:t>
             </a:r>
             <a:r>
@@ -10228,7 +10308,7 @@
               <a:t>(</a:t>
             </a:r>
             <a:r>
-              <a:rPr sz="2400" dirty="0" err="1" smtClean="0"/>
+              <a:rPr sz="2400" dirty="0" smtClean="0"/>
               <a:t>dirname</a:t>
             </a:r>
             <a:r>
@@ -10236,7 +10316,7 @@
               <a:t>, ‘public')))：</a:t>
             </a:r>
             <a:r>
-              <a:rPr sz="2400" dirty="0" err="1" smtClean="0"/>
+              <a:rPr sz="2400" dirty="0" smtClean="0"/>
               <a:t>設置public為存放靜態文件的目錄</a:t>
             </a:r>
             <a:r>
@@ -10260,7 +10340,7 @@
               </a:defRPr>
             </a:pPr>
             <a:r>
-              <a:rPr sz="2400" dirty="0" err="1" smtClean="0"/>
+              <a:rPr sz="2400" dirty="0" smtClean="0"/>
               <a:t>app.use</a:t>
             </a:r>
             <a:r>
@@ -10268,7 +10348,7 @@
               <a:t>('/', routes);</a:t>
             </a:r>
             <a:r>
-              <a:rPr sz="2400" dirty="0" err="1" smtClean="0"/>
+              <a:rPr sz="2400" dirty="0" smtClean="0"/>
               <a:t>和app.use</a:t>
             </a:r>
             <a:r>
@@ -10276,7 +10356,7 @@
               <a:t>('/users', users)：</a:t>
             </a:r>
             <a:r>
-              <a:rPr sz="2400" dirty="0" err="1" smtClean="0"/>
+              <a:rPr sz="2400" dirty="0" smtClean="0"/>
               <a:t>路由控制器</a:t>
             </a:r>
             <a:r>
@@ -10298,7 +10378,7 @@
         <p:spPr>
           <a:xfrm>
             <a:off x="4759559" y="6167963"/>
-            <a:ext cx="2418912" cy="375156"/>
+            <a:ext cx="2418912" cy="451145"/>
           </a:xfrm>
           <a:prstGeom prst="rect">
             <a:avLst/>
@@ -10334,8 +10414,10 @@
           </a:lstStyle>
           <a:p>
             <a:r>
+              <a:rPr dirty="0"/>
               <a:t>返回專案結構</a:t>
             </a:r>
+            <a:endParaRPr dirty="0"/>
           </a:p>
         </p:txBody>
       </p:sp>
@@ -10456,7 +10538,7 @@
               <a:t>(1)#!/</a:t>
             </a:r>
             <a:r>
-              <a:rPr lang="en-US" altLang="zh-TW" sz="2800" dirty="0" err="1"/>
+              <a:rPr lang="en-US" altLang="zh-TW" sz="2800" dirty="0"/>
               <a:t>usr</a:t>
             </a:r>
             <a:r>
@@ -10464,7 +10546,7 @@
               <a:t>/bin/</a:t>
             </a:r>
             <a:r>
-              <a:rPr lang="en-US" altLang="zh-TW" sz="2800" dirty="0" err="1"/>
+              <a:rPr lang="en-US" altLang="zh-TW" sz="2800" dirty="0"/>
               <a:t>env</a:t>
             </a:r>
             <a:r>
@@ -10490,7 +10572,7 @@
               <a:t>(2)</a:t>
             </a:r>
             <a:r>
-              <a:rPr lang="en-US" altLang="zh-TW" sz="2800" dirty="0" err="1"/>
+              <a:rPr lang="en-US" altLang="zh-TW" sz="2800" dirty="0"/>
               <a:t>var</a:t>
             </a:r>
             <a:r>
@@ -10525,7 +10607,7 @@
               <a:t>3)</a:t>
             </a:r>
             <a:r>
-              <a:rPr lang="en-US" altLang="zh-TW" sz="2800" dirty="0" err="1"/>
+              <a:rPr lang="en-US" altLang="zh-TW" sz="2800" dirty="0"/>
               <a:t>var</a:t>
             </a:r>
             <a:r>
@@ -10551,7 +10633,7 @@
               <a:t>(4)</a:t>
             </a:r>
             <a:r>
-              <a:rPr lang="en-US" altLang="zh-TW" sz="2800" dirty="0" err="1"/>
+              <a:rPr lang="en-US" altLang="zh-TW" sz="2800" dirty="0"/>
               <a:t>app.set</a:t>
             </a:r>
             <a:r>
@@ -10559,7 +10641,7 @@
               <a:t>('port', </a:t>
             </a:r>
             <a:r>
-              <a:rPr lang="en-US" altLang="zh-TW" sz="2800" dirty="0" err="1"/>
+              <a:rPr lang="en-US" altLang="zh-TW" sz="2800" dirty="0"/>
               <a:t>process.env.PORT</a:t>
             </a:r>
             <a:r>
@@ -10603,7 +10685,7 @@
         <p:spPr>
           <a:xfrm>
             <a:off x="4759559" y="6167963"/>
-            <a:ext cx="2418912" cy="375156"/>
+            <a:ext cx="2418912" cy="451145"/>
           </a:xfrm>
           <a:prstGeom prst="rect">
             <a:avLst/>
@@ -10639,8 +10721,10 @@
           </a:lstStyle>
           <a:p>
             <a:r>
+              <a:rPr dirty="0"/>
               <a:t>返回專案結構</a:t>
             </a:r>
+            <a:endParaRPr dirty="0"/>
           </a:p>
         </p:txBody>
       </p:sp>
@@ -10715,8 +10799,10 @@
           </a:lstStyle>
           <a:p>
             <a:r>
+              <a:rPr dirty="0"/>
               <a:t>範本引擎</a:t>
             </a:r>
+            <a:endParaRPr dirty="0"/>
           </a:p>
         </p:txBody>
       </p:sp>
@@ -10760,7 +10846,7 @@
               </a:defRPr>
             </a:pPr>
             <a:r>
-              <a:rPr dirty="0" err="1"/>
+              <a:rPr dirty="0"/>
               <a:t>範本引擎</a:t>
             </a:r>
             <a:r>
@@ -10834,11 +10920,11 @@
               <a:t>在 MVC </a:t>
             </a:r>
             <a:r>
-              <a:rPr dirty="0" err="1"/>
+              <a:rPr dirty="0"/>
               <a:t>架構中，</a:t>
             </a:r>
             <a:r>
-              <a:rPr b="1" dirty="0" err="1">
+              <a:rPr b="1" dirty="0">
                 <a:solidFill>
                   <a:schemeClr val="accent6">
                     <a:lumOff val="-9019"/>
@@ -10848,11 +10934,19 @@
               <a:t>範本引擎</a:t>
             </a:r>
             <a:r>
-              <a:rPr dirty="0" err="1"/>
-              <a:t>包含在服務器端。控制器得到用戶請求後，從模型獲取數據，調用</a:t>
-            </a:r>
-            <a:r>
-              <a:rPr b="1" dirty="0" err="1">
+              <a:rPr dirty="0"/>
+              <a:t>包含在服務器端</a:t>
+            </a:r>
+            <a:r>
+              <a:rPr dirty="0"/>
+              <a:t>。</a:t>
+            </a:r>
+            <a:r>
+              <a:rPr dirty="0"/>
+              <a:t>控制器得到用戶請求後，從模型獲取數據，調用</a:t>
+            </a:r>
+            <a:r>
+              <a:rPr b="1" dirty="0">
                 <a:solidFill>
                   <a:schemeClr val="accent6">
                     <a:lumOff val="-9019"/>
@@ -10862,11 +10956,11 @@
               <a:t>範本引擎</a:t>
             </a:r>
             <a:r>
-              <a:rPr dirty="0" err="1"/>
+              <a:rPr dirty="0"/>
               <a:t>。</a:t>
             </a:r>
             <a:r>
-              <a:rPr b="1" dirty="0" err="1">
+              <a:rPr b="1" dirty="0">
                 <a:solidFill>
                   <a:schemeClr val="accent6">
                     <a:lumOff val="-9019"/>
@@ -10876,11 +10970,11 @@
               <a:t>範本引擎</a:t>
             </a:r>
             <a:r>
-              <a:rPr dirty="0" err="1"/>
+              <a:rPr dirty="0"/>
               <a:t>以數據和頁面</a:t>
             </a:r>
             <a:r>
-              <a:rPr b="1" dirty="0" err="1">
+              <a:rPr b="1" dirty="0">
                 <a:solidFill>
                   <a:schemeClr val="accent6">
                     <a:lumOff val="-9019"/>
@@ -10890,7 +10984,7 @@
               <a:t>範本</a:t>
             </a:r>
             <a:r>
-              <a:rPr dirty="0" err="1"/>
+              <a:rPr dirty="0"/>
               <a:t>為輸入，生成</a:t>
             </a:r>
             <a:r>
@@ -10898,7 +10992,7 @@
               <a:t> HTML </a:t>
             </a:r>
             <a:r>
-              <a:rPr dirty="0" err="1"/>
+              <a:rPr dirty="0"/>
               <a:t>頁面，然後返回給控制器，由控制器交回客戶端</a:t>
             </a:r>
             <a:r>
@@ -10979,6 +11073,7 @@
           </a:lstStyle>
           <a:p>
             <a:r>
+              <a:rPr dirty="0"/>
               <a:t>EJS </a:t>
             </a:r>
           </a:p>
@@ -11031,7 +11126,7 @@
               <a:t>EJS </a:t>
             </a:r>
             <a:r>
-              <a:rPr dirty="0" err="1"/>
+              <a:rPr dirty="0"/>
               <a:t>是一個</a:t>
             </a:r>
             <a:r>
@@ -11043,7 +11138,7 @@
               <a:t>JavaScript </a:t>
             </a:r>
             <a:r>
-              <a:rPr dirty="0" err="1"/>
+              <a:rPr dirty="0"/>
               <a:t>函式庫，可將傳統的</a:t>
             </a:r>
             <a:r>
@@ -11051,7 +11146,7 @@
               <a:t> HTML </a:t>
             </a:r>
             <a:r>
-              <a:rPr dirty="0" err="1"/>
+              <a:rPr dirty="0"/>
               <a:t>程式碼分離成範本（template）與</a:t>
             </a:r>
             <a:r>
@@ -11059,7 +11154,7 @@
               <a:t> JSON </a:t>
             </a:r>
             <a:r>
-              <a:rPr dirty="0" err="1"/>
+              <a:rPr dirty="0"/>
               <a:t>形式的資料（data</a:t>
             </a:r>
             <a:r>
@@ -11178,7 +11273,7 @@
               <a:t> </a:t>
             </a:r>
             <a:r>
-              <a:rPr dirty="0" err="1"/>
+              <a:rPr dirty="0"/>
               <a:t>使用</a:t>
             </a:r>
             <a:r>
@@ -11186,7 +11281,7 @@
               <a:t> &lt;% %&gt; 或 [% %] </a:t>
             </a:r>
             <a:r>
-              <a:rPr dirty="0" err="1"/>
+              <a:rPr dirty="0"/>
               <a:t>作為內崁</a:t>
             </a:r>
             <a:r>
@@ -11194,7 +11289,7 @@
               <a:t> JavaScript </a:t>
             </a:r>
             <a:r>
-              <a:rPr dirty="0" err="1"/>
+              <a:rPr dirty="0"/>
               <a:t>的關鍵符號，也就是說放在這中間的部分就會被視為</a:t>
             </a:r>
             <a:r>
@@ -11202,7 +11297,7 @@
               <a:t> JavaScript </a:t>
             </a:r>
             <a:r>
-              <a:rPr dirty="0" err="1"/>
+              <a:rPr dirty="0"/>
               <a:t>來執行，另外如果放在</a:t>
             </a:r>
             <a:r>
@@ -11210,7 +11305,7 @@
               <a:t> &lt;%= %&gt; </a:t>
             </a:r>
             <a:r>
-              <a:rPr dirty="0" err="1"/>
+              <a:rPr dirty="0"/>
               <a:t>裡面的</a:t>
             </a:r>
             <a:r>
@@ -11218,7 +11313,7 @@
               <a:t> JavaScript </a:t>
             </a:r>
             <a:r>
-              <a:rPr dirty="0" err="1"/>
+              <a:rPr dirty="0"/>
               <a:t>變數，則會以</a:t>
             </a:r>
             <a:r>
@@ -11226,7 +11321,7 @@
               <a:t> </a:t>
             </a:r>
             <a:r>
-              <a:rPr dirty="0" err="1"/>
+              <a:rPr dirty="0"/>
               <a:t>toString</a:t>
             </a:r>
             <a:r>
@@ -11234,7 +11329,7 @@
               <a:t>() </a:t>
             </a:r>
             <a:r>
-              <a:rPr dirty="0" err="1"/>
+              <a:rPr dirty="0"/>
               <a:t>的方式將其轉換為字串，並加入至網頁中</a:t>
             </a:r>
             <a:r>
@@ -11284,7 +11379,7 @@
         <p:spPr>
           <a:xfrm>
             <a:off x="4759559" y="6167963"/>
-            <a:ext cx="2418912" cy="377950"/>
+            <a:ext cx="2418912" cy="451145"/>
           </a:xfrm>
           <a:prstGeom prst="rect">
             <a:avLst/>
@@ -11319,10 +11414,11 @@
               </a:defRPr>
             </a:pPr>
             <a:r>
+              <a:rPr dirty="0"/>
               <a:t>返回入口</a:t>
             </a:r>
             <a:r>
-              <a:rPr u="sng">
+              <a:rPr u="sng" dirty="0">
                 <a:solidFill>
                   <a:srgbClr val="0000FF"/>
                 </a:solidFill>
@@ -11335,6 +11431,17 @@
               </a:rPr>
               <a:t>檔案</a:t>
             </a:r>
+            <a:endParaRPr u="sng" dirty="0">
+              <a:solidFill>
+                <a:srgbClr val="0000FF"/>
+              </a:solidFill>
+              <a:uFill>
+                <a:solidFill>
+                  <a:srgbClr val="0000FF"/>
+                </a:solidFill>
+              </a:uFill>
+              <a:hlinkClick r:id="rId4" action="ppaction://hlinksldjump"/>
+            </a:endParaRPr>
           </a:p>
         </p:txBody>
       </p:sp>
@@ -11409,8 +11516,10 @@
           </a:lstStyle>
           <a:p>
             <a:r>
+              <a:rPr dirty="0"/>
               <a:t>package.json</a:t>
             </a:r>
+            <a:endParaRPr dirty="0"/>
           </a:p>
         </p:txBody>
       </p:sp>
@@ -11423,7 +11532,7 @@
         <p:spPr>
           <a:xfrm>
             <a:off x="636398" y="1411069"/>
-            <a:ext cx="7182061" cy="4402373"/>
+            <a:ext cx="7182061" cy="4539700"/>
           </a:xfrm>
           <a:prstGeom prst="rect">
             <a:avLst/>
@@ -11452,6 +11561,7 @@
               </a:defRPr>
             </a:pPr>
             <a:r>
+              <a:rPr dirty="0"/>
               <a:t>{</a:t>
             </a:r>
           </a:p>
@@ -11465,6 +11575,7 @@
               </a:defRPr>
             </a:pPr>
             <a:r>
+              <a:rPr dirty="0"/>
               <a:t>  "name": "demo",</a:t>
             </a:r>
           </a:p>
@@ -11478,6 +11589,7 @@
               </a:defRPr>
             </a:pPr>
             <a:r>
+              <a:rPr dirty="0"/>
               <a:t>  "version": "0.0.0",</a:t>
             </a:r>
           </a:p>
@@ -11491,6 +11603,7 @@
               </a:defRPr>
             </a:pPr>
             <a:r>
+              <a:rPr dirty="0"/>
               <a:t>  "private": true,</a:t>
             </a:r>
           </a:p>
@@ -11504,6 +11617,7 @@
               </a:defRPr>
             </a:pPr>
             <a:r>
+              <a:rPr dirty="0"/>
               <a:t>  "scripts": {</a:t>
             </a:r>
           </a:p>
@@ -11517,6 +11631,7 @@
               </a:defRPr>
             </a:pPr>
             <a:r>
+              <a:rPr dirty="0"/>
               <a:t>    "start": "node ./bin/www"</a:t>
             </a:r>
           </a:p>
@@ -11530,6 +11645,7 @@
               </a:defRPr>
             </a:pPr>
             <a:r>
+              <a:rPr dirty="0"/>
               <a:t>  },</a:t>
             </a:r>
           </a:p>
@@ -11543,6 +11659,7 @@
               </a:defRPr>
             </a:pPr>
             <a:r>
+              <a:rPr dirty="0"/>
               <a:t>  "dependencies": {</a:t>
             </a:r>
           </a:p>
@@ -11556,6 +11673,7 @@
               </a:defRPr>
             </a:pPr>
             <a:r>
+              <a:rPr dirty="0"/>
               <a:t>    "body-parser": "~1.13.2",</a:t>
             </a:r>
           </a:p>
@@ -11569,6 +11687,7 @@
               </a:defRPr>
             </a:pPr>
             <a:r>
+              <a:rPr dirty="0"/>
               <a:t>    "cookie-parser": "~1.3.5",</a:t>
             </a:r>
           </a:p>
@@ -11582,6 +11701,7 @@
               </a:defRPr>
             </a:pPr>
             <a:r>
+              <a:rPr dirty="0"/>
               <a:t>    "debug": "~2.2.0",</a:t>
             </a:r>
           </a:p>
@@ -11595,7 +11715,16 @@
               </a:defRPr>
             </a:pPr>
             <a:r>
-              <a:t>    "ejs": "~2.3.3",</a:t>
+              <a:rPr dirty="0"/>
+              <a:t>    "</a:t>
+            </a:r>
+            <a:r>
+              <a:rPr dirty="0"/>
+              <a:t>ejs</a:t>
+            </a:r>
+            <a:r>
+              <a:rPr dirty="0"/>
+              <a:t>": "~2.3.3",</a:t>
             </a:r>
           </a:p>
           <a:p>
@@ -11608,6 +11737,7 @@
               </a:defRPr>
             </a:pPr>
             <a:r>
+              <a:rPr dirty="0"/>
               <a:t>    "express": "~4.13.1",</a:t>
             </a:r>
           </a:p>
@@ -11621,7 +11751,16 @@
               </a:defRPr>
             </a:pPr>
             <a:r>
-              <a:t>    "morgan": "~1.6.1",</a:t>
+              <a:rPr dirty="0"/>
+              <a:t>    "</a:t>
+            </a:r>
+            <a:r>
+              <a:rPr dirty="0"/>
+              <a:t>morgan</a:t>
+            </a:r>
+            <a:r>
+              <a:rPr dirty="0"/>
+              <a:t>": "~1.6.1",</a:t>
             </a:r>
           </a:p>
           <a:p>
@@ -11634,7 +11773,16 @@
               </a:defRPr>
             </a:pPr>
             <a:r>
-              <a:t>    "serve-favicon": "~2.3.0"</a:t>
+              <a:rPr dirty="0"/>
+              <a:t>    "serve-</a:t>
+            </a:r>
+            <a:r>
+              <a:rPr dirty="0"/>
+              <a:t>favicon</a:t>
+            </a:r>
+            <a:r>
+              <a:rPr dirty="0"/>
+              <a:t>": "~2.3.0"</a:t>
             </a:r>
           </a:p>
           <a:p>
@@ -11647,6 +11795,7 @@
               </a:defRPr>
             </a:pPr>
             <a:r>
+              <a:rPr dirty="0"/>
               <a:t>  }</a:t>
             </a:r>
           </a:p>
@@ -11660,6 +11809,7 @@
               </a:defRPr>
             </a:pPr>
             <a:r>
+              <a:rPr dirty="0"/>
               <a:t>}</a:t>
             </a:r>
           </a:p>
@@ -11676,7 +11826,7 @@
         <p:spPr>
           <a:xfrm>
             <a:off x="4975459" y="6195440"/>
-            <a:ext cx="2418912" cy="375156"/>
+            <a:ext cx="2418912" cy="451145"/>
           </a:xfrm>
           <a:prstGeom prst="rect">
             <a:avLst/>
@@ -11712,8 +11862,10 @@
           </a:lstStyle>
           <a:p>
             <a:r>
+              <a:rPr dirty="0"/>
               <a:t>返回專案結構</a:t>
             </a:r>
+            <a:endParaRPr dirty="0"/>
           </a:p>
         </p:txBody>
       </p:sp>
@@ -11788,8 +11940,10 @@
           </a:lstStyle>
           <a:p>
             <a:r>
+              <a:rPr dirty="0"/>
               <a:t>路由</a:t>
             </a:r>
+            <a:endParaRPr dirty="0"/>
           </a:p>
         </p:txBody>
       </p:sp>
@@ -11833,7 +11987,7 @@
                 <a:sym typeface="Arial"/>
               </a:defRPr>
             </a:pPr>
-            <a:endParaRPr/>
+            <a:endParaRPr dirty="0"/>
           </a:p>
           <a:p>
             <a:pPr algn="l">
@@ -11854,6 +12008,7 @@
               </a:defRPr>
             </a:pPr>
             <a:r>
+              <a:rPr dirty="0"/>
               <a:t>    </a:t>
             </a:r>
           </a:p>
@@ -11900,7 +12055,7 @@
               <a:pPr/>
               <a:t>25</a:t>
             </a:fld>
-            <a:endParaRPr/>
+            <a:endParaRPr dirty="0"/>
           </a:p>
         </p:txBody>
       </p:sp>
@@ -11975,7 +12130,7 @@
                   <a:sym typeface="Arial"/>
                 </a:defRPr>
               </a:pPr>
-              <a:endParaRPr/>
+              <a:endParaRPr dirty="0"/>
             </a:p>
           </p:txBody>
         </p:sp>
@@ -12021,6 +12176,7 @@
             </a:lstStyle>
             <a:p>
               <a:r>
+                <a:rPr dirty="0"/>
                 <a:t>app.js</a:t>
               </a:r>
             </a:p>
@@ -12059,7 +12215,7 @@
           <a:bodyPr lIns="45718" tIns="45718" rIns="45718" bIns="45718"/>
           <a:lstStyle/>
           <a:p>
-            <a:endParaRPr/>
+            <a:endParaRPr dirty="0"/>
           </a:p>
         </p:txBody>
       </p:sp>
@@ -12134,7 +12290,7 @@
                   <a:sym typeface="Arial"/>
                 </a:defRPr>
               </a:pPr>
-              <a:endParaRPr/>
+              <a:endParaRPr dirty="0"/>
             </a:p>
           </p:txBody>
         </p:sp>
@@ -12180,6 +12336,7 @@
             </a:lstStyle>
             <a:p>
               <a:r>
+                <a:rPr dirty="0"/>
                 <a:t>index.js</a:t>
               </a:r>
             </a:p>
@@ -12218,7 +12375,7 @@
           <a:bodyPr lIns="45718" tIns="45718" rIns="45718" bIns="45718"/>
           <a:lstStyle/>
           <a:p>
-            <a:endParaRPr/>
+            <a:endParaRPr dirty="0"/>
           </a:p>
         </p:txBody>
       </p:sp>
@@ -12293,7 +12450,7 @@
                   <a:sym typeface="Arial"/>
                 </a:defRPr>
               </a:pPr>
-              <a:endParaRPr/>
+              <a:endParaRPr dirty="0"/>
             </a:p>
           </p:txBody>
         </p:sp>
@@ -12338,10 +12495,11 @@
                 </a:defRPr>
               </a:pPr>
               <a:r>
+                <a:rPr dirty="0"/>
                 <a:t>index.</a:t>
               </a:r>
               <a:r>
-                <a:rPr>
+                <a:rPr dirty="0">
                   <a:solidFill>
                     <a:schemeClr val="accent6">
                       <a:lumOff val="-9019"/>
@@ -12363,7 +12521,7 @@
         <p:spPr>
           <a:xfrm>
             <a:off x="373420" y="2217759"/>
-            <a:ext cx="1399091" cy="264252"/>
+            <a:ext cx="1397173" cy="276995"/>
           </a:xfrm>
           <a:prstGeom prst="rect">
             <a:avLst/>
@@ -12393,7 +12551,12 @@
           </a:lstStyle>
           <a:p>
             <a:r>
-              <a:t>app.use('/', routes);</a:t>
+              <a:rPr dirty="0"/>
+              <a:t>app.use</a:t>
+            </a:r>
+            <a:r>
+              <a:rPr dirty="0"/>
+              <a:t>('/', routes);</a:t>
             </a:r>
           </a:p>
         </p:txBody>
@@ -12407,7 +12570,7 @@
         <p:spPr>
           <a:xfrm>
             <a:off x="339023" y="1901775"/>
-            <a:ext cx="2546779" cy="264251"/>
+            <a:ext cx="2552939" cy="276995"/>
           </a:xfrm>
           <a:prstGeom prst="rect">
             <a:avLst/>
@@ -12437,7 +12600,12 @@
           </a:lstStyle>
           <a:p>
             <a:r>
-              <a:t>var routes = require('./routes/index');</a:t>
+              <a:rPr dirty="0"/>
+              <a:t>var</a:t>
+            </a:r>
+            <a:r>
+              <a:rPr dirty="0"/>
+              <a:t> routes = require('./routes/index');</a:t>
             </a:r>
           </a:p>
         </p:txBody>
@@ -12451,7 +12619,7 @@
         <p:spPr>
           <a:xfrm>
             <a:off x="3480544" y="1317078"/>
-            <a:ext cx="3125434" cy="695220"/>
+            <a:ext cx="3080326" cy="738660"/>
           </a:xfrm>
           <a:prstGeom prst="rect">
             <a:avLst/>
@@ -12480,7 +12648,20 @@
               </a:defRPr>
             </a:pPr>
             <a:r>
-              <a:t>router.get('/', function(req, res){</a:t>
+              <a:rPr dirty="0"/>
+              <a:t>router.get</a:t>
+            </a:r>
+            <a:r>
+              <a:rPr dirty="0"/>
+              <a:t>('/', function(</a:t>
+            </a:r>
+            <a:r>
+              <a:rPr dirty="0"/>
+              <a:t>req</a:t>
+            </a:r>
+            <a:r>
+              <a:rPr dirty="0"/>
+              <a:t>, res){</a:t>
             </a:r>
           </a:p>
           <a:p>
@@ -12493,7 +12674,16 @@
               </a:defRPr>
             </a:pPr>
             <a:r>
-              <a:t>  res.render('index', { title: 'Express' });</a:t>
+              <a:rPr dirty="0"/>
+              <a:t>  </a:t>
+            </a:r>
+            <a:r>
+              <a:rPr dirty="0"/>
+              <a:t>res.render</a:t>
+            </a:r>
+            <a:r>
+              <a:rPr dirty="0"/>
+              <a:t>('index', { title: 'Express' });</a:t>
             </a:r>
           </a:p>
           <a:p>
@@ -12506,6 +12696,7 @@
               </a:defRPr>
             </a:pPr>
             <a:r>
+              <a:rPr dirty="0"/>
               <a:t>});</a:t>
             </a:r>
           </a:p>
@@ -12582,7 +12773,7 @@
                   <a:sym typeface="Arial"/>
                 </a:defRPr>
               </a:pPr>
-              <a:endParaRPr/>
+              <a:endParaRPr dirty="0"/>
             </a:p>
           </p:txBody>
         </p:sp>
@@ -12631,6 +12822,7 @@
             </a:lstStyle>
             <a:p>
               <a:r>
+                <a:rPr dirty="0"/>
                 <a:t>users.js</a:t>
               </a:r>
             </a:p>
@@ -12708,7 +12900,7 @@
                   <a:sym typeface="Arial"/>
                 </a:defRPr>
               </a:pPr>
-              <a:endParaRPr/>
+              <a:endParaRPr dirty="0"/>
             </a:p>
           </p:txBody>
         </p:sp>
@@ -12757,6 +12949,7 @@
             </a:lstStyle>
             <a:p>
               <a:r>
+                <a:rPr dirty="0"/>
                 <a:t>respond with a resource</a:t>
               </a:r>
             </a:p>
@@ -12795,7 +12988,7 @@
           <a:bodyPr lIns="45718" tIns="45718" rIns="45718" bIns="45718"/>
           <a:lstStyle/>
           <a:p>
-            <a:endParaRPr/>
+            <a:endParaRPr dirty="0"/>
           </a:p>
         </p:txBody>
       </p:sp>
@@ -12831,7 +13024,7 @@
           <a:bodyPr lIns="45718" tIns="45718" rIns="45718" bIns="45718"/>
           <a:lstStyle/>
           <a:p>
-            <a:endParaRPr/>
+            <a:endParaRPr dirty="0"/>
           </a:p>
         </p:txBody>
       </p:sp>
@@ -12844,7 +13037,7 @@
         <p:spPr>
           <a:xfrm>
             <a:off x="255659" y="4035392"/>
-            <a:ext cx="2904226" cy="288820"/>
+            <a:ext cx="2907202" cy="307773"/>
           </a:xfrm>
           <a:prstGeom prst="rect">
             <a:avLst/>
@@ -12874,7 +13067,12 @@
           </a:lstStyle>
           <a:p>
             <a:r>
-              <a:t>var users = require('./routes/users');</a:t>
+              <a:rPr dirty="0"/>
+              <a:t>var</a:t>
+            </a:r>
+            <a:r>
+              <a:rPr dirty="0"/>
+              <a:t> users = require('./routes/users');</a:t>
             </a:r>
           </a:p>
         </p:txBody>
@@ -12888,7 +13086,7 @@
         <p:spPr>
           <a:xfrm>
             <a:off x="241472" y="4348634"/>
-            <a:ext cx="1990311" cy="288820"/>
+            <a:ext cx="1988682" cy="307773"/>
           </a:xfrm>
           <a:prstGeom prst="rect">
             <a:avLst/>
@@ -12918,7 +13116,12 @@
           </a:lstStyle>
           <a:p>
             <a:r>
-              <a:t>app.use('/users', users);</a:t>
+              <a:rPr dirty="0"/>
+              <a:t>app.use</a:t>
+            </a:r>
+            <a:r>
+              <a:rPr dirty="0"/>
+              <a:t>('/users', users);</a:t>
             </a:r>
           </a:p>
         </p:txBody>
@@ -12932,7 +13135,7 @@
         <p:spPr>
           <a:xfrm>
             <a:off x="3509454" y="4525607"/>
-            <a:ext cx="3067615" cy="695220"/>
+            <a:ext cx="3030634" cy="738660"/>
           </a:xfrm>
           <a:prstGeom prst="rect">
             <a:avLst/>
@@ -12961,7 +13164,20 @@
               </a:defRPr>
             </a:pPr>
             <a:r>
-              <a:t>router.get('/', function(req, res, next) {</a:t>
+              <a:rPr dirty="0"/>
+              <a:t>router.get</a:t>
+            </a:r>
+            <a:r>
+              <a:rPr dirty="0"/>
+              <a:t>('/', function(</a:t>
+            </a:r>
+            <a:r>
+              <a:rPr dirty="0"/>
+              <a:t>req</a:t>
+            </a:r>
+            <a:r>
+              <a:rPr dirty="0"/>
+              <a:t>, res, next) {</a:t>
             </a:r>
           </a:p>
           <a:p>
@@ -12974,7 +13190,16 @@
               </a:defRPr>
             </a:pPr>
             <a:r>
-              <a:t>  res.send('respond with a resource');</a:t>
+              <a:rPr dirty="0"/>
+              <a:t>  </a:t>
+            </a:r>
+            <a:r>
+              <a:rPr dirty="0"/>
+              <a:t>res.send</a:t>
+            </a:r>
+            <a:r>
+              <a:rPr dirty="0"/>
+              <a:t>('respond with a resource');</a:t>
             </a:r>
           </a:p>
           <a:p>
@@ -12987,6 +13212,7 @@
               </a:defRPr>
             </a:pPr>
             <a:r>
+              <a:rPr dirty="0"/>
               <a:t>});</a:t>
             </a:r>
           </a:p>
@@ -13001,7 +13227,7 @@
         <p:spPr>
           <a:xfrm>
             <a:off x="448031" y="5245246"/>
-            <a:ext cx="7927162" cy="631694"/>
+            <a:ext cx="7927162" cy="646327"/>
           </a:xfrm>
           <a:prstGeom prst="rect">
             <a:avLst/>
@@ -13022,8 +13248,54 @@
           <a:lstStyle/>
           <a:p>
             <a:r>
-              <a:t>在 app.js 中通過 require 加載了 index.js 然後通過 app.use('/', routes); 調用了 index.js 導出的函數</a:t>
-            </a:r>
+              <a:rPr dirty="0"/>
+              <a:t>在 app.js </a:t>
+            </a:r>
+            <a:r>
+              <a:rPr dirty="0"/>
+              <a:t>中通過</a:t>
+            </a:r>
+            <a:r>
+              <a:rPr dirty="0"/>
+              <a:t> require </a:t>
+            </a:r>
+            <a:r>
+              <a:rPr dirty="0"/>
+              <a:t>加載了</a:t>
+            </a:r>
+            <a:r>
+              <a:rPr dirty="0"/>
+              <a:t> index.js </a:t>
+            </a:r>
+            <a:r>
+              <a:rPr dirty="0"/>
+              <a:t>然後通過</a:t>
+            </a:r>
+            <a:r>
+              <a:rPr dirty="0"/>
+              <a:t> </a:t>
+            </a:r>
+            <a:r>
+              <a:rPr dirty="0"/>
+              <a:t>app.use</a:t>
+            </a:r>
+            <a:r>
+              <a:rPr dirty="0"/>
+              <a:t>('/', routes); </a:t>
+            </a:r>
+            <a:r>
+              <a:rPr dirty="0"/>
+              <a:t>調用了</a:t>
+            </a:r>
+            <a:r>
+              <a:rPr dirty="0"/>
+              <a:t> index.js </a:t>
+            </a:r>
+            <a:r>
+              <a:rPr dirty="0"/>
+              <a:t>導出的函數</a:t>
+            </a:r>
+            <a:endParaRPr dirty="0"/>
           </a:p>
         </p:txBody>
       </p:sp>
@@ -13035,10 +13307,10 @@
         </p:nvGrpSpPr>
         <p:grpSpPr>
           <a:xfrm>
-            <a:off x="162109" y="1037984"/>
-            <a:ext cx="3430591" cy="806055"/>
-            <a:chOff x="0" y="0"/>
-            <a:chExt cx="3430589" cy="806053"/>
+            <a:off x="162108" y="1037983"/>
+            <a:ext cx="3430593" cy="806057"/>
+            <a:chOff x="-1" y="-1"/>
+            <a:chExt cx="3430591" cy="806055"/>
           </a:xfrm>
         </p:grpSpPr>
         <p:sp>
@@ -13164,7 +13436,7 @@
                   <a:sym typeface="Helvetica"/>
                 </a:defRPr>
               </a:pPr>
-              <a:endParaRPr/>
+              <a:endParaRPr dirty="0"/>
             </a:p>
           </p:txBody>
         </p:sp>
@@ -13176,8 +13448,8 @@
           </p:nvSpPr>
           <p:spPr>
             <a:xfrm>
-              <a:off x="-1" y="96958"/>
-              <a:ext cx="3430591" cy="612137"/>
+              <a:off x="-1" y="79864"/>
+              <a:ext cx="3430591" cy="646325"/>
             </a:xfrm>
             <a:prstGeom prst="rect">
               <a:avLst/>
@@ -13213,8 +13485,10 @@
             </a:lstStyle>
             <a:p>
               <a:r>
+                <a:rPr dirty="0"/>
                 <a:t>render是express導引導視圖範本的方法</a:t>
               </a:r>
+              <a:endParaRPr dirty="0"/>
             </a:p>
           </p:txBody>
         </p:sp>
@@ -13263,7 +13537,7 @@
         <p:spPr>
           <a:xfrm>
             <a:off x="4759559" y="6167963"/>
-            <a:ext cx="2418912" cy="375156"/>
+            <a:ext cx="2418912" cy="481666"/>
           </a:xfrm>
           <a:prstGeom prst="rect">
             <a:avLst/>
@@ -13299,8 +13573,10 @@
           </a:lstStyle>
           <a:p>
             <a:r>
+              <a:rPr dirty="0"/>
               <a:t>返回專案結構</a:t>
             </a:r>
+            <a:endParaRPr dirty="0"/>
           </a:p>
         </p:txBody>
       </p:sp>
@@ -13342,8 +13618,10 @@
           </a:lstStyle>
           <a:p>
             <a:r>
+              <a:rPr dirty="0"/>
               <a:t>路由</a:t>
             </a:r>
+            <a:endParaRPr dirty="0"/>
           </a:p>
         </p:txBody>
       </p:sp>
@@ -13382,7 +13660,20 @@
               </a:defRPr>
             </a:pPr>
             <a:r>
-              <a:t>router.get('/', function(req, res){</a:t>
+              <a:rPr dirty="0"/>
+              <a:t>router.get</a:t>
+            </a:r>
+            <a:r>
+              <a:rPr dirty="0"/>
+              <a:t>('/', function(</a:t>
+            </a:r>
+            <a:r>
+              <a:rPr dirty="0"/>
+              <a:t>req</a:t>
+            </a:r>
+            <a:r>
+              <a:rPr dirty="0"/>
+              <a:t>, res){</a:t>
             </a:r>
           </a:p>
           <a:p>
@@ -13398,7 +13689,16 @@
               </a:defRPr>
             </a:pPr>
             <a:r>
-              <a:t>  res.render('index', { title: 'Express' });</a:t>
+              <a:rPr dirty="0"/>
+              <a:t>  </a:t>
+            </a:r>
+            <a:r>
+              <a:rPr dirty="0"/>
+              <a:t>res.render</a:t>
+            </a:r>
+            <a:r>
+              <a:rPr dirty="0"/>
+              <a:t>('index', { title: 'Express' });</a:t>
             </a:r>
           </a:p>
           <a:p>
@@ -13414,6 +13714,7 @@
               </a:defRPr>
             </a:pPr>
             <a:r>
+              <a:rPr dirty="0"/>
               <a:t>});</a:t>
             </a:r>
           </a:p>
@@ -13516,7 +13817,7 @@
                 <a:sym typeface="Helvetica"/>
               </a:defRPr>
             </a:pPr>
-            <a:endParaRPr/>
+            <a:endParaRPr dirty="0"/>
           </a:p>
         </p:txBody>
       </p:sp>
@@ -13559,7 +13860,7 @@
                 <a:sym typeface="Helvetica"/>
               </a:defRPr>
             </a:pPr>
-            <a:endParaRPr/>
+            <a:endParaRPr dirty="0"/>
           </a:p>
         </p:txBody>
       </p:sp>
@@ -13602,7 +13903,7 @@
                 <a:sym typeface="Helvetica"/>
               </a:defRPr>
             </a:pPr>
-            <a:endParaRPr/>
+            <a:endParaRPr dirty="0"/>
           </a:p>
         </p:txBody>
       </p:sp>
@@ -13677,8 +13978,10 @@
           </a:lstStyle>
           <a:p>
             <a:r>
+              <a:rPr dirty="0"/>
               <a:t>路由規則</a:t>
             </a:r>
+            <a:endParaRPr dirty="0"/>
           </a:p>
         </p:txBody>
       </p:sp>
@@ -13691,7 +13994,7 @@
         <p:spPr>
           <a:xfrm>
             <a:off x="622491" y="1386679"/>
-            <a:ext cx="7899018" cy="1148266"/>
+            <a:ext cx="7899018" cy="830993"/>
           </a:xfrm>
           <a:prstGeom prst="rect">
             <a:avLst/>
@@ -13721,7 +14024,40 @@
           </a:lstStyle>
           <a:p>
             <a:r>
-              <a:t>express 封裝了多種 http 請求方式，我們主要只使用 get 和 post 兩種，即 app.get() 和 app.post() 。</a:t>
+              <a:rPr dirty="0"/>
+              <a:t>express </a:t>
+            </a:r>
+            <a:r>
+              <a:rPr dirty="0"/>
+              <a:t>封裝了多種</a:t>
+            </a:r>
+            <a:r>
+              <a:rPr dirty="0"/>
+              <a:t> http </a:t>
+            </a:r>
+            <a:r>
+              <a:rPr dirty="0"/>
+              <a:t>請求方式，我們主要只使用</a:t>
+            </a:r>
+            <a:r>
+              <a:rPr dirty="0"/>
+              <a:t> get 和 post </a:t>
+            </a:r>
+            <a:r>
+              <a:rPr dirty="0"/>
+              <a:t>兩種，即</a:t>
+            </a:r>
+            <a:r>
+              <a:rPr dirty="0"/>
+              <a:t> </a:t>
+            </a:r>
+            <a:r>
+              <a:rPr dirty="0"/>
+              <a:t>app.get</a:t>
+            </a:r>
+            <a:r>
+              <a:rPr dirty="0"/>
+              <a:t>() 和 app.post() 。</a:t>
             </a:r>
           </a:p>
         </p:txBody>
@@ -13735,7 +14071,7 @@
         <p:spPr>
           <a:xfrm>
             <a:off x="622491" y="2174749"/>
-            <a:ext cx="7899018" cy="1859465"/>
+            <a:ext cx="7899018" cy="1938988"/>
           </a:xfrm>
           <a:prstGeom prst="rect">
             <a:avLst/>
@@ -13764,7 +14100,12 @@
               </a:defRPr>
             </a:pPr>
             <a:r>
-              <a:t>app.get() </a:t>
+              <a:rPr dirty="0"/>
+              <a:t>app.get</a:t>
+            </a:r>
+            <a:r>
+              <a:rPr dirty="0"/>
+              <a:t>() </a:t>
             </a:r>
           </a:p>
           <a:p>
@@ -13785,7 +14126,7 @@
               </a:defRPr>
             </a:pPr>
             <a:r>
-              <a:rPr>
+              <a:rPr dirty="0">
                 <a:hlinkClick r:id="rId2"/>
               </a:rPr>
               <a:t>https://www.google.com.tw/webhp?sourceid=chrome-instant&amp;ion=1&amp;espv=2&amp;ie=UTF-8#q=req.put</a:t>
@@ -13800,7 +14141,7 @@
                 <a:sym typeface="Arial"/>
               </a:defRPr>
             </a:pPr>
-            <a:endParaRPr>
+            <a:endParaRPr dirty="0">
               <a:hlinkClick r:id="rId2"/>
             </a:endParaRPr>
           </a:p>
@@ -13814,6 +14155,7 @@
               </a:defRPr>
             </a:pPr>
             <a:r>
+              <a:rPr dirty="0"/>
               <a:t>app.post() </a:t>
             </a:r>
           </a:p>
@@ -13913,8 +14255,10 @@
           </a:lstStyle>
           <a:p>
             <a:r>
+              <a:rPr dirty="0"/>
               <a:t>MongoDB簡介</a:t>
             </a:r>
+            <a:endParaRPr dirty="0"/>
           </a:p>
         </p:txBody>
       </p:sp>
@@ -13962,7 +14306,80 @@
           </a:lstStyle>
           <a:p>
             <a:r>
-              <a:t>MongoDB 是一個基於分佈式文件存儲的 NoSQL（非關係型資料庫）的一種，由 C++ 語言編寫，旨在為 WEB 應用提供可擴展的高性能數據存儲解決方案。 MongoDB 支持的數據結構非常鬆散，是類似 json 的 bjson 格式，因此可以存​​儲比較複雜的數據類型。 MongoDB 最大的特點是他支持的查詢語言非常強大，其語法有點類似於面向物件的查詢語言，幾乎可以實現類似關係數據庫單表查詢的絕大部分功能，而且還支持對數據建立索引。</a:t>
+              <a:rPr dirty="0"/>
+              <a:t>MongoDB </a:t>
+            </a:r>
+            <a:r>
+              <a:rPr dirty="0"/>
+              <a:t>是一個基於分佈式文件存儲的</a:t>
+            </a:r>
+            <a:r>
+              <a:rPr dirty="0"/>
+              <a:t> </a:t>
+            </a:r>
+            <a:r>
+              <a:rPr dirty="0"/>
+              <a:t>NoSQL（非關係型資料庫）的一種，由</a:t>
+            </a:r>
+            <a:r>
+              <a:rPr dirty="0"/>
+              <a:t> C++ </a:t>
+            </a:r>
+            <a:r>
+              <a:rPr dirty="0"/>
+              <a:t>語言編寫，旨在為</a:t>
+            </a:r>
+            <a:r>
+              <a:rPr dirty="0"/>
+              <a:t> WEB </a:t>
+            </a:r>
+            <a:r>
+              <a:rPr dirty="0"/>
+              <a:t>應用提供可擴展的高性能數據存儲解決方案</a:t>
+            </a:r>
+            <a:r>
+              <a:rPr dirty="0"/>
+              <a:t>。 MongoDB </a:t>
+            </a:r>
+            <a:r>
+              <a:rPr dirty="0"/>
+              <a:t>支持的數據結構非常鬆散，是類似</a:t>
+            </a:r>
+            <a:r>
+              <a:rPr dirty="0"/>
+              <a:t> </a:t>
+            </a:r>
+            <a:r>
+              <a:rPr dirty="0"/>
+              <a:t>json</a:t>
+            </a:r>
+            <a:r>
+              <a:rPr dirty="0"/>
+              <a:t> 的 </a:t>
+            </a:r>
+            <a:r>
+              <a:rPr dirty="0"/>
+              <a:t>bjson</a:t>
+            </a:r>
+            <a:r>
+              <a:rPr dirty="0"/>
+              <a:t> </a:t>
+            </a:r>
+            <a:r>
+              <a:rPr dirty="0"/>
+              <a:t>格式，因此可以存</a:t>
+            </a:r>
+            <a:r>
+              <a:rPr dirty="0"/>
+              <a:t>​​</a:t>
+            </a:r>
+            <a:r>
+              <a:rPr dirty="0"/>
+              <a:t>儲比較複雜的數據類型</a:t>
+            </a:r>
+            <a:r>
+              <a:rPr dirty="0"/>
+              <a:t>。 MongoDB 最大的特點是他支持的查詢語言非常強大，其語法有點類似於面向物件的查詢語言，幾乎可以實現類似關係數據庫單表查詢的絕大部分功能，而且還支持對數據建立索引。</a:t>
             </a:r>
           </a:p>
         </p:txBody>
@@ -14032,8 +14449,18 @@
           </a:lstStyle>
           <a:p>
             <a:r>
-              <a:t>安裝 mongoDB</a:t>
-            </a:r>
+              <a:rPr dirty="0"/>
+              <a:t>安裝</a:t>
+            </a:r>
+            <a:r>
+              <a:rPr dirty="0"/>
+              <a:t> </a:t>
+            </a:r>
+            <a:r>
+              <a:rPr dirty="0"/>
+              <a:t>mongoDB</a:t>
+            </a:r>
+            <a:endParaRPr dirty="0"/>
           </a:p>
         </p:txBody>
       </p:sp>
@@ -14078,10 +14505,23 @@
               </a:defRPr>
             </a:pPr>
             <a:r>
-              <a:t>去 mongoDB 官網</a:t>
-            </a:r>
-            <a:r>
-              <a:rPr u="sng">
+              <a:rPr dirty="0"/>
+              <a:t>去 </a:t>
+            </a:r>
+            <a:r>
+              <a:rPr dirty="0"/>
+              <a:t>mongoDB</a:t>
+            </a:r>
+            <a:r>
+              <a:rPr dirty="0"/>
+              <a:t> </a:t>
+            </a:r>
+            <a:r>
+              <a:rPr dirty="0"/>
+              <a:t>官網</a:t>
+            </a:r>
+            <a:r>
+              <a:rPr u="sng" dirty="0">
                 <a:solidFill>
                   <a:srgbClr val="0000FF"/>
                 </a:solidFill>
@@ -14092,12 +14532,141 @@
                 </a:uFill>
                 <a:hlinkClick r:id="rId2"/>
               </a:rPr>
-              <a:t>https://www.mongodb.com/download-center?jmp=nav#community</a:t>
-            </a:r>
-            <a:r>
-              <a:t>下載安裝檔，直接安裝。mongoDB 的初始設定是把資料存在 \data\db ，但是 mongoDB 不會自動產生這個資料夾，所以我們必須自己開，可以在檔案總管裡面新增，也可以在終端機底下輸入：</a:t>
-            </a:r>
-            <a:endParaRPr sz="1900"/>
+              <a:t>https</a:t>
+            </a:r>
+            <a:r>
+              <a:rPr u="sng" dirty="0">
+                <a:solidFill>
+                  <a:srgbClr val="0000FF"/>
+                </a:solidFill>
+                <a:uFill>
+                  <a:solidFill>
+                    <a:srgbClr val="0000FF"/>
+                  </a:solidFill>
+                </a:uFill>
+                <a:hlinkClick r:id="rId2"/>
+              </a:rPr>
+              <a:t>://</a:t>
+            </a:r>
+            <a:r>
+              <a:rPr u="sng" dirty="0">
+                <a:solidFill>
+                  <a:srgbClr val="0000FF"/>
+                </a:solidFill>
+                <a:uFill>
+                  <a:solidFill>
+                    <a:srgbClr val="0000FF"/>
+                  </a:solidFill>
+                </a:uFill>
+                <a:hlinkClick r:id="rId2"/>
+              </a:rPr>
+              <a:t>www.mongodb.com</a:t>
+            </a:r>
+            <a:r>
+              <a:rPr u="sng" dirty="0">
+                <a:solidFill>
+                  <a:srgbClr val="0000FF"/>
+                </a:solidFill>
+                <a:uFill>
+                  <a:solidFill>
+                    <a:srgbClr val="0000FF"/>
+                  </a:solidFill>
+                </a:uFill>
+                <a:hlinkClick r:id="rId2"/>
+              </a:rPr>
+              <a:t>/download-</a:t>
+            </a:r>
+            <a:r>
+              <a:rPr u="sng" dirty="0">
+                <a:solidFill>
+                  <a:srgbClr val="0000FF"/>
+                </a:solidFill>
+                <a:uFill>
+                  <a:solidFill>
+                    <a:srgbClr val="0000FF"/>
+                  </a:solidFill>
+                </a:uFill>
+                <a:hlinkClick r:id="rId2"/>
+              </a:rPr>
+              <a:t>center?jmp</a:t>
+            </a:r>
+            <a:r>
+              <a:rPr u="sng" dirty="0">
+                <a:solidFill>
+                  <a:srgbClr val="0000FF"/>
+                </a:solidFill>
+                <a:uFill>
+                  <a:solidFill>
+                    <a:srgbClr val="0000FF"/>
+                  </a:solidFill>
+                </a:uFill>
+                <a:hlinkClick r:id="rId2"/>
+              </a:rPr>
+              <a:t>=</a:t>
+            </a:r>
+            <a:r>
+              <a:rPr u="sng" dirty="0">
+                <a:solidFill>
+                  <a:srgbClr val="0000FF"/>
+                </a:solidFill>
+                <a:uFill>
+                  <a:solidFill>
+                    <a:srgbClr val="0000FF"/>
+                  </a:solidFill>
+                </a:uFill>
+                <a:hlinkClick r:id="rId2"/>
+              </a:rPr>
+              <a:t>nav#community</a:t>
+            </a:r>
+            <a:r>
+              <a:rPr dirty="0"/>
+              <a:t>下載安裝檔，直接安裝</a:t>
+            </a:r>
+            <a:r>
+              <a:rPr dirty="0"/>
+              <a:t>。</a:t>
+            </a:r>
+            <a:r>
+              <a:rPr dirty="0"/>
+              <a:t>mongoDB</a:t>
+            </a:r>
+            <a:r>
+              <a:rPr dirty="0"/>
+              <a:t> </a:t>
+            </a:r>
+            <a:r>
+              <a:rPr dirty="0"/>
+              <a:t>的初始設定是把資料存在</a:t>
+            </a:r>
+            <a:r>
+              <a:rPr dirty="0"/>
+              <a:t> \data\db ，</a:t>
+            </a:r>
+            <a:r>
+              <a:rPr dirty="0"/>
+              <a:t>但是</a:t>
+            </a:r>
+            <a:r>
+              <a:rPr dirty="0"/>
+              <a:t> </a:t>
+            </a:r>
+            <a:r>
+              <a:rPr dirty="0"/>
+              <a:t>mongoDB</a:t>
+            </a:r>
+            <a:r>
+              <a:rPr dirty="0"/>
+              <a:t> </a:t>
+            </a:r>
+            <a:r>
+              <a:rPr dirty="0"/>
+              <a:t>不會自動產生這個資料夾，所以我們必須自己開，可以在檔案總管裡面新增，也可以在終端機底下輸入</a:t>
+            </a:r>
+            <a:r>
+              <a:rPr dirty="0"/>
+              <a:t>：</a:t>
+            </a:r>
+            <a:endParaRPr sz="1900" dirty="0"/>
           </a:p>
           <a:p>
             <a:pPr defTabSz="905255">
@@ -14118,7 +14687,16 @@
               </a:defRPr>
             </a:pPr>
             <a:r>
-              <a:t>C:\&gt; mkdir \data</a:t>
+              <a:rPr dirty="0"/>
+              <a:t>C:\&gt; </a:t>
+            </a:r>
+            <a:r>
+              <a:rPr dirty="0"/>
+              <a:t>mkdir</a:t>
+            </a:r>
+            <a:r>
+              <a:rPr dirty="0"/>
+              <a:t> \data</a:t>
             </a:r>
           </a:p>
           <a:p>
@@ -14140,7 +14718,16 @@
               </a:defRPr>
             </a:pPr>
             <a:r>
-              <a:t>C:\&gt; mkdir \data\db</a:t>
+              <a:rPr dirty="0"/>
+              <a:t>C:\&gt; </a:t>
+            </a:r>
+            <a:r>
+              <a:rPr dirty="0"/>
+              <a:t>mkdir</a:t>
+            </a:r>
+            <a:r>
+              <a:rPr dirty="0"/>
+              <a:t> \data\db</a:t>
             </a:r>
           </a:p>
         </p:txBody>
@@ -14210,7 +14797,7 @@
           </a:lstStyle>
           <a:p>
             <a:r>
-              <a:rPr dirty="0" err="1" smtClean="0"/>
+              <a:rPr dirty="0" smtClean="0"/>
               <a:t>訂閱</a:t>
             </a:r>
             <a:r>
@@ -14218,7 +14805,7 @@
               <a:t>及後台處理</a:t>
             </a:r>
             <a:r>
-              <a:rPr dirty="0" err="1" smtClean="0"/>
+              <a:rPr dirty="0" smtClean="0"/>
               <a:t>流程</a:t>
             </a:r>
             <a:endParaRPr dirty="0"/>
@@ -14319,8 +14906,18 @@
           </a:lstStyle>
           <a:p>
             <a:r>
-              <a:t>啟動 mongoDB</a:t>
-            </a:r>
+              <a:rPr dirty="0"/>
+              <a:t>啟動</a:t>
+            </a:r>
+            <a:r>
+              <a:rPr dirty="0"/>
+              <a:t> </a:t>
+            </a:r>
+            <a:r>
+              <a:rPr dirty="0"/>
+              <a:t>mongoDB</a:t>
+            </a:r>
+            <a:endParaRPr dirty="0"/>
           </a:p>
         </p:txBody>
       </p:sp>
@@ -14365,7 +14962,44 @@
               </a:defRPr>
             </a:pPr>
             <a:r>
-              <a:t>開好資料夾之後，點擊 your_mongodb_path\bin 底下的 mongod.exe 或是到終端機輸入以下指令啟動 mongoDB：</a:t>
+              <a:rPr dirty="0"/>
+              <a:t>開好資料夾之後，點擊</a:t>
+            </a:r>
+            <a:r>
+              <a:rPr dirty="0"/>
+              <a:t> </a:t>
+            </a:r>
+            <a:r>
+              <a:rPr dirty="0"/>
+              <a:t>your_mongodb_path</a:t>
+            </a:r>
+            <a:r>
+              <a:rPr dirty="0"/>
+              <a:t>\bin </a:t>
+            </a:r>
+            <a:r>
+              <a:rPr dirty="0"/>
+              <a:t>底下的</a:t>
+            </a:r>
+            <a:r>
+              <a:rPr dirty="0"/>
+              <a:t> mongod.exe </a:t>
+            </a:r>
+            <a:r>
+              <a:rPr dirty="0"/>
+              <a:t>或是到終端機輸入以下指令啟動</a:t>
+            </a:r>
+            <a:r>
+              <a:rPr dirty="0"/>
+              <a:t> </a:t>
+            </a:r>
+            <a:r>
+              <a:rPr dirty="0"/>
+              <a:t>mongoDB</a:t>
+            </a:r>
+            <a:r>
+              <a:rPr dirty="0"/>
+              <a:t>：</a:t>
             </a:r>
           </a:p>
           <a:p>
@@ -14387,7 +15021,24 @@
               </a:defRPr>
             </a:pPr>
             <a:r>
-              <a:t>  C:\&gt; cd your_mongodb_path\bin</a:t>
+              <a:rPr dirty="0"/>
+              <a:t>  C:\&gt; </a:t>
+            </a:r>
+            <a:r>
+              <a:rPr dirty="0"/>
+              <a:t>cd</a:t>
+            </a:r>
+            <a:r>
+              <a:rPr dirty="0"/>
+              <a:t> </a:t>
+            </a:r>
+            <a:r>
+              <a:rPr dirty="0"/>
+              <a:t>your_mongodb_path</a:t>
+            </a:r>
+            <a:r>
+              <a:rPr dirty="0"/>
+              <a:t>\bin</a:t>
             </a:r>
           </a:p>
           <a:p>
@@ -14409,8 +15060,14 @@
               </a:defRPr>
             </a:pPr>
             <a:r>
-              <a:t>  C:\&gt; mongod</a:t>
-            </a:r>
+              <a:rPr dirty="0"/>
+              <a:t>  C:\&gt; </a:t>
+            </a:r>
+            <a:r>
+              <a:rPr dirty="0"/>
+              <a:t>mongod</a:t>
+            </a:r>
+            <a:endParaRPr dirty="0"/>
           </a:p>
         </p:txBody>
       </p:sp>
@@ -14514,6 +15171,7 @@
           </a:lstStyle>
           <a:p>
             <a:r>
+              <a:rPr dirty="0"/>
               <a:t>mongoose</a:t>
             </a:r>
           </a:p>
@@ -14560,7 +15218,24 @@
               </a:defRPr>
             </a:pPr>
             <a:r>
-              <a:t>mongoose  是一套給 Node.js 用的 MongoDB ORM。</a:t>
+              <a:rPr dirty="0"/>
+              <a:t>mongoose  </a:t>
+            </a:r>
+            <a:r>
+              <a:rPr dirty="0"/>
+              <a:t>是一套給</a:t>
+            </a:r>
+            <a:r>
+              <a:rPr dirty="0"/>
+              <a:t> Node.js </a:t>
+            </a:r>
+            <a:r>
+              <a:rPr dirty="0"/>
+              <a:t>用的</a:t>
+            </a:r>
+            <a:r>
+              <a:rPr dirty="0"/>
+              <a:t> MongoDB ORM。</a:t>
             </a:r>
           </a:p>
           <a:p>
@@ -14582,7 +15257,52 @@
               </a:defRPr>
             </a:pPr>
             <a:r>
-              <a:t>物件關聯對映（英語：Object Relational Mapping，簡稱ORM，或O/RM，或O/R mapping），是一種程式設計技術，用於實現物件導向編程語言裡不同類型系統的資料之間的轉換。從效果上說，它其實是創建了一個可在編程語言裡使用的「虛擬對象資料庫」。如今已有很多免費和收費的ORM產品，而有些程式員更傾向於創建自己的ORM工具。</a:t>
+              <a:rPr dirty="0"/>
+              <a:t>物件關聯對映（英語：Object</a:t>
+            </a:r>
+            <a:r>
+              <a:rPr dirty="0"/>
+              <a:t> Relational </a:t>
+            </a:r>
+            <a:r>
+              <a:rPr dirty="0"/>
+              <a:t>Mapping，簡稱ORM，或O</a:t>
+            </a:r>
+            <a:r>
+              <a:rPr dirty="0"/>
+              <a:t>/</a:t>
+            </a:r>
+            <a:r>
+              <a:rPr dirty="0"/>
+              <a:t>RM，或O</a:t>
+            </a:r>
+            <a:r>
+              <a:rPr dirty="0"/>
+              <a:t>/R mapping），</a:t>
+            </a:r>
+            <a:r>
+              <a:rPr dirty="0"/>
+              <a:t>是一種程式設計技術，用於實現物件導向編程語言裡不同類型系統的資料之間的轉換</a:t>
+            </a:r>
+            <a:r>
+              <a:rPr dirty="0"/>
+              <a:t>。</a:t>
+            </a:r>
+            <a:r>
+              <a:rPr dirty="0"/>
+              <a:t>從效果上說，它其實是創建了一個可在編程語言裡使用的「虛擬對象資料庫</a:t>
+            </a:r>
+            <a:r>
+              <a:rPr dirty="0"/>
+              <a:t>」。</a:t>
+            </a:r>
+            <a:r>
+              <a:rPr dirty="0"/>
+              <a:t>如今已有很多免費和收費的ORM產品，而有些程式員更傾向於創建自己的ORM工具</a:t>
+            </a:r>
+            <a:r>
+              <a:rPr dirty="0"/>
+              <a:t>。</a:t>
             </a:r>
           </a:p>
         </p:txBody>
@@ -14658,8 +15378,10 @@
           </a:lstStyle>
           <a:p>
             <a:r>
+              <a:rPr dirty="0"/>
               <a:t>mongoose建立連線</a:t>
             </a:r>
+            <a:endParaRPr dirty="0"/>
           </a:p>
         </p:txBody>
       </p:sp>
@@ -14710,7 +15432,7 @@
               <a:t>把 mongoose 給 </a:t>
             </a:r>
             <a:r>
-              <a:rPr dirty="0" err="1"/>
+              <a:rPr dirty="0"/>
               <a:t>requrie</a:t>
             </a:r>
             <a:r>
@@ -14718,7 +15440,7 @@
               <a:t> </a:t>
             </a:r>
             <a:r>
-              <a:rPr dirty="0" err="1"/>
+              <a:rPr dirty="0"/>
               <a:t>進來，然後讓它跟</a:t>
             </a:r>
             <a:r>
@@ -14726,7 +15448,7 @@
               <a:t> MongoDB </a:t>
             </a:r>
             <a:r>
-              <a:rPr dirty="0" err="1"/>
+              <a:rPr dirty="0"/>
               <a:t>嘗試建立連線，連線的</a:t>
             </a:r>
             <a:r>
@@ -14734,7 +15456,7 @@
               <a:t> URL </a:t>
             </a:r>
             <a:r>
-              <a:rPr dirty="0" err="1"/>
+              <a:rPr dirty="0"/>
               <a:t>協議一定要用</a:t>
             </a:r>
             <a:r>
@@ -14742,7 +15464,7 @@
               <a:t> mongodb:// </a:t>
             </a:r>
             <a:r>
-              <a:rPr dirty="0" err="1"/>
+              <a:rPr dirty="0"/>
               <a:t>這個</a:t>
             </a:r>
             <a:r>
@@ -14769,7 +15491,7 @@
               </a:defRPr>
             </a:pPr>
             <a:r>
-              <a:rPr dirty="0" err="1"/>
+              <a:rPr dirty="0"/>
               <a:t>var</a:t>
             </a:r>
             <a:r>
@@ -14796,28 +15518,12 @@
               </a:defRPr>
             </a:pPr>
             <a:r>
-              <a:rPr dirty="0" err="1"/>
+              <a:rPr dirty="0"/>
               <a:t>mongoose.connect</a:t>
             </a:r>
             <a:r>
               <a:rPr dirty="0"/>
-              <a:t>(‘</a:t>
-            </a:r>
-            <a:r>
-              <a:rPr dirty="0" err="1"/>
-              <a:t>mongodb</a:t>
-            </a:r>
-            <a:r>
-              <a:rPr dirty="0"/>
-              <a:t>://localhost/</a:t>
-            </a:r>
-            <a:r>
-              <a:rPr dirty="0" err="1"/>
-              <a:t>db</a:t>
-            </a:r>
-            <a:r>
-              <a:rPr dirty="0"/>
-              <a:t>’);</a:t>
+              <a:t>(‘mongodb://localhost/db’);</a:t>
             </a:r>
           </a:p>
           <a:p>
@@ -14863,7 +15569,7 @@
               <a:t>mongoose </a:t>
             </a:r>
             <a:r>
-              <a:rPr dirty="0" err="1"/>
+              <a:rPr dirty="0"/>
               <a:t>的兩個概念：Schema</a:t>
             </a:r>
             <a:r>
@@ -14894,7 +15600,7 @@
               <a:t>MongoDB </a:t>
             </a:r>
             <a:r>
-              <a:rPr dirty="0" err="1"/>
+              <a:rPr dirty="0"/>
               <a:t>是以</a:t>
             </a:r>
             <a:r>
@@ -14902,7 +15608,7 @@
               <a:t> documents </a:t>
             </a:r>
             <a:r>
-              <a:rPr dirty="0" err="1"/>
+              <a:rPr dirty="0"/>
               <a:t>為基礎，在</a:t>
             </a:r>
             <a:r>
@@ -14910,7 +15616,7 @@
               <a:t> SQL </a:t>
             </a:r>
             <a:r>
-              <a:rPr dirty="0" err="1"/>
+              <a:rPr dirty="0"/>
               <a:t>資料庫稱為</a:t>
             </a:r>
             <a:r>
@@ -14918,7 +15624,7 @@
               <a:t> table </a:t>
             </a:r>
             <a:r>
-              <a:rPr dirty="0" err="1"/>
+              <a:rPr dirty="0"/>
               <a:t>的東西，在</a:t>
             </a:r>
             <a:r>
@@ -14926,16 +15632,16 @@
               <a:t> NoSQL </a:t>
             </a:r>
             <a:r>
-              <a:rPr dirty="0" err="1"/>
+              <a:rPr dirty="0"/>
               <a:t>裡稱為</a:t>
             </a:r>
             <a:r>
               <a:rPr dirty="0"/>
-              <a:t> </a:t>
-            </a:r>
-            <a:r>
-              <a:rPr dirty="0" err="1"/>
-              <a:t>collection。當然，這又是一種名詞定義上的把戲，實質上大同小異</a:t>
+              <a:t> collection。</a:t>
+            </a:r>
+            <a:r>
+              <a:rPr dirty="0"/>
+              <a:t>當然，這又是一種名詞定義上的把戲，實質上大同小異</a:t>
             </a:r>
             <a:r>
               <a:rPr dirty="0"/>
@@ -14961,6 +15667,1044 @@
 </file>
 
 <file path=ppt/slides/slide33.xml><?xml version="1.0" encoding="utf-8"?>
+<p:sld xmlns:a="http://schemas.openxmlformats.org/drawingml/2006/main" xmlns:r="http://schemas.openxmlformats.org/officeDocument/2006/relationships" xmlns:p="http://schemas.openxmlformats.org/presentationml/2006/main">
+  <p:cSld>
+    <p:spTree>
+      <p:nvGrpSpPr>
+        <p:cNvPr id="1" name=""/>
+        <p:cNvGrpSpPr/>
+        <p:nvPr/>
+      </p:nvGrpSpPr>
+      <p:grpSpPr>
+        <a:xfrm>
+          <a:off x="0" y="0"/>
+          <a:ext cx="0" cy="0"/>
+          <a:chOff x="0" y="0"/>
+          <a:chExt cx="0" cy="0"/>
+        </a:xfrm>
+      </p:grpSpPr>
+      <p:sp>
+        <p:nvSpPr>
+          <p:cNvPr id="428" name="Shape 428"/>
+          <p:cNvSpPr>
+            <a:spLocks noGrp="1"/>
+          </p:cNvSpPr>
+          <p:nvPr>
+            <p:ph type="title"/>
+          </p:nvPr>
+        </p:nvSpPr>
+        <p:spPr>
+          <a:xfrm>
+            <a:off x="582612" y="103630"/>
+            <a:ext cx="7772401" cy="899915"/>
+          </a:xfrm>
+          <a:prstGeom prst="rect">
+            <a:avLst/>
+          </a:prstGeom>
+        </p:spPr>
+        <p:txBody>
+          <a:bodyPr anchor="ctr"/>
+          <a:lstStyle>
+            <a:lvl1pPr algn="ctr" defTabSz="905255">
+              <a:lnSpc>
+                <a:spcPct val="115000"/>
+              </a:lnSpc>
+              <a:spcBef>
+                <a:spcPts val="1500"/>
+              </a:spcBef>
+              <a:defRPr cap="none">
+                <a:solidFill>
+                  <a:srgbClr val="FFFFFF"/>
+                </a:solidFill>
+              </a:defRPr>
+            </a:lvl1pPr>
+          </a:lstStyle>
+          <a:p>
+            <a:r>
+              <a:rPr dirty="0" smtClean="0"/>
+              <a:t>mongo</a:t>
+            </a:r>
+            <a:r>
+              <a:rPr lang="en-US" dirty="0" smtClean="0"/>
+              <a:t>DB</a:t>
+            </a:r>
+            <a:r>
+              <a:rPr lang="zh-TW" altLang="en-US" dirty="0" smtClean="0"/>
+              <a:t>備份</a:t>
+            </a:r>
+            <a:r>
+              <a:rPr lang="en-US" altLang="zh-TW" dirty="0" smtClean="0"/>
+              <a:t>&amp;</a:t>
+            </a:r>
+            <a:r>
+              <a:rPr lang="zh-TW" altLang="en-US" dirty="0" smtClean="0"/>
+              <a:t>還原</a:t>
+            </a:r>
+            <a:endParaRPr dirty="0"/>
+          </a:p>
+        </p:txBody>
+      </p:sp>
+      <p:sp>
+        <p:nvSpPr>
+          <p:cNvPr id="429" name="Shape 429"/>
+          <p:cNvSpPr>
+            <a:spLocks noGrp="1"/>
+          </p:cNvSpPr>
+          <p:nvPr>
+            <p:ph type="body" idx="1"/>
+          </p:nvPr>
+        </p:nvSpPr>
+        <p:spPr>
+          <a:xfrm>
+            <a:off x="685798" y="1257767"/>
+            <a:ext cx="7772404" cy="4660210"/>
+          </a:xfrm>
+          <a:prstGeom prst="rect">
+            <a:avLst/>
+          </a:prstGeom>
+        </p:spPr>
+        <p:txBody>
+          <a:bodyPr anchor="t">
+            <a:normAutofit/>
+          </a:bodyPr>
+          <a:lstStyle/>
+          <a:p>
+            <a:pPr defTabSz="760414">
+              <a:lnSpc>
+                <a:spcPct val="115000"/>
+              </a:lnSpc>
+              <a:spcBef>
+                <a:spcPts val="1200"/>
+              </a:spcBef>
+              <a:defRPr sz="2500">
+                <a:solidFill>
+                  <a:srgbClr val="585858"/>
+                </a:solidFill>
+                <a:latin typeface="Arial"/>
+                <a:ea typeface="Arial"/>
+                <a:cs typeface="Arial"/>
+                <a:sym typeface="Arial"/>
+              </a:defRPr>
+            </a:pPr>
+            <a:r>
+              <a:rPr lang="en-US" altLang="zh-TW" sz="2500" dirty="0" smtClean="0">
+                <a:sym typeface="Arial"/>
+              </a:rPr>
+              <a:t>1.</a:t>
+            </a:r>
+            <a:r>
+              <a:rPr lang="zh-TW" altLang="en-US" sz="2500" dirty="0" smtClean="0">
+                <a:sym typeface="Arial"/>
+              </a:rPr>
+              <a:t>備份 </a:t>
+            </a:r>
+            <a:endParaRPr lang="en-US" altLang="zh-TW" sz="2500" dirty="0" smtClean="0">
+              <a:sym typeface="Arial"/>
+            </a:endParaRPr>
+          </a:p>
+          <a:p>
+            <a:pPr defTabSz="760414">
+              <a:lnSpc>
+                <a:spcPct val="115000"/>
+              </a:lnSpc>
+              <a:spcBef>
+                <a:spcPts val="1200"/>
+              </a:spcBef>
+              <a:defRPr sz="2500">
+                <a:solidFill>
+                  <a:srgbClr val="585858"/>
+                </a:solidFill>
+                <a:latin typeface="Arial"/>
+                <a:ea typeface="Arial"/>
+                <a:cs typeface="Arial"/>
+                <a:sym typeface="Arial"/>
+              </a:defRPr>
+            </a:pPr>
+            <a:r>
+              <a:rPr lang="en-US" altLang="zh-TW" sz="2500" dirty="0" smtClean="0">
+                <a:sym typeface="Arial"/>
+              </a:rPr>
+              <a:t>cd</a:t>
+            </a:r>
+            <a:r>
+              <a:rPr lang="en-US" altLang="zh-TW" sz="2500" dirty="0" smtClean="0">
+                <a:sym typeface="Arial"/>
+              </a:rPr>
+              <a:t> </a:t>
+            </a:r>
+            <a:r>
+              <a:rPr lang="en-US" altLang="zh-TW" sz="2500" dirty="0" smtClean="0">
+                <a:sym typeface="Arial"/>
+              </a:rPr>
+              <a:t>c:\data </a:t>
+            </a:r>
+            <a:endParaRPr lang="en-US" altLang="zh-TW" sz="2500" dirty="0" smtClean="0">
+              <a:sym typeface="Arial"/>
+            </a:endParaRPr>
+          </a:p>
+          <a:p>
+            <a:pPr defTabSz="760414">
+              <a:lnSpc>
+                <a:spcPct val="115000"/>
+              </a:lnSpc>
+              <a:spcBef>
+                <a:spcPts val="1200"/>
+              </a:spcBef>
+              <a:defRPr sz="2500">
+                <a:solidFill>
+                  <a:srgbClr val="585858"/>
+                </a:solidFill>
+                <a:latin typeface="Arial"/>
+                <a:ea typeface="Arial"/>
+                <a:cs typeface="Arial"/>
+                <a:sym typeface="Arial"/>
+              </a:defRPr>
+            </a:pPr>
+            <a:r>
+              <a:rPr lang="en-US" altLang="zh-TW" sz="2500" dirty="0" smtClean="0">
+                <a:sym typeface="Arial"/>
+              </a:rPr>
+              <a:t>mongodump</a:t>
+            </a:r>
+            <a:r>
+              <a:rPr lang="en-US" altLang="zh-TW" sz="2500" dirty="0" smtClean="0">
+                <a:sym typeface="Arial"/>
+              </a:rPr>
+              <a:t> </a:t>
+            </a:r>
+            <a:r>
+              <a:rPr lang="en-US" altLang="zh-TW" sz="2500" dirty="0" smtClean="0">
+                <a:sym typeface="Arial"/>
+              </a:rPr>
+              <a:t>-h 127.0.0.1 -d </a:t>
+            </a:r>
+            <a:r>
+              <a:rPr lang="en-US" altLang="zh-TW" sz="2500" dirty="0" smtClean="0">
+                <a:sym typeface="Arial"/>
+              </a:rPr>
+              <a:t>tools </a:t>
+            </a:r>
+            <a:r>
+              <a:rPr lang="en-US" altLang="zh-TW" sz="2500" dirty="0" smtClean="0">
+                <a:sym typeface="Arial"/>
+              </a:rPr>
+              <a:t>-o ./mongo-backup </a:t>
+            </a:r>
+            <a:endParaRPr lang="en-US" altLang="zh-TW" sz="2500" dirty="0" smtClean="0">
+              <a:sym typeface="Arial"/>
+            </a:endParaRPr>
+          </a:p>
+          <a:p>
+            <a:pPr defTabSz="760414">
+              <a:lnSpc>
+                <a:spcPct val="115000"/>
+              </a:lnSpc>
+              <a:spcBef>
+                <a:spcPts val="1200"/>
+              </a:spcBef>
+              <a:defRPr sz="2500">
+                <a:solidFill>
+                  <a:srgbClr val="585858"/>
+                </a:solidFill>
+                <a:latin typeface="Arial"/>
+                <a:ea typeface="Arial"/>
+                <a:cs typeface="Arial"/>
+                <a:sym typeface="Arial"/>
+              </a:defRPr>
+            </a:pPr>
+            <a:r>
+              <a:rPr lang="en-US" altLang="zh-TW" sz="2500" dirty="0" smtClean="0">
+                <a:sym typeface="Arial"/>
+              </a:rPr>
+              <a:t>2</a:t>
+            </a:r>
+            <a:r>
+              <a:rPr lang="en-US" altLang="zh-TW" sz="2500" dirty="0" smtClean="0">
+                <a:sym typeface="Arial"/>
+              </a:rPr>
+              <a:t>.</a:t>
+            </a:r>
+            <a:r>
+              <a:rPr lang="zh-TW" altLang="en-US" sz="2500" dirty="0" smtClean="0">
+                <a:sym typeface="Arial"/>
+              </a:rPr>
+              <a:t>還原</a:t>
+            </a:r>
+            <a:endParaRPr lang="en-US" altLang="zh-TW" sz="2500" dirty="0" smtClean="0">
+              <a:sym typeface="Arial"/>
+            </a:endParaRPr>
+          </a:p>
+          <a:p>
+            <a:pPr defTabSz="760414">
+              <a:lnSpc>
+                <a:spcPct val="115000"/>
+              </a:lnSpc>
+              <a:spcBef>
+                <a:spcPts val="1200"/>
+              </a:spcBef>
+              <a:defRPr sz="2500">
+                <a:solidFill>
+                  <a:srgbClr val="585858"/>
+                </a:solidFill>
+                <a:latin typeface="Arial"/>
+                <a:ea typeface="Arial"/>
+                <a:cs typeface="Arial"/>
+                <a:sym typeface="Arial"/>
+              </a:defRPr>
+            </a:pPr>
+            <a:r>
+              <a:rPr lang="zh-TW" altLang="en-US" sz="2500" dirty="0" smtClean="0">
+                <a:sym typeface="Arial"/>
+              </a:rPr>
+              <a:t> </a:t>
+            </a:r>
+            <a:r>
+              <a:rPr lang="en-US" altLang="zh-TW" sz="2500" dirty="0" smtClean="0">
+                <a:sym typeface="Arial"/>
+              </a:rPr>
+              <a:t>mongorestore</a:t>
+            </a:r>
+            <a:r>
+              <a:rPr lang="en-US" altLang="zh-TW" sz="2500" dirty="0" smtClean="0">
+                <a:sym typeface="Arial"/>
+              </a:rPr>
+              <a:t> -d </a:t>
+            </a:r>
+            <a:r>
+              <a:rPr lang="en-US" altLang="zh-TW" sz="2500" dirty="0" smtClean="0">
+                <a:sym typeface="Arial"/>
+              </a:rPr>
+              <a:t>tools </a:t>
+            </a:r>
+            <a:r>
+              <a:rPr lang="en-US" altLang="zh-TW" sz="2500" dirty="0" smtClean="0">
+                <a:sym typeface="Arial"/>
+              </a:rPr>
+              <a:t>--drop ./</a:t>
+            </a:r>
+            <a:r>
+              <a:rPr lang="en-US" altLang="zh-TW" sz="2500" dirty="0" smtClean="0">
+                <a:sym typeface="Arial"/>
+              </a:rPr>
+              <a:t>mongo-backup/tools</a:t>
+            </a:r>
+            <a:endParaRPr dirty="0"/>
+          </a:p>
+        </p:txBody>
+      </p:sp>
+    </p:spTree>
+  </p:cSld>
+  <p:clrMapOvr>
+    <a:masterClrMapping/>
+  </p:clrMapOvr>
+  <p:transition spd="slow"/>
+  <p:timing>
+    <p:tnLst>
+      <p:par>
+        <p:cTn id="1" dur="indefinite" restart="never" nodeType="tmRoot"/>
+      </p:par>
+    </p:tnLst>
+  </p:timing>
+</p:sld>
+</file>
+
+<file path=ppt/slides/slide34.xml><?xml version="1.0" encoding="utf-8"?>
+<p:sld xmlns:a="http://schemas.openxmlformats.org/drawingml/2006/main" xmlns:r="http://schemas.openxmlformats.org/officeDocument/2006/relationships" xmlns:p="http://schemas.openxmlformats.org/presentationml/2006/main">
+  <p:cSld>
+    <p:spTree>
+      <p:nvGrpSpPr>
+        <p:cNvPr id="1" name=""/>
+        <p:cNvGrpSpPr/>
+        <p:nvPr/>
+      </p:nvGrpSpPr>
+      <p:grpSpPr>
+        <a:xfrm>
+          <a:off x="0" y="0"/>
+          <a:ext cx="0" cy="0"/>
+          <a:chOff x="0" y="0"/>
+          <a:chExt cx="0" cy="0"/>
+        </a:xfrm>
+      </p:grpSpPr>
+      <p:sp>
+        <p:nvSpPr>
+          <p:cNvPr id="425" name="Shape 425"/>
+          <p:cNvSpPr>
+            <a:spLocks noGrp="1"/>
+          </p:cNvSpPr>
+          <p:nvPr>
+            <p:ph type="title"/>
+          </p:nvPr>
+        </p:nvSpPr>
+        <p:spPr>
+          <a:xfrm>
+            <a:off x="569912" y="63500"/>
+            <a:ext cx="7772401" cy="899915"/>
+          </a:xfrm>
+          <a:prstGeom prst="rect">
+            <a:avLst/>
+          </a:prstGeom>
+        </p:spPr>
+        <p:txBody>
+          <a:bodyPr anchor="ctr"/>
+          <a:lstStyle>
+            <a:lvl1pPr algn="ctr" defTabSz="905255">
+              <a:lnSpc>
+                <a:spcPct val="115000"/>
+              </a:lnSpc>
+              <a:spcBef>
+                <a:spcPts val="1500"/>
+              </a:spcBef>
+              <a:defRPr b="0" cap="none">
+                <a:solidFill>
+                  <a:srgbClr val="FFFFFF"/>
+                </a:solidFill>
+              </a:defRPr>
+            </a:lvl1pPr>
+          </a:lstStyle>
+          <a:p>
+            <a:r>
+              <a:rPr lang="en-US" altLang="zh-TW" dirty="0" smtClean="0"/>
+              <a:t>MongoDB</a:t>
+            </a:r>
+            <a:r>
+              <a:rPr lang="zh-TW" altLang="en-US" dirty="0" smtClean="0"/>
+              <a:t>服務</a:t>
+            </a:r>
+            <a:r>
+              <a:rPr lang="en-US" altLang="zh-TW" dirty="0" smtClean="0"/>
+              <a:t>1</a:t>
+            </a:r>
+            <a:endParaRPr dirty="0"/>
+          </a:p>
+        </p:txBody>
+      </p:sp>
+      <p:sp>
+        <p:nvSpPr>
+          <p:cNvPr id="7" name="文字方塊 6"/>
+          <p:cNvSpPr txBox="1"/>
+          <p:nvPr/>
+        </p:nvSpPr>
+        <p:spPr>
+          <a:xfrm>
+            <a:off x="649356" y="2902226"/>
+            <a:ext cx="7779026" cy="3046984"/>
+          </a:xfrm>
+          <a:prstGeom prst="rect">
+            <a:avLst/>
+          </a:prstGeom>
+          <a:noFill/>
+          <a:ln w="12700" cap="flat">
+            <a:solidFill>
+              <a:schemeClr val="tx1"/>
+            </a:solidFill>
+            <a:miter lim="400000"/>
+          </a:ln>
+          <a:effectLst/>
+          <a:sp3d/>
+        </p:spPr>
+        <p:style>
+          <a:lnRef idx="0">
+            <a:scrgbClr r="0" g="0" b="0"/>
+          </a:lnRef>
+          <a:fillRef idx="0">
+            <a:scrgbClr r="0" g="0" b="0"/>
+          </a:fillRef>
+          <a:effectRef idx="0">
+            <a:scrgbClr r="0" g="0" b="0"/>
+          </a:effectRef>
+          <a:fontRef idx="none"/>
+        </p:style>
+        <p:txBody>
+          <a:bodyPr rot="0" spcFirstLastPara="1" vertOverflow="overflow" horzOverflow="overflow" vert="horz" wrap="square" lIns="45718" tIns="45718" rIns="45718" bIns="45718" numCol="1" spcCol="38100" rtlCol="0" anchor="t">
+            <a:spAutoFit/>
+          </a:bodyPr>
+          <a:lstStyle/>
+          <a:p>
+            <a:r>
+              <a:rPr lang="en-US" altLang="zh-TW" sz="1600" dirty="0" smtClean="0"/>
+              <a:t>net:</a:t>
+            </a:r>
+          </a:p>
+          <a:p>
+            <a:r>
+              <a:rPr lang="en-US" altLang="zh-TW" sz="1600" dirty="0" smtClean="0"/>
+              <a:t>    bindIp: 127.0.0.1</a:t>
+            </a:r>
+          </a:p>
+          <a:p>
+            <a:r>
+              <a:rPr lang="en-US" altLang="zh-TW" sz="1600" dirty="0" smtClean="0"/>
+              <a:t>    port: 27017</a:t>
+            </a:r>
+          </a:p>
+          <a:p>
+            <a:r>
+              <a:rPr lang="en-US" altLang="zh-TW" sz="1600" dirty="0" smtClean="0"/>
+              <a:t>storage:</a:t>
+            </a:r>
+          </a:p>
+          <a:p>
+            <a:r>
+              <a:rPr lang="en-US" altLang="zh-TW" sz="1600" dirty="0" smtClean="0"/>
+              <a:t>    dbPath: C:\data\db</a:t>
+            </a:r>
+          </a:p>
+          <a:p>
+            <a:r>
+              <a:rPr lang="en-US" altLang="zh-TW" sz="1600" dirty="0" smtClean="0"/>
+              <a:t>    journal:</a:t>
+            </a:r>
+          </a:p>
+          <a:p>
+            <a:r>
+              <a:rPr lang="en-US" altLang="zh-TW" sz="1600" dirty="0" smtClean="0"/>
+              <a:t>        enabled: true</a:t>
+            </a:r>
+          </a:p>
+          <a:p>
+            <a:r>
+              <a:rPr lang="en-US" altLang="zh-TW" sz="1600" dirty="0" smtClean="0"/>
+              <a:t>systemLog:</a:t>
+            </a:r>
+          </a:p>
+          <a:p>
+            <a:r>
+              <a:rPr lang="en-US" altLang="zh-TW" sz="1600" dirty="0" smtClean="0"/>
+              <a:t>    destination: file</a:t>
+            </a:r>
+          </a:p>
+          <a:p>
+            <a:r>
+              <a:rPr lang="en-US" altLang="zh-TW" sz="1600" dirty="0" smtClean="0"/>
+              <a:t>    path: C:\data\log\mongodb.log</a:t>
+            </a:r>
+          </a:p>
+          <a:p>
+            <a:r>
+              <a:rPr lang="en-US" altLang="zh-TW" sz="1600" dirty="0" smtClean="0"/>
+              <a:t>    quiet: true</a:t>
+            </a:r>
+          </a:p>
+          <a:p>
+            <a:r>
+              <a:rPr lang="en-US" altLang="zh-TW" sz="1600" dirty="0" smtClean="0"/>
+              <a:t>    logAppend: true</a:t>
+            </a:r>
+            <a:endParaRPr kumimoji="0" lang="zh-TW" altLang="en-US" sz="1600" b="0" i="0" u="none" strike="noStrike" cap="none" spc="0" normalizeH="0" baseline="0" dirty="0">
+              <a:ln>
+                <a:noFill/>
+              </a:ln>
+              <a:solidFill>
+                <a:srgbClr val="000000"/>
+              </a:solidFill>
+              <a:effectLst/>
+              <a:uFillTx/>
+              <a:latin typeface="+mj-lt"/>
+              <a:ea typeface="+mj-ea"/>
+              <a:cs typeface="+mj-cs"/>
+              <a:sym typeface="Calibri"/>
+            </a:endParaRPr>
+          </a:p>
+        </p:txBody>
+      </p:sp>
+      <p:sp>
+        <p:nvSpPr>
+          <p:cNvPr id="9" name="文字方塊 8"/>
+          <p:cNvSpPr txBox="1"/>
+          <p:nvPr/>
+        </p:nvSpPr>
+        <p:spPr>
+          <a:xfrm>
+            <a:off x="655984" y="1133061"/>
+            <a:ext cx="7779026" cy="1323435"/>
+          </a:xfrm>
+          <a:prstGeom prst="rect">
+            <a:avLst/>
+          </a:prstGeom>
+          <a:noFill/>
+          <a:ln w="12700" cap="flat">
+            <a:solidFill>
+              <a:schemeClr val="tx1"/>
+            </a:solidFill>
+            <a:miter lim="400000"/>
+          </a:ln>
+          <a:effectLst/>
+          <a:sp3d/>
+        </p:spPr>
+        <p:style>
+          <a:lnRef idx="0">
+            <a:scrgbClr r="0" g="0" b="0"/>
+          </a:lnRef>
+          <a:fillRef idx="0">
+            <a:scrgbClr r="0" g="0" b="0"/>
+          </a:fillRef>
+          <a:effectRef idx="0">
+            <a:scrgbClr r="0" g="0" b="0"/>
+          </a:effectRef>
+          <a:fontRef idx="none"/>
+        </p:style>
+        <p:txBody>
+          <a:bodyPr rot="0" spcFirstLastPara="1" vertOverflow="overflow" horzOverflow="overflow" vert="horz" wrap="square" lIns="45718" tIns="45718" rIns="45718" bIns="45718" numCol="1" spcCol="38100" rtlCol="0" anchor="t">
+            <a:spAutoFit/>
+          </a:bodyPr>
+          <a:lstStyle/>
+          <a:p>
+            <a:pPr marL="457200" indent="-457200">
+              <a:buFont typeface="+mj-lt"/>
+              <a:buAutoNum type="arabicPeriod"/>
+            </a:pPr>
+            <a:r>
+              <a:rPr lang="zh-TW" altLang="en-US" sz="2000" dirty="0" smtClean="0"/>
+              <a:t>在</a:t>
+            </a:r>
+            <a:r>
+              <a:rPr lang="en-US" altLang="zh-TW" sz="2000" dirty="0" smtClean="0"/>
+              <a:t>c:\data</a:t>
+            </a:r>
+            <a:r>
+              <a:rPr lang="zh-TW" altLang="en-US" sz="2000" dirty="0" smtClean="0"/>
+              <a:t>下新增</a:t>
+            </a:r>
+            <a:r>
+              <a:rPr lang="en-US" altLang="zh-TW" sz="2000" dirty="0" smtClean="0"/>
+              <a:t>config</a:t>
+            </a:r>
+            <a:r>
+              <a:rPr lang="zh-TW" altLang="en-US" sz="2000" dirty="0" smtClean="0"/>
+              <a:t>資料夾</a:t>
+            </a:r>
+            <a:endParaRPr lang="en-US" altLang="zh-TW" sz="2000" dirty="0" smtClean="0"/>
+          </a:p>
+          <a:p>
+            <a:pPr marL="457200" indent="-457200">
+              <a:buFont typeface="+mj-lt"/>
+              <a:buAutoNum type="arabicPeriod"/>
+            </a:pPr>
+            <a:r>
+              <a:rPr lang="zh-TW" altLang="en-US" sz="2000" dirty="0" smtClean="0"/>
+              <a:t>在</a:t>
+            </a:r>
+            <a:r>
+              <a:rPr lang="en-US" altLang="zh-TW" sz="2000" dirty="0" smtClean="0"/>
+              <a:t>c:\data</a:t>
+            </a:r>
+            <a:r>
+              <a:rPr lang="zh-TW" altLang="en-US" sz="2000" dirty="0" smtClean="0"/>
+              <a:t>下新增</a:t>
+            </a:r>
+            <a:r>
+              <a:rPr lang="en-US" altLang="zh-TW" sz="2000" dirty="0" smtClean="0"/>
+              <a:t>log</a:t>
+            </a:r>
+            <a:r>
+              <a:rPr lang="zh-TW" altLang="en-US" sz="2000" dirty="0" smtClean="0"/>
+              <a:t>資料夾</a:t>
+            </a:r>
+            <a:endParaRPr lang="en-US" altLang="zh-TW" sz="2000" dirty="0" smtClean="0"/>
+          </a:p>
+          <a:p>
+            <a:pPr marL="457200" indent="-457200">
+              <a:buFont typeface="+mj-lt"/>
+              <a:buAutoNum type="arabicPeriod"/>
+            </a:pPr>
+            <a:r>
+              <a:rPr lang="zh-TW" altLang="en-US" sz="2000" dirty="0" smtClean="0"/>
+              <a:t>在</a:t>
+            </a:r>
+            <a:r>
+              <a:rPr lang="en-US" altLang="zh-TW" sz="2000" dirty="0" smtClean="0"/>
+              <a:t>c:\data\config</a:t>
+            </a:r>
+            <a:r>
+              <a:rPr lang="zh-TW" altLang="en-US" sz="2000" dirty="0" smtClean="0"/>
+              <a:t>下新增</a:t>
+            </a:r>
+            <a:r>
+              <a:rPr lang="en-US" altLang="zh-TW" sz="2000" dirty="0" smtClean="0"/>
+              <a:t>mongod.cfg</a:t>
+            </a:r>
+          </a:p>
+          <a:p>
+            <a:pPr marL="457200" indent="-457200">
+              <a:buFont typeface="+mj-lt"/>
+              <a:buAutoNum type="arabicPeriod"/>
+            </a:pPr>
+            <a:r>
+              <a:rPr lang="zh-TW" altLang="en-US" sz="2000" dirty="0" smtClean="0"/>
+              <a:t>在</a:t>
+            </a:r>
+            <a:r>
+              <a:rPr lang="en-US" altLang="zh-TW" sz="2000" dirty="0" smtClean="0"/>
+              <a:t>c:\data\log</a:t>
+            </a:r>
+            <a:r>
+              <a:rPr lang="zh-TW" altLang="en-US" sz="2000" dirty="0" smtClean="0"/>
+              <a:t>下新增</a:t>
+            </a:r>
+            <a:r>
+              <a:rPr lang="en-US" altLang="zh-TW" sz="2000" dirty="0" smtClean="0"/>
+              <a:t>mongodb.log</a:t>
+            </a:r>
+          </a:p>
+        </p:txBody>
+      </p:sp>
+    </p:spTree>
+  </p:cSld>
+  <p:clrMapOvr>
+    <a:masterClrMapping/>
+  </p:clrMapOvr>
+  <p:transition spd="slow"/>
+  <p:timing>
+    <p:tnLst>
+      <p:par>
+        <p:cTn id="1" dur="indefinite" restart="never" nodeType="tmRoot"/>
+      </p:par>
+    </p:tnLst>
+  </p:timing>
+</p:sld>
+</file>
+
+<file path=ppt/slides/slide35.xml><?xml version="1.0" encoding="utf-8"?>
+<p:sld xmlns:a="http://schemas.openxmlformats.org/drawingml/2006/main" xmlns:r="http://schemas.openxmlformats.org/officeDocument/2006/relationships" xmlns:p="http://schemas.openxmlformats.org/presentationml/2006/main">
+  <p:cSld>
+    <p:spTree>
+      <p:nvGrpSpPr>
+        <p:cNvPr id="1" name=""/>
+        <p:cNvGrpSpPr/>
+        <p:nvPr/>
+      </p:nvGrpSpPr>
+      <p:grpSpPr>
+        <a:xfrm>
+          <a:off x="0" y="0"/>
+          <a:ext cx="0" cy="0"/>
+          <a:chOff x="0" y="0"/>
+          <a:chExt cx="0" cy="0"/>
+        </a:xfrm>
+      </p:grpSpPr>
+      <p:sp>
+        <p:nvSpPr>
+          <p:cNvPr id="425" name="Shape 425"/>
+          <p:cNvSpPr>
+            <a:spLocks noGrp="1"/>
+          </p:cNvSpPr>
+          <p:nvPr>
+            <p:ph type="title"/>
+          </p:nvPr>
+        </p:nvSpPr>
+        <p:spPr>
+          <a:xfrm>
+            <a:off x="569912" y="63500"/>
+            <a:ext cx="7772401" cy="899915"/>
+          </a:xfrm>
+          <a:prstGeom prst="rect">
+            <a:avLst/>
+          </a:prstGeom>
+        </p:spPr>
+        <p:txBody>
+          <a:bodyPr anchor="ctr"/>
+          <a:lstStyle>
+            <a:lvl1pPr algn="ctr" defTabSz="905255">
+              <a:lnSpc>
+                <a:spcPct val="115000"/>
+              </a:lnSpc>
+              <a:spcBef>
+                <a:spcPts val="1500"/>
+              </a:spcBef>
+              <a:defRPr b="0" cap="none">
+                <a:solidFill>
+                  <a:srgbClr val="FFFFFF"/>
+                </a:solidFill>
+              </a:defRPr>
+            </a:lvl1pPr>
+          </a:lstStyle>
+          <a:p>
+            <a:r>
+              <a:rPr lang="en-US" dirty="0" smtClean="0"/>
+              <a:t>MongoDB</a:t>
+            </a:r>
+            <a:r>
+              <a:rPr lang="zh-TW" altLang="en-US" dirty="0" smtClean="0"/>
+              <a:t>服務</a:t>
+            </a:r>
+            <a:r>
+              <a:rPr lang="en-US" altLang="zh-TW" dirty="0" smtClean="0"/>
+              <a:t>2</a:t>
+            </a:r>
+            <a:endParaRPr dirty="0"/>
+          </a:p>
+        </p:txBody>
+      </p:sp>
+      <p:sp>
+        <p:nvSpPr>
+          <p:cNvPr id="426" name="Shape 426"/>
+          <p:cNvSpPr>
+            <a:spLocks noGrp="1"/>
+          </p:cNvSpPr>
+          <p:nvPr>
+            <p:ph type="body" idx="1"/>
+          </p:nvPr>
+        </p:nvSpPr>
+        <p:spPr>
+          <a:xfrm>
+            <a:off x="341090" y="1141459"/>
+            <a:ext cx="7772404" cy="4928895"/>
+          </a:xfrm>
+          <a:prstGeom prst="rect">
+            <a:avLst/>
+          </a:prstGeom>
+        </p:spPr>
+        <p:txBody>
+          <a:bodyPr anchor="t">
+            <a:normAutofit/>
+          </a:bodyPr>
+          <a:lstStyle/>
+          <a:p>
+            <a:pPr defTabSz="905255">
+              <a:lnSpc>
+                <a:spcPct val="115000"/>
+              </a:lnSpc>
+              <a:spcBef>
+                <a:spcPts val="1500"/>
+              </a:spcBef>
+              <a:defRPr sz="2500" b="0">
+                <a:solidFill>
+                  <a:srgbClr val="585858"/>
+                </a:solidFill>
+                <a:latin typeface="Arial"/>
+                <a:ea typeface="Arial"/>
+                <a:cs typeface="Arial"/>
+                <a:sym typeface="Arial"/>
+              </a:defRPr>
+            </a:pPr>
+            <a:r>
+              <a:rPr lang="zh-TW" altLang="en-US" sz="2500" b="0" dirty="0" smtClean="0">
+                <a:sym typeface="Arial"/>
+              </a:rPr>
+              <a:t>打開</a:t>
+            </a:r>
+            <a:r>
+              <a:rPr lang="en-US" altLang="zh-TW" sz="2500" b="0" dirty="0" smtClean="0">
+                <a:sym typeface="Arial"/>
+              </a:rPr>
+              <a:t>cmd,</a:t>
+            </a:r>
+            <a:r>
+              <a:rPr lang="zh-TW" altLang="en-US" sz="2500" b="0" dirty="0" smtClean="0">
+                <a:sym typeface="Arial"/>
+              </a:rPr>
+              <a:t>輸入以下文字</a:t>
+            </a:r>
+            <a:r>
+              <a:rPr lang="en-US" altLang="zh-TW" sz="2500" b="0" dirty="0" smtClean="0">
+                <a:sym typeface="Arial"/>
+              </a:rPr>
+              <a:t>【</a:t>
+            </a:r>
+            <a:r>
+              <a:rPr lang="zh-TW" altLang="en-US" sz="2500" b="0" dirty="0" smtClean="0">
+                <a:sym typeface="Arial"/>
+              </a:rPr>
+              <a:t>注意：</a:t>
+            </a:r>
+            <a:r>
+              <a:rPr lang="zh-TW" altLang="en-US" sz="2500" b="0" dirty="0" smtClean="0">
+                <a:solidFill>
+                  <a:schemeClr val="accent2"/>
+                </a:solidFill>
+                <a:sym typeface="Arial"/>
+              </a:rPr>
+              <a:t>路徑需和自己的一致</a:t>
+            </a:r>
+            <a:r>
+              <a:rPr lang="en-US" altLang="zh-TW" sz="2500" b="0" dirty="0" smtClean="0">
+                <a:sym typeface="Arial"/>
+              </a:rPr>
+              <a:t>】</a:t>
+            </a:r>
+            <a:r>
+              <a:rPr lang="zh-TW" altLang="en-US" sz="2500" b="0" dirty="0" smtClean="0">
+                <a:sym typeface="Arial"/>
+              </a:rPr>
+              <a:t>：</a:t>
+            </a:r>
+            <a:r>
+              <a:rPr lang="en-US" altLang="zh-TW" sz="2500" b="0" dirty="0" smtClean="0">
+                <a:sym typeface="Arial"/>
+              </a:rPr>
+              <a:t/>
+            </a:r>
+            <a:br>
+              <a:rPr lang="en-US" altLang="zh-TW" sz="2500" b="0" dirty="0" smtClean="0">
+                <a:sym typeface="Arial"/>
+              </a:rPr>
+            </a:br>
+            <a:r>
+              <a:rPr lang="en-US" altLang="zh-TW" sz="1800" b="0" dirty="0" smtClean="0">
+                <a:sym typeface="Arial"/>
+              </a:rPr>
+              <a:t> sc.exe create MongoDB binPath= "\"</a:t>
+            </a:r>
+            <a:r>
+              <a:rPr lang="en-US" altLang="zh-TW" sz="1800" dirty="0" smtClean="0">
+                <a:solidFill>
+                  <a:schemeClr val="accent2"/>
+                </a:solidFill>
+                <a:sym typeface="Arial"/>
+              </a:rPr>
+              <a:t>C:\Program Files\MongoDB\Server\3.2\bin\mongod.exe</a:t>
+            </a:r>
+            <a:r>
+              <a:rPr lang="en-US" altLang="zh-TW" sz="1800" b="0" dirty="0" smtClean="0">
+                <a:sym typeface="Arial"/>
+              </a:rPr>
+              <a:t>\" --service --config=\"</a:t>
+            </a:r>
+            <a:r>
+              <a:rPr lang="en-US" altLang="zh-TW" sz="1800" b="0" dirty="0" smtClean="0">
+                <a:solidFill>
+                  <a:schemeClr val="accent2"/>
+                </a:solidFill>
+                <a:sym typeface="Arial"/>
+              </a:rPr>
+              <a:t>C:\data\config\mongod.cfg</a:t>
+            </a:r>
+            <a:r>
+              <a:rPr lang="en-US" altLang="zh-TW" sz="1800" b="0" dirty="0" smtClean="0">
+                <a:sym typeface="Arial"/>
+              </a:rPr>
+              <a:t>\"" DisplayName= "MongoDB" start= "auto"</a:t>
+            </a:r>
+            <a:endParaRPr lang="en-US" sz="1800" b="0" dirty="0" smtClean="0">
+              <a:sym typeface="Arial"/>
+            </a:endParaRPr>
+          </a:p>
+          <a:p>
+            <a:pPr defTabSz="905255">
+              <a:lnSpc>
+                <a:spcPct val="115000"/>
+              </a:lnSpc>
+              <a:spcBef>
+                <a:spcPts val="1500"/>
+              </a:spcBef>
+              <a:defRPr sz="2500" b="0">
+                <a:solidFill>
+                  <a:srgbClr val="585858"/>
+                </a:solidFill>
+                <a:latin typeface="Arial"/>
+                <a:ea typeface="Arial"/>
+                <a:cs typeface="Arial"/>
+                <a:sym typeface="Arial"/>
+              </a:defRPr>
+            </a:pPr>
+            <a:r>
+              <a:rPr lang="zh-TW" altLang="en-US" sz="2500" b="0" dirty="0" smtClean="0">
+                <a:sym typeface="Arial"/>
+              </a:rPr>
+              <a:t>如無意外，會看到：</a:t>
+            </a:r>
+            <a:r>
+              <a:rPr lang="en-US" altLang="zh-TW" sz="2500" b="0" dirty="0" smtClean="0">
+                <a:sym typeface="Arial"/>
+              </a:rPr>
+              <a:t>CreateService</a:t>
+            </a:r>
+            <a:r>
+              <a:rPr lang="zh-TW" altLang="en-US" sz="2500" b="0" dirty="0" smtClean="0">
+                <a:sym typeface="Arial"/>
+              </a:rPr>
+              <a:t>成功。打開</a:t>
+            </a:r>
+            <a:r>
+              <a:rPr lang="en-US" altLang="zh-TW" sz="2500" b="0" dirty="0" smtClean="0">
+                <a:sym typeface="Arial"/>
+              </a:rPr>
+              <a:t>cmd,</a:t>
+            </a:r>
+            <a:r>
+              <a:rPr lang="zh-TW" altLang="en-US" sz="2500" b="0" dirty="0" smtClean="0">
+                <a:sym typeface="Arial"/>
+              </a:rPr>
+              <a:t>輸入</a:t>
+            </a:r>
+            <a:r>
+              <a:rPr lang="en-US" altLang="zh-TW" sz="2500" b="0" dirty="0" smtClean="0">
+                <a:sym typeface="Arial"/>
+              </a:rPr>
+              <a:t>services.msc</a:t>
+            </a:r>
+            <a:r>
+              <a:rPr lang="zh-TW" altLang="en-US" sz="2500" b="0" dirty="0" smtClean="0">
+                <a:sym typeface="Arial"/>
+              </a:rPr>
+              <a:t>，查找</a:t>
+            </a:r>
+            <a:r>
+              <a:rPr lang="en-US" altLang="zh-TW" sz="2500" b="0" dirty="0" smtClean="0">
+                <a:sym typeface="Arial"/>
+              </a:rPr>
+              <a:t>MongoDB</a:t>
+            </a:r>
+            <a:r>
+              <a:rPr lang="zh-TW" altLang="en-US" sz="2500" b="0" dirty="0" smtClean="0">
+                <a:sym typeface="Arial"/>
+              </a:rPr>
+              <a:t>服務，如果能啟動成功，則證明路徑正確。如果不能啟動，則表示 路徑錯誤，需要刪除該服務（命令為：</a:t>
+            </a:r>
+            <a:r>
+              <a:rPr lang="en-US" altLang="zh-TW" sz="2500" b="0" dirty="0" smtClean="0">
+                <a:sym typeface="Arial"/>
+              </a:rPr>
+              <a:t>sc delete MongoDB</a:t>
+            </a:r>
+            <a:r>
+              <a:rPr lang="zh-TW" altLang="en-US" sz="2500" b="0" dirty="0" smtClean="0">
+                <a:sym typeface="Arial"/>
+              </a:rPr>
+              <a:t>），然後重新添加。</a:t>
+            </a:r>
+            <a:endParaRPr lang="en-US" sz="2500" b="0" dirty="0" smtClean="0">
+              <a:sym typeface="Arial"/>
+            </a:endParaRPr>
+          </a:p>
+          <a:p>
+            <a:pPr defTabSz="905255">
+              <a:lnSpc>
+                <a:spcPct val="115000"/>
+              </a:lnSpc>
+              <a:spcBef>
+                <a:spcPts val="1500"/>
+              </a:spcBef>
+              <a:defRPr sz="2500" b="0">
+                <a:solidFill>
+                  <a:srgbClr val="585858"/>
+                </a:solidFill>
+                <a:latin typeface="Arial"/>
+                <a:ea typeface="Arial"/>
+                <a:cs typeface="Arial"/>
+                <a:sym typeface="Arial"/>
+              </a:defRPr>
+            </a:pPr>
+            <a:endParaRPr dirty="0"/>
+          </a:p>
+        </p:txBody>
+      </p:sp>
+    </p:spTree>
+  </p:cSld>
+  <p:clrMapOvr>
+    <a:masterClrMapping/>
+  </p:clrMapOvr>
+  <p:transition spd="slow"/>
+  <p:timing>
+    <p:tnLst>
+      <p:par>
+        <p:cTn id="1" dur="indefinite" restart="never" nodeType="tmRoot"/>
+      </p:par>
+    </p:tnLst>
+  </p:timing>
+</p:sld>
+</file>
+
+<file path=ppt/slides/slide36.xml><?xml version="1.0" encoding="utf-8"?>
 <p:sld xmlns:a="http://schemas.openxmlformats.org/drawingml/2006/main" xmlns:r="http://schemas.openxmlformats.org/officeDocument/2006/relationships" xmlns:p="http://schemas.openxmlformats.org/presentationml/2006/main">
   <p:cSld>
     <p:spTree>
@@ -15015,6 +16759,7 @@
           </a:lstStyle>
           <a:p>
             <a:r>
+              <a:rPr dirty="0"/>
               <a:t>Schema</a:t>
             </a:r>
           </a:p>
@@ -15065,7 +16810,7 @@
               <a:t>mongoose 的 Schema </a:t>
             </a:r>
             <a:r>
-              <a:rPr dirty="0" err="1"/>
+              <a:rPr dirty="0"/>
               <a:t>概念就是用</a:t>
             </a:r>
             <a:r>
@@ -15073,7 +16818,7 @@
               <a:t> schema-based </a:t>
             </a:r>
             <a:r>
-              <a:rPr dirty="0" err="1"/>
+              <a:rPr dirty="0"/>
               <a:t>的方式，定義一個</a:t>
             </a:r>
             <a:r>
@@ -15081,7 +16826,7 @@
               <a:t> collection </a:t>
             </a:r>
             <a:r>
-              <a:rPr dirty="0" err="1"/>
+              <a:rPr dirty="0"/>
               <a:t>的組成結構，用程式碼描述會這樣子寫</a:t>
             </a:r>
             <a:r>
@@ -15131,7 +16876,7 @@
               </a:defRPr>
             </a:pPr>
             <a:r>
-              <a:rPr dirty="0" err="1"/>
+              <a:rPr dirty="0"/>
               <a:t>var</a:t>
             </a:r>
             <a:r>
@@ -15139,7 +16884,7 @@
               <a:t> </a:t>
             </a:r>
             <a:r>
-              <a:rPr dirty="0" err="1"/>
+              <a:rPr dirty="0"/>
               <a:t>userSchema</a:t>
             </a:r>
             <a:r>
@@ -15147,7 +16892,7 @@
               <a:t> = new </a:t>
             </a:r>
             <a:r>
-              <a:rPr dirty="0" err="1"/>
+              <a:rPr dirty="0"/>
               <a:t>mongoose.Schema</a:t>
             </a:r>
             <a:r>
@@ -15242,7 +16987,7 @@
 </p:sld>
 </file>
 
-<file path=ppt/slides/slide34.xml><?xml version="1.0" encoding="utf-8"?>
+<file path=ppt/slides/slide37.xml><?xml version="1.0" encoding="utf-8"?>
 <p:sld xmlns:a="http://schemas.openxmlformats.org/drawingml/2006/main" xmlns:r="http://schemas.openxmlformats.org/officeDocument/2006/relationships" xmlns:p="http://schemas.openxmlformats.org/presentationml/2006/main">
   <p:cSld>
     <p:spTree>
@@ -15328,7 +17073,7 @@
                   <a:sym typeface="Arial"/>
                 </a:defRPr>
               </a:pPr>
-              <a:endParaRPr/>
+              <a:endParaRPr dirty="0"/>
             </a:p>
           </p:txBody>
         </p:sp>
@@ -15382,7 +17127,7 @@
                 </a:defRPr>
               </a:pPr>
               <a:r>
-                <a:rPr dirty="0" err="1" smtClean="0"/>
+                <a:rPr dirty="0" smtClean="0"/>
                 <a:t>var</a:t>
               </a:r>
               <a:r>
@@ -15390,7 +17135,7 @@
                 <a:t> </a:t>
               </a:r>
               <a:r>
-                <a:rPr dirty="0" err="1"/>
+                <a:rPr dirty="0"/>
                 <a:t>ExampleSchema</a:t>
               </a:r>
               <a:r>
@@ -15421,7 +17166,7 @@
                 <a:t>      </a:t>
               </a:r>
               <a:r>
-                <a:rPr dirty="0" err="1"/>
+                <a:rPr dirty="0"/>
                 <a:t>name:String</a:t>
               </a:r>
               <a:r>
@@ -15452,7 +17197,7 @@
                 <a:t>      </a:t>
               </a:r>
               <a:r>
-                <a:rPr dirty="0" err="1"/>
+                <a:rPr dirty="0"/>
                 <a:t>binary:Buffer</a:t>
               </a:r>
               <a:r>
@@ -15483,7 +17228,7 @@
                 <a:t>      </a:t>
               </a:r>
               <a:r>
-                <a:rPr dirty="0" err="1"/>
+                <a:rPr dirty="0"/>
                 <a:t>living:Boolean</a:t>
               </a:r>
               <a:r>
@@ -15514,7 +17259,7 @@
                 <a:t>      </a:t>
               </a:r>
               <a:r>
-                <a:rPr dirty="0" err="1"/>
+                <a:rPr dirty="0"/>
                 <a:t>updated:Date</a:t>
               </a:r>
               <a:r>
@@ -15545,7 +17290,7 @@
                 <a:t>      </a:t>
               </a:r>
               <a:r>
-                <a:rPr dirty="0" err="1"/>
+                <a:rPr dirty="0"/>
                 <a:t>age:Number</a:t>
               </a:r>
               <a:r>
@@ -15576,7 +17321,7 @@
                 <a:t>      </a:t>
               </a:r>
               <a:r>
-                <a:rPr dirty="0" err="1"/>
+                <a:rPr dirty="0"/>
                 <a:t>mixed:Schema.Types.Mixed</a:t>
               </a:r>
               <a:r>
@@ -15584,7 +17329,7 @@
                 <a:t>, //</a:t>
               </a:r>
               <a:r>
-                <a:rPr dirty="0" err="1"/>
+                <a:rPr dirty="0"/>
                 <a:t>该混合类型等同于nested</a:t>
               </a:r>
               <a:endParaRPr dirty="0"/>
@@ -15612,7 +17357,7 @@
                 <a:t>      _</a:t>
               </a:r>
               <a:r>
-                <a:rPr dirty="0" err="1"/>
+                <a:rPr dirty="0"/>
                 <a:t>id:Schema.Types.ObjectId</a:t>
               </a:r>
               <a:r>
@@ -15620,7 +17365,7 @@
                 <a:t>,  //</a:t>
               </a:r>
               <a:r>
-                <a:rPr dirty="0" err="1"/>
+                <a:rPr dirty="0"/>
                 <a:t>主键</a:t>
               </a:r>
               <a:endParaRPr dirty="0"/>
@@ -15648,7 +17393,7 @@
                 <a:t>      _</a:t>
               </a:r>
               <a:r>
-                <a:rPr dirty="0" err="1"/>
+                <a:rPr dirty="0"/>
                 <a:t>fk:Schema.Types.ObjectId</a:t>
               </a:r>
               <a:r>
@@ -15656,7 +17401,7 @@
                 <a:t>,  //</a:t>
               </a:r>
               <a:r>
-                <a:rPr dirty="0" err="1"/>
+                <a:rPr dirty="0"/>
                 <a:t>外键</a:t>
               </a:r>
               <a:endParaRPr dirty="0"/>
@@ -15707,7 +17452,7 @@
                 <a:t>      </a:t>
               </a:r>
               <a:r>
-                <a:rPr dirty="0" err="1"/>
+                <a:rPr dirty="0"/>
                 <a:t>arrOfString</a:t>
               </a:r>
               <a:r>
@@ -15738,7 +17483,7 @@
                 <a:t>      </a:t>
               </a:r>
               <a:r>
-                <a:rPr dirty="0" err="1"/>
+                <a:rPr dirty="0"/>
                 <a:t>arrOfNumber</a:t>
               </a:r>
               <a:r>
@@ -15769,7 +17514,7 @@
                 <a:t>      </a:t>
               </a:r>
               <a:r>
-                <a:rPr dirty="0" err="1"/>
+                <a:rPr dirty="0"/>
                 <a:t>arrOfDate</a:t>
               </a:r>
               <a:r>
@@ -15800,7 +17545,7 @@
                 <a:t>      </a:t>
               </a:r>
               <a:r>
-                <a:rPr dirty="0" err="1"/>
+                <a:rPr dirty="0"/>
                 <a:t>arrOfBuffer</a:t>
               </a:r>
               <a:r>
@@ -15831,7 +17576,7 @@
                 <a:t>      </a:t>
               </a:r>
               <a:r>
-                <a:rPr dirty="0" err="1"/>
+                <a:rPr dirty="0"/>
                 <a:t>arrOfBoolean</a:t>
               </a:r>
               <a:r>
@@ -15862,7 +17607,7 @@
                 <a:t>      </a:t>
               </a:r>
               <a:r>
-                <a:rPr dirty="0" err="1"/>
+                <a:rPr dirty="0"/>
                 <a:t>arrOfMixed</a:t>
               </a:r>
               <a:r>
@@ -15870,7 +17615,7 @@
                 <a:t>:[</a:t>
               </a:r>
               <a:r>
-                <a:rPr dirty="0" err="1"/>
+                <a:rPr dirty="0"/>
                 <a:t>Schema.Types.Mixed</a:t>
               </a:r>
               <a:r>
@@ -15901,7 +17646,7 @@
                 <a:t>      </a:t>
               </a:r>
               <a:r>
-                <a:rPr dirty="0" err="1"/>
+                <a:rPr dirty="0"/>
                 <a:t>arrOfObjectId</a:t>
               </a:r>
               <a:r>
@@ -15909,7 +17654,7 @@
                 <a:t>:[</a:t>
               </a:r>
               <a:r>
-                <a:rPr dirty="0" err="1"/>
+                <a:rPr dirty="0"/>
                 <a:t>Schema.Types.ObjectId</a:t>
               </a:r>
               <a:r>
@@ -15963,7 +17708,7 @@
                 <a:t>        </a:t>
               </a:r>
               <a:r>
-                <a:rPr dirty="0" err="1"/>
+                <a:rPr dirty="0"/>
                 <a:t>stuff:String</a:t>
               </a:r>
               <a:r>
@@ -16036,7 +17781,7 @@
 </p:sld>
 </file>
 
-<file path=ppt/slides/slide35.xml><?xml version="1.0" encoding="utf-8"?>
+<file path=ppt/slides/slide38.xml><?xml version="1.0" encoding="utf-8"?>
 <p:sld xmlns:a="http://schemas.openxmlformats.org/drawingml/2006/main" xmlns:r="http://schemas.openxmlformats.org/officeDocument/2006/relationships" xmlns:p="http://schemas.openxmlformats.org/presentationml/2006/main">
   <p:cSld>
     <p:spTree>
@@ -16091,6 +17836,7 @@
           </a:lstStyle>
           <a:p>
             <a:r>
+              <a:rPr dirty="0"/>
               <a:t>Model</a:t>
             </a:r>
           </a:p>
@@ -16141,7 +17887,7 @@
               <a:t>而 mongoose 的 Model </a:t>
             </a:r>
             <a:r>
-              <a:rPr dirty="0" err="1"/>
+              <a:rPr dirty="0"/>
               <a:t>概念，則是對一個</a:t>
             </a:r>
             <a:r>
@@ -16149,7 +17895,7 @@
               <a:t> collection </a:t>
             </a:r>
             <a:r>
-              <a:rPr dirty="0" err="1"/>
+              <a:rPr dirty="0"/>
               <a:t>結構定義與操作方法的集合，也就是用</a:t>
             </a:r>
             <a:r>
@@ -16157,7 +17903,7 @@
               <a:t> Schema </a:t>
             </a:r>
             <a:r>
-              <a:rPr dirty="0" err="1"/>
+              <a:rPr dirty="0"/>
               <a:t>定義了一個</a:t>
             </a:r>
             <a:r>
@@ -16165,7 +17911,7 @@
               <a:t> collection </a:t>
             </a:r>
             <a:r>
-              <a:rPr dirty="0" err="1"/>
+              <a:rPr dirty="0"/>
               <a:t>的結構，加上其他對這個</a:t>
             </a:r>
             <a:r>
@@ -16173,7 +17919,7 @@
               <a:t> collection </a:t>
             </a:r>
             <a:r>
-              <a:rPr dirty="0" err="1"/>
+              <a:rPr dirty="0"/>
               <a:t>的驗證設定、操作方法等等，便構成了一個</a:t>
             </a:r>
             <a:r>
@@ -16200,7 +17946,7 @@
               </a:defRPr>
             </a:pPr>
             <a:r>
-              <a:rPr dirty="0" err="1"/>
+              <a:rPr dirty="0"/>
               <a:t>最後將這個</a:t>
             </a:r>
             <a:r>
@@ -16208,7 +17954,7 @@
               <a:t> Schema </a:t>
             </a:r>
             <a:r>
-              <a:rPr dirty="0" err="1"/>
+              <a:rPr dirty="0"/>
               <a:t>定義到一個叫做</a:t>
             </a:r>
             <a:r>
@@ -16235,7 +17981,7 @@
               </a:defRPr>
             </a:pPr>
             <a:r>
-              <a:rPr dirty="0" err="1"/>
+              <a:rPr dirty="0"/>
               <a:t>mongoose.model</a:t>
             </a:r>
             <a:r>
@@ -16243,7 +17989,7 @@
               <a:t>(‘User’, </a:t>
             </a:r>
             <a:r>
-              <a:rPr dirty="0" err="1"/>
+              <a:rPr dirty="0"/>
               <a:t>userSchema</a:t>
             </a:r>
             <a:r>
@@ -16269,7 +18015,7 @@
 </p:sld>
 </file>
 
-<file path=ppt/slides/slide36.xml><?xml version="1.0" encoding="utf-8"?>
+<file path=ppt/slides/slide39.xml><?xml version="1.0" encoding="utf-8"?>
 <p:sld xmlns:a="http://schemas.openxmlformats.org/drawingml/2006/main" xmlns:r="http://schemas.openxmlformats.org/officeDocument/2006/relationships" xmlns:p="http://schemas.openxmlformats.org/presentationml/2006/main">
   <p:cSld>
     <p:spTree>
@@ -16324,8 +18070,10 @@
           </a:lstStyle>
           <a:p>
             <a:r>
+              <a:rPr dirty="0"/>
               <a:t>操作Model</a:t>
             </a:r>
+            <a:endParaRPr dirty="0"/>
           </a:p>
         </p:txBody>
       </p:sp>
@@ -16372,7 +18120,36 @@
               </a:defRPr>
             </a:pPr>
             <a:r>
-              <a:t>當要使用這個 model 只要用 mongoose.model() 將 model 讀出來，便可以對他進行操作了：</a:t>
+              <a:rPr dirty="0"/>
+              <a:t>當要使用這個</a:t>
+            </a:r>
+            <a:r>
+              <a:rPr dirty="0"/>
+              <a:t> model </a:t>
+            </a:r>
+            <a:r>
+              <a:rPr dirty="0"/>
+              <a:t>只要用</a:t>
+            </a:r>
+            <a:r>
+              <a:rPr dirty="0"/>
+              <a:t> </a:t>
+            </a:r>
+            <a:r>
+              <a:rPr dirty="0"/>
+              <a:t>mongoose.model</a:t>
+            </a:r>
+            <a:r>
+              <a:rPr dirty="0"/>
+              <a:t>() 將 model </a:t>
+            </a:r>
+            <a:r>
+              <a:rPr dirty="0"/>
+              <a:t>讀出來，便可以對他進行操作了</a:t>
+            </a:r>
+            <a:r>
+              <a:rPr dirty="0"/>
+              <a:t>：</a:t>
             </a:r>
           </a:p>
           <a:p>
@@ -16394,14 +18171,28 @@
               </a:defRPr>
             </a:pPr>
             <a:r>
-              <a:t>var </a:t>
-            </a:r>
-            <a:r>
-              <a:rPr b="1"/>
+              <a:rPr dirty="0"/>
+              <a:t>var</a:t>
+            </a:r>
+            <a:r>
+              <a:rPr dirty="0"/>
+              <a:t> </a:t>
+            </a:r>
+            <a:r>
+              <a:rPr b="1" dirty="0"/>
               <a:t>UserModel</a:t>
             </a:r>
             <a:r>
-              <a:t> = mongoose.model(‘User’);</a:t>
+              <a:rPr dirty="0"/>
+              <a:t> = </a:t>
+            </a:r>
+            <a:r>
+              <a:rPr dirty="0"/>
+              <a:t>mongoose.model</a:t>
+            </a:r>
+            <a:r>
+              <a:rPr dirty="0"/>
+              <a:t>(‘User’);</a:t>
             </a:r>
           </a:p>
           <a:p>
@@ -16423,7 +18214,20 @@
               </a:defRPr>
             </a:pPr>
             <a:r>
-              <a:t>這行程式的意思是，用UserSchema來產生一個名(index)為"User"的Model並指定給變數UserModel。</a:t>
+              <a:rPr dirty="0"/>
+              <a:t>這行程式的意思是，用UserSchema來產生一個名</a:t>
+            </a:r>
+            <a:r>
+              <a:rPr dirty="0"/>
+              <a:t>(index)</a:t>
+            </a:r>
+            <a:r>
+              <a:rPr dirty="0"/>
+              <a:t>為"User"的Model並指定給變數UserModel</a:t>
+            </a:r>
+            <a:r>
+              <a:rPr dirty="0"/>
+              <a:t>。</a:t>
             </a:r>
           </a:p>
           <a:p>
@@ -16444,7 +18248,7 @@
                 <a:sym typeface="Arial"/>
               </a:defRPr>
             </a:pPr>
-            <a:endParaRPr/>
+            <a:endParaRPr dirty="0"/>
           </a:p>
           <a:p>
             <a:pPr defTabSz="615572">
@@ -16465,7 +18269,12 @@
               </a:defRPr>
             </a:pPr>
             <a:r>
-              <a:t>最後用這個Model來產生一個Entity：</a:t>
+              <a:rPr dirty="0"/>
+              <a:t>最後用這個Model來產生一個Entity</a:t>
+            </a:r>
+            <a:r>
+              <a:rPr dirty="0"/>
+              <a:t>：</a:t>
             </a:r>
           </a:p>
           <a:p>
@@ -16487,14 +18296,36 @@
               </a:defRPr>
             </a:pPr>
             <a:r>
-              <a:t>var userEntity = new </a:t>
-            </a:r>
-            <a:r>
-              <a:rPr b="1"/>
+              <a:rPr dirty="0"/>
+              <a:t>var</a:t>
+            </a:r>
+            <a:r>
+              <a:rPr dirty="0"/>
+              <a:t> </a:t>
+            </a:r>
+            <a:r>
+              <a:rPr dirty="0"/>
+              <a:t>userEntity</a:t>
+            </a:r>
+            <a:r>
+              <a:rPr dirty="0"/>
+              <a:t> = new </a:t>
+            </a:r>
+            <a:r>
+              <a:rPr b="1" dirty="0"/>
               <a:t>UserModel</a:t>
             </a:r>
             <a:r>
-              <a:t>({name:'Zack'});</a:t>
+              <a:rPr dirty="0"/>
+              <a:t>({</a:t>
+            </a:r>
+            <a:r>
+              <a:rPr dirty="0"/>
+              <a:t>name:'Zack</a:t>
+            </a:r>
+            <a:r>
+              <a:rPr dirty="0"/>
+              <a:t>'});</a:t>
             </a:r>
           </a:p>
           <a:p>
@@ -16516,6 +18347,7 @@
               </a:defRPr>
             </a:pPr>
             <a:r>
+              <a:rPr dirty="0"/>
               <a:t>console.log(userEntity.name); //Zack</a:t>
             </a:r>
           </a:p>
@@ -16538,7 +18370,20 @@
               </a:defRPr>
             </a:pPr>
             <a:r>
-              <a:t>產生Entity的同時給屬性name賦值為"Zack"，再由console.log(userEntity.name)打印出來。</a:t>
+              <a:rPr dirty="0"/>
+              <a:t>產生Entity的同時給屬性name賦值為"Zack</a:t>
+            </a:r>
+            <a:r>
+              <a:rPr dirty="0"/>
+              <a:t>"，再由console.log(userEntity.name)</a:t>
+            </a:r>
+            <a:r>
+              <a:rPr dirty="0"/>
+              <a:t>打印出來</a:t>
+            </a:r>
+            <a:r>
+              <a:rPr dirty="0"/>
+              <a:t>。</a:t>
             </a:r>
           </a:p>
         </p:txBody>
@@ -16559,7 +18404,477 @@
 </p:sld>
 </file>
 
-<file path=ppt/slides/slide37.xml><?xml version="1.0" encoding="utf-8"?>
+<file path=ppt/slides/slide4.xml><?xml version="1.0" encoding="utf-8"?>
+<p:sld xmlns:a="http://schemas.openxmlformats.org/drawingml/2006/main" xmlns:r="http://schemas.openxmlformats.org/officeDocument/2006/relationships" xmlns:p="http://schemas.openxmlformats.org/presentationml/2006/main">
+  <p:cSld>
+    <p:spTree>
+      <p:nvGrpSpPr>
+        <p:cNvPr id="1" name=""/>
+        <p:cNvGrpSpPr/>
+        <p:nvPr/>
+      </p:nvGrpSpPr>
+      <p:grpSpPr>
+        <a:xfrm>
+          <a:off x="0" y="0"/>
+          <a:ext cx="0" cy="0"/>
+          <a:chOff x="0" y="0"/>
+          <a:chExt cx="0" cy="0"/>
+        </a:xfrm>
+      </p:grpSpPr>
+      <p:sp>
+        <p:nvSpPr>
+          <p:cNvPr id="254" name="Shape 254"/>
+          <p:cNvSpPr>
+            <a:spLocks noGrp="1"/>
+          </p:cNvSpPr>
+          <p:nvPr>
+            <p:ph type="body" idx="1"/>
+          </p:nvPr>
+        </p:nvSpPr>
+        <p:spPr>
+          <a:xfrm>
+            <a:off x="586403" y="1424433"/>
+            <a:ext cx="7772401" cy="4645920"/>
+          </a:xfrm>
+          <a:prstGeom prst="rect">
+            <a:avLst/>
+          </a:prstGeom>
+        </p:spPr>
+        <p:txBody>
+          <a:bodyPr anchor="t"/>
+          <a:lstStyle/>
+          <a:p>
+            <a:r>
+              <a:rPr lang="en-US" altLang="zh-TW" dirty="0" smtClean="0"/>
+              <a:t>Node.js</a:t>
+            </a:r>
+            <a:r>
+              <a:rPr lang="zh-TW" altLang="en-US" b="0" dirty="0" smtClean="0"/>
+              <a:t>是一個</a:t>
+            </a:r>
+            <a:r>
+              <a:rPr lang="zh-TW" altLang="en-US" b="0" dirty="0" smtClean="0">
+                <a:hlinkClick r:id="rId2" tooltip="開放原始碼"/>
+              </a:rPr>
+              <a:t>開放原始碼</a:t>
+            </a:r>
+            <a:r>
+              <a:rPr lang="zh-TW" altLang="en-US" b="0" dirty="0" smtClean="0"/>
+              <a:t>、</a:t>
+            </a:r>
+            <a:r>
+              <a:rPr lang="zh-TW" altLang="en-US" b="0" dirty="0" smtClean="0">
+                <a:hlinkClick r:id="rId3" tooltip="跨平台"/>
+              </a:rPr>
+              <a:t>跨平台</a:t>
+            </a:r>
+            <a:r>
+              <a:rPr lang="zh-TW" altLang="en-US" b="0" dirty="0" smtClean="0"/>
+              <a:t>的、可用於</a:t>
+            </a:r>
+            <a:r>
+              <a:rPr lang="zh-TW" altLang="en-US" b="0" dirty="0" smtClean="0">
+                <a:hlinkClick r:id="rId4" tooltip="伺服器端"/>
+              </a:rPr>
+              <a:t>伺服器端</a:t>
+            </a:r>
+            <a:r>
+              <a:rPr lang="zh-TW" altLang="en-US" b="0" dirty="0" smtClean="0"/>
+              <a:t>和網路應用的</a:t>
+            </a:r>
+            <a:r>
+              <a:rPr lang="zh-TW" altLang="en-US" b="0" dirty="0" smtClean="0">
+                <a:hlinkClick r:id="rId5" tooltip="執行環境"/>
+              </a:rPr>
+              <a:t>執行環境</a:t>
+            </a:r>
+            <a:r>
+              <a:rPr lang="zh-TW" altLang="en-US" b="0" dirty="0" smtClean="0"/>
+              <a:t>。</a:t>
+            </a:r>
+            <a:r>
+              <a:rPr lang="en-US" altLang="zh-TW" b="0" dirty="0" smtClean="0"/>
+              <a:t>Node.js</a:t>
+            </a:r>
+            <a:r>
+              <a:rPr lang="zh-TW" altLang="en-US" b="0" dirty="0" smtClean="0"/>
+              <a:t>應用</a:t>
+            </a:r>
+            <a:r>
+              <a:rPr lang="en-US" altLang="zh-TW" b="0" dirty="0" smtClean="0">
+                <a:hlinkClick r:id="rId6" tooltip="C++"/>
+              </a:rPr>
+              <a:t>C++</a:t>
+            </a:r>
+            <a:r>
+              <a:rPr lang="zh-TW" altLang="en-US" b="0" dirty="0" smtClean="0"/>
+              <a:t>語言寫成，在</a:t>
+            </a:r>
+            <a:r>
+              <a:rPr lang="en-US" altLang="zh-TW" b="0" dirty="0" smtClean="0"/>
+              <a:t>Node.js</a:t>
+            </a:r>
+            <a:r>
+              <a:rPr lang="zh-TW" altLang="en-US" b="0" dirty="0" smtClean="0"/>
+              <a:t>執行時執行。它支援</a:t>
+            </a:r>
+            <a:r>
+              <a:rPr lang="en-US" altLang="zh-TW" b="0" dirty="0" smtClean="0">
+                <a:hlinkClick r:id="rId7" tooltip="OS X"/>
+              </a:rPr>
+              <a:t>OS X</a:t>
+            </a:r>
+            <a:r>
+              <a:rPr lang="zh-TW" altLang="en-US" b="0" dirty="0" smtClean="0"/>
+              <a:t>、</a:t>
+            </a:r>
+            <a:r>
+              <a:rPr lang="en-US" altLang="zh-TW" b="0" dirty="0" smtClean="0">
+                <a:hlinkClick r:id="rId8" tooltip="Microsoft Windows"/>
+              </a:rPr>
+              <a:t>Microsoft Windows</a:t>
+            </a:r>
+            <a:r>
+              <a:rPr lang="zh-TW" altLang="en-US" b="0" dirty="0" smtClean="0"/>
+              <a:t>、</a:t>
+            </a:r>
+            <a:r>
+              <a:rPr lang="en-US" altLang="zh-TW" b="0" dirty="0" smtClean="0">
+                <a:hlinkClick r:id="rId9" tooltip="Linux"/>
+              </a:rPr>
+              <a:t>Linux</a:t>
+            </a:r>
+            <a:r>
+              <a:rPr lang="zh-TW" altLang="en-US" b="0" dirty="0" smtClean="0"/>
+              <a:t>、</a:t>
+            </a:r>
+            <a:r>
+              <a:rPr lang="en-US" altLang="zh-TW" b="0" dirty="0" smtClean="0">
+                <a:hlinkClick r:id="rId10" tooltip="FreeBSD"/>
+              </a:rPr>
+              <a:t>FreeBSD</a:t>
+            </a:r>
+            <a:r>
+              <a:rPr lang="zh-TW" altLang="en-US" b="0" dirty="0" smtClean="0"/>
+              <a:t>、</a:t>
+            </a:r>
+            <a:r>
+              <a:rPr lang="en-US" altLang="zh-TW" b="0" dirty="0" smtClean="0">
+                <a:hlinkClick r:id="rId11" tooltip="NonStop（頁面不存在）"/>
+              </a:rPr>
+              <a:t>NonStop</a:t>
+            </a:r>
+            <a:r>
+              <a:rPr lang="zh-TW" altLang="en-US" b="0" dirty="0" smtClean="0"/>
+              <a:t>、</a:t>
+            </a:r>
+            <a:r>
+              <a:rPr lang="en-US" altLang="zh-TW" b="0" dirty="0" smtClean="0">
+                <a:hlinkClick r:id="rId12" tooltip="IBM AIX"/>
+              </a:rPr>
+              <a:t>IBM AIX</a:t>
+            </a:r>
+            <a:r>
+              <a:rPr lang="zh-TW" altLang="en-US" b="0" dirty="0" smtClean="0"/>
+              <a:t>、</a:t>
+            </a:r>
+            <a:r>
+              <a:rPr lang="en-US" altLang="zh-TW" b="0" dirty="0" smtClean="0">
+                <a:hlinkClick r:id="rId13" tooltip="IBM System z（頁面不存在）"/>
+              </a:rPr>
+              <a:t>IBM System z</a:t>
+            </a:r>
+            <a:r>
+              <a:rPr lang="zh-TW" altLang="en-US" b="0" dirty="0" smtClean="0"/>
+              <a:t>和</a:t>
+            </a:r>
+            <a:r>
+              <a:rPr lang="en-US" altLang="zh-TW" b="0" dirty="0" smtClean="0">
+                <a:hlinkClick r:id="rId14" tooltip="IBM i（頁面不存在）"/>
+              </a:rPr>
+              <a:t>IBM </a:t>
+            </a:r>
+            <a:r>
+              <a:rPr lang="en-US" altLang="zh-TW" b="0" dirty="0" smtClean="0">
+                <a:hlinkClick r:id="rId14" tooltip="IBM i（頁面不存在）"/>
+              </a:rPr>
+              <a:t>i</a:t>
+            </a:r>
+            <a:r>
+              <a:rPr lang="zh-TW" altLang="en-US" b="0" dirty="0" smtClean="0"/>
+              <a:t>。</a:t>
+            </a:r>
+            <a:r>
+              <a:rPr lang="en-US" altLang="zh-TW" b="0" dirty="0" smtClean="0"/>
+              <a:t>Node.js</a:t>
+            </a:r>
+            <a:r>
+              <a:rPr lang="zh-TW" altLang="en-US" b="0" dirty="0" smtClean="0"/>
+              <a:t>由</a:t>
+            </a:r>
+            <a:r>
+              <a:rPr lang="en-US" altLang="zh-TW" b="0" dirty="0" smtClean="0"/>
+              <a:t>Node.js</a:t>
+            </a:r>
+            <a:r>
+              <a:rPr lang="zh-TW" altLang="en-US" b="0" dirty="0" smtClean="0"/>
+              <a:t>基金會擁有和維護</a:t>
+            </a:r>
+            <a:r>
+              <a:rPr lang="en-US" altLang="zh-TW" b="0" baseline="30000" dirty="0" smtClean="0">
+                <a:hlinkClick r:id="rId15"/>
+              </a:rPr>
+              <a:t>[3]</a:t>
+            </a:r>
+            <a:r>
+              <a:rPr lang="zh-TW" altLang="en-US" b="0" dirty="0" smtClean="0"/>
+              <a:t>，該基金會與</a:t>
+            </a:r>
+            <a:r>
+              <a:rPr lang="en-US" altLang="zh-TW" b="0" dirty="0" smtClean="0">
+                <a:hlinkClick r:id="rId16" tooltip="Linux基金會"/>
+              </a:rPr>
+              <a:t>Linux</a:t>
+            </a:r>
+            <a:r>
+              <a:rPr lang="zh-TW" altLang="en-US" b="0" dirty="0" smtClean="0">
+                <a:hlinkClick r:id="rId16" tooltip="Linux基金會"/>
+              </a:rPr>
+              <a:t>基金會</a:t>
+            </a:r>
+            <a:r>
+              <a:rPr lang="zh-TW" altLang="en-US" b="0" dirty="0" smtClean="0"/>
+              <a:t>有合作關係</a:t>
+            </a:r>
+            <a:r>
+              <a:rPr lang="en-US" altLang="zh-TW" b="0" baseline="30000" dirty="0" smtClean="0">
+                <a:hlinkClick r:id="rId17"/>
+              </a:rPr>
+              <a:t>[4]</a:t>
+            </a:r>
+            <a:r>
+              <a:rPr lang="zh-TW" altLang="en-US" b="0" dirty="0" smtClean="0"/>
+              <a:t>。</a:t>
+            </a:r>
+          </a:p>
+          <a:p>
+            <a:r>
+              <a:rPr lang="en-US" altLang="zh-TW" b="0" dirty="0" smtClean="0"/>
+              <a:t>Node.js</a:t>
+            </a:r>
+            <a:r>
+              <a:rPr lang="zh-TW" altLang="en-US" b="0" dirty="0" smtClean="0"/>
+              <a:t>提供</a:t>
+            </a:r>
+            <a:r>
+              <a:rPr lang="zh-TW" altLang="en-US" b="0" dirty="0" smtClean="0">
+                <a:hlinkClick r:id="rId18" tooltip="事件驅動"/>
+              </a:rPr>
+              <a:t>事件驅動</a:t>
+            </a:r>
+            <a:r>
+              <a:rPr lang="zh-TW" altLang="en-US" b="0" dirty="0" smtClean="0"/>
+              <a:t>和</a:t>
+            </a:r>
+            <a:r>
+              <a:rPr lang="zh-TW" altLang="en-US" b="0" dirty="0" smtClean="0">
+                <a:hlinkClick r:id="rId19" tooltip="非阻塞I/O（頁面不存在）"/>
+              </a:rPr>
+              <a:t>非阻塞</a:t>
+            </a:r>
+            <a:r>
+              <a:rPr lang="en-US" altLang="zh-TW" b="0" dirty="0" smtClean="0">
+                <a:hlinkClick r:id="rId19" tooltip="非阻塞I/O（頁面不存在）"/>
+              </a:rPr>
+              <a:t>I/O</a:t>
+            </a:r>
+            <a:r>
+              <a:rPr lang="zh-TW" altLang="en-US" b="0" dirty="0" smtClean="0"/>
+              <a:t> </a:t>
+            </a:r>
+            <a:r>
+              <a:rPr lang="en-US" altLang="zh-TW" b="0" dirty="0" smtClean="0">
+                <a:hlinkClick r:id="rId20" tooltip="API"/>
+              </a:rPr>
+              <a:t>API</a:t>
+            </a:r>
+            <a:r>
+              <a:rPr lang="zh-TW" altLang="en-US" b="0" dirty="0" smtClean="0"/>
+              <a:t>，可最佳化應用程式的吞吐量和規模。這些技術通常被用於</a:t>
+            </a:r>
+            <a:r>
+              <a:rPr lang="zh-TW" altLang="en-US" b="0" u="sng" dirty="0" smtClean="0">
+                <a:hlinkClick r:id="rId21" tooltip="實時"/>
+              </a:rPr>
+              <a:t>實時</a:t>
+            </a:r>
+            <a:r>
+              <a:rPr lang="zh-TW" altLang="en-US" b="0" dirty="0" smtClean="0"/>
+              <a:t>應用程式。</a:t>
+            </a:r>
+            <a:endParaRPr lang="en-US" altLang="zh-TW" b="0" dirty="0" smtClean="0"/>
+          </a:p>
+          <a:p>
+            <a:endParaRPr lang="zh-TW" altLang="en-US" b="0" dirty="0" smtClean="0"/>
+          </a:p>
+          <a:p>
+            <a:r>
+              <a:rPr lang="en-US" altLang="zh-TW" b="0" dirty="0" smtClean="0"/>
+              <a:t>You can get the latest Long Term Support (LTS) version of Node 6.x from:</a:t>
+            </a:r>
+          </a:p>
+          <a:p>
+            <a:r>
+              <a:rPr lang="en-US" altLang="zh-TW" b="0" dirty="0" smtClean="0"/>
+              <a:t>Max OS X Installer: </a:t>
+            </a:r>
+            <a:r>
+              <a:rPr lang="en-US" altLang="zh-TW" b="0" dirty="0" smtClean="0">
+                <a:hlinkClick r:id="rId22"/>
+              </a:rPr>
+              <a:t>Universal</a:t>
+            </a:r>
+            <a:endParaRPr lang="en-US" altLang="zh-TW" b="0" dirty="0" smtClean="0"/>
+          </a:p>
+          <a:p>
+            <a:r>
+              <a:rPr lang="en-US" altLang="zh-TW" b="0" dirty="0" smtClean="0"/>
+              <a:t>Windows Installer: </a:t>
+            </a:r>
+            <a:r>
+              <a:rPr lang="en-US" altLang="zh-TW" b="0" u="sng" dirty="0" smtClean="0">
+                <a:hlinkClick r:id="rId23"/>
+              </a:rPr>
+              <a:t>32-bit</a:t>
+            </a:r>
+            <a:r>
+              <a:rPr lang="en-US" altLang="zh-TW" b="0" dirty="0" smtClean="0"/>
+              <a:t> or </a:t>
+            </a:r>
+            <a:r>
+              <a:rPr lang="en-US" altLang="zh-TW" b="0" dirty="0" smtClean="0">
+                <a:hlinkClick r:id="rId24"/>
+              </a:rPr>
+              <a:t>64-bit</a:t>
+            </a:r>
+            <a:endParaRPr lang="en-US" altLang="zh-TW" b="0" dirty="0" smtClean="0"/>
+          </a:p>
+          <a:p>
+            <a:r>
+              <a:rPr lang="en-US" altLang="zh-TW" b="0" dirty="0" smtClean="0"/>
+              <a:t>Linux Binaries: </a:t>
+            </a:r>
+            <a:r>
+              <a:rPr lang="en-US" altLang="zh-TW" b="0" dirty="0" smtClean="0">
+                <a:hlinkClick r:id="rId25"/>
+              </a:rPr>
+              <a:t>32-bit</a:t>
+            </a:r>
+            <a:r>
+              <a:rPr lang="en-US" altLang="zh-TW" b="0" dirty="0" smtClean="0"/>
+              <a:t> or </a:t>
+            </a:r>
+            <a:r>
+              <a:rPr lang="en-US" altLang="zh-TW" b="0" dirty="0" smtClean="0">
+                <a:hlinkClick r:id="rId26"/>
+              </a:rPr>
+              <a:t>64-bit</a:t>
+            </a:r>
+            <a:endParaRPr lang="en-US" altLang="zh-TW" b="0" dirty="0" smtClean="0"/>
+          </a:p>
+          <a:p>
+            <a:pPr defTabSz="694944">
+              <a:lnSpc>
+                <a:spcPct val="115000"/>
+              </a:lnSpc>
+              <a:spcBef>
+                <a:spcPts val="1200"/>
+              </a:spcBef>
+              <a:defRPr sz="2400" u="sng">
+                <a:solidFill>
+                  <a:srgbClr val="0000FF"/>
+                </a:solidFill>
+                <a:uFill>
+                  <a:solidFill>
+                    <a:srgbClr val="0000FF"/>
+                  </a:solidFill>
+                </a:uFill>
+                <a:latin typeface="Arial"/>
+                <a:ea typeface="Arial"/>
+                <a:cs typeface="Arial"/>
+                <a:sym typeface="Arial"/>
+              </a:defRPr>
+            </a:pPr>
+            <a:endParaRPr dirty="0"/>
+          </a:p>
+        </p:txBody>
+      </p:sp>
+      <p:sp>
+        <p:nvSpPr>
+          <p:cNvPr id="255" name="Shape 255"/>
+          <p:cNvSpPr/>
+          <p:nvPr/>
+        </p:nvSpPr>
+        <p:spPr>
+          <a:xfrm>
+            <a:off x="531812" y="240409"/>
+            <a:ext cx="7772401" cy="596897"/>
+          </a:xfrm>
+          <a:prstGeom prst="rect">
+            <a:avLst/>
+          </a:prstGeom>
+          <a:ln w="12700">
+            <a:miter lim="400000"/>
+          </a:ln>
+          <a:extLst>
+            <a:ext uri="{C572A759-6A51-4108-AA02-DFA0A04FC94B}">
+              <ma14:wrappingTextBoxFlag xmlns="" xmlns:ma14="http://schemas.microsoft.com/office/mac/drawingml/2011/main" val="1"/>
+            </a:ext>
+          </a:extLst>
+        </p:spPr>
+        <p:txBody>
+          <a:bodyPr lIns="45718" tIns="45718" rIns="45718" bIns="45718" anchor="ctr">
+            <a:normAutofit fontScale="92500" lnSpcReduction="20000"/>
+          </a:bodyPr>
+          <a:lstStyle>
+            <a:lvl1pPr algn="ctr" defTabSz="877822">
+              <a:defRPr sz="4000">
+                <a:solidFill>
+                  <a:srgbClr val="FFFFFF"/>
+                </a:solidFill>
+                <a:latin typeface="Arial"/>
+                <a:ea typeface="Arial"/>
+                <a:cs typeface="Arial"/>
+                <a:sym typeface="Arial"/>
+              </a:defRPr>
+            </a:lvl1pPr>
+          </a:lstStyle>
+          <a:p>
+            <a:r>
+              <a:rPr lang="en-US" dirty="0" smtClean="0"/>
+              <a:t>Nodejs</a:t>
+            </a:r>
+            <a:endParaRPr dirty="0"/>
+          </a:p>
+        </p:txBody>
+      </p:sp>
+    </p:spTree>
+  </p:cSld>
+  <p:clrMapOvr>
+    <a:masterClrMapping/>
+  </p:clrMapOvr>
+  <p:transition spd="slow"/>
+  <p:timing>
+    <p:tnLst>
+      <p:par>
+        <p:cTn id="1" dur="indefinite" restart="never" nodeType="tmRoot"/>
+      </p:par>
+    </p:tnLst>
+  </p:timing>
+</p:sld>
+</file>
+
+<file path=ppt/slides/slide40.xml><?xml version="1.0" encoding="utf-8"?>
 <p:sld xmlns:a="http://schemas.openxmlformats.org/drawingml/2006/main" xmlns:r="http://schemas.openxmlformats.org/officeDocument/2006/relationships" xmlns:p="http://schemas.openxmlformats.org/presentationml/2006/main">
   <p:cSld>
     <p:spTree>
@@ -16614,8 +18929,18 @@
           </a:lstStyle>
           <a:p>
             <a:r>
-              <a:t>新增/查詢</a:t>
-            </a:r>
+              <a:rPr dirty="0"/>
+              <a:t>新增</a:t>
+            </a:r>
+            <a:r>
+              <a:rPr dirty="0"/>
+              <a:t>/</a:t>
+            </a:r>
+            <a:r>
+              <a:rPr dirty="0"/>
+              <a:t>查詢</a:t>
+            </a:r>
+            <a:endParaRPr dirty="0"/>
           </a:p>
         </p:txBody>
       </p:sp>
@@ -16656,7 +18981,7 @@
                 <a:sym typeface="Arial"/>
               </a:defRPr>
             </a:pPr>
-            <a:endParaRPr/>
+            <a:endParaRPr dirty="0"/>
           </a:p>
         </p:txBody>
       </p:sp>
@@ -16668,10 +18993,10 @@
         </p:nvGrpSpPr>
         <p:grpSpPr>
           <a:xfrm>
-            <a:off x="514350" y="1296539"/>
-            <a:ext cx="8115300" cy="5357074"/>
-            <a:chOff x="0" y="0"/>
-            <a:chExt cx="8115300" cy="5357073"/>
+            <a:off x="514350" y="1296538"/>
+            <a:ext cx="8115300" cy="5357075"/>
+            <a:chOff x="0" y="-1"/>
+            <a:chExt cx="8115300" cy="5357074"/>
           </a:xfrm>
         </p:grpSpPr>
         <p:sp>
@@ -16726,7 +19051,7 @@
                   <a:sym typeface="Arial"/>
                 </a:defRPr>
               </a:pPr>
-              <a:endParaRPr/>
+              <a:endParaRPr dirty="0"/>
             </a:p>
           </p:txBody>
         </p:sp>
@@ -16738,8 +19063,8 @@
           </p:nvSpPr>
           <p:spPr>
             <a:xfrm>
-              <a:off x="0" y="350971"/>
-              <a:ext cx="8115300" cy="4655127"/>
+              <a:off x="0" y="208630"/>
+              <a:ext cx="8115300" cy="4939809"/>
             </a:xfrm>
             <a:prstGeom prst="rect">
               <a:avLst/>
@@ -16777,7 +19102,33 @@
                 </a:defRPr>
               </a:pPr>
               <a:r>
+                <a:rPr dirty="0"/>
                 <a:t>新增</a:t>
+              </a:r>
+              <a:endParaRPr dirty="0"/>
+            </a:p>
+            <a:p>
+              <a:pPr defTabSz="457200">
+                <a:spcBef>
+                  <a:spcPts val="1500"/>
+                </a:spcBef>
+                <a:defRPr sz="1500">
+                  <a:solidFill>
+                    <a:srgbClr val="242729"/>
+                  </a:solidFill>
+                  <a:latin typeface="Arial"/>
+                  <a:ea typeface="Arial"/>
+                  <a:cs typeface="Arial"/>
+                  <a:sym typeface="Arial"/>
+                </a:defRPr>
+              </a:pPr>
+              <a:r>
+                <a:rPr dirty="0"/>
+                <a:t>userEntity.save</a:t>
+              </a:r>
+              <a:r>
+                <a:rPr dirty="0"/>
+                <a:t>(function (err) {</a:t>
               </a:r>
             </a:p>
             <a:p>
@@ -16796,7 +19147,16 @@
                 </a:defRPr>
               </a:pPr>
               <a:r>
-                <a:t>userEntity.save(function (err) {</a:t>
+                <a:rPr dirty="0"/>
+                <a:t>      if (err) return </a:t>
+              </a:r>
+              <a:r>
+                <a:rPr dirty="0"/>
+                <a:t>console.error</a:t>
+              </a:r>
+              <a:r>
+                <a:rPr dirty="0"/>
+                <a:t>(err);</a:t>
               </a:r>
             </a:p>
             <a:p>
@@ -16815,25 +19175,7 @@
                 </a:defRPr>
               </a:pPr>
               <a:r>
-                <a:t>      if (err) return console.error(err);</a:t>
-              </a:r>
-            </a:p>
-            <a:p>
-              <a:pPr defTabSz="457200">
-                <a:spcBef>
-                  <a:spcPts val="1500"/>
-                </a:spcBef>
-                <a:defRPr sz="1500">
-                  <a:solidFill>
-                    <a:srgbClr val="242729"/>
-                  </a:solidFill>
-                  <a:latin typeface="Arial"/>
-                  <a:ea typeface="Arial"/>
-                  <a:cs typeface="Arial"/>
-                  <a:sym typeface="Arial"/>
-                </a:defRPr>
-              </a:pPr>
-              <a:r>
+                <a:rPr dirty="0"/>
                 <a:t>});</a:t>
               </a:r>
             </a:p>
@@ -16853,7 +19195,41 @@
                 </a:defRPr>
               </a:pPr>
               <a:r>
+                <a:rPr dirty="0"/>
                 <a:t>查詢所有</a:t>
+              </a:r>
+              <a:endParaRPr dirty="0"/>
+            </a:p>
+            <a:p>
+              <a:pPr defTabSz="457200">
+                <a:spcBef>
+                  <a:spcPts val="1500"/>
+                </a:spcBef>
+                <a:defRPr sz="1500">
+                  <a:solidFill>
+                    <a:srgbClr val="242729"/>
+                  </a:solidFill>
+                  <a:latin typeface="Arial"/>
+                  <a:ea typeface="Arial"/>
+                  <a:cs typeface="Arial"/>
+                  <a:sym typeface="Arial"/>
+                </a:defRPr>
+              </a:pPr>
+              <a:r>
+                <a:rPr dirty="0"/>
+                <a:t>UserModel.find</a:t>
+              </a:r>
+              <a:r>
+                <a:rPr dirty="0"/>
+                <a:t>(function(</a:t>
+              </a:r>
+              <a:r>
+                <a:rPr dirty="0"/>
+                <a:t>err,users</a:t>
+              </a:r>
+              <a:r>
+                <a:rPr dirty="0"/>
+                <a:t>){</a:t>
               </a:r>
             </a:p>
             <a:p>
@@ -16872,7 +19248,16 @@
                 </a:defRPr>
               </a:pPr>
               <a:r>
-                <a:t>UserModel.find(function(err,users){</a:t>
+                <a:rPr dirty="0"/>
+                <a:t>  if (err) return </a:t>
+              </a:r>
+              <a:r>
+                <a:rPr dirty="0"/>
+                <a:t>console.error</a:t>
+              </a:r>
+              <a:r>
+                <a:rPr dirty="0"/>
+                <a:t>(err);</a:t>
               </a:r>
             </a:p>
             <a:p>
@@ -16891,25 +19276,7 @@
                 </a:defRPr>
               </a:pPr>
               <a:r>
-                <a:t>  if (err) return console.error(err);</a:t>
-              </a:r>
-            </a:p>
-            <a:p>
-              <a:pPr defTabSz="457200">
-                <a:spcBef>
-                  <a:spcPts val="1500"/>
-                </a:spcBef>
-                <a:defRPr sz="1500">
-                  <a:solidFill>
-                    <a:srgbClr val="242729"/>
-                  </a:solidFill>
-                  <a:latin typeface="Arial"/>
-                  <a:ea typeface="Arial"/>
-                  <a:cs typeface="Arial"/>
-                  <a:sym typeface="Arial"/>
-                </a:defRPr>
-              </a:pPr>
-              <a:r>
+                <a:rPr dirty="0"/>
                 <a:t>  console.log(users);</a:t>
               </a:r>
             </a:p>
@@ -16929,6 +19296,7 @@
                 </a:defRPr>
               </a:pPr>
               <a:r>
+                <a:rPr dirty="0"/>
                 <a:t>})</a:t>
               </a:r>
             </a:p>
@@ -16948,8 +19316,10 @@
                 </a:defRPr>
               </a:pPr>
               <a:r>
+                <a:rPr dirty="0"/>
                 <a:t>查詢指定欄位</a:t>
               </a:r>
+              <a:endParaRPr dirty="0"/>
             </a:p>
             <a:p>
               <a:pPr defTabSz="457200">
@@ -16967,7 +19337,12 @@
                 </a:defRPr>
               </a:pPr>
               <a:r>
-                <a:t>UserModel.find({ name: “marry” }, callback);</a:t>
+                <a:rPr dirty="0"/>
+                <a:t>UserModel.find</a:t>
+              </a:r>
+              <a:r>
+                <a:rPr dirty="0"/>
+                <a:t>({ name: “marry” }, callback);</a:t>
               </a:r>
             </a:p>
           </p:txBody>
@@ -16989,7 +19364,7 @@
 </p:sld>
 </file>
 
-<file path=ppt/slides/slide38.xml><?xml version="1.0" encoding="utf-8"?>
+<file path=ppt/slides/slide41.xml><?xml version="1.0" encoding="utf-8"?>
 <p:sld xmlns:a="http://schemas.openxmlformats.org/drawingml/2006/main" xmlns:r="http://schemas.openxmlformats.org/officeDocument/2006/relationships" xmlns:p="http://schemas.openxmlformats.org/presentationml/2006/main">
   <p:cSld>
     <p:spTree>
@@ -17038,8 +19413,18 @@
           </a:lstStyle>
           <a:p>
             <a:r>
-              <a:t>Web可視化GUI 開發與操作</a:t>
-            </a:r>
+              <a:rPr dirty="0"/>
+              <a:t>Web可視化GUI</a:t>
+            </a:r>
+            <a:r>
+              <a:rPr dirty="0"/>
+              <a:t> </a:t>
+            </a:r>
+            <a:r>
+              <a:rPr dirty="0"/>
+              <a:t>開發與操作</a:t>
+            </a:r>
+            <a:endParaRPr dirty="0"/>
           </a:p>
         </p:txBody>
       </p:sp>
@@ -17088,7 +19473,7 @@
               </a:defRPr>
             </a:pPr>
             <a:r>
-              <a:rPr dirty="0" err="1"/>
+              <a:rPr dirty="0"/>
               <a:t>功能分析：簡單訂閱接收訊息後儲存到資料庫與資</a:t>
             </a:r>
             <a:r>
@@ -17103,7 +19488,7 @@
               <a:t>                     </a:t>
             </a:r>
             <a:r>
-              <a:rPr dirty="0" err="1" smtClean="0"/>
+              <a:rPr dirty="0" smtClean="0"/>
               <a:t>料查詢</a:t>
             </a:r>
             <a:endParaRPr dirty="0">
@@ -17138,7 +19523,7 @@
               </a:defRPr>
             </a:pPr>
             <a:r>
-              <a:rPr dirty="0" err="1">
+              <a:rPr dirty="0">
                 <a:hlinkClick r:id="rId2" action="ppaction://hlinksldjump"/>
               </a:rPr>
               <a:t>頁面設計</a:t>
@@ -17175,7 +19560,7 @@
               </a:defRPr>
             </a:pPr>
             <a:r>
-              <a:rPr dirty="0" err="1">
+              <a:rPr dirty="0">
                 <a:hlinkClick r:id="rId3" action="ppaction://hlinksldjump"/>
               </a:rPr>
               <a:t>頁面佈局</a:t>
@@ -17212,7 +19597,7 @@
               </a:defRPr>
             </a:pPr>
             <a:r>
-              <a:rPr dirty="0" err="1">
+              <a:rPr dirty="0">
                 <a:hlinkClick r:id="rId4" action="ppaction://hlinksldjump"/>
               </a:rPr>
               <a:t>裝置模組</a:t>
@@ -17252,13 +19637,7 @@
               <a:rPr lang="zh-TW" altLang="en-US" dirty="0" smtClean="0">
                 <a:hlinkClick r:id="rId5" action="ppaction://hlinksldjump"/>
               </a:rPr>
-              <a:t>頁面路由</a:t>
-            </a:r>
-            <a:r>
-              <a:rPr lang="zh-TW" altLang="en-US" dirty="0" smtClean="0">
-                <a:hlinkClick r:id="rId5" action="ppaction://hlinksldjump"/>
-              </a:rPr>
-              <a:t>規劃</a:t>
+              <a:t>頁面路由規劃</a:t>
             </a:r>
             <a:endParaRPr lang="en-US" altLang="zh-TW" dirty="0" smtClean="0">
               <a:hlinkClick r:id="rId5" action="ppaction://hlinksldjump"/>
@@ -17311,7 +19690,7 @@
 </p:sld>
 </file>
 
-<file path=ppt/slides/slide39.xml><?xml version="1.0" encoding="utf-8"?>
+<file path=ppt/slides/slide42.xml><?xml version="1.0" encoding="utf-8"?>
 <p:sld xmlns:a="http://schemas.openxmlformats.org/drawingml/2006/main" xmlns:r="http://schemas.openxmlformats.org/officeDocument/2006/relationships" xmlns:p="http://schemas.openxmlformats.org/presentationml/2006/main">
   <p:cSld>
     <p:spTree>
@@ -17360,8 +19739,10 @@
           </a:lstStyle>
           <a:p>
             <a:r>
+              <a:rPr dirty="0"/>
               <a:t>頁面設計</a:t>
             </a:r>
+            <a:endParaRPr dirty="0"/>
           </a:p>
         </p:txBody>
       </p:sp>
@@ -17409,8 +19790,10 @@
           </a:lstStyle>
           <a:p>
             <a:r>
+              <a:rPr dirty="0"/>
               <a:t>頁面設計</a:t>
             </a:r>
+            <a:endParaRPr dirty="0"/>
           </a:p>
         </p:txBody>
       </p:sp>
@@ -17517,477 +19900,7 @@
 </p:sld>
 </file>
 
-<file path=ppt/slides/slide4.xml><?xml version="1.0" encoding="utf-8"?>
-<p:sld xmlns:a="http://schemas.openxmlformats.org/drawingml/2006/main" xmlns:r="http://schemas.openxmlformats.org/officeDocument/2006/relationships" xmlns:p="http://schemas.openxmlformats.org/presentationml/2006/main">
-  <p:cSld>
-    <p:spTree>
-      <p:nvGrpSpPr>
-        <p:cNvPr id="1" name=""/>
-        <p:cNvGrpSpPr/>
-        <p:nvPr/>
-      </p:nvGrpSpPr>
-      <p:grpSpPr>
-        <a:xfrm>
-          <a:off x="0" y="0"/>
-          <a:ext cx="0" cy="0"/>
-          <a:chOff x="0" y="0"/>
-          <a:chExt cx="0" cy="0"/>
-        </a:xfrm>
-      </p:grpSpPr>
-      <p:sp>
-        <p:nvSpPr>
-          <p:cNvPr id="254" name="Shape 254"/>
-          <p:cNvSpPr>
-            <a:spLocks noGrp="1"/>
-          </p:cNvSpPr>
-          <p:nvPr>
-            <p:ph type="body" idx="1"/>
-          </p:nvPr>
-        </p:nvSpPr>
-        <p:spPr>
-          <a:xfrm>
-            <a:off x="586403" y="1424433"/>
-            <a:ext cx="7772401" cy="4645920"/>
-          </a:xfrm>
-          <a:prstGeom prst="rect">
-            <a:avLst/>
-          </a:prstGeom>
-        </p:spPr>
-        <p:txBody>
-          <a:bodyPr anchor="t"/>
-          <a:lstStyle/>
-          <a:p>
-            <a:r>
-              <a:rPr lang="en-US" altLang="zh-TW" dirty="0" smtClean="0"/>
-              <a:t>Node.js</a:t>
-            </a:r>
-            <a:r>
-              <a:rPr lang="zh-TW" altLang="en-US" b="0" dirty="0" smtClean="0"/>
-              <a:t>是一個</a:t>
-            </a:r>
-            <a:r>
-              <a:rPr lang="zh-TW" altLang="en-US" b="0" dirty="0" smtClean="0">
-                <a:hlinkClick r:id="rId2" tooltip="開放原始碼"/>
-              </a:rPr>
-              <a:t>開放原始碼</a:t>
-            </a:r>
-            <a:r>
-              <a:rPr lang="zh-TW" altLang="en-US" b="0" dirty="0" smtClean="0"/>
-              <a:t>、</a:t>
-            </a:r>
-            <a:r>
-              <a:rPr lang="zh-TW" altLang="en-US" b="0" dirty="0" smtClean="0">
-                <a:hlinkClick r:id="rId3" tooltip="跨平台"/>
-              </a:rPr>
-              <a:t>跨平台</a:t>
-            </a:r>
-            <a:r>
-              <a:rPr lang="zh-TW" altLang="en-US" b="0" dirty="0" smtClean="0"/>
-              <a:t>的、可用於</a:t>
-            </a:r>
-            <a:r>
-              <a:rPr lang="zh-TW" altLang="en-US" b="0" dirty="0" smtClean="0">
-                <a:hlinkClick r:id="rId4" tooltip="伺服器端"/>
-              </a:rPr>
-              <a:t>伺服器端</a:t>
-            </a:r>
-            <a:r>
-              <a:rPr lang="zh-TW" altLang="en-US" b="0" dirty="0" smtClean="0"/>
-              <a:t>和網路應用的</a:t>
-            </a:r>
-            <a:r>
-              <a:rPr lang="zh-TW" altLang="en-US" b="0" dirty="0" smtClean="0">
-                <a:hlinkClick r:id="rId5" tooltip="執行環境"/>
-              </a:rPr>
-              <a:t>執行環境</a:t>
-            </a:r>
-            <a:r>
-              <a:rPr lang="zh-TW" altLang="en-US" b="0" dirty="0" smtClean="0"/>
-              <a:t>。</a:t>
-            </a:r>
-            <a:r>
-              <a:rPr lang="en-US" altLang="zh-TW" b="0" dirty="0" smtClean="0"/>
-              <a:t>Node.js</a:t>
-            </a:r>
-            <a:r>
-              <a:rPr lang="zh-TW" altLang="en-US" b="0" dirty="0" smtClean="0"/>
-              <a:t>應用</a:t>
-            </a:r>
-            <a:r>
-              <a:rPr lang="en-US" altLang="zh-TW" b="0" dirty="0" smtClean="0">
-                <a:hlinkClick r:id="rId6" tooltip="C++"/>
-              </a:rPr>
-              <a:t>C++</a:t>
-            </a:r>
-            <a:r>
-              <a:rPr lang="zh-TW" altLang="en-US" b="0" dirty="0" smtClean="0"/>
-              <a:t>語言寫成，在</a:t>
-            </a:r>
-            <a:r>
-              <a:rPr lang="en-US" altLang="zh-TW" b="0" dirty="0" smtClean="0"/>
-              <a:t>Node.js</a:t>
-            </a:r>
-            <a:r>
-              <a:rPr lang="zh-TW" altLang="en-US" b="0" dirty="0" smtClean="0"/>
-              <a:t>執行時執行。它支援</a:t>
-            </a:r>
-            <a:r>
-              <a:rPr lang="en-US" altLang="zh-TW" b="0" dirty="0" smtClean="0">
-                <a:hlinkClick r:id="rId7" tooltip="OS X"/>
-              </a:rPr>
-              <a:t>OS X</a:t>
-            </a:r>
-            <a:r>
-              <a:rPr lang="zh-TW" altLang="en-US" b="0" dirty="0" smtClean="0"/>
-              <a:t>、</a:t>
-            </a:r>
-            <a:r>
-              <a:rPr lang="en-US" altLang="zh-TW" b="0" dirty="0" smtClean="0">
-                <a:hlinkClick r:id="rId8" tooltip="Microsoft Windows"/>
-              </a:rPr>
-              <a:t>Microsoft Windows</a:t>
-            </a:r>
-            <a:r>
-              <a:rPr lang="zh-TW" altLang="en-US" b="0" dirty="0" smtClean="0"/>
-              <a:t>、</a:t>
-            </a:r>
-            <a:r>
-              <a:rPr lang="en-US" altLang="zh-TW" b="0" dirty="0" smtClean="0">
-                <a:hlinkClick r:id="rId9" tooltip="Linux"/>
-              </a:rPr>
-              <a:t>Linux</a:t>
-            </a:r>
-            <a:r>
-              <a:rPr lang="zh-TW" altLang="en-US" b="0" dirty="0" smtClean="0"/>
-              <a:t>、</a:t>
-            </a:r>
-            <a:r>
-              <a:rPr lang="en-US" altLang="zh-TW" b="0" dirty="0" smtClean="0">
-                <a:hlinkClick r:id="rId10" tooltip="FreeBSD"/>
-              </a:rPr>
-              <a:t>FreeBSD</a:t>
-            </a:r>
-            <a:r>
-              <a:rPr lang="zh-TW" altLang="en-US" b="0" dirty="0" smtClean="0"/>
-              <a:t>、</a:t>
-            </a:r>
-            <a:r>
-              <a:rPr lang="en-US" altLang="zh-TW" b="0" dirty="0" err="1" smtClean="0">
-                <a:hlinkClick r:id="rId11" tooltip="NonStop（頁面不存在）"/>
-              </a:rPr>
-              <a:t>NonStop</a:t>
-            </a:r>
-            <a:r>
-              <a:rPr lang="zh-TW" altLang="en-US" b="0" dirty="0" smtClean="0"/>
-              <a:t>、</a:t>
-            </a:r>
-            <a:r>
-              <a:rPr lang="en-US" altLang="zh-TW" b="0" dirty="0" smtClean="0">
-                <a:hlinkClick r:id="rId12" tooltip="IBM AIX"/>
-              </a:rPr>
-              <a:t>IBM AIX</a:t>
-            </a:r>
-            <a:r>
-              <a:rPr lang="zh-TW" altLang="en-US" b="0" dirty="0" smtClean="0"/>
-              <a:t>、</a:t>
-            </a:r>
-            <a:r>
-              <a:rPr lang="en-US" altLang="zh-TW" b="0" dirty="0" smtClean="0">
-                <a:hlinkClick r:id="rId13" tooltip="IBM System z（頁面不存在）"/>
-              </a:rPr>
-              <a:t>IBM System z</a:t>
-            </a:r>
-            <a:r>
-              <a:rPr lang="zh-TW" altLang="en-US" b="0" dirty="0" smtClean="0"/>
-              <a:t>和</a:t>
-            </a:r>
-            <a:r>
-              <a:rPr lang="en-US" altLang="zh-TW" b="0" dirty="0" smtClean="0">
-                <a:hlinkClick r:id="rId14" tooltip="IBM i（頁面不存在）"/>
-              </a:rPr>
-              <a:t>IBM </a:t>
-            </a:r>
-            <a:r>
-              <a:rPr lang="en-US" altLang="zh-TW" b="0" dirty="0" err="1" smtClean="0">
-                <a:hlinkClick r:id="rId14" tooltip="IBM i（頁面不存在）"/>
-              </a:rPr>
-              <a:t>i</a:t>
-            </a:r>
-            <a:r>
-              <a:rPr lang="zh-TW" altLang="en-US" b="0" dirty="0" smtClean="0"/>
-              <a:t>。</a:t>
-            </a:r>
-            <a:r>
-              <a:rPr lang="en-US" altLang="zh-TW" b="0" dirty="0" smtClean="0"/>
-              <a:t>Node.js</a:t>
-            </a:r>
-            <a:r>
-              <a:rPr lang="zh-TW" altLang="en-US" b="0" dirty="0" smtClean="0"/>
-              <a:t>由</a:t>
-            </a:r>
-            <a:r>
-              <a:rPr lang="en-US" altLang="zh-TW" b="0" dirty="0" smtClean="0"/>
-              <a:t>Node.js</a:t>
-            </a:r>
-            <a:r>
-              <a:rPr lang="zh-TW" altLang="en-US" b="0" dirty="0" smtClean="0"/>
-              <a:t>基金會擁有和維護</a:t>
-            </a:r>
-            <a:r>
-              <a:rPr lang="en-US" altLang="zh-TW" b="0" baseline="30000" dirty="0" smtClean="0">
-                <a:hlinkClick r:id="rId15"/>
-              </a:rPr>
-              <a:t>[3]</a:t>
-            </a:r>
-            <a:r>
-              <a:rPr lang="zh-TW" altLang="en-US" b="0" dirty="0" smtClean="0"/>
-              <a:t>，該基金會與</a:t>
-            </a:r>
-            <a:r>
-              <a:rPr lang="en-US" altLang="zh-TW" b="0" dirty="0" smtClean="0">
-                <a:hlinkClick r:id="rId16" tooltip="Linux基金會"/>
-              </a:rPr>
-              <a:t>Linux</a:t>
-            </a:r>
-            <a:r>
-              <a:rPr lang="zh-TW" altLang="en-US" b="0" dirty="0" smtClean="0">
-                <a:hlinkClick r:id="rId16" tooltip="Linux基金會"/>
-              </a:rPr>
-              <a:t>基金會</a:t>
-            </a:r>
-            <a:r>
-              <a:rPr lang="zh-TW" altLang="en-US" b="0" dirty="0" smtClean="0"/>
-              <a:t>有合作關係</a:t>
-            </a:r>
-            <a:r>
-              <a:rPr lang="en-US" altLang="zh-TW" b="0" baseline="30000" dirty="0" smtClean="0">
-                <a:hlinkClick r:id="rId17"/>
-              </a:rPr>
-              <a:t>[4]</a:t>
-            </a:r>
-            <a:r>
-              <a:rPr lang="zh-TW" altLang="en-US" b="0" dirty="0" smtClean="0"/>
-              <a:t>。</a:t>
-            </a:r>
-          </a:p>
-          <a:p>
-            <a:r>
-              <a:rPr lang="en-US" altLang="zh-TW" b="0" dirty="0" smtClean="0"/>
-              <a:t>Node.js</a:t>
-            </a:r>
-            <a:r>
-              <a:rPr lang="zh-TW" altLang="en-US" b="0" dirty="0" smtClean="0"/>
-              <a:t>提供</a:t>
-            </a:r>
-            <a:r>
-              <a:rPr lang="zh-TW" altLang="en-US" b="0" dirty="0" smtClean="0">
-                <a:hlinkClick r:id="rId18" tooltip="事件驅動"/>
-              </a:rPr>
-              <a:t>事件驅動</a:t>
-            </a:r>
-            <a:r>
-              <a:rPr lang="zh-TW" altLang="en-US" b="0" dirty="0" smtClean="0"/>
-              <a:t>和</a:t>
-            </a:r>
-            <a:r>
-              <a:rPr lang="zh-TW" altLang="en-US" b="0" dirty="0" smtClean="0">
-                <a:hlinkClick r:id="rId19" tooltip="非阻塞I/O（頁面不存在）"/>
-              </a:rPr>
-              <a:t>非阻塞</a:t>
-            </a:r>
-            <a:r>
-              <a:rPr lang="en-US" altLang="zh-TW" b="0" dirty="0" smtClean="0">
-                <a:hlinkClick r:id="rId19" tooltip="非阻塞I/O（頁面不存在）"/>
-              </a:rPr>
-              <a:t>I/O</a:t>
-            </a:r>
-            <a:r>
-              <a:rPr lang="zh-TW" altLang="en-US" b="0" dirty="0" smtClean="0"/>
-              <a:t> </a:t>
-            </a:r>
-            <a:r>
-              <a:rPr lang="en-US" altLang="zh-TW" b="0" dirty="0" smtClean="0">
-                <a:hlinkClick r:id="rId20" tooltip="API"/>
-              </a:rPr>
-              <a:t>API</a:t>
-            </a:r>
-            <a:r>
-              <a:rPr lang="zh-TW" altLang="en-US" b="0" dirty="0" smtClean="0"/>
-              <a:t>，可最佳化應用程式的吞吐量和規模。這些技術通常被用於</a:t>
-            </a:r>
-            <a:r>
-              <a:rPr lang="zh-TW" altLang="en-US" b="0" u="sng" dirty="0" smtClean="0">
-                <a:hlinkClick r:id="rId21" tooltip="實時"/>
-              </a:rPr>
-              <a:t>實時</a:t>
-            </a:r>
-            <a:r>
-              <a:rPr lang="zh-TW" altLang="en-US" b="0" dirty="0" smtClean="0"/>
-              <a:t>應用程式。</a:t>
-            </a:r>
-            <a:endParaRPr lang="en-US" altLang="zh-TW" b="0" dirty="0" smtClean="0"/>
-          </a:p>
-          <a:p>
-            <a:endParaRPr lang="zh-TW" altLang="en-US" b="0" dirty="0" smtClean="0"/>
-          </a:p>
-          <a:p>
-            <a:r>
-              <a:rPr lang="en-US" altLang="zh-TW" b="0" dirty="0" smtClean="0"/>
-              <a:t>You can get the latest Long Term Support (LTS) version of Node 6.x from:</a:t>
-            </a:r>
-          </a:p>
-          <a:p>
-            <a:r>
-              <a:rPr lang="en-US" altLang="zh-TW" b="0" dirty="0" smtClean="0"/>
-              <a:t>Max OS X Installer: </a:t>
-            </a:r>
-            <a:r>
-              <a:rPr lang="en-US" altLang="zh-TW" b="0" dirty="0" smtClean="0">
-                <a:hlinkClick r:id="rId22"/>
-              </a:rPr>
-              <a:t>Universal</a:t>
-            </a:r>
-            <a:endParaRPr lang="en-US" altLang="zh-TW" b="0" dirty="0" smtClean="0"/>
-          </a:p>
-          <a:p>
-            <a:r>
-              <a:rPr lang="en-US" altLang="zh-TW" b="0" dirty="0" smtClean="0"/>
-              <a:t>Windows Installer: </a:t>
-            </a:r>
-            <a:r>
-              <a:rPr lang="en-US" altLang="zh-TW" b="0" u="sng" dirty="0" smtClean="0">
-                <a:hlinkClick r:id="rId23"/>
-              </a:rPr>
-              <a:t>32-bit</a:t>
-            </a:r>
-            <a:r>
-              <a:rPr lang="en-US" altLang="zh-TW" b="0" dirty="0" smtClean="0"/>
-              <a:t> or </a:t>
-            </a:r>
-            <a:r>
-              <a:rPr lang="en-US" altLang="zh-TW" b="0" dirty="0" smtClean="0">
-                <a:hlinkClick r:id="rId24"/>
-              </a:rPr>
-              <a:t>64-bit</a:t>
-            </a:r>
-            <a:endParaRPr lang="en-US" altLang="zh-TW" b="0" dirty="0" smtClean="0"/>
-          </a:p>
-          <a:p>
-            <a:r>
-              <a:rPr lang="en-US" altLang="zh-TW" b="0" dirty="0" smtClean="0"/>
-              <a:t>Linux Binaries: </a:t>
-            </a:r>
-            <a:r>
-              <a:rPr lang="en-US" altLang="zh-TW" b="0" dirty="0" smtClean="0">
-                <a:hlinkClick r:id="rId25"/>
-              </a:rPr>
-              <a:t>32-bit</a:t>
-            </a:r>
-            <a:r>
-              <a:rPr lang="en-US" altLang="zh-TW" b="0" dirty="0" smtClean="0"/>
-              <a:t> or </a:t>
-            </a:r>
-            <a:r>
-              <a:rPr lang="en-US" altLang="zh-TW" b="0" dirty="0" smtClean="0">
-                <a:hlinkClick r:id="rId26"/>
-              </a:rPr>
-              <a:t>64-bit</a:t>
-            </a:r>
-            <a:endParaRPr lang="en-US" altLang="zh-TW" b="0" dirty="0" smtClean="0"/>
-          </a:p>
-          <a:p>
-            <a:pPr defTabSz="694944">
-              <a:lnSpc>
-                <a:spcPct val="115000"/>
-              </a:lnSpc>
-              <a:spcBef>
-                <a:spcPts val="1200"/>
-              </a:spcBef>
-              <a:defRPr sz="2400" u="sng">
-                <a:solidFill>
-                  <a:srgbClr val="0000FF"/>
-                </a:solidFill>
-                <a:uFill>
-                  <a:solidFill>
-                    <a:srgbClr val="0000FF"/>
-                  </a:solidFill>
-                </a:uFill>
-                <a:latin typeface="Arial"/>
-                <a:ea typeface="Arial"/>
-                <a:cs typeface="Arial"/>
-                <a:sym typeface="Arial"/>
-              </a:defRPr>
-            </a:pPr>
-            <a:endParaRPr dirty="0"/>
-          </a:p>
-        </p:txBody>
-      </p:sp>
-      <p:sp>
-        <p:nvSpPr>
-          <p:cNvPr id="255" name="Shape 255"/>
-          <p:cNvSpPr/>
-          <p:nvPr/>
-        </p:nvSpPr>
-        <p:spPr>
-          <a:xfrm>
-            <a:off x="531812" y="240409"/>
-            <a:ext cx="7772401" cy="596897"/>
-          </a:xfrm>
-          <a:prstGeom prst="rect">
-            <a:avLst/>
-          </a:prstGeom>
-          <a:ln w="12700">
-            <a:miter lim="400000"/>
-          </a:ln>
-          <a:extLst>
-            <a:ext uri="{C572A759-6A51-4108-AA02-DFA0A04FC94B}">
-              <ma14:wrappingTextBoxFlag xmlns="" xmlns:ma14="http://schemas.microsoft.com/office/mac/drawingml/2011/main" val="1"/>
-            </a:ext>
-          </a:extLst>
-        </p:spPr>
-        <p:txBody>
-          <a:bodyPr lIns="45718" tIns="45718" rIns="45718" bIns="45718" anchor="ctr">
-            <a:normAutofit fontScale="92500" lnSpcReduction="20000"/>
-          </a:bodyPr>
-          <a:lstStyle>
-            <a:lvl1pPr algn="ctr" defTabSz="877822">
-              <a:defRPr sz="4000">
-                <a:solidFill>
-                  <a:srgbClr val="FFFFFF"/>
-                </a:solidFill>
-                <a:latin typeface="Arial"/>
-                <a:ea typeface="Arial"/>
-                <a:cs typeface="Arial"/>
-                <a:sym typeface="Arial"/>
-              </a:defRPr>
-            </a:lvl1pPr>
-          </a:lstStyle>
-          <a:p>
-            <a:r>
-              <a:rPr lang="en-US" dirty="0" err="1" smtClean="0"/>
-              <a:t>Nodejs</a:t>
-            </a:r>
-            <a:endParaRPr dirty="0"/>
-          </a:p>
-        </p:txBody>
-      </p:sp>
-    </p:spTree>
-  </p:cSld>
-  <p:clrMapOvr>
-    <a:masterClrMapping/>
-  </p:clrMapOvr>
-  <p:transition spd="slow"/>
-  <p:timing>
-    <p:tnLst>
-      <p:par>
-        <p:cTn id="1" dur="indefinite" restart="never" nodeType="tmRoot"/>
-      </p:par>
-    </p:tnLst>
-  </p:timing>
-</p:sld>
-</file>
-
-<file path=ppt/slides/slide40.xml><?xml version="1.0" encoding="utf-8"?>
+<file path=ppt/slides/slide43.xml><?xml version="1.0" encoding="utf-8"?>
 <p:sld xmlns:a="http://schemas.openxmlformats.org/drawingml/2006/main" xmlns:r="http://schemas.openxmlformats.org/officeDocument/2006/relationships" xmlns:p="http://schemas.openxmlformats.org/presentationml/2006/main">
   <p:cSld>
     <p:spTree>
@@ -18036,8 +19949,10 @@
           </a:lstStyle>
           <a:p>
             <a:r>
+              <a:rPr dirty="0"/>
               <a:t>頁面佈局</a:t>
             </a:r>
+            <a:endParaRPr dirty="0"/>
           </a:p>
         </p:txBody>
       </p:sp>
@@ -18081,7 +19996,7 @@
                 <a:sym typeface="Arial"/>
               </a:defRPr>
             </a:pPr>
-            <a:endParaRPr/>
+            <a:endParaRPr dirty="0"/>
           </a:p>
         </p:txBody>
       </p:sp>
@@ -18094,9 +20009,9 @@
         <p:grpSpPr>
           <a:xfrm>
             <a:off x="445067" y="1128559"/>
-            <a:ext cx="7971291" cy="5479175"/>
+            <a:ext cx="7971292" cy="5479176"/>
             <a:chOff x="0" y="0"/>
-            <a:chExt cx="7971289" cy="5479174"/>
+            <a:chExt cx="7971290" cy="5479175"/>
           </a:xfrm>
         </p:grpSpPr>
         <p:sp>
@@ -18154,7 +20069,7 @@
                   <a:sym typeface="Arial"/>
                 </a:defRPr>
               </a:pPr>
-              <a:endParaRPr/>
+              <a:endParaRPr dirty="0"/>
             </a:p>
           </p:txBody>
         </p:sp>
@@ -18166,8 +20081,8 @@
           </p:nvSpPr>
           <p:spPr>
             <a:xfrm>
-              <a:off x="0" y="63264"/>
-              <a:ext cx="7971290" cy="5352647"/>
+              <a:off x="0" y="167122"/>
+              <a:ext cx="7971290" cy="5144930"/>
             </a:xfrm>
             <a:prstGeom prst="rect">
               <a:avLst/>
@@ -18208,12 +20123,22 @@
                 </a:defRPr>
               </a:pPr>
               <a:r>
-                <a:t>這裡我們使用include進行頁面佈局。 include 的簡單使用如下：</a:t>
+                <a:rPr dirty="0"/>
+                <a:t>這裡我們使用include進行頁面佈局</a:t>
               </a:r>
               <a:r>
-                <a:rPr b="1"/>
+                <a:rPr dirty="0"/>
+                <a:t>。 include </a:t>
+              </a:r>
+              <a:r>
+                <a:rPr dirty="0"/>
+                <a:t>的簡單使用如下：</a:t>
+              </a:r>
+              <a:r>
+                <a:rPr b="1" dirty="0"/>
                 <a:t>index.ejs</a:t>
               </a:r>
+              <a:endParaRPr b="1" dirty="0"/>
             </a:p>
             <a:p>
               <a:pPr defTabSz="905255">
@@ -18233,7 +20158,7 @@
                   <a:sym typeface="Arial"/>
                 </a:defRPr>
               </a:pPr>
-              <a:endParaRPr b="1"/>
+              <a:endParaRPr b="1" dirty="0"/>
             </a:p>
             <a:p>
               <a:pPr defTabSz="905255">
@@ -18253,7 +20178,7 @@
                   <a:sym typeface="Arial"/>
                 </a:defRPr>
               </a:pPr>
-              <a:endParaRPr b="1"/>
+              <a:endParaRPr b="1" dirty="0"/>
             </a:p>
             <a:p>
               <a:pPr defTabSz="905255">
@@ -18273,7 +20198,7 @@
                   <a:sym typeface="Arial"/>
                 </a:defRPr>
               </a:pPr>
-              <a:endParaRPr b="1"/>
+              <a:endParaRPr b="1" dirty="0"/>
             </a:p>
             <a:p>
               <a:pPr defTabSz="905255">
@@ -18294,6 +20219,7 @@
                 </a:defRPr>
               </a:pPr>
               <a:r>
+                <a:rPr dirty="0"/>
                 <a:t>a.ejs</a:t>
               </a:r>
             </a:p>
@@ -18315,7 +20241,7 @@
                   <a:sym typeface="Arial"/>
                 </a:defRPr>
               </a:pPr>
-              <a:endParaRPr/>
+              <a:endParaRPr dirty="0"/>
             </a:p>
             <a:p>
               <a:pPr defTabSz="905255">
@@ -18336,6 +20262,7 @@
                 </a:defRPr>
               </a:pPr>
               <a:r>
+                <a:rPr dirty="0"/>
                 <a:t>b.ejs</a:t>
               </a:r>
             </a:p>
@@ -18357,7 +20284,7 @@
                   <a:sym typeface="Arial"/>
                 </a:defRPr>
               </a:pPr>
-              <a:endParaRPr/>
+              <a:endParaRPr dirty="0"/>
             </a:p>
             <a:p>
               <a:pPr defTabSz="905255">
@@ -18378,7 +20305,20 @@
                 </a:defRPr>
               </a:pPr>
               <a:r>
-                <a:t>最终 index.ejs 会显示：</a:t>
+                <a:rPr dirty="0"/>
+                <a:t>最终</a:t>
+              </a:r>
+              <a:r>
+                <a:rPr dirty="0"/>
+                <a:t> index.ejs </a:t>
+              </a:r>
+              <a:r>
+                <a:rPr dirty="0"/>
+                <a:t>会显示</a:t>
+              </a:r>
+              <a:r>
+                <a:rPr dirty="0"/>
+                <a:t>：</a:t>
               </a:r>
             </a:p>
             <a:p>
@@ -18399,7 +20339,7 @@
                   <a:sym typeface="Arial"/>
                 </a:defRPr>
               </a:pPr>
-              <a:endParaRPr/>
+              <a:endParaRPr dirty="0"/>
             </a:p>
             <a:p>
               <a:pPr defTabSz="905255">
@@ -18419,7 +20359,7 @@
                   <a:sym typeface="Arial"/>
                 </a:defRPr>
               </a:pPr>
-              <a:endParaRPr/>
+              <a:endParaRPr dirty="0"/>
             </a:p>
           </p:txBody>
         </p:sp>
@@ -18492,7 +20432,7 @@
                     <a:sym typeface="Arial"/>
                   </a:defRPr>
                 </a:pPr>
-                <a:endParaRPr/>
+                <a:endParaRPr dirty="0"/>
               </a:p>
             </p:txBody>
           </p:sp>
@@ -18547,6 +20487,7 @@
               </a:lstStyle>
               <a:p>
                 <a:r>
+                  <a:rPr dirty="0"/>
                   <a:t>this is a.ejs</a:t>
                 </a:r>
               </a:p>
@@ -18562,10 +20503,10 @@
         </p:nvGrpSpPr>
         <p:grpSpPr>
           <a:xfrm>
-            <a:off x="1530620" y="1858472"/>
-            <a:ext cx="2636172" cy="1099770"/>
-            <a:chOff x="0" y="0"/>
-            <a:chExt cx="2636171" cy="1099768"/>
+            <a:off x="1530619" y="1824738"/>
+            <a:ext cx="2636174" cy="1167239"/>
+            <a:chOff x="-1" y="-33734"/>
+            <a:chExt cx="2636173" cy="1167237"/>
           </a:xfrm>
         </p:grpSpPr>
         <p:sp>
@@ -18623,7 +20564,7 @@
                   <a:sym typeface="Arial"/>
                 </a:defRPr>
               </a:pPr>
-              <a:endParaRPr/>
+              <a:endParaRPr dirty="0"/>
             </a:p>
           </p:txBody>
         </p:sp>
@@ -18635,8 +20576,8 @@
           </p:nvSpPr>
           <p:spPr>
             <a:xfrm>
-              <a:off x="-1" y="2851"/>
-              <a:ext cx="2636173" cy="1094066"/>
+              <a:off x="-1" y="-33734"/>
+              <a:ext cx="2636173" cy="1167237"/>
             </a:xfrm>
             <a:prstGeom prst="rect">
               <a:avLst/>
@@ -18677,13 +20618,15 @@
                 </a:defRPr>
               </a:pPr>
               <a:r>
+                <a:rPr dirty="0"/>
                 <a:t>&lt;%- include </a:t>
               </a:r>
               <a:r>
-                <a:rPr b="1"/>
+                <a:rPr b="1" dirty="0"/>
                 <a:t>a</a:t>
               </a:r>
               <a:r>
+                <a:rPr dirty="0"/>
                 <a:t> %&gt;</a:t>
               </a:r>
             </a:p>
@@ -18706,7 +20649,12 @@
                 </a:defRPr>
               </a:pPr>
               <a:r>
-                <a:t>hello,world!</a:t>
+                <a:rPr dirty="0"/>
+                <a:t>hello,world</a:t>
+              </a:r>
+              <a:r>
+                <a:rPr dirty="0"/>
+                <a:t>!</a:t>
               </a:r>
             </a:p>
             <a:p>
@@ -18728,13 +20676,15 @@
                 </a:defRPr>
               </a:pPr>
               <a:r>
+                <a:rPr dirty="0"/>
                 <a:t>&lt;%- include </a:t>
               </a:r>
               <a:r>
-                <a:rPr b="1"/>
+                <a:rPr b="1" dirty="0"/>
                 <a:t>b</a:t>
               </a:r>
               <a:r>
+                <a:rPr dirty="0"/>
                 <a:t> %&gt;</a:t>
               </a:r>
             </a:p>
@@ -18810,7 +20760,7 @@
                   <a:sym typeface="Arial"/>
                 </a:defRPr>
               </a:pPr>
-              <a:endParaRPr/>
+              <a:endParaRPr dirty="0"/>
             </a:p>
           </p:txBody>
         </p:sp>
@@ -18865,6 +20815,7 @@
             </a:lstStyle>
             <a:p>
               <a:r>
+                <a:rPr dirty="0"/>
                 <a:t>this is b.ejs</a:t>
               </a:r>
             </a:p>
@@ -18879,10 +20830,10 @@
         </p:nvGrpSpPr>
         <p:grpSpPr>
           <a:xfrm>
-            <a:off x="1530620" y="5171056"/>
-            <a:ext cx="2636172" cy="1099769"/>
-            <a:chOff x="0" y="0"/>
-            <a:chExt cx="2636171" cy="1099768"/>
+            <a:off x="1530619" y="5137321"/>
+            <a:ext cx="2636174" cy="1167239"/>
+            <a:chOff x="-1" y="-33735"/>
+            <a:chExt cx="2636173" cy="1167238"/>
           </a:xfrm>
         </p:grpSpPr>
         <p:sp>
@@ -18940,7 +20891,7 @@
                   <a:sym typeface="Arial"/>
                 </a:defRPr>
               </a:pPr>
-              <a:endParaRPr/>
+              <a:endParaRPr dirty="0"/>
             </a:p>
           </p:txBody>
         </p:sp>
@@ -18952,8 +20903,8 @@
           </p:nvSpPr>
           <p:spPr>
             <a:xfrm>
-              <a:off x="-1" y="2851"/>
-              <a:ext cx="2636173" cy="1094066"/>
+              <a:off x="-1" y="-33735"/>
+              <a:ext cx="2636173" cy="1167238"/>
             </a:xfrm>
             <a:prstGeom prst="rect">
               <a:avLst/>
@@ -18994,6 +20945,7 @@
                 </a:defRPr>
               </a:pPr>
               <a:r>
+                <a:rPr dirty="0"/>
                 <a:t>this is a.ejs</a:t>
               </a:r>
             </a:p>
@@ -19016,7 +20968,12 @@
                 </a:defRPr>
               </a:pPr>
               <a:r>
-                <a:t>hello,world!</a:t>
+                <a:rPr dirty="0"/>
+                <a:t>hello,world</a:t>
+              </a:r>
+              <a:r>
+                <a:rPr dirty="0"/>
+                <a:t>!</a:t>
               </a:r>
             </a:p>
             <a:p>
@@ -19038,6 +20995,7 @@
                 </a:defRPr>
               </a:pPr>
               <a:r>
+                <a:rPr dirty="0"/>
                 <a:t>this is b.ejs</a:t>
               </a:r>
             </a:p>
@@ -19112,7 +21070,7 @@
                 <a:sym typeface="Helvetica"/>
               </a:defRPr>
             </a:pPr>
-            <a:endParaRPr/>
+            <a:endParaRPr dirty="0"/>
           </a:p>
         </p:txBody>
       </p:sp>
@@ -19132,7 +21090,7 @@
 </p:sld>
 </file>
 
-<file path=ppt/slides/slide41.xml><?xml version="1.0" encoding="utf-8"?>
+<file path=ppt/slides/slide44.xml><?xml version="1.0" encoding="utf-8"?>
 <p:sld xmlns:a="http://schemas.openxmlformats.org/drawingml/2006/main" xmlns:r="http://schemas.openxmlformats.org/officeDocument/2006/relationships" xmlns:p="http://schemas.openxmlformats.org/presentationml/2006/main">
   <p:cSld>
     <p:spTree>
@@ -19181,8 +21139,10 @@
           </a:lstStyle>
           <a:p>
             <a:r>
+              <a:rPr dirty="0"/>
               <a:t>頁面路由規劃</a:t>
             </a:r>
+            <a:endParaRPr dirty="0"/>
           </a:p>
         </p:txBody>
       </p:sp>
@@ -19229,7 +21189,20 @@
               </a:defRPr>
             </a:pPr>
             <a:r>
-              <a:t>我們已經把設計的構想圖貼出來了，接下來的任務就是完成路由規劃了。路由規劃，或者說控制器規劃是整個網站的骨架部分，因為它處於整個架構的樞紐位置，相當於各個接口之間的粘合劑，所以應該優先考慮。</a:t>
+              <a:rPr dirty="0"/>
+              <a:t>我們已經把設計的構想圖貼出來了，接下來的任務就是完成路由規劃了</a:t>
+            </a:r>
+            <a:r>
+              <a:rPr dirty="0"/>
+              <a:t>。</a:t>
+            </a:r>
+            <a:r>
+              <a:rPr dirty="0"/>
+              <a:t>路由規劃，或者說控制器規劃是整個網站的骨架部分，因為它處於整個架構的樞紐位置，相當於各個接口之間的粘合劑，所以應該優先考慮</a:t>
+            </a:r>
+            <a:r>
+              <a:rPr dirty="0"/>
+              <a:t>。</a:t>
             </a:r>
           </a:p>
           <a:p>
@@ -19251,7 +21224,12 @@
               </a:defRPr>
             </a:pPr>
             <a:r>
-              <a:t>根據構思的設計圖，我們作以下路由規劃：</a:t>
+              <a:rPr dirty="0"/>
+              <a:t>根據構思的設計圖，我們作以下路由規劃</a:t>
+            </a:r>
+            <a:r>
+              <a:rPr dirty="0"/>
+              <a:t>：</a:t>
             </a:r>
           </a:p>
           <a:p>
@@ -19273,8 +21251,14 @@
               </a:defRPr>
             </a:pPr>
             <a:r>
-              <a:t>/ ：首页</a:t>
-            </a:r>
+              <a:rPr dirty="0"/>
+              <a:t>/ ：</a:t>
+            </a:r>
+            <a:r>
+              <a:rPr dirty="0"/>
+              <a:t>首页</a:t>
+            </a:r>
+            <a:endParaRPr dirty="0"/>
           </a:p>
           <a:p>
             <a:pPr defTabSz="905255">
@@ -19295,8 +21279,14 @@
               </a:defRPr>
             </a:pPr>
             <a:r>
-              <a:t>/update ：更新</a:t>
-            </a:r>
+              <a:rPr dirty="0"/>
+              <a:t>/update ：</a:t>
+            </a:r>
+            <a:r>
+              <a:rPr dirty="0"/>
+              <a:t>更新</a:t>
+            </a:r>
+            <a:endParaRPr dirty="0"/>
           </a:p>
           <a:p>
             <a:pPr defTabSz="905255">
@@ -19317,8 +21307,14 @@
               </a:defRPr>
             </a:pPr>
             <a:r>
-              <a:t>/find ：查詢</a:t>
-            </a:r>
+              <a:rPr dirty="0"/>
+              <a:t>/find ：</a:t>
+            </a:r>
+            <a:r>
+              <a:rPr dirty="0"/>
+              <a:t>查詢</a:t>
+            </a:r>
+            <a:endParaRPr dirty="0"/>
           </a:p>
         </p:txBody>
       </p:sp>
@@ -19338,7 +21334,7 @@
 </p:sld>
 </file>
 
-<file path=ppt/slides/slide42.xml><?xml version="1.0" encoding="utf-8"?>
+<file path=ppt/slides/slide45.xml><?xml version="1.0" encoding="utf-8"?>
 <p:sld xmlns:a="http://schemas.openxmlformats.org/drawingml/2006/main" xmlns:r="http://schemas.openxmlformats.org/officeDocument/2006/relationships" xmlns:p="http://schemas.openxmlformats.org/presentationml/2006/main">
   <p:cSld>
     <p:spTree>
@@ -19387,8 +21383,10 @@
           </a:lstStyle>
           <a:p>
             <a:r>
+              <a:rPr dirty="0"/>
               <a:t>裝置模組</a:t>
             </a:r>
+            <a:endParaRPr dirty="0"/>
           </a:p>
         </p:txBody>
       </p:sp>
@@ -19435,7 +21433,12 @@
               </a:defRPr>
             </a:pPr>
             <a:r>
-              <a:t>var mongoose = require('mongoose');</a:t>
+              <a:rPr dirty="0"/>
+              <a:t>var</a:t>
+            </a:r>
+            <a:r>
+              <a:rPr dirty="0"/>
+              <a:t> mongoose = require('mongoose');</a:t>
             </a:r>
           </a:p>
           <a:p>
@@ -19457,7 +21460,20 @@
               </a:defRPr>
             </a:pPr>
             <a:r>
-              <a:t>var Schema = mongoose.Schema;</a:t>
+              <a:rPr dirty="0"/>
+              <a:t>var</a:t>
+            </a:r>
+            <a:r>
+              <a:rPr dirty="0"/>
+              <a:t> Schema = </a:t>
+            </a:r>
+            <a:r>
+              <a:rPr dirty="0"/>
+              <a:t>mongoose.Schema</a:t>
+            </a:r>
+            <a:r>
+              <a:rPr dirty="0"/>
+              <a:t>;</a:t>
             </a:r>
           </a:p>
           <a:p>
@@ -19479,7 +21495,12 @@
               </a:defRPr>
             </a:pPr>
             <a:r>
-              <a:t>mongoose.connect('mongodb://localhost/demo');</a:t>
+              <a:rPr dirty="0"/>
+              <a:t>mongoose.connect</a:t>
+            </a:r>
+            <a:r>
+              <a:rPr dirty="0"/>
+              <a:t>('mongodb://localhost/demo');</a:t>
             </a:r>
           </a:p>
           <a:p>
@@ -19503,6 +21524,7 @@
               </a:defRPr>
             </a:pPr>
             <a:r>
+              <a:rPr dirty="0"/>
               <a:t>// create a schema</a:t>
             </a:r>
           </a:p>
@@ -19525,7 +21547,20 @@
               </a:defRPr>
             </a:pPr>
             <a:r>
-              <a:t>var deviceSchema = new Schema({</a:t>
+              <a:rPr dirty="0"/>
+              <a:t>var</a:t>
+            </a:r>
+            <a:r>
+              <a:rPr dirty="0"/>
+              <a:t> </a:t>
+            </a:r>
+            <a:r>
+              <a:rPr dirty="0"/>
+              <a:t>deviceSchema</a:t>
+            </a:r>
+            <a:r>
+              <a:rPr dirty="0"/>
+              <a:t> = new Schema({</a:t>
             </a:r>
           </a:p>
           <a:p>
@@ -19547,7 +21582,16 @@
               </a:defRPr>
             </a:pPr>
             <a:r>
-              <a:t>  macAddr: { type: String},</a:t>
+              <a:rPr dirty="0"/>
+              <a:t>  </a:t>
+            </a:r>
+            <a:r>
+              <a:rPr dirty="0"/>
+              <a:t>macAddr</a:t>
+            </a:r>
+            <a:r>
+              <a:rPr dirty="0"/>
+              <a:t>: { type: String},</a:t>
             </a:r>
           </a:p>
           <a:p>
@@ -19569,6 +21613,7 @@
               </a:defRPr>
             </a:pPr>
             <a:r>
+              <a:rPr dirty="0"/>
               <a:t>  data: { type: String},</a:t>
             </a:r>
           </a:p>
@@ -19591,7 +21636,16 @@
               </a:defRPr>
             </a:pPr>
             <a:r>
-              <a:t>  recv_at: { type: Date},</a:t>
+              <a:rPr dirty="0"/>
+              <a:t>  </a:t>
+            </a:r>
+            <a:r>
+              <a:rPr dirty="0"/>
+              <a:t>recv_at</a:t>
+            </a:r>
+            <a:r>
+              <a:rPr dirty="0"/>
+              <a:t>: { type: Date},</a:t>
             </a:r>
           </a:p>
           <a:p>
@@ -19613,7 +21667,16 @@
               </a:defRPr>
             </a:pPr>
             <a:r>
-              <a:t>  created_at: { type: Date}</a:t>
+              <a:rPr dirty="0"/>
+              <a:t>  </a:t>
+            </a:r>
+            <a:r>
+              <a:rPr dirty="0"/>
+              <a:t>created_at</a:t>
+            </a:r>
+            <a:r>
+              <a:rPr dirty="0"/>
+              <a:t>: { type: Date}</a:t>
             </a:r>
           </a:p>
           <a:p>
@@ -19635,6 +21698,7 @@
               </a:defRPr>
             </a:pPr>
             <a:r>
+              <a:rPr dirty="0"/>
               <a:t>});</a:t>
             </a:r>
           </a:p>
@@ -19659,6 +21723,7 @@
               </a:defRPr>
             </a:pPr>
             <a:r>
+              <a:rPr dirty="0"/>
               <a:t>// the schema is useless so far</a:t>
             </a:r>
           </a:p>
@@ -19683,6 +21748,7 @@
               </a:defRPr>
             </a:pPr>
             <a:r>
+              <a:rPr dirty="0"/>
               <a:t>// we need to create a model using it</a:t>
             </a:r>
           </a:p>
@@ -19705,7 +21771,28 @@
               </a:defRPr>
             </a:pPr>
             <a:r>
-              <a:t>var Device = mongoose.model('Device', deviceSchema);</a:t>
+              <a:rPr dirty="0"/>
+              <a:t>var</a:t>
+            </a:r>
+            <a:r>
+              <a:rPr dirty="0"/>
+              <a:t> Device = </a:t>
+            </a:r>
+            <a:r>
+              <a:rPr dirty="0"/>
+              <a:t>mongoose.model</a:t>
+            </a:r>
+            <a:r>
+              <a:rPr dirty="0"/>
+              <a:t>('Device', </a:t>
+            </a:r>
+            <a:r>
+              <a:rPr dirty="0"/>
+              <a:t>deviceSchema</a:t>
+            </a:r>
+            <a:r>
+              <a:rPr dirty="0"/>
+              <a:t>);</a:t>
             </a:r>
           </a:p>
           <a:p>
@@ -19726,7 +21813,7 @@
                 <a:sym typeface="Arial"/>
               </a:defRPr>
             </a:pPr>
-            <a:endParaRPr/>
+            <a:endParaRPr dirty="0"/>
           </a:p>
           <a:p>
             <a:pPr defTabSz="434522">
@@ -19749,6 +21836,7 @@
               </a:defRPr>
             </a:pPr>
             <a:r>
+              <a:rPr dirty="0"/>
               <a:t>//export module</a:t>
             </a:r>
           </a:p>
@@ -19771,7 +21859,12 @@
               </a:defRPr>
             </a:pPr>
             <a:r>
-              <a:t>module.exports = Device;</a:t>
+              <a:rPr dirty="0"/>
+              <a:t>module.exports</a:t>
+            </a:r>
+            <a:r>
+              <a:rPr dirty="0"/>
+              <a:t> = Device;</a:t>
             </a:r>
           </a:p>
         </p:txBody>
@@ -19792,7 +21885,7 @@
 </p:sld>
 </file>
 
-<file path=ppt/slides/slide43.xml><?xml version="1.0" encoding="utf-8"?>
+<file path=ppt/slides/slide46.xml><?xml version="1.0" encoding="utf-8"?>
 <p:sld xmlns:a="http://schemas.openxmlformats.org/drawingml/2006/main" xmlns:r="http://schemas.openxmlformats.org/officeDocument/2006/relationships" xmlns:p="http://schemas.openxmlformats.org/presentationml/2006/main">
   <p:cSld>
     <p:spTree>
@@ -19841,7 +21934,12 @@
           </a:lstStyle>
           <a:p>
             <a:r>
-              <a:t>頁面路由 - index.js</a:t>
+              <a:rPr dirty="0"/>
+              <a:t>頁面路由</a:t>
+            </a:r>
+            <a:r>
+              <a:rPr dirty="0"/>
+              <a:t> - index.js</a:t>
             </a:r>
           </a:p>
         </p:txBody>
@@ -19889,7 +21987,7 @@
               </a:defRPr>
             </a:pPr>
             <a:r>
-              <a:rPr dirty="0" err="1"/>
+              <a:rPr dirty="0"/>
               <a:t>module.exports</a:t>
             </a:r>
             <a:r>
@@ -19920,7 +22018,7 @@
               <a:t>  </a:t>
             </a:r>
             <a:r>
-              <a:rPr dirty="0" err="1"/>
+              <a:rPr dirty="0"/>
               <a:t>app.get</a:t>
             </a:r>
             <a:r>
@@ -19928,7 +22026,7 @@
               <a:t>('/', function (</a:t>
             </a:r>
             <a:r>
-              <a:rPr dirty="0" err="1"/>
+              <a:rPr dirty="0"/>
               <a:t>req</a:t>
             </a:r>
             <a:r>
@@ -19959,7 +22057,7 @@
               <a:t>    </a:t>
             </a:r>
             <a:r>
-              <a:rPr dirty="0" err="1"/>
+              <a:rPr dirty="0"/>
               <a:t>res.render</a:t>
             </a:r>
             <a:r>
@@ -19967,7 +22065,7 @@
               <a:t>('index', { title: '</a:t>
             </a:r>
             <a:r>
-              <a:rPr dirty="0" err="1"/>
+              <a:rPr dirty="0"/>
               <a:t>首頁</a:t>
             </a:r>
             <a:r>
@@ -20021,7 +22119,7 @@
               <a:t>  </a:t>
             </a:r>
             <a:r>
-              <a:rPr dirty="0" err="1"/>
+              <a:rPr dirty="0"/>
               <a:t>app.get</a:t>
             </a:r>
             <a:r>
@@ -20029,7 +22127,7 @@
               <a:t>('/update', function (</a:t>
             </a:r>
             <a:r>
-              <a:rPr dirty="0" err="1"/>
+              <a:rPr dirty="0"/>
               <a:t>req</a:t>
             </a:r>
             <a:r>
@@ -20060,6 +22158,7 @@
               <a:t>	console.log('render to </a:t>
             </a:r>
             <a:r>
+              <a:rPr dirty="0"/>
               <a:t>update.ejs</a:t>
             </a:r>
             <a:r>
@@ -20090,7 +22189,7 @@
               <a:t>	</a:t>
             </a:r>
             <a:r>
-              <a:rPr dirty="0" err="1"/>
+              <a:rPr dirty="0"/>
               <a:t>res.render</a:t>
             </a:r>
             <a:r>
@@ -20098,7 +22197,7 @@
               <a:t>('post', { title: '</a:t>
             </a:r>
             <a:r>
-              <a:rPr dirty="0" err="1"/>
+              <a:rPr dirty="0"/>
               <a:t>更新</a:t>
             </a:r>
             <a:r>
@@ -20149,18 +22248,10 @@
             </a:pPr>
             <a:r>
               <a:rPr dirty="0"/>
-              <a:t>  </a:t>
-            </a:r>
-            <a:r>
-              <a:rPr dirty="0" err="1"/>
-              <a:t>app.post</a:t>
-            </a:r>
-            <a:r>
-              <a:rPr dirty="0"/>
-              <a:t>('/post', function (</a:t>
-            </a:r>
-            <a:r>
-              <a:rPr dirty="0" err="1"/>
+              <a:t>  app.post('/post', function (</a:t>
+            </a:r>
+            <a:r>
+              <a:rPr dirty="0"/>
               <a:t>req</a:t>
             </a:r>
             <a:r>
@@ -20214,7 +22305,7 @@
               <a:t>  </a:t>
             </a:r>
             <a:r>
-              <a:rPr dirty="0" err="1"/>
+              <a:rPr dirty="0"/>
               <a:t>app.get</a:t>
             </a:r>
             <a:r>
@@ -20222,7 +22313,7 @@
               <a:t>('/find', function (</a:t>
             </a:r>
             <a:r>
-              <a:rPr dirty="0" err="1"/>
+              <a:rPr dirty="0"/>
               <a:t>req</a:t>
             </a:r>
             <a:r>
@@ -20250,15 +22341,7 @@
             </a:pPr>
             <a:r>
               <a:rPr dirty="0"/>
-              <a:t>	console.log('render to </a:t>
-            </a:r>
-            <a:r>
-              <a:rPr dirty="0" err="1"/>
-              <a:t>post.ejs</a:t>
-            </a:r>
-            <a:r>
-              <a:rPr dirty="0"/>
-              <a:t>');</a:t>
+              <a:t>	console.log('render to post.ejs');</a:t>
             </a:r>
           </a:p>
           <a:p>
@@ -20284,7 +22367,7 @@
               <a:t>	</a:t>
             </a:r>
             <a:r>
-              <a:rPr dirty="0" err="1"/>
+              <a:rPr dirty="0"/>
               <a:t>res.render</a:t>
             </a:r>
             <a:r>
@@ -20292,7 +22375,7 @@
               <a:t>('find', { title: '</a:t>
             </a:r>
             <a:r>
-              <a:rPr dirty="0" err="1"/>
+              <a:rPr dirty="0"/>
               <a:t>查詢</a:t>
             </a:r>
             <a:r>
@@ -20343,18 +22426,10 @@
             </a:pPr>
             <a:r>
               <a:rPr dirty="0"/>
-              <a:t>  </a:t>
-            </a:r>
-            <a:r>
-              <a:rPr dirty="0" err="1"/>
-              <a:t>app.post</a:t>
-            </a:r>
-            <a:r>
-              <a:rPr dirty="0"/>
-              <a:t>('/find', function (</a:t>
-            </a:r>
-            <a:r>
-              <a:rPr dirty="0" err="1"/>
+              <a:t>  app.post('/find', function (</a:t>
+            </a:r>
+            <a:r>
+              <a:rPr dirty="0"/>
               <a:t>req</a:t>
             </a:r>
             <a:r>
@@ -20426,7 +22501,7 @@
 </p:sld>
 </file>
 
-<file path=ppt/slides/slide44.xml><?xml version="1.0" encoding="utf-8"?>
+<file path=ppt/slides/slide47.xml><?xml version="1.0" encoding="utf-8"?>
 <p:sld xmlns:a="http://schemas.openxmlformats.org/drawingml/2006/main" xmlns:r="http://schemas.openxmlformats.org/officeDocument/2006/relationships" xmlns:p="http://schemas.openxmlformats.org/presentationml/2006/main">
   <p:cSld>
     <p:spTree>
@@ -20525,7 +22600,7 @@
               </a:defRPr>
             </a:pPr>
             <a:r>
-              <a:rPr lang="en-US" altLang="zh-TW" sz="1800" dirty="0" err="1" smtClean="0">
+              <a:rPr lang="en-US" altLang="zh-TW" sz="1800" dirty="0" smtClean="0">
                 <a:sym typeface="Arial"/>
               </a:rPr>
               <a:t>AdminLTE</a:t>
@@ -20560,14 +22635,7 @@
                 <a:sym typeface="Arial"/>
                 <a:hlinkClick r:id="rId2"/>
               </a:rPr>
-              <a:t>https://</a:t>
-            </a:r>
-            <a:r>
-              <a:rPr lang="en-US" altLang="zh-TW" sz="1800" b="0" dirty="0" smtClean="0">
-                <a:sym typeface="Arial"/>
-                <a:hlinkClick r:id="rId2"/>
-              </a:rPr>
-              <a:t>github.com/almasaeed2010/AdminLTE</a:t>
+              <a:t>https://github.com/almasaeed2010/AdminLTE</a:t>
             </a:r>
             <a:endParaRPr lang="en-US" altLang="zh-TW" sz="1800" b="0" dirty="0" smtClean="0">
               <a:sym typeface="Arial"/>
@@ -20621,14 +22689,7 @@
                 <a:sym typeface="Arial"/>
                 <a:hlinkClick r:id="rId3"/>
               </a:rPr>
-              <a:t>https://</a:t>
-            </a:r>
-            <a:r>
-              <a:rPr lang="en-US" altLang="zh-TW" sz="1800" b="0" dirty="0" smtClean="0">
-                <a:sym typeface="Arial"/>
-                <a:hlinkClick r:id="rId3"/>
-              </a:rPr>
-              <a:t>github.com/VinceG/Bootstrap-Admin-Theme</a:t>
+              <a:t>https://github.com/VinceG/Bootstrap-Admin-Theme</a:t>
             </a:r>
             <a:endParaRPr lang="en-US" altLang="zh-TW" sz="1800" b="0" dirty="0" smtClean="0">
               <a:sym typeface="Arial"/>
@@ -20658,9 +22719,6 @@
               </a:rPr>
               <a:t>Binary admin</a:t>
             </a:r>
-            <a:endParaRPr lang="en-US" altLang="zh-TW" sz="1800" dirty="0" smtClean="0">
-              <a:sym typeface="Arial"/>
-            </a:endParaRPr>
           </a:p>
           <a:p>
             <a:pPr defTabSz="232196">
@@ -20685,14 +22743,7 @@
                 <a:sym typeface="Arial"/>
                 <a:hlinkClick r:id="rId4"/>
               </a:rPr>
-              <a:t>http://binarycart.com</a:t>
-            </a:r>
-            <a:r>
-              <a:rPr lang="en-US" altLang="zh-TW" sz="1800" b="0" dirty="0" smtClean="0">
-                <a:sym typeface="Arial"/>
-                <a:hlinkClick r:id="rId4"/>
-              </a:rPr>
-              <a:t>/</a:t>
+              <a:t>http://binarycart.com/</a:t>
             </a:r>
             <a:endParaRPr lang="en-US" altLang="zh-TW" sz="1800" b="0" dirty="0" smtClean="0">
               <a:sym typeface="Arial"/>
@@ -20746,14 +22797,7 @@
                 <a:sym typeface="Arial"/>
                 <a:hlinkClick r:id="rId5"/>
               </a:rPr>
-              <a:t>https://bootstrapmade.com/butterfly-free-bootstrap-theme</a:t>
-            </a:r>
-            <a:r>
-              <a:rPr lang="en-US" altLang="zh-TW" sz="1800" b="0" dirty="0" smtClean="0">
-                <a:sym typeface="Arial"/>
-                <a:hlinkClick r:id="rId5"/>
-              </a:rPr>
-              <a:t>/</a:t>
+              <a:t>https://bootstrapmade.com/butterfly-free-bootstrap-theme/</a:t>
             </a:r>
             <a:endParaRPr lang="en-US" altLang="zh-TW" sz="1800" b="0" dirty="0" smtClean="0">
               <a:sym typeface="Arial"/>
@@ -20781,13 +22825,7 @@
               <a:rPr lang="en-US" altLang="zh-TW" sz="1800" dirty="0" smtClean="0">
                 <a:sym typeface="Arial"/>
               </a:rPr>
-              <a:t>SB </a:t>
-            </a:r>
-            <a:r>
-              <a:rPr lang="en-US" altLang="zh-TW" sz="1800" dirty="0" smtClean="0">
-                <a:sym typeface="Arial"/>
-              </a:rPr>
-              <a:t>Admin</a:t>
+              <a:t>SB Admin</a:t>
             </a:r>
           </a:p>
           <a:p>
@@ -20813,14 +22851,7 @@
                 <a:sym typeface="Arial"/>
                 <a:hlinkClick r:id="rId6"/>
               </a:rPr>
-              <a:t>https://startbootstrap.com/template-overviews/sb-admin</a:t>
-            </a:r>
-            <a:r>
-              <a:rPr lang="en-US" altLang="zh-TW" sz="1800" b="0" dirty="0" smtClean="0">
-                <a:sym typeface="Arial"/>
-                <a:hlinkClick r:id="rId6"/>
-              </a:rPr>
-              <a:t>/</a:t>
+              <a:t>https://startbootstrap.com/template-overviews/sb-admin/</a:t>
             </a:r>
             <a:endParaRPr lang="en-US" altLang="zh-TW" sz="1800" b="0" dirty="0" smtClean="0">
               <a:sym typeface="Arial"/>
@@ -20848,17 +22879,8 @@
               <a:rPr lang="en-US" altLang="zh-TW" sz="1800" dirty="0" smtClean="0">
                 <a:sym typeface="Arial"/>
               </a:rPr>
-              <a:t>SB </a:t>
-            </a:r>
-            <a:r>
-              <a:rPr lang="en-US" altLang="zh-TW" sz="1800" dirty="0" smtClean="0">
-                <a:sym typeface="Arial"/>
-              </a:rPr>
-              <a:t>Admin 2</a:t>
-            </a:r>
-            <a:endParaRPr lang="en-US" altLang="zh-TW" sz="1800" dirty="0" smtClean="0">
-              <a:sym typeface="Arial"/>
-            </a:endParaRPr>
+              <a:t>SB Admin 2</a:t>
+            </a:r>
           </a:p>
           <a:p>
             <a:pPr defTabSz="232196">
@@ -20886,17 +22908,7 @@
                 <a:sym typeface="Arial"/>
                 <a:hlinkClick r:id="rId7"/>
               </a:rPr>
-              <a:t>http://startbootstrap.com/template-overviews/sb-admin-2</a:t>
-            </a:r>
-            <a:r>
-              <a:rPr lang="en-US" altLang="zh-TW" sz="1800" b="0" dirty="0" smtClean="0">
-                <a:solidFill>
-                  <a:schemeClr val="accent6"/>
-                </a:solidFill>
-                <a:sym typeface="Arial"/>
-                <a:hlinkClick r:id="rId7"/>
-              </a:rPr>
-              <a:t>/</a:t>
+              <a:t>http://startbootstrap.com/template-overviews/sb-admin-2/</a:t>
             </a:r>
             <a:endParaRPr lang="en-US" altLang="zh-TW" sz="1800" b="0" dirty="0" smtClean="0">
               <a:solidFill>
@@ -21077,7 +23089,7 @@
 </p:sld>
 </file>
 
-<file path=ppt/slides/slide45.xml><?xml version="1.0" encoding="utf-8"?>
+<file path=ppt/slides/slide48.xml><?xml version="1.0" encoding="utf-8"?>
 <p:sld xmlns:a="http://schemas.openxmlformats.org/drawingml/2006/main" xmlns:r="http://schemas.openxmlformats.org/officeDocument/2006/relationships" xmlns:p="http://schemas.openxmlformats.org/presentationml/2006/main">
   <p:cSld>
     <p:spTree>
@@ -21126,7 +23138,7 @@
           </a:lstStyle>
           <a:p>
             <a:r>
-              <a:rPr lang="en-US" altLang="zh-TW" dirty="0" err="1" smtClean="0"/>
+              <a:rPr lang="en-US" altLang="zh-TW" dirty="0" smtClean="0"/>
               <a:t>RESTful</a:t>
             </a:r>
             <a:r>
@@ -21161,7 +23173,7 @@
           <a:lstStyle/>
           <a:p>
             <a:r>
-              <a:rPr lang="en-US" altLang="zh-TW" b="0" dirty="0" err="1" smtClean="0"/>
+              <a:rPr lang="en-US" altLang="zh-TW" b="0" dirty="0" smtClean="0"/>
               <a:t>RESTful</a:t>
             </a:r>
             <a:r>
@@ -21368,7 +23380,7 @@
 </p:sld>
 </file>
 
-<file path=ppt/slides/slide46.xml><?xml version="1.0" encoding="utf-8"?>
+<file path=ppt/slides/slide49.xml><?xml version="1.0" encoding="utf-8"?>
 <p:sld xmlns:a="http://schemas.openxmlformats.org/drawingml/2006/main" xmlns:r="http://schemas.openxmlformats.org/officeDocument/2006/relationships" xmlns:p="http://schemas.openxmlformats.org/presentationml/2006/main">
   <p:cSld>
     <p:spTree>
@@ -21413,8 +23425,10 @@
           </a:lstStyle>
           <a:p>
             <a:r>
+              <a:rPr dirty="0"/>
               <a:t>參考連結</a:t>
             </a:r>
+            <a:endParaRPr dirty="0"/>
           </a:p>
         </p:txBody>
       </p:sp>
@@ -21456,7 +23470,7 @@
               </a:defRPr>
             </a:pPr>
             <a:r>
-              <a:rPr dirty="0" err="1"/>
+              <a:rPr dirty="0"/>
               <a:t>Mosquitto官網</a:t>
             </a:r>
             <a:r>
@@ -21533,7 +23547,7 @@
               </a:defRPr>
             </a:pPr>
             <a:r>
-              <a:rPr dirty="0" err="1"/>
+              <a:rPr dirty="0"/>
               <a:t>使用express與MongoDB的搭建多人博客</a:t>
             </a:r>
             <a:endParaRPr dirty="0"/>
@@ -21585,7 +23599,7 @@
               </a:defRPr>
             </a:pPr>
             <a:r>
-              <a:rPr dirty="0" err="1"/>
+              <a:rPr dirty="0"/>
               <a:t>Mongoose學習參考文檔</a:t>
             </a:r>
             <a:endParaRPr dirty="0"/>
@@ -21893,7 +23907,7 @@
               </a:defRPr>
             </a:pPr>
             <a:r>
-              <a:rPr dirty="0" err="1"/>
+              <a:rPr dirty="0"/>
               <a:t>檢查nodejs版本</a:t>
             </a:r>
             <a:endParaRPr dirty="0"/>
@@ -21957,7 +23971,7 @@
               </a:defRPr>
             </a:pPr>
             <a:r>
-              <a:rPr dirty="0" err="1"/>
+              <a:rPr dirty="0"/>
               <a:t>檢查npm版本</a:t>
             </a:r>
             <a:endParaRPr dirty="0"/>
@@ -22021,7 +24035,7 @@
               </a:defRPr>
             </a:pPr>
             <a:r>
-              <a:rPr dirty="0" err="1"/>
+              <a:rPr dirty="0"/>
               <a:t>安裝</a:t>
             </a:r>
             <a:r>
@@ -22029,7 +24043,7 @@
               <a:t>(</a:t>
             </a:r>
             <a:r>
-              <a:rPr dirty="0" err="1">
+              <a:rPr dirty="0">
                 <a:solidFill>
                   <a:srgbClr val="F93B42"/>
                 </a:solidFill>
@@ -22047,7 +24061,7 @@
               <a:t>)</a:t>
             </a:r>
             <a:r>
-              <a:rPr dirty="0" err="1"/>
+              <a:rPr dirty="0"/>
               <a:t>模組</a:t>
             </a:r>
             <a:endParaRPr dirty="0"/>
@@ -22071,7 +24085,7 @@
               </a:defRPr>
             </a:pPr>
             <a:r>
-              <a:rPr dirty="0" err="1"/>
+              <a:rPr dirty="0"/>
               <a:t>npm</a:t>
             </a:r>
             <a:r>
@@ -22079,7 +24093,7 @@
               <a:t> install </a:t>
             </a:r>
             <a:r>
-              <a:rPr dirty="0" err="1"/>
+              <a:rPr dirty="0"/>
               <a:t>mosca</a:t>
             </a:r>
             <a:r>
@@ -22087,7 +24101,7 @@
               <a:t> </a:t>
             </a:r>
             <a:r>
-              <a:rPr dirty="0" err="1"/>
+              <a:rPr dirty="0"/>
               <a:t>bunyan</a:t>
             </a:r>
             <a:r>
@@ -22147,8 +24161,10 @@
           </a:lstStyle>
           <a:p>
             <a:r>
+              <a:rPr dirty="0"/>
               <a:t>node.js安裝模組</a:t>
             </a:r>
+            <a:endParaRPr dirty="0"/>
           </a:p>
         </p:txBody>
       </p:sp>
@@ -22475,7 +24491,7 @@
               </a:defRPr>
             </a:pPr>
             <a:r>
-              <a:rPr dirty="0" err="1" smtClean="0"/>
+              <a:rPr dirty="0" smtClean="0"/>
               <a:t>在目錄下執行</a:t>
             </a:r>
             <a:r>
@@ -22483,7 +24499,7 @@
               <a:t> </a:t>
             </a:r>
             <a:r>
-              <a:rPr dirty="0" err="1" smtClean="0"/>
+              <a:rPr dirty="0" smtClean="0"/>
               <a:t>npm</a:t>
             </a:r>
             <a:r>
@@ -22536,8 +24552,10 @@
           </a:lstStyle>
           <a:p>
             <a:r>
+              <a:rPr dirty="0"/>
               <a:t>專案下載</a:t>
             </a:r>
+            <a:endParaRPr dirty="0"/>
           </a:p>
         </p:txBody>
       </p:sp>
@@ -22775,7 +24793,7 @@
           </a:p>
           <a:p>
             <a:r>
-              <a:rPr lang="en-US" altLang="zh-TW" sz="2400" b="0" dirty="0" err="1" smtClean="0">
+              <a:rPr lang="en-US" altLang="zh-TW" sz="2400" b="0" dirty="0" smtClean="0">
                 <a:hlinkClick r:id="rId8"/>
               </a:rPr>
               <a:t>Ubuntu</a:t>
@@ -22791,7 +24809,7 @@
               <a:t> - also available as a </a:t>
             </a:r>
             <a:r>
-              <a:rPr lang="en-US" altLang="zh-TW" sz="2400" b="0" dirty="0" err="1" smtClean="0">
+              <a:rPr lang="en-US" altLang="zh-TW" sz="2400" b="0" dirty="0" smtClean="0">
                 <a:hlinkClick r:id="rId9"/>
               </a:rPr>
               <a:t>tarball</a:t>
@@ -22803,7 +24821,7 @@
           </a:p>
           <a:p>
             <a:r>
-              <a:rPr lang="en-US" altLang="zh-TW" sz="2400" b="0" dirty="0" err="1" smtClean="0">
+              <a:rPr lang="en-US" altLang="zh-TW" sz="2400" b="0" dirty="0" smtClean="0">
                 <a:hlinkClick r:id="rId10"/>
               </a:rPr>
               <a:t>Ubuntu</a:t>
@@ -22819,7 +24837,7 @@
               <a:t> - also available as a </a:t>
             </a:r>
             <a:r>
-              <a:rPr lang="en-US" altLang="zh-TW" sz="2400" b="0" dirty="0" err="1" smtClean="0">
+              <a:rPr lang="en-US" altLang="zh-TW" sz="2400" b="0" dirty="0" smtClean="0">
                 <a:hlinkClick r:id="rId11"/>
               </a:rPr>
               <a:t>tarball</a:t>
@@ -22991,7 +25009,7 @@
           </a:lstStyle>
           <a:p>
             <a:r>
-              <a:rPr dirty="0" err="1" smtClean="0"/>
+              <a:rPr dirty="0" smtClean="0"/>
               <a:t>簡單模組定義</a:t>
             </a:r>
             <a:endParaRPr dirty="0"/>
@@ -23045,7 +25063,7 @@
               <a:t>node.js </a:t>
             </a:r>
             <a:r>
-              <a:rPr dirty="0" err="1"/>
+              <a:rPr dirty="0"/>
               <a:t>遵照CommonJS</a:t>
             </a:r>
             <a:r>
@@ -23053,7 +25071,7 @@
               <a:t> </a:t>
             </a:r>
             <a:r>
-              <a:rPr dirty="0" err="1"/>
+              <a:rPr dirty="0"/>
               <a:t>的慣例</a:t>
             </a:r>
             <a:r>
@@ -23061,7 +25079,7 @@
               <a:t>, 用 require </a:t>
             </a:r>
             <a:r>
-              <a:rPr dirty="0" err="1"/>
+              <a:rPr dirty="0"/>
               <a:t>以及</a:t>
             </a:r>
             <a:r>
@@ -23069,7 +25087,7 @@
               <a:t> exports </a:t>
             </a:r>
             <a:r>
-              <a:rPr dirty="0" err="1"/>
+              <a:rPr dirty="0"/>
               <a:t>來作檔案和模組之間的溝通</a:t>
             </a:r>
             <a:endParaRPr dirty="0"/>
@@ -23113,7 +25131,7 @@
               </a:defRPr>
             </a:pPr>
             <a:r>
-              <a:rPr dirty="0" err="1"/>
+              <a:rPr dirty="0"/>
               <a:t>var</a:t>
             </a:r>
             <a:r>
@@ -23121,7 +25139,7 @@
               <a:t> PI = </a:t>
             </a:r>
             <a:r>
-              <a:rPr dirty="0" err="1"/>
+              <a:rPr dirty="0"/>
               <a:t>Math.PI</a:t>
             </a:r>
             <a:r>
@@ -23148,7 +25166,7 @@
               </a:defRPr>
             </a:pPr>
             <a:r>
-              <a:rPr dirty="0" err="1"/>
+              <a:rPr dirty="0"/>
               <a:t>exports.area</a:t>
             </a:r>
             <a:r>
@@ -23221,7 +25239,7 @@
               </a:defRPr>
             </a:pPr>
             <a:r>
-              <a:rPr dirty="0" err="1"/>
+              <a:rPr dirty="0"/>
               <a:t>exports.circumference</a:t>
             </a:r>
             <a:r>
@@ -23395,7 +25413,7 @@
               </a:defRPr>
             </a:pPr>
             <a:r>
-              <a:rPr dirty="0" err="1"/>
+              <a:rPr dirty="0"/>
               <a:t>並新建一個test.js文件，並寫入以下代碼</a:t>
             </a:r>
             <a:endParaRPr dirty="0"/>
@@ -23439,7 +25457,7 @@
               </a:defRPr>
             </a:pPr>
             <a:r>
-              <a:rPr dirty="0" err="1"/>
+              <a:rPr dirty="0"/>
               <a:t>var</a:t>
             </a:r>
             <a:r>
@@ -23470,7 +25488,7 @@
               <a:t>console.log( 'The area of a circle of radius 4 is ' + </a:t>
             </a:r>
             <a:r>
-              <a:rPr dirty="0" err="1"/>
+              <a:rPr dirty="0"/>
               <a:t>circle.area</a:t>
             </a:r>
             <a:r>
@@ -23522,7 +25540,7 @@
           </a:lstStyle>
           <a:p>
             <a:r>
-              <a:rPr dirty="0" err="1" smtClean="0"/>
+              <a:rPr dirty="0" smtClean="0"/>
               <a:t>簡單模組使用</a:t>
             </a:r>
             <a:endParaRPr dirty="0"/>
